--- a/4 ⚙️ Solution/60 🧰 Edge/61 🔌 Pluggables/.📎 Assets/🔌 .pptx
+++ b/4 ⚙️ Solution/60 🧰 Edge/61 🔌 Pluggables/.📎 Assets/🔌 .pptx
@@ -30,7 +30,7 @@
       <p:boldItalic r:id="rId14"/>
     </p:embeddedFont>
     <p:embeddedFont>
-      <p:font typeface="Amazon Ember Display" panose="020B0603020204020204" pitchFamily="34" charset="0"/>
+      <p:font typeface="Amazon Ember Display" panose="020F0603020204020204" pitchFamily="34" charset="0"/>
       <p:regular r:id="rId15"/>
       <p:bold r:id="rId16"/>
       <p:italic r:id="rId17"/>
@@ -723,7 +723,7 @@
           <a:p>
             <a:fld id="{542F96DF-134D-4F6A-BFA6-E032E504EEEB}" type="datetime8">
               <a:rPr lang="en-US" smtClean="0"/>
-              <a:t>4/22/25 9:21 PM</a:t>
+              <a:t>9/2/25 11:23 AM</a:t>
             </a:fld>
             <a:endParaRPr lang="en-US"/>
           </a:p>
@@ -9835,20 +9835,22 @@
         </p:nvSpPr>
         <p:spPr>
           <a:xfrm>
-            <a:off x="8048951" y="877164"/>
-            <a:ext cx="2888924" cy="1730619"/>
+            <a:off x="7580030" y="669288"/>
+            <a:ext cx="3052802" cy="2675095"/>
           </a:xfrm>
           <a:prstGeom prst="rect">
             <a:avLst/>
           </a:prstGeom>
           <a:solidFill>
-            <a:schemeClr val="bg1">
-              <a:lumMod val="85000"/>
-              <a:lumOff val="15000"/>
-            </a:schemeClr>
+            <a:schemeClr val="bg1"/>
           </a:solidFill>
           <a:ln w="12700">
-            <a:noFill/>
+            <a:solidFill>
+              <a:schemeClr val="bg1">
+                <a:lumMod val="50000"/>
+                <a:lumOff val="50000"/>
+              </a:schemeClr>
+            </a:solidFill>
             <a:prstDash val="dash"/>
           </a:ln>
         </p:spPr>
@@ -9888,300 +9890,6 @@
           </a:p>
         </p:txBody>
       </p:sp>
-      <p:grpSp>
-        <p:nvGrpSpPr>
-          <p:cNvPr id="27" name="Group 26">
-            <a:extLst>
-              <a:ext uri="{FF2B5EF4-FFF2-40B4-BE49-F238E27FC236}">
-                <a16:creationId xmlns:a16="http://schemas.microsoft.com/office/drawing/2014/main" id="{FB7F0F89-D9A8-77F2-25D8-65C557A4527F}"/>
-              </a:ext>
-            </a:extLst>
-          </p:cNvPr>
-          <p:cNvGrpSpPr/>
-          <p:nvPr/>
-        </p:nvGrpSpPr>
-        <p:grpSpPr>
-          <a:xfrm>
-            <a:off x="8152879" y="1997909"/>
-            <a:ext cx="2161254" cy="512403"/>
-            <a:chOff x="4941376" y="3971594"/>
-            <a:chExt cx="2161254" cy="512403"/>
-          </a:xfrm>
-        </p:grpSpPr>
-        <p:sp>
-          <p:nvSpPr>
-            <p:cNvPr id="28" name="Rectangle 27">
-              <a:extLst>
-                <a:ext uri="{FF2B5EF4-FFF2-40B4-BE49-F238E27FC236}">
-                  <a16:creationId xmlns:a16="http://schemas.microsoft.com/office/drawing/2014/main" id="{EBB0125E-02B4-E2CA-294D-916DE1496E85}"/>
-                </a:ext>
-              </a:extLst>
-            </p:cNvPr>
-            <p:cNvSpPr/>
-            <p:nvPr/>
-          </p:nvSpPr>
-          <p:spPr>
-            <a:xfrm>
-              <a:off x="4941376" y="3971594"/>
-              <a:ext cx="2161254" cy="512403"/>
-            </a:xfrm>
-            <a:prstGeom prst="rect">
-              <a:avLst/>
-            </a:prstGeom>
-            <a:solidFill>
-              <a:schemeClr val="bg1"/>
-            </a:solidFill>
-            <a:ln w="12700">
-              <a:solidFill>
-                <a:srgbClr val="5A6B86"/>
-              </a:solidFill>
-              <a:prstDash val="dash"/>
-            </a:ln>
-          </p:spPr>
-          <p:style>
-            <a:lnRef idx="2">
-              <a:schemeClr val="accent1">
-                <a:shade val="50000"/>
-              </a:schemeClr>
-            </a:lnRef>
-            <a:fillRef idx="1">
-              <a:schemeClr val="accent1"/>
-            </a:fillRef>
-            <a:effectRef idx="0">
-              <a:schemeClr val="accent1"/>
-            </a:effectRef>
-            <a:fontRef idx="minor">
-              <a:schemeClr val="lt1"/>
-            </a:fontRef>
-          </p:style>
-          <p:txBody>
-            <a:bodyPr tIns="36000"/>
-            <a:lstStyle/>
-            <a:p>
-              <a:pPr eaLnBrk="1" fontAlgn="auto" hangingPunct="1">
-                <a:spcBef>
-                  <a:spcPts val="0"/>
-                </a:spcBef>
-                <a:spcAft>
-                  <a:spcPts val="0"/>
-                </a:spcAft>
-                <a:defRPr/>
-              </a:pPr>
-              <a:endParaRPr lang="en-US" sz="2000" i="1" dirty="0">
-                <a:solidFill>
-                  <a:schemeClr val="bg2">
-                    <a:lumMod val="40000"/>
-                    <a:lumOff val="60000"/>
-                  </a:schemeClr>
-                </a:solidFill>
-                <a:effectLst>
-                  <a:glow>
-                    <a:schemeClr val="bg1"/>
-                  </a:glow>
-                </a:effectLst>
-              </a:endParaRPr>
-            </a:p>
-          </p:txBody>
-        </p:sp>
-        <p:sp>
-          <p:nvSpPr>
-            <p:cNvPr id="29" name="TextBox 28">
-              <a:extLst>
-                <a:ext uri="{FF2B5EF4-FFF2-40B4-BE49-F238E27FC236}">
-                  <a16:creationId xmlns:a16="http://schemas.microsoft.com/office/drawing/2014/main" id="{4E046D23-474C-FC55-7E1A-87EFF489C471}"/>
-                </a:ext>
-              </a:extLst>
-            </p:cNvPr>
-            <p:cNvSpPr txBox="1"/>
-            <p:nvPr/>
-          </p:nvSpPr>
-          <p:spPr>
-            <a:xfrm>
-              <a:off x="4995167" y="4050606"/>
-              <a:ext cx="1302958" cy="379591"/>
-            </a:xfrm>
-            <a:prstGeom prst="rect">
-              <a:avLst/>
-            </a:prstGeom>
-            <a:noFill/>
-          </p:spPr>
-          <p:txBody>
-            <a:bodyPr wrap="square">
-              <a:spAutoFit/>
-            </a:bodyPr>
-            <a:lstStyle/>
-            <a:p>
-              <a:r>
-                <a:rPr lang="en-GB" sz="2800" baseline="-11000" noProof="1">
-                  <a:solidFill>
-                    <a:schemeClr val="bg2">
-                      <a:lumMod val="40000"/>
-                      <a:lumOff val="60000"/>
-                    </a:schemeClr>
-                  </a:solidFill>
-                  <a:effectLst>
-                    <a:glow>
-                      <a:schemeClr val="bg1"/>
-                    </a:glow>
-                  </a:effectLst>
-                </a:rPr>
-                <a:t>🛜</a:t>
-              </a:r>
-              <a:r>
-                <a:rPr lang="en-GB" noProof="1"/>
-                <a:t> Wi-Fier</a:t>
-              </a:r>
-            </a:p>
-          </p:txBody>
-        </p:sp>
-      </p:grpSp>
-      <p:grpSp>
-        <p:nvGrpSpPr>
-          <p:cNvPr id="23" name="Group 22">
-            <a:extLst>
-              <a:ext uri="{FF2B5EF4-FFF2-40B4-BE49-F238E27FC236}">
-                <a16:creationId xmlns:a16="http://schemas.microsoft.com/office/drawing/2014/main" id="{6DA4C053-39F9-640D-4C90-5C141063259E}"/>
-              </a:ext>
-            </a:extLst>
-          </p:cNvPr>
-          <p:cNvGrpSpPr/>
-          <p:nvPr/>
-        </p:nvGrpSpPr>
-        <p:grpSpPr>
-          <a:xfrm>
-            <a:off x="8152880" y="1367917"/>
-            <a:ext cx="1356748" cy="512403"/>
-            <a:chOff x="4941377" y="3971594"/>
-            <a:chExt cx="1356748" cy="512403"/>
-          </a:xfrm>
-        </p:grpSpPr>
-        <p:sp>
-          <p:nvSpPr>
-            <p:cNvPr id="24" name="Rectangle 23">
-              <a:extLst>
-                <a:ext uri="{FF2B5EF4-FFF2-40B4-BE49-F238E27FC236}">
-                  <a16:creationId xmlns:a16="http://schemas.microsoft.com/office/drawing/2014/main" id="{0C7B4382-9388-5AD5-96B1-B3AD52A473E9}"/>
-                </a:ext>
-              </a:extLst>
-            </p:cNvPr>
-            <p:cNvSpPr/>
-            <p:nvPr/>
-          </p:nvSpPr>
-          <p:spPr>
-            <a:xfrm>
-              <a:off x="4941377" y="3971594"/>
-              <a:ext cx="1356748" cy="512403"/>
-            </a:xfrm>
-            <a:prstGeom prst="rect">
-              <a:avLst/>
-            </a:prstGeom>
-            <a:solidFill>
-              <a:schemeClr val="bg1"/>
-            </a:solidFill>
-            <a:ln w="12700">
-              <a:solidFill>
-                <a:srgbClr val="5A6B86"/>
-              </a:solidFill>
-              <a:prstDash val="dash"/>
-            </a:ln>
-          </p:spPr>
-          <p:style>
-            <a:lnRef idx="2">
-              <a:schemeClr val="accent1">
-                <a:shade val="50000"/>
-              </a:schemeClr>
-            </a:lnRef>
-            <a:fillRef idx="1">
-              <a:schemeClr val="accent1"/>
-            </a:fillRef>
-            <a:effectRef idx="0">
-              <a:schemeClr val="accent1"/>
-            </a:effectRef>
-            <a:fontRef idx="minor">
-              <a:schemeClr val="lt1"/>
-            </a:fontRef>
-          </p:style>
-          <p:txBody>
-            <a:bodyPr tIns="36000"/>
-            <a:lstStyle/>
-            <a:p>
-              <a:pPr eaLnBrk="1" fontAlgn="auto" hangingPunct="1">
-                <a:spcBef>
-                  <a:spcPts val="0"/>
-                </a:spcBef>
-                <a:spcAft>
-                  <a:spcPts val="0"/>
-                </a:spcAft>
-                <a:defRPr/>
-              </a:pPr>
-              <a:endParaRPr lang="en-US" sz="2000" i="1" dirty="0">
-                <a:solidFill>
-                  <a:schemeClr val="bg2">
-                    <a:lumMod val="40000"/>
-                    <a:lumOff val="60000"/>
-                  </a:schemeClr>
-                </a:solidFill>
-                <a:effectLst>
-                  <a:glow>
-                    <a:schemeClr val="bg1"/>
-                  </a:glow>
-                </a:effectLst>
-              </a:endParaRPr>
-            </a:p>
-          </p:txBody>
-        </p:sp>
-        <p:sp>
-          <p:nvSpPr>
-            <p:cNvPr id="26" name="TextBox 25">
-              <a:extLst>
-                <a:ext uri="{FF2B5EF4-FFF2-40B4-BE49-F238E27FC236}">
-                  <a16:creationId xmlns:a16="http://schemas.microsoft.com/office/drawing/2014/main" id="{609FD7AF-859B-02FB-A1AA-447BC82FE11B}"/>
-                </a:ext>
-              </a:extLst>
-            </p:cNvPr>
-            <p:cNvSpPr txBox="1"/>
-            <p:nvPr/>
-          </p:nvSpPr>
-          <p:spPr>
-            <a:xfrm>
-              <a:off x="4941377" y="4041641"/>
-              <a:ext cx="1356748" cy="379591"/>
-            </a:xfrm>
-            <a:prstGeom prst="rect">
-              <a:avLst/>
-            </a:prstGeom>
-            <a:noFill/>
-          </p:spPr>
-          <p:txBody>
-            <a:bodyPr wrap="square">
-              <a:spAutoFit/>
-            </a:bodyPr>
-            <a:lstStyle/>
-            <a:p>
-              <a:r>
-                <a:rPr lang="en-GB" sz="2800" baseline="-11000" dirty="0">
-                  <a:solidFill>
-                    <a:schemeClr val="bg2">
-                      <a:lumMod val="40000"/>
-                      <a:lumOff val="60000"/>
-                    </a:schemeClr>
-                  </a:solidFill>
-                  <a:effectLst>
-                    <a:glow>
-                      <a:schemeClr val="bg1"/>
-                    </a:glow>
-                  </a:effectLst>
-                </a:rPr>
-                <a:t>🔆</a:t>
-              </a:r>
-              <a:r>
-                <a:rPr lang="en-GB" dirty="0"/>
-                <a:t> NFC QR</a:t>
-              </a:r>
-            </a:p>
-          </p:txBody>
-        </p:sp>
-      </p:grpSp>
       <p:sp>
         <p:nvSpPr>
           <p:cNvPr id="32" name="Content Placeholder 2">
@@ -10198,8 +9906,8 @@
         </p:nvSpPr>
         <p:spPr>
           <a:xfrm>
-            <a:off x="8074352" y="928645"/>
-            <a:ext cx="2242841" cy="400110"/>
+            <a:off x="7523372" y="741077"/>
+            <a:ext cx="1313390" cy="707886"/>
           </a:xfrm>
           <a:prstGeom prst="rect">
             <a:avLst/>
@@ -10415,7 +10123,7 @@
                   </a:glow>
                 </a:effectLst>
               </a:rPr>
-              <a:t>☕</a:t>
+              <a:t>🔌</a:t>
             </a:r>
             <a:r>
               <a:rPr lang="en-US" sz="2000" i="1" dirty="0">
@@ -10450,7 +10158,7 @@
         </p:nvGrpSpPr>
         <p:grpSpPr>
           <a:xfrm>
-            <a:off x="4056945" y="1241141"/>
+            <a:off x="3599748" y="1241141"/>
             <a:ext cx="1988691" cy="1383576"/>
             <a:chOff x="4959152" y="4727414"/>
             <a:chExt cx="1988691" cy="1383576"/>
@@ -11180,8 +10888,8 @@
         </p:nvSpPr>
         <p:spPr>
           <a:xfrm>
-            <a:off x="7954044" y="380284"/>
-            <a:ext cx="3074426" cy="2964099"/>
+            <a:off x="7485124" y="211042"/>
+            <a:ext cx="4519307" cy="3247266"/>
           </a:xfrm>
           <a:prstGeom prst="rect">
             <a:avLst/>
@@ -11255,7 +10963,7 @@
         </p:nvSpPr>
         <p:spPr>
           <a:xfrm>
-            <a:off x="7962510" y="415955"/>
+            <a:off x="7493590" y="240110"/>
             <a:ext cx="2242841" cy="400110"/>
           </a:xfrm>
           <a:prstGeom prst="rect">
@@ -11493,103 +11201,79 @@
           </a:p>
         </p:txBody>
       </p:sp>
-      <p:sp>
-        <p:nvSpPr>
-          <p:cNvPr id="65" name="Rectangle 64">
+      <p:grpSp>
+        <p:nvGrpSpPr>
+          <p:cNvPr id="12" name="Group 11">
             <a:extLst>
               <a:ext uri="{FF2B5EF4-FFF2-40B4-BE49-F238E27FC236}">
-                <a16:creationId xmlns:a16="http://schemas.microsoft.com/office/drawing/2014/main" id="{82109904-715D-A095-9672-A9692C64CCBF}"/>
+                <a16:creationId xmlns:a16="http://schemas.microsoft.com/office/drawing/2014/main" id="{90A16D8C-04A1-29C4-4E1E-E90C7BA5767B}"/>
               </a:ext>
             </a:extLst>
           </p:cNvPr>
-          <p:cNvSpPr/>
+          <p:cNvGrpSpPr/>
           <p:nvPr/>
-        </p:nvSpPr>
-        <p:spPr>
+        </p:nvGrpSpPr>
+        <p:grpSpPr>
           <a:xfrm>
-            <a:off x="8048951" y="2736815"/>
-            <a:ext cx="1730644" cy="512403"/>
+            <a:off x="10726797" y="672473"/>
+            <a:ext cx="1164577" cy="735598"/>
+            <a:chOff x="8013515" y="2736815"/>
+            <a:chExt cx="1164577" cy="735598"/>
           </a:xfrm>
-          <a:prstGeom prst="rect">
-            <a:avLst/>
-          </a:prstGeom>
-          <a:solidFill>
-            <a:schemeClr val="bg1">
-              <a:lumMod val="85000"/>
-              <a:lumOff val="15000"/>
-            </a:schemeClr>
-          </a:solidFill>
-          <a:ln w="12700">
-            <a:noFill/>
-            <a:prstDash val="dash"/>
-          </a:ln>
-        </p:spPr>
-        <p:style>
-          <a:lnRef idx="2">
-            <a:schemeClr val="accent1">
-              <a:shade val="50000"/>
-            </a:schemeClr>
-          </a:lnRef>
-          <a:fillRef idx="1">
-            <a:schemeClr val="accent1"/>
-          </a:fillRef>
-          <a:effectRef idx="0">
-            <a:schemeClr val="accent1"/>
-          </a:effectRef>
-          <a:fontRef idx="minor">
-            <a:schemeClr val="lt1"/>
-          </a:fontRef>
-        </p:style>
-        <p:txBody>
-          <a:bodyPr tIns="36000"/>
-          <a:lstStyle/>
-          <a:p>
-            <a:endParaRPr lang="en-US" sz="2000" dirty="0">
-              <a:solidFill>
-                <a:schemeClr val="bg2">
-                  <a:lumMod val="40000"/>
-                  <a:lumOff val="60000"/>
-                </a:schemeClr>
-              </a:solidFill>
-              <a:effectLst>
-                <a:glow>
-                  <a:schemeClr val="bg1"/>
-                </a:glow>
-              </a:effectLst>
-            </a:endParaRPr>
-          </a:p>
-        </p:txBody>
-      </p:sp>
-      <p:sp>
-        <p:nvSpPr>
-          <p:cNvPr id="66" name="TextBox 65">
-            <a:extLst>
-              <a:ext uri="{FF2B5EF4-FFF2-40B4-BE49-F238E27FC236}">
-                <a16:creationId xmlns:a16="http://schemas.microsoft.com/office/drawing/2014/main" id="{8C57AE6C-5495-08C7-2AAE-2EE499E68133}"/>
-              </a:ext>
-            </a:extLst>
-          </p:cNvPr>
-          <p:cNvSpPr txBox="1"/>
-          <p:nvPr/>
-        </p:nvSpPr>
-        <p:spPr>
-          <a:xfrm>
-            <a:off x="8060407" y="2815827"/>
-            <a:ext cx="1719187" cy="379591"/>
-          </a:xfrm>
-          <a:prstGeom prst="rect">
-            <a:avLst/>
-          </a:prstGeom>
-          <a:noFill/>
-        </p:spPr>
-        <p:txBody>
-          <a:bodyPr wrap="square">
-            <a:spAutoFit/>
-          </a:bodyPr>
-          <a:lstStyle/>
-          <a:p>
-            <a:r>
-              <a:rPr lang="en-GB" sz="2800" baseline="-11000" noProof="1">
+        </p:grpSpPr>
+        <p:sp>
+          <p:nvSpPr>
+            <p:cNvPr id="65" name="Rectangle 64">
+              <a:extLst>
+                <a:ext uri="{FF2B5EF4-FFF2-40B4-BE49-F238E27FC236}">
+                  <a16:creationId xmlns:a16="http://schemas.microsoft.com/office/drawing/2014/main" id="{82109904-715D-A095-9672-A9692C64CCBF}"/>
+                </a:ext>
+              </a:extLst>
+            </p:cNvPr>
+            <p:cNvSpPr/>
+            <p:nvPr/>
+          </p:nvSpPr>
+          <p:spPr>
+            <a:xfrm>
+              <a:off x="8048951" y="2736815"/>
+              <a:ext cx="1129141" cy="735598"/>
+            </a:xfrm>
+            <a:prstGeom prst="rect">
+              <a:avLst/>
+            </a:prstGeom>
+            <a:solidFill>
+              <a:schemeClr val="bg1">
+                <a:lumMod val="85000"/>
+                <a:lumOff val="15000"/>
+              </a:schemeClr>
+            </a:solidFill>
+            <a:ln w="12700">
+              <a:noFill/>
+              <a:prstDash val="dash"/>
+            </a:ln>
+          </p:spPr>
+          <p:style>
+            <a:lnRef idx="2">
+              <a:schemeClr val="accent1">
+                <a:shade val="50000"/>
+              </a:schemeClr>
+            </a:lnRef>
+            <a:fillRef idx="1">
+              <a:schemeClr val="accent1"/>
+            </a:fillRef>
+            <a:effectRef idx="0">
+              <a:schemeClr val="accent1"/>
+            </a:effectRef>
+            <a:fontRef idx="minor">
+              <a:schemeClr val="lt1"/>
+            </a:fontRef>
+          </p:style>
+          <p:txBody>
+            <a:bodyPr tIns="36000"/>
+            <a:lstStyle/>
+            <a:p>
+              <a:pPr algn="r"/>
+              <a:endParaRPr lang="en-US" sz="2000" dirty="0">
                 <a:solidFill>
                   <a:schemeClr val="bg2">
                     <a:lumMod val="40000"/>
@@ -11601,151 +11285,70 @@
                     <a:schemeClr val="bg1"/>
                   </a:glow>
                 </a:effectLst>
-              </a:rPr>
-              <a:t>🛜</a:t>
-            </a:r>
-            <a:r>
-              <a:rPr lang="en-GB" noProof="1"/>
-              <a:t> home Wi-Fi</a:t>
-            </a:r>
-          </a:p>
-        </p:txBody>
-      </p:sp>
-      <p:cxnSp>
-        <p:nvCxnSpPr>
-          <p:cNvPr id="67" name="Straight Arrow Connector 12">
-            <a:extLst>
-              <a:ext uri="{FF2B5EF4-FFF2-40B4-BE49-F238E27FC236}">
-                <a16:creationId xmlns:a16="http://schemas.microsoft.com/office/drawing/2014/main" id="{817610DB-3E8C-F008-037A-156689D3BF81}"/>
-              </a:ext>
-            </a:extLst>
-          </p:cNvPr>
-          <p:cNvCxnSpPr>
-            <a:cxnSpLocks/>
-            <a:endCxn id="65" idx="3"/>
-          </p:cNvCxnSpPr>
-          <p:nvPr/>
-        </p:nvCxnSpPr>
-        <p:spPr>
-          <a:xfrm rot="5400000">
-            <a:off x="9679089" y="2610818"/>
-            <a:ext cx="482705" cy="281692"/>
-          </a:xfrm>
-          <a:prstGeom prst="bentConnector2">
-            <a:avLst/>
-          </a:prstGeom>
-          <a:ln>
-            <a:solidFill>
-              <a:schemeClr val="tx1"/>
-            </a:solidFill>
-            <a:tailEnd type="triangle" w="lg" len="lg"/>
-          </a:ln>
-        </p:spPr>
-        <p:style>
-          <a:lnRef idx="3">
-            <a:schemeClr val="accent2"/>
-          </a:lnRef>
-          <a:fillRef idx="0">
-            <a:schemeClr val="accent2"/>
-          </a:fillRef>
-          <a:effectRef idx="2">
-            <a:schemeClr val="accent2"/>
-          </a:effectRef>
-          <a:fontRef idx="minor">
-            <a:schemeClr val="tx1"/>
-          </a:fontRef>
-        </p:style>
-      </p:cxnSp>
-      <p:cxnSp>
-        <p:nvCxnSpPr>
-          <p:cNvPr id="70" name="Straight Arrow Connector 12">
-            <a:extLst>
-              <a:ext uri="{FF2B5EF4-FFF2-40B4-BE49-F238E27FC236}">
-                <a16:creationId xmlns:a16="http://schemas.microsoft.com/office/drawing/2014/main" id="{C1FB551A-EBFC-11B9-1667-FF2AAE5F1AA0}"/>
-              </a:ext>
-            </a:extLst>
-          </p:cNvPr>
-          <p:cNvCxnSpPr>
-            <a:cxnSpLocks/>
-            <a:endCxn id="26" idx="1"/>
-          </p:cNvCxnSpPr>
-          <p:nvPr/>
-        </p:nvCxnSpPr>
-        <p:spPr>
-          <a:xfrm>
-            <a:off x="6054098" y="1627760"/>
-            <a:ext cx="2098782" cy="0"/>
-          </a:xfrm>
-          <a:prstGeom prst="straightConnector1">
-            <a:avLst/>
-          </a:prstGeom>
-          <a:ln>
-            <a:solidFill>
-              <a:schemeClr val="tx1"/>
-            </a:solidFill>
-            <a:tailEnd type="triangle" w="lg" len="lg"/>
-          </a:ln>
-        </p:spPr>
-        <p:style>
-          <a:lnRef idx="3">
-            <a:schemeClr val="accent2"/>
-          </a:lnRef>
-          <a:fillRef idx="0">
-            <a:schemeClr val="accent2"/>
-          </a:fillRef>
-          <a:effectRef idx="2">
-            <a:schemeClr val="accent2"/>
-          </a:effectRef>
-          <a:fontRef idx="minor">
-            <a:schemeClr val="tx1"/>
-          </a:fontRef>
-        </p:style>
-      </p:cxnSp>
-      <p:cxnSp>
-        <p:nvCxnSpPr>
-          <p:cNvPr id="73" name="Straight Arrow Connector 12">
-            <a:extLst>
-              <a:ext uri="{FF2B5EF4-FFF2-40B4-BE49-F238E27FC236}">
-                <a16:creationId xmlns:a16="http://schemas.microsoft.com/office/drawing/2014/main" id="{D76D6DE5-C341-69FD-DF85-A452C7A5FC67}"/>
-              </a:ext>
-            </a:extLst>
-          </p:cNvPr>
-          <p:cNvCxnSpPr>
-            <a:cxnSpLocks/>
-            <a:endCxn id="28" idx="1"/>
-          </p:cNvCxnSpPr>
-          <p:nvPr/>
-        </p:nvCxnSpPr>
-        <p:spPr>
-          <a:xfrm>
-            <a:off x="6071032" y="2250468"/>
-            <a:ext cx="2081847" cy="3643"/>
-          </a:xfrm>
-          <a:prstGeom prst="straightConnector1">
-            <a:avLst/>
-          </a:prstGeom>
-          <a:ln>
-            <a:solidFill>
-              <a:schemeClr val="tx1"/>
-            </a:solidFill>
-            <a:tailEnd type="triangle" w="lg" len="lg"/>
-          </a:ln>
-        </p:spPr>
-        <p:style>
-          <a:lnRef idx="3">
-            <a:schemeClr val="accent2"/>
-          </a:lnRef>
-          <a:fillRef idx="0">
-            <a:schemeClr val="accent2"/>
-          </a:fillRef>
-          <a:effectRef idx="2">
-            <a:schemeClr val="accent2"/>
-          </a:effectRef>
-          <a:fontRef idx="minor">
-            <a:schemeClr val="tx1"/>
-          </a:fontRef>
-        </p:style>
-      </p:cxnSp>
+              </a:endParaRPr>
+            </a:p>
+          </p:txBody>
+        </p:sp>
+        <p:sp>
+          <p:nvSpPr>
+            <p:cNvPr id="66" name="TextBox 65">
+              <a:extLst>
+                <a:ext uri="{FF2B5EF4-FFF2-40B4-BE49-F238E27FC236}">
+                  <a16:creationId xmlns:a16="http://schemas.microsoft.com/office/drawing/2014/main" id="{8C57AE6C-5495-08C7-2AAE-2EE499E68133}"/>
+                </a:ext>
+              </a:extLst>
+            </p:cNvPr>
+            <p:cNvSpPr txBox="1"/>
+            <p:nvPr/>
+          </p:nvSpPr>
+          <p:spPr>
+            <a:xfrm>
+              <a:off x="8013515" y="2792381"/>
+              <a:ext cx="1117685" cy="656590"/>
+            </a:xfrm>
+            <a:prstGeom prst="rect">
+              <a:avLst/>
+            </a:prstGeom>
+            <a:noFill/>
+          </p:spPr>
+          <p:txBody>
+            <a:bodyPr wrap="square">
+              <a:spAutoFit/>
+            </a:bodyPr>
+            <a:lstStyle/>
+            <a:p>
+              <a:pPr algn="r"/>
+              <a:r>
+                <a:rPr lang="en-GB" sz="2800" baseline="-11000" noProof="1">
+                  <a:solidFill>
+                    <a:schemeClr val="bg2">
+                      <a:lumMod val="40000"/>
+                      <a:lumOff val="60000"/>
+                    </a:schemeClr>
+                  </a:solidFill>
+                  <a:effectLst>
+                    <a:glow>
+                      <a:schemeClr val="bg1"/>
+                    </a:glow>
+                  </a:effectLst>
+                </a:rPr>
+                <a:t>🛜</a:t>
+              </a:r>
+              <a:r>
+                <a:rPr lang="en-GB" noProof="1"/>
+                <a:t> home </a:t>
+              </a:r>
+              <a:br>
+                <a:rPr lang="en-GB" noProof="1"/>
+              </a:br>
+              <a:r>
+                <a:rPr lang="en-GB" noProof="1"/>
+                <a:t>Wi-Fi</a:t>
+              </a:r>
+            </a:p>
+          </p:txBody>
+        </p:sp>
+      </p:grpSp>
       <p:grpSp>
         <p:nvGrpSpPr>
           <p:cNvPr id="79" name="Group 78">
@@ -11960,8 +11563,8 @@
         </p:nvCxnSpPr>
         <p:spPr>
           <a:xfrm rot="16200000" flipV="1">
-            <a:off x="3495305" y="-314845"/>
-            <a:ext cx="339481" cy="2772492"/>
+            <a:off x="3266707" y="-86247"/>
+            <a:ext cx="339481" cy="2315295"/>
           </a:xfrm>
           <a:prstGeom prst="bentConnector2">
             <a:avLst/>
@@ -12006,8 +11609,8 @@
         </p:nvCxnSpPr>
         <p:spPr>
           <a:xfrm rot="5400000">
-            <a:off x="3537113" y="1310835"/>
-            <a:ext cx="267056" cy="2761300"/>
+            <a:off x="3308515" y="1539434"/>
+            <a:ext cx="267056" cy="2304103"/>
           </a:xfrm>
           <a:prstGeom prst="bentConnector2">
             <a:avLst/>
@@ -13105,7 +12708,7 @@
         </p:nvGrpSpPr>
         <p:grpSpPr>
           <a:xfrm>
-            <a:off x="5682359" y="2321297"/>
+            <a:off x="5225162" y="2321297"/>
             <a:ext cx="2081741" cy="1323439"/>
             <a:chOff x="1853248" y="2159482"/>
             <a:chExt cx="2081741" cy="1323439"/>
@@ -13514,10 +13117,10 @@
         </p:nvGrpSpPr>
         <p:grpSpPr>
           <a:xfrm>
-            <a:off x="11045950" y="2109090"/>
-            <a:ext cx="1187061" cy="1350831"/>
-            <a:chOff x="2248588" y="2223776"/>
-            <a:chExt cx="1187061" cy="1350831"/>
+            <a:off x="10771993" y="2054147"/>
+            <a:ext cx="1187061" cy="1374277"/>
+            <a:chOff x="2295480" y="2200330"/>
+            <a:chExt cx="1187061" cy="1374277"/>
           </a:xfrm>
         </p:grpSpPr>
         <p:sp>
@@ -13534,7 +13137,7 @@
           </p:nvSpPr>
           <p:spPr>
             <a:xfrm>
-              <a:off x="2343832" y="2223776"/>
+              <a:off x="3012043" y="2200330"/>
               <a:ext cx="360000" cy="360000"/>
             </a:xfrm>
             <a:prstGeom prst="roundRect">
@@ -13593,7 +13196,7 @@
           </p:nvSpPr>
           <p:spPr>
             <a:xfrm>
-              <a:off x="2248588" y="2558944"/>
+              <a:off x="2295480" y="2558944"/>
               <a:ext cx="1187061" cy="1015663"/>
             </a:xfrm>
             <a:prstGeom prst="rect">
@@ -13787,7 +13390,7 @@
               </a:lvl9pPr>
             </a:lstStyle>
             <a:p>
-              <a:pPr marL="0" indent="0">
+              <a:pPr marL="0" indent="0" algn="r">
                 <a:lnSpc>
                   <a:spcPct val="100000"/>
                 </a:lnSpc>
@@ -13878,198 +13481,6 @@
           </p:txBody>
         </p:sp>
       </p:grpSp>
-      <p:grpSp>
-        <p:nvGrpSpPr>
-          <p:cNvPr id="122" name="Group 121">
-            <a:extLst>
-              <a:ext uri="{FF2B5EF4-FFF2-40B4-BE49-F238E27FC236}">
-                <a16:creationId xmlns:a16="http://schemas.microsoft.com/office/drawing/2014/main" id="{1C3E531B-FA10-CFC0-498A-A15CB54A0A9B}"/>
-              </a:ext>
-            </a:extLst>
-          </p:cNvPr>
-          <p:cNvGrpSpPr/>
-          <p:nvPr/>
-        </p:nvGrpSpPr>
-        <p:grpSpPr>
-          <a:xfrm>
-            <a:off x="9616876" y="1367917"/>
-            <a:ext cx="1356748" cy="512403"/>
-            <a:chOff x="4941377" y="3971594"/>
-            <a:chExt cx="1356748" cy="512403"/>
-          </a:xfrm>
-        </p:grpSpPr>
-        <p:sp>
-          <p:nvSpPr>
-            <p:cNvPr id="123" name="Rectangle 122">
-              <a:extLst>
-                <a:ext uri="{FF2B5EF4-FFF2-40B4-BE49-F238E27FC236}">
-                  <a16:creationId xmlns:a16="http://schemas.microsoft.com/office/drawing/2014/main" id="{80A172F8-71A6-406B-F2D1-E60633A530A5}"/>
-                </a:ext>
-              </a:extLst>
-            </p:cNvPr>
-            <p:cNvSpPr/>
-            <p:nvPr/>
-          </p:nvSpPr>
-          <p:spPr>
-            <a:xfrm>
-              <a:off x="4941377" y="3971594"/>
-              <a:ext cx="1203523" cy="512403"/>
-            </a:xfrm>
-            <a:prstGeom prst="rect">
-              <a:avLst/>
-            </a:prstGeom>
-            <a:solidFill>
-              <a:schemeClr val="bg1"/>
-            </a:solidFill>
-            <a:ln w="12700">
-              <a:solidFill>
-                <a:srgbClr val="5A6B86"/>
-              </a:solidFill>
-              <a:prstDash val="dash"/>
-            </a:ln>
-          </p:spPr>
-          <p:style>
-            <a:lnRef idx="2">
-              <a:schemeClr val="accent1">
-                <a:shade val="50000"/>
-              </a:schemeClr>
-            </a:lnRef>
-            <a:fillRef idx="1">
-              <a:schemeClr val="accent1"/>
-            </a:fillRef>
-            <a:effectRef idx="0">
-              <a:schemeClr val="accent1"/>
-            </a:effectRef>
-            <a:fontRef idx="minor">
-              <a:schemeClr val="lt1"/>
-            </a:fontRef>
-          </p:style>
-          <p:txBody>
-            <a:bodyPr tIns="36000"/>
-            <a:lstStyle/>
-            <a:p>
-              <a:pPr eaLnBrk="1" fontAlgn="auto" hangingPunct="1">
-                <a:spcBef>
-                  <a:spcPts val="0"/>
-                </a:spcBef>
-                <a:spcAft>
-                  <a:spcPts val="0"/>
-                </a:spcAft>
-                <a:defRPr/>
-              </a:pPr>
-              <a:endParaRPr lang="en-US" sz="2000" i="1" dirty="0">
-                <a:solidFill>
-                  <a:schemeClr val="bg2">
-                    <a:lumMod val="40000"/>
-                    <a:lumOff val="60000"/>
-                  </a:schemeClr>
-                </a:solidFill>
-                <a:effectLst>
-                  <a:glow>
-                    <a:schemeClr val="bg1"/>
-                  </a:glow>
-                </a:effectLst>
-              </a:endParaRPr>
-            </a:p>
-          </p:txBody>
-        </p:sp>
-        <p:sp>
-          <p:nvSpPr>
-            <p:cNvPr id="124" name="TextBox 123">
-              <a:extLst>
-                <a:ext uri="{FF2B5EF4-FFF2-40B4-BE49-F238E27FC236}">
-                  <a16:creationId xmlns:a16="http://schemas.microsoft.com/office/drawing/2014/main" id="{9876870B-A45C-16DC-D877-C5699A9C669C}"/>
-                </a:ext>
-              </a:extLst>
-            </p:cNvPr>
-            <p:cNvSpPr txBox="1"/>
-            <p:nvPr/>
-          </p:nvSpPr>
-          <p:spPr>
-            <a:xfrm>
-              <a:off x="4941377" y="4041641"/>
-              <a:ext cx="1356748" cy="379591"/>
-            </a:xfrm>
-            <a:prstGeom prst="rect">
-              <a:avLst/>
-            </a:prstGeom>
-            <a:noFill/>
-          </p:spPr>
-          <p:txBody>
-            <a:bodyPr wrap="square">
-              <a:spAutoFit/>
-            </a:bodyPr>
-            <a:lstStyle/>
-            <a:p>
-              <a:r>
-                <a:rPr lang="en-GB" sz="2800" baseline="-11000" dirty="0">
-                  <a:solidFill>
-                    <a:schemeClr val="bg2">
-                      <a:lumMod val="40000"/>
-                      <a:lumOff val="60000"/>
-                    </a:schemeClr>
-                  </a:solidFill>
-                  <a:effectLst>
-                    <a:glow>
-                      <a:schemeClr val="bg1"/>
-                    </a:glow>
-                  </a:effectLst>
-                </a:rPr>
-                <a:t>🥧</a:t>
-              </a:r>
-              <a:r>
-                <a:rPr lang="en-GB" dirty="0"/>
-                <a:t> Ras. Pi</a:t>
-              </a:r>
-            </a:p>
-          </p:txBody>
-        </p:sp>
-      </p:grpSp>
-      <p:cxnSp>
-        <p:nvCxnSpPr>
-          <p:cNvPr id="133" name="Straight Arrow Connector 12">
-            <a:extLst>
-              <a:ext uri="{FF2B5EF4-FFF2-40B4-BE49-F238E27FC236}">
-                <a16:creationId xmlns:a16="http://schemas.microsoft.com/office/drawing/2014/main" id="{0A700D10-2BF6-605E-CF56-078749135E66}"/>
-              </a:ext>
-            </a:extLst>
-          </p:cNvPr>
-          <p:cNvCxnSpPr>
-            <a:cxnSpLocks/>
-            <a:endCxn id="28" idx="3"/>
-          </p:cNvCxnSpPr>
-          <p:nvPr/>
-        </p:nvCxnSpPr>
-        <p:spPr>
-          <a:xfrm rot="5400000">
-            <a:off x="10287555" y="1921201"/>
-            <a:ext cx="359489" cy="306331"/>
-          </a:xfrm>
-          <a:prstGeom prst="bentConnector2">
-            <a:avLst/>
-          </a:prstGeom>
-          <a:ln>
-            <a:solidFill>
-              <a:schemeClr val="tx1"/>
-            </a:solidFill>
-            <a:tailEnd type="triangle" w="lg" len="lg"/>
-          </a:ln>
-        </p:spPr>
-        <p:style>
-          <a:lnRef idx="3">
-            <a:schemeClr val="accent2"/>
-          </a:lnRef>
-          <a:fillRef idx="0">
-            <a:schemeClr val="accent2"/>
-          </a:fillRef>
-          <a:effectRef idx="2">
-            <a:schemeClr val="accent2"/>
-          </a:effectRef>
-          <a:fontRef idx="minor">
-            <a:schemeClr val="tx1"/>
-          </a:fontRef>
-        </p:style>
-      </p:cxnSp>
       <p:sp>
         <p:nvSpPr>
           <p:cNvPr id="2" name="TextBox 1">
@@ -14107,6 +13518,975 @@
               </a:rPr>
               <a:t>WI-FIER</a:t>
             </a:r>
+          </a:p>
+        </p:txBody>
+      </p:sp>
+      <p:grpSp>
+        <p:nvGrpSpPr>
+          <p:cNvPr id="16" name="Group 15">
+            <a:extLst>
+              <a:ext uri="{FF2B5EF4-FFF2-40B4-BE49-F238E27FC236}">
+                <a16:creationId xmlns:a16="http://schemas.microsoft.com/office/drawing/2014/main" id="{6BD22D72-E075-0210-B285-FB7D40645807}"/>
+              </a:ext>
+            </a:extLst>
+          </p:cNvPr>
+          <p:cNvGrpSpPr/>
+          <p:nvPr/>
+        </p:nvGrpSpPr>
+        <p:grpSpPr>
+          <a:xfrm>
+            <a:off x="8788567" y="782062"/>
+            <a:ext cx="1724308" cy="2464199"/>
+            <a:chOff x="10886985" y="415955"/>
+            <a:chExt cx="1724308" cy="2464199"/>
+          </a:xfrm>
+        </p:grpSpPr>
+        <p:sp>
+          <p:nvSpPr>
+            <p:cNvPr id="3" name="Rectangle 2">
+              <a:extLst>
+                <a:ext uri="{FF2B5EF4-FFF2-40B4-BE49-F238E27FC236}">
+                  <a16:creationId xmlns:a16="http://schemas.microsoft.com/office/drawing/2014/main" id="{82241049-C218-C6E9-C48B-FBF8A747CB6F}"/>
+                </a:ext>
+              </a:extLst>
+            </p:cNvPr>
+            <p:cNvSpPr/>
+            <p:nvPr/>
+          </p:nvSpPr>
+          <p:spPr>
+            <a:xfrm>
+              <a:off x="10886985" y="415955"/>
+              <a:ext cx="1724308" cy="2464199"/>
+            </a:xfrm>
+            <a:prstGeom prst="rect">
+              <a:avLst/>
+            </a:prstGeom>
+            <a:solidFill>
+              <a:schemeClr val="bg1">
+                <a:lumMod val="85000"/>
+                <a:lumOff val="15000"/>
+              </a:schemeClr>
+            </a:solidFill>
+            <a:ln w="12700">
+              <a:noFill/>
+              <a:prstDash val="dash"/>
+            </a:ln>
+          </p:spPr>
+          <p:style>
+            <a:lnRef idx="2">
+              <a:schemeClr val="accent1">
+                <a:shade val="50000"/>
+              </a:schemeClr>
+            </a:lnRef>
+            <a:fillRef idx="1">
+              <a:schemeClr val="accent1"/>
+            </a:fillRef>
+            <a:effectRef idx="0">
+              <a:schemeClr val="accent1"/>
+            </a:effectRef>
+            <a:fontRef idx="minor">
+              <a:schemeClr val="lt1"/>
+            </a:fontRef>
+          </p:style>
+          <p:txBody>
+            <a:bodyPr tIns="36000"/>
+            <a:lstStyle/>
+            <a:p>
+              <a:endParaRPr lang="en-GB" sz="2000" dirty="0">
+                <a:solidFill>
+                  <a:schemeClr val="bg2">
+                    <a:lumMod val="40000"/>
+                    <a:lumOff val="60000"/>
+                  </a:schemeClr>
+                </a:solidFill>
+                <a:effectLst>
+                  <a:glow>
+                    <a:schemeClr val="bg1"/>
+                  </a:glow>
+                </a:effectLst>
+              </a:endParaRPr>
+            </a:p>
+          </p:txBody>
+        </p:sp>
+        <p:sp>
+          <p:nvSpPr>
+            <p:cNvPr id="4" name="Content Placeholder 2">
+              <a:extLst>
+                <a:ext uri="{FF2B5EF4-FFF2-40B4-BE49-F238E27FC236}">
+                  <a16:creationId xmlns:a16="http://schemas.microsoft.com/office/drawing/2014/main" id="{1D73E217-2075-FEEA-9948-79CE352E0341}"/>
+                </a:ext>
+              </a:extLst>
+            </p:cNvPr>
+            <p:cNvSpPr txBox="1">
+              <a:spLocks/>
+            </p:cNvSpPr>
+            <p:nvPr/>
+          </p:nvSpPr>
+          <p:spPr>
+            <a:xfrm>
+              <a:off x="11094642" y="474110"/>
+              <a:ext cx="1304664" cy="400110"/>
+            </a:xfrm>
+            <a:prstGeom prst="rect">
+              <a:avLst/>
+            </a:prstGeom>
+          </p:spPr>
+          <p:txBody>
+            <a:bodyPr wrap="square">
+              <a:spAutoFit/>
+            </a:bodyPr>
+            <a:lstStyle>
+              <a:lvl1pPr marL="228600" indent="-228600" algn="l" defTabSz="914400" rtl="0" eaLnBrk="1" latinLnBrk="0" hangingPunct="1">
+                <a:lnSpc>
+                  <a:spcPct val="90000"/>
+                </a:lnSpc>
+                <a:spcBef>
+                  <a:spcPts val="0"/>
+                </a:spcBef>
+                <a:spcAft>
+                  <a:spcPts val="1200"/>
+                </a:spcAft>
+                <a:buSzPct val="90000"/>
+                <a:buFont typeface="Amazon Ember" panose="020B0603020204020204" pitchFamily="34" charset="0"/>
+                <a:buChar char="•"/>
+                <a:defRPr sz="2800" kern="1200">
+                  <a:solidFill>
+                    <a:schemeClr val="tx1"/>
+                  </a:solidFill>
+                  <a:latin typeface="+mn-lt"/>
+                  <a:ea typeface="+mn-ea"/>
+                  <a:cs typeface="+mn-cs"/>
+                </a:defRPr>
+              </a:lvl1pPr>
+              <a:lvl2pPr marL="457200" indent="-228600" algn="l" defTabSz="914400" rtl="0" eaLnBrk="1" latinLnBrk="0" hangingPunct="1">
+                <a:lnSpc>
+                  <a:spcPct val="90000"/>
+                </a:lnSpc>
+                <a:spcBef>
+                  <a:spcPts val="0"/>
+                </a:spcBef>
+                <a:spcAft>
+                  <a:spcPts val="1200"/>
+                </a:spcAft>
+                <a:buSzPct val="90000"/>
+                <a:buFont typeface="Wingdings" panose="05000000000000000000" pitchFamily="2" charset="2"/>
+                <a:buChar char="§"/>
+                <a:defRPr sz="2400" kern="1200">
+                  <a:solidFill>
+                    <a:schemeClr val="tx1"/>
+                  </a:solidFill>
+                  <a:latin typeface="+mn-lt"/>
+                  <a:ea typeface="+mn-ea"/>
+                  <a:cs typeface="+mn-cs"/>
+                </a:defRPr>
+              </a:lvl2pPr>
+              <a:lvl3pPr marL="685800" indent="-228600" algn="l" defTabSz="914400" rtl="0" eaLnBrk="1" latinLnBrk="0" hangingPunct="1">
+                <a:lnSpc>
+                  <a:spcPct val="90000"/>
+                </a:lnSpc>
+                <a:spcBef>
+                  <a:spcPts val="0"/>
+                </a:spcBef>
+                <a:spcAft>
+                  <a:spcPts val="1200"/>
+                </a:spcAft>
+                <a:buSzPct val="90000"/>
+                <a:buFont typeface="Amazon Ember" panose="020B0603020204020204" pitchFamily="34" charset="0"/>
+                <a:buChar char="–"/>
+                <a:defRPr sz="2000" kern="1200">
+                  <a:solidFill>
+                    <a:schemeClr val="tx1"/>
+                  </a:solidFill>
+                  <a:latin typeface="+mn-lt"/>
+                  <a:ea typeface="+mn-ea"/>
+                  <a:cs typeface="+mn-cs"/>
+                </a:defRPr>
+              </a:lvl3pPr>
+              <a:lvl4pPr marL="914400" indent="-228600" algn="l" defTabSz="914400" rtl="0" eaLnBrk="1" latinLnBrk="0" hangingPunct="1">
+                <a:lnSpc>
+                  <a:spcPct val="90000"/>
+                </a:lnSpc>
+                <a:spcBef>
+                  <a:spcPts val="0"/>
+                </a:spcBef>
+                <a:spcAft>
+                  <a:spcPts val="1200"/>
+                </a:spcAft>
+                <a:buFont typeface="Amazon Ember" panose="020B0603020204020204" pitchFamily="34" charset="0"/>
+                <a:buChar char="•"/>
+                <a:defRPr sz="1800" kern="1200">
+                  <a:solidFill>
+                    <a:schemeClr val="tx1"/>
+                  </a:solidFill>
+                  <a:latin typeface="+mn-lt"/>
+                  <a:ea typeface="+mn-ea"/>
+                  <a:cs typeface="+mn-cs"/>
+                </a:defRPr>
+              </a:lvl4pPr>
+              <a:lvl5pPr marL="1143000" indent="-228600" algn="l" defTabSz="914400" rtl="0" eaLnBrk="1" latinLnBrk="0" hangingPunct="1">
+                <a:lnSpc>
+                  <a:spcPct val="90000"/>
+                </a:lnSpc>
+                <a:spcBef>
+                  <a:spcPts val="0"/>
+                </a:spcBef>
+                <a:spcAft>
+                  <a:spcPts val="1200"/>
+                </a:spcAft>
+                <a:buFont typeface="Amazon Ember" panose="020B0603020204020204" pitchFamily="34" charset="0"/>
+                <a:buChar char="•"/>
+                <a:defRPr sz="1800" kern="1200">
+                  <a:solidFill>
+                    <a:schemeClr val="tx1"/>
+                  </a:solidFill>
+                  <a:latin typeface="+mn-lt"/>
+                  <a:ea typeface="+mn-ea"/>
+                  <a:cs typeface="+mn-cs"/>
+                </a:defRPr>
+              </a:lvl5pPr>
+              <a:lvl6pPr marL="2514600" indent="-228600" algn="l" defTabSz="914400" rtl="0" eaLnBrk="1" latinLnBrk="0" hangingPunct="1">
+                <a:lnSpc>
+                  <a:spcPct val="90000"/>
+                </a:lnSpc>
+                <a:spcBef>
+                  <a:spcPts val="500"/>
+                </a:spcBef>
+                <a:buFont typeface="Amazon Ember" panose="020B0603020204020204" pitchFamily="34" charset="0"/>
+                <a:buChar char="•"/>
+                <a:defRPr sz="1800" kern="1200">
+                  <a:solidFill>
+                    <a:schemeClr val="tx1"/>
+                  </a:solidFill>
+                  <a:latin typeface="+mn-lt"/>
+                  <a:ea typeface="+mn-ea"/>
+                  <a:cs typeface="+mn-cs"/>
+                </a:defRPr>
+              </a:lvl6pPr>
+              <a:lvl7pPr marL="2971800" indent="-228600" algn="l" defTabSz="914400" rtl="0" eaLnBrk="1" latinLnBrk="0" hangingPunct="1">
+                <a:lnSpc>
+                  <a:spcPct val="90000"/>
+                </a:lnSpc>
+                <a:spcBef>
+                  <a:spcPts val="500"/>
+                </a:spcBef>
+                <a:buFont typeface="Amazon Ember" panose="020B0603020204020204" pitchFamily="34" charset="0"/>
+                <a:buChar char="•"/>
+                <a:defRPr sz="1800" kern="1200">
+                  <a:solidFill>
+                    <a:schemeClr val="tx1"/>
+                  </a:solidFill>
+                  <a:latin typeface="+mn-lt"/>
+                  <a:ea typeface="+mn-ea"/>
+                  <a:cs typeface="+mn-cs"/>
+                </a:defRPr>
+              </a:lvl7pPr>
+              <a:lvl8pPr marL="3429000" indent="-228600" algn="l" defTabSz="914400" rtl="0" eaLnBrk="1" latinLnBrk="0" hangingPunct="1">
+                <a:lnSpc>
+                  <a:spcPct val="90000"/>
+                </a:lnSpc>
+                <a:spcBef>
+                  <a:spcPts val="500"/>
+                </a:spcBef>
+                <a:buFont typeface="Amazon Ember" panose="020B0603020204020204" pitchFamily="34" charset="0"/>
+                <a:buChar char="•"/>
+                <a:defRPr sz="1800" kern="1200">
+                  <a:solidFill>
+                    <a:schemeClr val="tx1"/>
+                  </a:solidFill>
+                  <a:latin typeface="+mn-lt"/>
+                  <a:ea typeface="+mn-ea"/>
+                  <a:cs typeface="+mn-cs"/>
+                </a:defRPr>
+              </a:lvl8pPr>
+              <a:lvl9pPr marL="3886200" indent="-228600" algn="l" defTabSz="914400" rtl="0" eaLnBrk="1" latinLnBrk="0" hangingPunct="1">
+                <a:lnSpc>
+                  <a:spcPct val="90000"/>
+                </a:lnSpc>
+                <a:spcBef>
+                  <a:spcPts val="500"/>
+                </a:spcBef>
+                <a:buFont typeface="Amazon Ember" panose="020B0603020204020204" pitchFamily="34" charset="0"/>
+                <a:buChar char="•"/>
+                <a:defRPr sz="1800" kern="1200">
+                  <a:solidFill>
+                    <a:schemeClr val="tx1"/>
+                  </a:solidFill>
+                  <a:latin typeface="+mn-lt"/>
+                  <a:ea typeface="+mn-ea"/>
+                  <a:cs typeface="+mn-cs"/>
+                </a:defRPr>
+              </a:lvl9pPr>
+            </a:lstStyle>
+            <a:p>
+              <a:pPr marL="0" indent="0" algn="ctr">
+                <a:lnSpc>
+                  <a:spcPct val="100000"/>
+                </a:lnSpc>
+                <a:spcAft>
+                  <a:spcPts val="600"/>
+                </a:spcAft>
+                <a:buNone/>
+              </a:pPr>
+              <a:r>
+                <a:rPr lang="en-US" baseline="-11000" dirty="0">
+                  <a:solidFill>
+                    <a:schemeClr val="bg2">
+                      <a:lumMod val="40000"/>
+                      <a:lumOff val="60000"/>
+                    </a:schemeClr>
+                  </a:solidFill>
+                  <a:effectLst>
+                    <a:glow>
+                      <a:schemeClr val="bg1"/>
+                    </a:glow>
+                  </a:effectLst>
+                </a:rPr>
+                <a:t>🤖 </a:t>
+              </a:r>
+              <a:r>
+                <a:rPr lang="en-US" sz="2000" i="1" dirty="0">
+                  <a:solidFill>
+                    <a:schemeClr val="bg2">
+                      <a:lumMod val="40000"/>
+                      <a:lumOff val="60000"/>
+                    </a:schemeClr>
+                  </a:solidFill>
+                  <a:effectLst>
+                    <a:glow>
+                      <a:schemeClr val="bg1"/>
+                    </a:glow>
+                  </a:effectLst>
+                </a:rPr>
+                <a:t>robot</a:t>
+              </a:r>
+            </a:p>
+          </p:txBody>
+        </p:sp>
+        <p:grpSp>
+          <p:nvGrpSpPr>
+            <p:cNvPr id="5" name="Group 4">
+              <a:extLst>
+                <a:ext uri="{FF2B5EF4-FFF2-40B4-BE49-F238E27FC236}">
+                  <a16:creationId xmlns:a16="http://schemas.microsoft.com/office/drawing/2014/main" id="{0ABF1BE0-1B68-2D6D-B53B-BC442F6E6BCA}"/>
+                </a:ext>
+              </a:extLst>
+            </p:cNvPr>
+            <p:cNvGrpSpPr/>
+            <p:nvPr/>
+          </p:nvGrpSpPr>
+          <p:grpSpPr>
+            <a:xfrm>
+              <a:off x="10990412" y="2220135"/>
+              <a:ext cx="1525458" cy="556576"/>
+              <a:chOff x="4941377" y="3971594"/>
+              <a:chExt cx="1525458" cy="556576"/>
+            </a:xfrm>
+          </p:grpSpPr>
+          <p:sp>
+            <p:nvSpPr>
+              <p:cNvPr id="6" name="Rectangle 5">
+                <a:extLst>
+                  <a:ext uri="{FF2B5EF4-FFF2-40B4-BE49-F238E27FC236}">
+                    <a16:creationId xmlns:a16="http://schemas.microsoft.com/office/drawing/2014/main" id="{219496B0-433C-8B93-47D6-23EFFDC04990}"/>
+                  </a:ext>
+                </a:extLst>
+              </p:cNvPr>
+              <p:cNvSpPr/>
+              <p:nvPr/>
+            </p:nvSpPr>
+            <p:spPr>
+              <a:xfrm>
+                <a:off x="4941377" y="3971594"/>
+                <a:ext cx="1525458" cy="556576"/>
+              </a:xfrm>
+              <a:prstGeom prst="rect">
+                <a:avLst/>
+              </a:prstGeom>
+              <a:solidFill>
+                <a:schemeClr val="bg1"/>
+              </a:solidFill>
+              <a:ln w="12700">
+                <a:solidFill>
+                  <a:srgbClr val="5A6B86"/>
+                </a:solidFill>
+                <a:prstDash val="dash"/>
+              </a:ln>
+            </p:spPr>
+            <p:style>
+              <a:lnRef idx="2">
+                <a:schemeClr val="accent1">
+                  <a:shade val="50000"/>
+                </a:schemeClr>
+              </a:lnRef>
+              <a:fillRef idx="1">
+                <a:schemeClr val="accent1"/>
+              </a:fillRef>
+              <a:effectRef idx="0">
+                <a:schemeClr val="accent1"/>
+              </a:effectRef>
+              <a:fontRef idx="minor">
+                <a:schemeClr val="lt1"/>
+              </a:fontRef>
+            </p:style>
+            <p:txBody>
+              <a:bodyPr tIns="36000"/>
+              <a:lstStyle/>
+              <a:p>
+                <a:pPr eaLnBrk="1" fontAlgn="auto" hangingPunct="1">
+                  <a:spcBef>
+                    <a:spcPts val="0"/>
+                  </a:spcBef>
+                  <a:spcAft>
+                    <a:spcPts val="0"/>
+                  </a:spcAft>
+                  <a:defRPr/>
+                </a:pPr>
+                <a:endParaRPr lang="en-US" sz="2000" i="1" dirty="0">
+                  <a:solidFill>
+                    <a:schemeClr val="bg2">
+                      <a:lumMod val="40000"/>
+                      <a:lumOff val="60000"/>
+                    </a:schemeClr>
+                  </a:solidFill>
+                  <a:effectLst>
+                    <a:glow>
+                      <a:schemeClr val="bg1"/>
+                    </a:glow>
+                  </a:effectLst>
+                </a:endParaRPr>
+              </a:p>
+            </p:txBody>
+          </p:sp>
+          <p:sp>
+            <p:nvSpPr>
+              <p:cNvPr id="7" name="TextBox 6">
+                <a:extLst>
+                  <a:ext uri="{FF2B5EF4-FFF2-40B4-BE49-F238E27FC236}">
+                    <a16:creationId xmlns:a16="http://schemas.microsoft.com/office/drawing/2014/main" id="{268D9392-8FC1-78E8-766D-90B997A171F8}"/>
+                  </a:ext>
+                </a:extLst>
+              </p:cNvPr>
+              <p:cNvSpPr txBox="1"/>
+              <p:nvPr/>
+            </p:nvSpPr>
+            <p:spPr>
+              <a:xfrm>
+                <a:off x="4941377" y="4041641"/>
+                <a:ext cx="1463629" cy="420628"/>
+              </a:xfrm>
+              <a:prstGeom prst="rect">
+                <a:avLst/>
+              </a:prstGeom>
+              <a:noFill/>
+            </p:spPr>
+            <p:txBody>
+              <a:bodyPr wrap="square" rIns="0">
+                <a:spAutoFit/>
+              </a:bodyPr>
+              <a:lstStyle/>
+              <a:p>
+                <a:r>
+                  <a:rPr lang="en-GB" sz="3200" baseline="-11000" dirty="0">
+                    <a:solidFill>
+                      <a:schemeClr val="bg2">
+                        <a:lumMod val="40000"/>
+                        <a:lumOff val="60000"/>
+                      </a:schemeClr>
+                    </a:solidFill>
+                    <a:effectLst>
+                      <a:glow>
+                        <a:schemeClr val="bg1"/>
+                      </a:glow>
+                    </a:effectLst>
+                  </a:rPr>
+                  <a:t>📡</a:t>
+                </a:r>
+                <a:r>
+                  <a:rPr lang="en-GB" sz="2000" dirty="0"/>
+                  <a:t> Antenna</a:t>
+                </a:r>
+              </a:p>
+            </p:txBody>
+          </p:sp>
+        </p:grpSp>
+        <p:grpSp>
+          <p:nvGrpSpPr>
+            <p:cNvPr id="27" name="Group 26">
+              <a:extLst>
+                <a:ext uri="{FF2B5EF4-FFF2-40B4-BE49-F238E27FC236}">
+                  <a16:creationId xmlns:a16="http://schemas.microsoft.com/office/drawing/2014/main" id="{FB7F0F89-D9A8-77F2-25D8-65C557A4527F}"/>
+                </a:ext>
+              </a:extLst>
+            </p:cNvPr>
+            <p:cNvGrpSpPr/>
+            <p:nvPr/>
+          </p:nvGrpSpPr>
+          <p:grpSpPr>
+            <a:xfrm>
+              <a:off x="11004396" y="1573271"/>
+              <a:ext cx="1511474" cy="512403"/>
+              <a:chOff x="4941376" y="3971594"/>
+              <a:chExt cx="1511474" cy="512403"/>
+            </a:xfrm>
+          </p:grpSpPr>
+          <p:sp>
+            <p:nvSpPr>
+              <p:cNvPr id="28" name="Rectangle 27">
+                <a:extLst>
+                  <a:ext uri="{FF2B5EF4-FFF2-40B4-BE49-F238E27FC236}">
+                    <a16:creationId xmlns:a16="http://schemas.microsoft.com/office/drawing/2014/main" id="{EBB0125E-02B4-E2CA-294D-916DE1496E85}"/>
+                  </a:ext>
+                </a:extLst>
+              </p:cNvPr>
+              <p:cNvSpPr/>
+              <p:nvPr/>
+            </p:nvSpPr>
+            <p:spPr>
+              <a:xfrm>
+                <a:off x="4941376" y="3971594"/>
+                <a:ext cx="1511474" cy="512403"/>
+              </a:xfrm>
+              <a:prstGeom prst="rect">
+                <a:avLst/>
+              </a:prstGeom>
+              <a:solidFill>
+                <a:schemeClr val="bg1"/>
+              </a:solidFill>
+              <a:ln w="12700">
+                <a:solidFill>
+                  <a:srgbClr val="5A6B86"/>
+                </a:solidFill>
+                <a:prstDash val="dash"/>
+              </a:ln>
+            </p:spPr>
+            <p:style>
+              <a:lnRef idx="2">
+                <a:schemeClr val="accent1">
+                  <a:shade val="50000"/>
+                </a:schemeClr>
+              </a:lnRef>
+              <a:fillRef idx="1">
+                <a:schemeClr val="accent1"/>
+              </a:fillRef>
+              <a:effectRef idx="0">
+                <a:schemeClr val="accent1"/>
+              </a:effectRef>
+              <a:fontRef idx="minor">
+                <a:schemeClr val="lt1"/>
+              </a:fontRef>
+            </p:style>
+            <p:txBody>
+              <a:bodyPr tIns="36000"/>
+              <a:lstStyle/>
+              <a:p>
+                <a:pPr eaLnBrk="1" fontAlgn="auto" hangingPunct="1">
+                  <a:spcBef>
+                    <a:spcPts val="0"/>
+                  </a:spcBef>
+                  <a:spcAft>
+                    <a:spcPts val="0"/>
+                  </a:spcAft>
+                  <a:defRPr/>
+                </a:pPr>
+                <a:endParaRPr lang="en-US" sz="2000" i="1" dirty="0">
+                  <a:solidFill>
+                    <a:schemeClr val="bg2">
+                      <a:lumMod val="40000"/>
+                      <a:lumOff val="60000"/>
+                    </a:schemeClr>
+                  </a:solidFill>
+                  <a:effectLst>
+                    <a:glow>
+                      <a:schemeClr val="bg1"/>
+                    </a:glow>
+                  </a:effectLst>
+                </a:endParaRPr>
+              </a:p>
+            </p:txBody>
+          </p:sp>
+          <p:sp>
+            <p:nvSpPr>
+              <p:cNvPr id="29" name="TextBox 28">
+                <a:extLst>
+                  <a:ext uri="{FF2B5EF4-FFF2-40B4-BE49-F238E27FC236}">
+                    <a16:creationId xmlns:a16="http://schemas.microsoft.com/office/drawing/2014/main" id="{4E046D23-474C-FC55-7E1A-87EFF489C471}"/>
+                  </a:ext>
+                </a:extLst>
+              </p:cNvPr>
+              <p:cNvSpPr txBox="1"/>
+              <p:nvPr/>
+            </p:nvSpPr>
+            <p:spPr>
+              <a:xfrm>
+                <a:off x="4995167" y="4050606"/>
+                <a:ext cx="1302958" cy="379591"/>
+              </a:xfrm>
+              <a:prstGeom prst="rect">
+                <a:avLst/>
+              </a:prstGeom>
+              <a:noFill/>
+            </p:spPr>
+            <p:txBody>
+              <a:bodyPr wrap="square">
+                <a:spAutoFit/>
+              </a:bodyPr>
+              <a:lstStyle/>
+              <a:p>
+                <a:r>
+                  <a:rPr lang="en-GB" sz="2800" baseline="-11000" noProof="1">
+                    <a:solidFill>
+                      <a:schemeClr val="bg2">
+                        <a:lumMod val="40000"/>
+                        <a:lumOff val="60000"/>
+                      </a:schemeClr>
+                    </a:solidFill>
+                    <a:effectLst>
+                      <a:glow>
+                        <a:schemeClr val="bg1"/>
+                      </a:glow>
+                    </a:effectLst>
+                  </a:rPr>
+                  <a:t>🛜</a:t>
+                </a:r>
+                <a:r>
+                  <a:rPr lang="en-GB" noProof="1"/>
+                  <a:t> Wi-Fier</a:t>
+                </a:r>
+              </a:p>
+            </p:txBody>
+          </p:sp>
+        </p:grpSp>
+        <p:grpSp>
+          <p:nvGrpSpPr>
+            <p:cNvPr id="23" name="Group 22">
+              <a:extLst>
+                <a:ext uri="{FF2B5EF4-FFF2-40B4-BE49-F238E27FC236}">
+                  <a16:creationId xmlns:a16="http://schemas.microsoft.com/office/drawing/2014/main" id="{6DA4C053-39F9-640D-4C90-5C141063259E}"/>
+                </a:ext>
+              </a:extLst>
+            </p:cNvPr>
+            <p:cNvGrpSpPr/>
+            <p:nvPr/>
+          </p:nvGrpSpPr>
+          <p:grpSpPr>
+            <a:xfrm>
+              <a:off x="11004396" y="932375"/>
+              <a:ext cx="1511473" cy="512403"/>
+              <a:chOff x="4941376" y="3971594"/>
+              <a:chExt cx="1511473" cy="512403"/>
+            </a:xfrm>
+          </p:grpSpPr>
+          <p:sp>
+            <p:nvSpPr>
+              <p:cNvPr id="24" name="Rectangle 23">
+                <a:extLst>
+                  <a:ext uri="{FF2B5EF4-FFF2-40B4-BE49-F238E27FC236}">
+                    <a16:creationId xmlns:a16="http://schemas.microsoft.com/office/drawing/2014/main" id="{0C7B4382-9388-5AD5-96B1-B3AD52A473E9}"/>
+                  </a:ext>
+                </a:extLst>
+              </p:cNvPr>
+              <p:cNvSpPr/>
+              <p:nvPr/>
+            </p:nvSpPr>
+            <p:spPr>
+              <a:xfrm>
+                <a:off x="4941376" y="3971594"/>
+                <a:ext cx="1511473" cy="512403"/>
+              </a:xfrm>
+              <a:prstGeom prst="rect">
+                <a:avLst/>
+              </a:prstGeom>
+              <a:solidFill>
+                <a:schemeClr val="bg1"/>
+              </a:solidFill>
+              <a:ln w="12700">
+                <a:solidFill>
+                  <a:srgbClr val="5A6B86"/>
+                </a:solidFill>
+                <a:prstDash val="dash"/>
+              </a:ln>
+            </p:spPr>
+            <p:style>
+              <a:lnRef idx="2">
+                <a:schemeClr val="accent1">
+                  <a:shade val="50000"/>
+                </a:schemeClr>
+              </a:lnRef>
+              <a:fillRef idx="1">
+                <a:schemeClr val="accent1"/>
+              </a:fillRef>
+              <a:effectRef idx="0">
+                <a:schemeClr val="accent1"/>
+              </a:effectRef>
+              <a:fontRef idx="minor">
+                <a:schemeClr val="lt1"/>
+              </a:fontRef>
+            </p:style>
+            <p:txBody>
+              <a:bodyPr tIns="36000"/>
+              <a:lstStyle/>
+              <a:p>
+                <a:pPr eaLnBrk="1" fontAlgn="auto" hangingPunct="1">
+                  <a:spcBef>
+                    <a:spcPts val="0"/>
+                  </a:spcBef>
+                  <a:spcAft>
+                    <a:spcPts val="0"/>
+                  </a:spcAft>
+                  <a:defRPr/>
+                </a:pPr>
+                <a:endParaRPr lang="en-US" sz="2000" i="1" dirty="0">
+                  <a:solidFill>
+                    <a:schemeClr val="bg2">
+                      <a:lumMod val="40000"/>
+                      <a:lumOff val="60000"/>
+                    </a:schemeClr>
+                  </a:solidFill>
+                  <a:effectLst>
+                    <a:glow>
+                      <a:schemeClr val="bg1"/>
+                    </a:glow>
+                  </a:effectLst>
+                </a:endParaRPr>
+              </a:p>
+            </p:txBody>
+          </p:sp>
+          <p:sp>
+            <p:nvSpPr>
+              <p:cNvPr id="26" name="TextBox 25">
+                <a:extLst>
+                  <a:ext uri="{FF2B5EF4-FFF2-40B4-BE49-F238E27FC236}">
+                    <a16:creationId xmlns:a16="http://schemas.microsoft.com/office/drawing/2014/main" id="{609FD7AF-859B-02FB-A1AA-447BC82FE11B}"/>
+                  </a:ext>
+                </a:extLst>
+              </p:cNvPr>
+              <p:cNvSpPr txBox="1"/>
+              <p:nvPr/>
+            </p:nvSpPr>
+            <p:spPr>
+              <a:xfrm>
+                <a:off x="4941377" y="4041641"/>
+                <a:ext cx="1356748" cy="379591"/>
+              </a:xfrm>
+              <a:prstGeom prst="rect">
+                <a:avLst/>
+              </a:prstGeom>
+              <a:noFill/>
+            </p:spPr>
+            <p:txBody>
+              <a:bodyPr wrap="square">
+                <a:spAutoFit/>
+              </a:bodyPr>
+              <a:lstStyle/>
+              <a:p>
+                <a:r>
+                  <a:rPr lang="en-GB" sz="2800" baseline="-11000" dirty="0">
+                    <a:solidFill>
+                      <a:schemeClr val="bg2">
+                        <a:lumMod val="40000"/>
+                        <a:lumOff val="60000"/>
+                      </a:schemeClr>
+                    </a:solidFill>
+                    <a:effectLst>
+                      <a:glow>
+                        <a:schemeClr val="bg1"/>
+                      </a:glow>
+                    </a:effectLst>
+                  </a:rPr>
+                  <a:t>🔆</a:t>
+                </a:r>
+                <a:r>
+                  <a:rPr lang="en-GB" dirty="0"/>
+                  <a:t> NFC QR</a:t>
+                </a:r>
+              </a:p>
+            </p:txBody>
+          </p:sp>
+        </p:grpSp>
+      </p:grpSp>
+      <p:cxnSp>
+        <p:nvCxnSpPr>
+          <p:cNvPr id="70" name="Straight Arrow Connector 12">
+            <a:extLst>
+              <a:ext uri="{FF2B5EF4-FFF2-40B4-BE49-F238E27FC236}">
+                <a16:creationId xmlns:a16="http://schemas.microsoft.com/office/drawing/2014/main" id="{C1FB551A-EBFC-11B9-1667-FF2AAE5F1AA0}"/>
+              </a:ext>
+            </a:extLst>
+          </p:cNvPr>
+          <p:cNvCxnSpPr>
+            <a:cxnSpLocks/>
+            <a:stCxn id="53" idx="3"/>
+            <a:endCxn id="26" idx="1"/>
+          </p:cNvCxnSpPr>
+          <p:nvPr/>
+        </p:nvCxnSpPr>
+        <p:spPr>
+          <a:xfrm flipV="1">
+            <a:off x="5487771" y="1558325"/>
+            <a:ext cx="3420000" cy="0"/>
+          </a:xfrm>
+          <a:prstGeom prst="straightConnector1">
+            <a:avLst/>
+          </a:prstGeom>
+          <a:ln>
+            <a:solidFill>
+              <a:schemeClr val="tx1"/>
+            </a:solidFill>
+            <a:tailEnd type="triangle" w="lg" len="lg"/>
+          </a:ln>
+        </p:spPr>
+        <p:style>
+          <a:lnRef idx="3">
+            <a:schemeClr val="accent2"/>
+          </a:lnRef>
+          <a:fillRef idx="0">
+            <a:schemeClr val="accent2"/>
+          </a:fillRef>
+          <a:effectRef idx="2">
+            <a:schemeClr val="accent2"/>
+          </a:effectRef>
+          <a:fontRef idx="minor">
+            <a:schemeClr val="tx1"/>
+          </a:fontRef>
+        </p:style>
+      </p:cxnSp>
+      <p:cxnSp>
+        <p:nvCxnSpPr>
+          <p:cNvPr id="73" name="Straight Arrow Connector 12">
+            <a:extLst>
+              <a:ext uri="{FF2B5EF4-FFF2-40B4-BE49-F238E27FC236}">
+                <a16:creationId xmlns:a16="http://schemas.microsoft.com/office/drawing/2014/main" id="{D76D6DE5-C341-69FD-DF85-A452C7A5FC67}"/>
+              </a:ext>
+            </a:extLst>
+          </p:cNvPr>
+          <p:cNvCxnSpPr>
+            <a:cxnSpLocks/>
+            <a:stCxn id="51" idx="3"/>
+            <a:endCxn id="28" idx="1"/>
+          </p:cNvCxnSpPr>
+          <p:nvPr/>
+        </p:nvCxnSpPr>
+        <p:spPr>
+          <a:xfrm flipV="1">
+            <a:off x="5495458" y="2195580"/>
+            <a:ext cx="3409200" cy="0"/>
+          </a:xfrm>
+          <a:prstGeom prst="straightConnector1">
+            <a:avLst/>
+          </a:prstGeom>
+          <a:ln>
+            <a:solidFill>
+              <a:schemeClr val="tx1"/>
+            </a:solidFill>
+            <a:tailEnd type="triangle" w="lg" len="lg"/>
+          </a:ln>
+        </p:spPr>
+        <p:style>
+          <a:lnRef idx="3">
+            <a:schemeClr val="accent2"/>
+          </a:lnRef>
+          <a:fillRef idx="0">
+            <a:schemeClr val="accent2"/>
+          </a:fillRef>
+          <a:effectRef idx="2">
+            <a:schemeClr val="accent2"/>
+          </a:effectRef>
+          <a:fontRef idx="minor">
+            <a:schemeClr val="tx1"/>
+          </a:fontRef>
+        </p:style>
+      </p:cxnSp>
+      <p:cxnSp>
+        <p:nvCxnSpPr>
+          <p:cNvPr id="133" name="Straight Arrow Connector 12">
+            <a:extLst>
+              <a:ext uri="{FF2B5EF4-FFF2-40B4-BE49-F238E27FC236}">
+                <a16:creationId xmlns:a16="http://schemas.microsoft.com/office/drawing/2014/main" id="{0A700D10-2BF6-605E-CF56-078749135E66}"/>
+              </a:ext>
+            </a:extLst>
+          </p:cNvPr>
+          <p:cNvCxnSpPr>
+            <a:cxnSpLocks/>
+            <a:stCxn id="66" idx="2"/>
+            <a:endCxn id="28" idx="3"/>
+          </p:cNvCxnSpPr>
+          <p:nvPr/>
+        </p:nvCxnSpPr>
+        <p:spPr>
+          <a:xfrm rot="5400000">
+            <a:off x="10446071" y="1356010"/>
+            <a:ext cx="810951" cy="868188"/>
+          </a:xfrm>
+          <a:prstGeom prst="bentConnector2">
+            <a:avLst/>
+          </a:prstGeom>
+          <a:ln>
+            <a:solidFill>
+              <a:schemeClr val="tx1"/>
+            </a:solidFill>
+            <a:tailEnd type="triangle" w="lg" len="lg"/>
+          </a:ln>
+        </p:spPr>
+        <p:style>
+          <a:lnRef idx="3">
+            <a:schemeClr val="accent2"/>
+          </a:lnRef>
+          <a:fillRef idx="0">
+            <a:schemeClr val="accent2"/>
+          </a:fillRef>
+          <a:effectRef idx="2">
+            <a:schemeClr val="accent2"/>
+          </a:effectRef>
+          <a:fontRef idx="minor">
+            <a:schemeClr val="tx1"/>
+          </a:fontRef>
+        </p:style>
+      </p:cxnSp>
+      <p:sp>
+        <p:nvSpPr>
+          <p:cNvPr id="14" name="TextBox 13">
+            <a:extLst>
+              <a:ext uri="{FF2B5EF4-FFF2-40B4-BE49-F238E27FC236}">
+                <a16:creationId xmlns:a16="http://schemas.microsoft.com/office/drawing/2014/main" id="{25BDC839-3177-BA4F-E8F0-E738648AADD2}"/>
+              </a:ext>
+            </a:extLst>
+          </p:cNvPr>
+          <p:cNvSpPr txBox="1"/>
+          <p:nvPr/>
+        </p:nvSpPr>
+        <p:spPr>
+          <a:xfrm>
+            <a:off x="7688235" y="1923296"/>
+            <a:ext cx="956116" cy="1446550"/>
+          </a:xfrm>
+          <a:prstGeom prst="rect">
+            <a:avLst/>
+          </a:prstGeom>
+          <a:noFill/>
+        </p:spPr>
+        <p:txBody>
+          <a:bodyPr wrap="square">
+            <a:spAutoFit/>
+          </a:bodyPr>
+          <a:lstStyle/>
+          <a:p>
+            <a:r>
+              <a:rPr lang="en-US" sz="8800" baseline="-11000" dirty="0">
+                <a:solidFill>
+                  <a:schemeClr val="bg2">
+                    <a:lumMod val="40000"/>
+                    <a:lumOff val="60000"/>
+                  </a:schemeClr>
+                </a:solidFill>
+                <a:effectLst>
+                  <a:glow>
+                    <a:schemeClr val="bg1"/>
+                  </a:glow>
+                </a:effectLst>
+              </a:rPr>
+              <a:t>☕</a:t>
+            </a:r>
+            <a:endParaRPr lang="en-PT" sz="8800" dirty="0"/>
           </a:p>
         </p:txBody>
       </p:sp>

--- a/4 ⚙️ Solution/60 🧰 Edge/61 🔌 Pluggables/.📎 Assets/🔌 .pptx
+++ b/4 ⚙️ Solution/60 🧰 Edge/61 🔌 Pluggables/.📎 Assets/🔌 .pptx
@@ -723,7 +723,7 @@
           <a:p>
             <a:fld id="{542F96DF-134D-4F6A-BFA6-E032E504EEEB}" type="datetime8">
               <a:rPr lang="en-US" smtClean="0"/>
-              <a:t>9/2/25 11:23 AM</a:t>
+              <a:t>9/10/25 11:43 AM</a:t>
             </a:fld>
             <a:endParaRPr lang="en-US"/>
           </a:p>
@@ -4276,10 +4276,10 @@
       </p:grpSpPr>
       <p:sp>
         <p:nvSpPr>
-          <p:cNvPr id="67" name="Rectangle 66">
+          <p:cNvPr id="79" name="Rectangle 78">
             <a:extLst>
               <a:ext uri="{FF2B5EF4-FFF2-40B4-BE49-F238E27FC236}">
-                <a16:creationId xmlns:a16="http://schemas.microsoft.com/office/drawing/2014/main" id="{23BC242E-68B3-A520-B939-3E1FDC6F727A}"/>
+                <a16:creationId xmlns:a16="http://schemas.microsoft.com/office/drawing/2014/main" id="{601E6CAF-1F6B-7139-BD00-381FE4C8898B}"/>
               </a:ext>
             </a:extLst>
           </p:cNvPr>
@@ -4288,8 +4288,8 @@
         </p:nvSpPr>
         <p:spPr>
           <a:xfrm>
-            <a:off x="510137" y="279130"/>
-            <a:ext cx="2161706" cy="2502571"/>
+            <a:off x="9887066" y="974221"/>
+            <a:ext cx="1957406" cy="1717704"/>
           </a:xfrm>
           <a:prstGeom prst="rect">
             <a:avLst/>
@@ -4354,6 +4354,84 @@
       </p:sp>
       <p:sp>
         <p:nvSpPr>
+          <p:cNvPr id="67" name="Rectangle 66">
+            <a:extLst>
+              <a:ext uri="{FF2B5EF4-FFF2-40B4-BE49-F238E27FC236}">
+                <a16:creationId xmlns:a16="http://schemas.microsoft.com/office/drawing/2014/main" id="{23BC242E-68B3-A520-B939-3E1FDC6F727A}"/>
+              </a:ext>
+            </a:extLst>
+          </p:cNvPr>
+          <p:cNvSpPr/>
+          <p:nvPr/>
+        </p:nvSpPr>
+        <p:spPr>
+          <a:xfrm>
+            <a:off x="608242" y="279130"/>
+            <a:ext cx="2377877" cy="1658625"/>
+          </a:xfrm>
+          <a:prstGeom prst="rect">
+            <a:avLst/>
+          </a:prstGeom>
+          <a:solidFill>
+            <a:schemeClr val="bg1">
+              <a:lumMod val="85000"/>
+              <a:lumOff val="15000"/>
+            </a:schemeClr>
+          </a:solidFill>
+          <a:ln w="12700">
+            <a:solidFill>
+              <a:srgbClr val="5A6B86"/>
+            </a:solidFill>
+            <a:prstDash val="dash"/>
+          </a:ln>
+        </p:spPr>
+        <p:style>
+          <a:lnRef idx="2">
+            <a:schemeClr val="accent1">
+              <a:shade val="50000"/>
+            </a:schemeClr>
+          </a:lnRef>
+          <a:fillRef idx="1">
+            <a:schemeClr val="accent1"/>
+          </a:fillRef>
+          <a:effectRef idx="0">
+            <a:schemeClr val="accent1"/>
+          </a:effectRef>
+          <a:fontRef idx="minor">
+            <a:schemeClr val="lt1"/>
+          </a:fontRef>
+        </p:style>
+        <p:txBody>
+          <a:bodyPr tIns="36000"/>
+          <a:lstStyle/>
+          <a:p>
+            <a:pPr algn="ctr" eaLnBrk="1" fontAlgn="auto" hangingPunct="1">
+              <a:spcBef>
+                <a:spcPts val="0"/>
+              </a:spcBef>
+              <a:spcAft>
+                <a:spcPts val="0"/>
+              </a:spcAft>
+              <a:defRPr/>
+            </a:pPr>
+            <a:endParaRPr lang="en-US" sz="2000" i="1" dirty="0">
+              <a:solidFill>
+                <a:schemeClr val="bg2">
+                  <a:lumMod val="40000"/>
+                  <a:lumOff val="60000"/>
+                </a:schemeClr>
+              </a:solidFill>
+              <a:effectLst>
+                <a:glow>
+                  <a:schemeClr val="bg1"/>
+                </a:glow>
+              </a:effectLst>
+            </a:endParaRPr>
+          </a:p>
+        </p:txBody>
+      </p:sp>
+      <p:sp>
+        <p:nvSpPr>
           <p:cNvPr id="12" name="Rectangle 11">
             <a:extLst>
               <a:ext uri="{FF2B5EF4-FFF2-40B4-BE49-F238E27FC236}">
@@ -4366,7 +4444,7 @@
         </p:nvSpPr>
         <p:spPr>
           <a:xfrm>
-            <a:off x="4062930" y="1161286"/>
+            <a:off x="4062930" y="1366385"/>
             <a:ext cx="4445419" cy="566426"/>
           </a:xfrm>
           <a:prstGeom prst="rect">
@@ -4457,8 +4535,8 @@
         </p:nvSpPr>
         <p:spPr>
           <a:xfrm>
-            <a:off x="608038" y="383248"/>
-            <a:ext cx="1984040" cy="565252"/>
+            <a:off x="715026" y="383248"/>
+            <a:ext cx="2182444" cy="565252"/>
           </a:xfrm>
           <a:prstGeom prst="rect">
             <a:avLst/>
@@ -4540,10 +4618,10 @@
         </p:nvGrpSpPr>
         <p:grpSpPr>
           <a:xfrm>
-            <a:off x="5157213" y="2479212"/>
-            <a:ext cx="2266896" cy="2261936"/>
-            <a:chOff x="4483455" y="2469589"/>
-            <a:chExt cx="2266896" cy="2261936"/>
+            <a:off x="4728412" y="3812644"/>
+            <a:ext cx="3017238" cy="1996488"/>
+            <a:chOff x="4483455" y="2772077"/>
+            <a:chExt cx="2266896" cy="1996488"/>
           </a:xfrm>
         </p:grpSpPr>
         <p:sp>
@@ -4560,8 +4638,8 @@
           </p:nvSpPr>
           <p:spPr>
             <a:xfrm>
-              <a:off x="4483455" y="2469589"/>
-              <a:ext cx="2266896" cy="2261936"/>
+              <a:off x="4483455" y="2772077"/>
+              <a:ext cx="2266896" cy="1996488"/>
             </a:xfrm>
             <a:prstGeom prst="rect">
               <a:avLst/>
@@ -4772,79 +4850,37 @@
             </a:p>
           </p:txBody>
         </p:sp>
-        <p:grpSp>
-          <p:nvGrpSpPr>
-            <p:cNvPr id="44" name="Group 43">
+        <p:sp>
+          <p:nvSpPr>
+            <p:cNvPr id="46" name="TextBox 45">
               <a:extLst>
                 <a:ext uri="{FF2B5EF4-FFF2-40B4-BE49-F238E27FC236}">
-                  <a16:creationId xmlns:a16="http://schemas.microsoft.com/office/drawing/2014/main" id="{DEF3630F-F003-8C86-FF85-64C28389407D}"/>
+                  <a16:creationId xmlns:a16="http://schemas.microsoft.com/office/drawing/2014/main" id="{26CCB614-25CE-FC81-B440-A1A95897C5F3}"/>
                 </a:ext>
               </a:extLst>
             </p:cNvPr>
-            <p:cNvGrpSpPr/>
+            <p:cNvSpPr txBox="1"/>
             <p:nvPr/>
-          </p:nvGrpSpPr>
-          <p:grpSpPr>
+          </p:nvSpPr>
+          <p:spPr>
             <a:xfrm>
-              <a:off x="4587136" y="2575800"/>
-              <a:ext cx="2060685" cy="560061"/>
-              <a:chOff x="4951945" y="3423309"/>
-              <a:chExt cx="2060685" cy="560061"/>
+              <a:off x="4909067" y="2832506"/>
+              <a:ext cx="1497388" cy="400110"/>
             </a:xfrm>
-          </p:grpSpPr>
-          <p:sp>
-            <p:nvSpPr>
-              <p:cNvPr id="45" name="Rectangle 44">
-                <a:extLst>
-                  <a:ext uri="{FF2B5EF4-FFF2-40B4-BE49-F238E27FC236}">
-                    <a16:creationId xmlns:a16="http://schemas.microsoft.com/office/drawing/2014/main" id="{55F6102F-2D3F-8A49-3AB3-FDEA81B255CB}"/>
-                  </a:ext>
-                </a:extLst>
-              </p:cNvPr>
-              <p:cNvSpPr/>
-              <p:nvPr/>
-            </p:nvSpPr>
-            <p:spPr>
-              <a:xfrm>
-                <a:off x="4951945" y="3423309"/>
-                <a:ext cx="2060685" cy="560061"/>
-              </a:xfrm>
-              <a:prstGeom prst="rect">
-                <a:avLst/>
-              </a:prstGeom>
-              <a:solidFill>
-                <a:schemeClr val="bg1"/>
-              </a:solidFill>
-              <a:ln w="28575">
-                <a:solidFill>
-                  <a:schemeClr val="tx1">
-                    <a:lumMod val="50000"/>
-                  </a:schemeClr>
-                </a:solidFill>
-                <a:prstDash val="solid"/>
-              </a:ln>
-            </p:spPr>
-            <p:style>
-              <a:lnRef idx="2">
-                <a:schemeClr val="accent1">
-                  <a:shade val="50000"/>
-                </a:schemeClr>
-              </a:lnRef>
-              <a:fillRef idx="1">
-                <a:schemeClr val="accent1"/>
-              </a:fillRef>
-              <a:effectRef idx="0">
-                <a:schemeClr val="accent1"/>
-              </a:effectRef>
-              <a:fontRef idx="minor">
-                <a:schemeClr val="lt1"/>
-              </a:fontRef>
-            </p:style>
-            <p:txBody>
-              <a:bodyPr lIns="144000" tIns="108000" rIns="144000" bIns="144000" anchor="ctr"/>
-              <a:lstStyle/>
-              <a:p>
-                <a:endParaRPr lang="en-US" sz="3200" baseline="-9000" dirty="0">
+            <a:prstGeom prst="rect">
+              <a:avLst/>
+            </a:prstGeom>
+            <a:noFill/>
+          </p:spPr>
+          <p:txBody>
+            <a:bodyPr wrap="square">
+              <a:spAutoFit/>
+            </a:bodyPr>
+            <a:lstStyle/>
+            <a:p>
+              <a:pPr algn="ctr"/>
+              <a:r>
+                <a:rPr lang="en-GB" sz="2000" i="1" noProof="1">
                   <a:solidFill>
                     <a:schemeClr val="bg2">
                       <a:lumMod val="40000"/>
@@ -4856,67 +4892,12 @@
                       <a:schemeClr val="bg1"/>
                     </a:glow>
                   </a:effectLst>
-                </a:endParaRPr>
-              </a:p>
-            </p:txBody>
-          </p:sp>
-          <p:sp>
-            <p:nvSpPr>
-              <p:cNvPr id="46" name="TextBox 45">
-                <a:extLst>
-                  <a:ext uri="{FF2B5EF4-FFF2-40B4-BE49-F238E27FC236}">
-                    <a16:creationId xmlns:a16="http://schemas.microsoft.com/office/drawing/2014/main" id="{26CCB614-25CE-FC81-B440-A1A95897C5F3}"/>
-                  </a:ext>
-                </a:extLst>
-              </p:cNvPr>
-              <p:cNvSpPr txBox="1"/>
-              <p:nvPr/>
-            </p:nvSpPr>
-            <p:spPr>
-              <a:xfrm>
-                <a:off x="5001539" y="3491756"/>
-                <a:ext cx="1560435" cy="461665"/>
-              </a:xfrm>
-              <a:prstGeom prst="rect">
-                <a:avLst/>
-              </a:prstGeom>
-              <a:noFill/>
-            </p:spPr>
-            <p:txBody>
-              <a:bodyPr wrap="square">
-                <a:spAutoFit/>
-              </a:bodyPr>
-              <a:lstStyle/>
-              <a:p>
-                <a:r>
-                  <a:rPr lang="en-GB" sz="3200" baseline="-9000" noProof="1">
-                    <a:solidFill>
-                      <a:schemeClr val="bg2">
-                        <a:lumMod val="40000"/>
-                        <a:lumOff val="60000"/>
-                      </a:schemeClr>
-                    </a:solidFill>
-                    <a:effectLst>
-                      <a:glow>
-                        <a:schemeClr val="bg1"/>
-                      </a:glow>
-                    </a:effectLst>
-                  </a:rPr>
-                  <a:t>🛜</a:t>
-                </a:r>
-                <a:r>
-                  <a:rPr lang="en-GB" sz="2000" noProof="1"/>
-                  <a:t> </a:t>
-                </a:r>
-                <a:r>
-                  <a:rPr lang="en-GB" sz="2400" noProof="1"/>
-                  <a:t>Wi-Fier</a:t>
-                </a:r>
-                <a:endParaRPr lang="en-GB" sz="2000" noProof="1"/>
-              </a:p>
-            </p:txBody>
-          </p:sp>
-        </p:grpSp>
+                </a:rPr>
+                <a:t>on-premises</a:t>
+              </a:r>
+            </a:p>
+          </p:txBody>
+        </p:sp>
         <p:sp>
           <p:nvSpPr>
             <p:cNvPr id="47" name="Rectangle 46">
@@ -5020,8 +5001,8 @@
         </p:nvCxnSpPr>
         <p:spPr>
           <a:xfrm>
-            <a:off x="5717749" y="1727712"/>
-            <a:ext cx="5021" cy="751500"/>
+            <a:off x="5045396" y="1937755"/>
+            <a:ext cx="0" cy="2335428"/>
           </a:xfrm>
           <a:prstGeom prst="straightConnector1">
             <a:avLst/>
@@ -5030,7 +5011,7 @@
             <a:solidFill>
               <a:schemeClr val="accent4"/>
             </a:solidFill>
-            <a:prstDash val="solid"/>
+            <a:prstDash val="dash"/>
             <a:headEnd type="triangle" w="lg" len="lg"/>
             <a:tailEnd type="triangle" w="lg" len="lg"/>
           </a:ln>
@@ -5064,7 +5045,7 @@
         </p:nvSpPr>
         <p:spPr>
           <a:xfrm>
-            <a:off x="5788560" y="1755979"/>
+            <a:off x="5080146" y="3095906"/>
             <a:ext cx="1692805" cy="707886"/>
           </a:xfrm>
           <a:prstGeom prst="rect">
@@ -5124,8 +5105,8 @@
         </p:nvSpPr>
         <p:spPr>
           <a:xfrm>
-            <a:off x="608039" y="1065916"/>
-            <a:ext cx="1984040" cy="760959"/>
+            <a:off x="715027" y="1065916"/>
+            <a:ext cx="2182444" cy="760959"/>
           </a:xfrm>
           <a:prstGeom prst="rect">
             <a:avLst/>
@@ -5242,182 +5223,6 @@
       </p:sp>
       <p:sp>
         <p:nvSpPr>
-          <p:cNvPr id="66" name="Rectangle 65">
-            <a:extLst>
-              <a:ext uri="{FF2B5EF4-FFF2-40B4-BE49-F238E27FC236}">
-                <a16:creationId xmlns:a16="http://schemas.microsoft.com/office/drawing/2014/main" id="{7BE8BD4D-0B1D-F12F-2B74-44DEF93C98AF}"/>
-              </a:ext>
-            </a:extLst>
-          </p:cNvPr>
-          <p:cNvSpPr/>
-          <p:nvPr/>
-        </p:nvSpPr>
-        <p:spPr>
-          <a:xfrm>
-            <a:off x="608038" y="1920960"/>
-            <a:ext cx="1984251" cy="760959"/>
-          </a:xfrm>
-          <a:prstGeom prst="rect">
-            <a:avLst/>
-          </a:prstGeom>
-          <a:solidFill>
-            <a:schemeClr val="bg1"/>
-          </a:solidFill>
-          <a:ln w="12700">
-            <a:solidFill>
-              <a:srgbClr val="5A6B86"/>
-            </a:solidFill>
-            <a:prstDash val="dash"/>
-          </a:ln>
-        </p:spPr>
-        <p:style>
-          <a:lnRef idx="2">
-            <a:schemeClr val="accent1">
-              <a:shade val="50000"/>
-            </a:schemeClr>
-          </a:lnRef>
-          <a:fillRef idx="1">
-            <a:schemeClr val="accent1"/>
-          </a:fillRef>
-          <a:effectRef idx="0">
-            <a:schemeClr val="accent1"/>
-          </a:effectRef>
-          <a:fontRef idx="minor">
-            <a:schemeClr val="lt1"/>
-          </a:fontRef>
-        </p:style>
-        <p:txBody>
-          <a:bodyPr wrap="square" lIns="108000" tIns="72000" rIns="108000" bIns="72000">
-            <a:spAutoFit/>
-          </a:bodyPr>
-          <a:lstStyle/>
-          <a:p>
-            <a:pPr eaLnBrk="1" fontAlgn="auto" hangingPunct="1">
-              <a:spcBef>
-                <a:spcPts val="0"/>
-              </a:spcBef>
-              <a:spcAft>
-                <a:spcPts val="0"/>
-              </a:spcAft>
-              <a:defRPr/>
-            </a:pPr>
-            <a:r>
-              <a:rPr lang="en-GB" sz="2800" baseline="-11000" dirty="0">
-                <a:solidFill>
-                  <a:schemeClr val="bg2">
-                    <a:lumMod val="40000"/>
-                    <a:lumOff val="60000"/>
-                  </a:schemeClr>
-                </a:solidFill>
-                <a:effectLst>
-                  <a:glow>
-                    <a:schemeClr val="bg1"/>
-                  </a:glow>
-                </a:effectLst>
-              </a:rPr>
-              <a:t>🧩 </a:t>
-            </a:r>
-            <a:r>
-              <a:rPr lang="en-GB" sz="2000" i="1" dirty="0">
-                <a:solidFill>
-                  <a:schemeClr val="bg2">
-                    <a:lumMod val="40000"/>
-                    <a:lumOff val="60000"/>
-                  </a:schemeClr>
-                </a:solidFill>
-                <a:effectLst>
-                  <a:glow>
-                    <a:schemeClr val="bg1"/>
-                  </a:glow>
-                </a:effectLst>
-              </a:rPr>
-              <a:t>Schema code</a:t>
-            </a:r>
-            <a:br>
-              <a:rPr lang="en-GB" sz="2000" i="1" dirty="0">
-                <a:solidFill>
-                  <a:schemeClr val="bg2">
-                    <a:lumMod val="40000"/>
-                    <a:lumOff val="60000"/>
-                  </a:schemeClr>
-                </a:solidFill>
-                <a:effectLst>
-                  <a:glow>
-                    <a:schemeClr val="bg1"/>
-                  </a:glow>
-                </a:effectLst>
-              </a:rPr>
-            </a:br>
-            <a:r>
-              <a:rPr lang="en-GB" sz="2000" i="1" dirty="0">
-                <a:solidFill>
-                  <a:schemeClr val="bg2">
-                    <a:lumMod val="40000"/>
-                    <a:lumOff val="60000"/>
-                  </a:schemeClr>
-                </a:solidFill>
-                <a:effectLst>
-                  <a:glow>
-                    <a:schemeClr val="bg1"/>
-                  </a:glow>
-                </a:effectLst>
-              </a:rPr>
-              <a:t>- API definition</a:t>
-            </a:r>
-          </a:p>
-        </p:txBody>
-      </p:sp>
-      <p:cxnSp>
-        <p:nvCxnSpPr>
-          <p:cNvPr id="78" name="Straight Arrow Connector 44">
-            <a:extLst>
-              <a:ext uri="{FF2B5EF4-FFF2-40B4-BE49-F238E27FC236}">
-                <a16:creationId xmlns:a16="http://schemas.microsoft.com/office/drawing/2014/main" id="{978F4015-BB95-1608-072C-5363416AD83B}"/>
-              </a:ext>
-            </a:extLst>
-          </p:cNvPr>
-          <p:cNvCxnSpPr>
-            <a:cxnSpLocks/>
-            <a:stCxn id="63" idx="1"/>
-            <a:endCxn id="81" idx="1"/>
-          </p:cNvCxnSpPr>
-          <p:nvPr/>
-        </p:nvCxnSpPr>
-        <p:spPr>
-          <a:xfrm rot="10800000" flipH="1" flipV="1">
-            <a:off x="608038" y="1446396"/>
-            <a:ext cx="13277" cy="712758"/>
-          </a:xfrm>
-          <a:prstGeom prst="bentConnector3">
-            <a:avLst>
-              <a:gd name="adj1" fmla="val -1721774"/>
-            </a:avLst>
-          </a:prstGeom>
-          <a:ln>
-            <a:solidFill>
-              <a:schemeClr val="tx1"/>
-            </a:solidFill>
-            <a:prstDash val="solid"/>
-            <a:tailEnd type="triangle" w="lg" len="lg"/>
-          </a:ln>
-        </p:spPr>
-        <p:style>
-          <a:lnRef idx="3">
-            <a:schemeClr val="accent2"/>
-          </a:lnRef>
-          <a:fillRef idx="0">
-            <a:schemeClr val="accent2"/>
-          </a:fillRef>
-          <a:effectRef idx="2">
-            <a:schemeClr val="accent2"/>
-          </a:effectRef>
-          <a:fontRef idx="minor">
-            <a:schemeClr val="tx1"/>
-          </a:fontRef>
-        </p:style>
-      </p:cxnSp>
-      <p:sp>
-        <p:nvSpPr>
           <p:cNvPr id="81" name="TextBox 80">
             <a:extLst>
               <a:ext uri="{FF2B5EF4-FFF2-40B4-BE49-F238E27FC236}">
@@ -5430,7 +5235,7 @@
         </p:nvSpPr>
         <p:spPr>
           <a:xfrm>
-            <a:off x="621316" y="1974488"/>
+            <a:off x="827506" y="1974488"/>
             <a:ext cx="243656" cy="369332"/>
           </a:xfrm>
           <a:prstGeom prst="rect">
@@ -5452,53 +5257,6 @@
           </a:p>
         </p:txBody>
       </p:sp>
-      <p:cxnSp>
-        <p:nvCxnSpPr>
-          <p:cNvPr id="98" name="Straight Arrow Connector 44">
-            <a:extLst>
-              <a:ext uri="{FF2B5EF4-FFF2-40B4-BE49-F238E27FC236}">
-                <a16:creationId xmlns:a16="http://schemas.microsoft.com/office/drawing/2014/main" id="{97AAF784-5FE8-53B1-0B05-BD86C0906C31}"/>
-              </a:ext>
-            </a:extLst>
-          </p:cNvPr>
-          <p:cNvCxnSpPr>
-            <a:cxnSpLocks/>
-            <a:stCxn id="120" idx="2"/>
-            <a:endCxn id="66" idx="3"/>
-          </p:cNvCxnSpPr>
-          <p:nvPr/>
-        </p:nvCxnSpPr>
-        <p:spPr>
-          <a:xfrm rot="5400000">
-            <a:off x="3180337" y="1139661"/>
-            <a:ext cx="573731" cy="1749826"/>
-          </a:xfrm>
-          <a:prstGeom prst="bentConnector2">
-            <a:avLst/>
-          </a:prstGeom>
-          <a:ln>
-            <a:solidFill>
-              <a:schemeClr val="tx1"/>
-            </a:solidFill>
-            <a:prstDash val="solid"/>
-            <a:tailEnd type="triangle" w="lg" len="lg"/>
-          </a:ln>
-        </p:spPr>
-        <p:style>
-          <a:lnRef idx="3">
-            <a:schemeClr val="accent2"/>
-          </a:lnRef>
-          <a:fillRef idx="0">
-            <a:schemeClr val="accent2"/>
-          </a:fillRef>
-          <a:effectRef idx="2">
-            <a:schemeClr val="accent2"/>
-          </a:effectRef>
-          <a:fontRef idx="minor">
-            <a:schemeClr val="tx1"/>
-          </a:fontRef>
-        </p:style>
-      </p:cxnSp>
       <p:sp>
         <p:nvSpPr>
           <p:cNvPr id="105" name="TextBox 104">
@@ -5513,8 +5271,8 @@
         </p:nvSpPr>
         <p:spPr>
           <a:xfrm>
-            <a:off x="3061075" y="2322265"/>
-            <a:ext cx="1357829" cy="400110"/>
+            <a:off x="2986118" y="2835527"/>
+            <a:ext cx="1304727" cy="400110"/>
           </a:xfrm>
           <a:prstGeom prst="rect">
             <a:avLst/>
@@ -5527,7 +5285,6 @@
           </a:bodyPr>
           <a:lstStyle/>
           <a:p>
-            <a:pPr algn="r"/>
             <a:r>
               <a:rPr lang="en-GB" sz="2000" i="1" dirty="0">
                 <a:solidFill>
@@ -5574,17 +5331,17 @@
           </p:cNvPr>
           <p:cNvCxnSpPr>
             <a:cxnSpLocks/>
-            <a:stCxn id="12" idx="1"/>
-            <a:endCxn id="63" idx="3"/>
+            <a:stCxn id="120" idx="0"/>
+            <a:endCxn id="19" idx="3"/>
           </p:cNvCxnSpPr>
           <p:nvPr/>
         </p:nvCxnSpPr>
         <p:spPr>
-          <a:xfrm flipH="1">
-            <a:off x="2592079" y="1444499"/>
-            <a:ext cx="1470851" cy="1897"/>
+          <a:xfrm rot="16200000" flipV="1">
+            <a:off x="3268898" y="294447"/>
+            <a:ext cx="701791" cy="1444645"/>
           </a:xfrm>
-          <a:prstGeom prst="straightConnector1">
+          <a:prstGeom prst="bentConnector2">
             <a:avLst/>
           </a:prstGeom>
           <a:ln>
@@ -5624,7 +5381,7 @@
         </p:nvSpPr>
         <p:spPr>
           <a:xfrm>
-            <a:off x="2858694" y="1024674"/>
+            <a:off x="2881955" y="254237"/>
             <a:ext cx="1171782" cy="400110"/>
           </a:xfrm>
           <a:prstGeom prst="rect">
@@ -5685,7 +5442,7 @@
         </p:nvSpPr>
         <p:spPr>
           <a:xfrm>
-            <a:off x="4084143" y="1162566"/>
+            <a:off x="4084143" y="1367665"/>
             <a:ext cx="515943" cy="565143"/>
           </a:xfrm>
           <a:prstGeom prst="rect">
@@ -5721,7 +5478,7 @@
         </p:nvSpPr>
         <p:spPr>
           <a:xfrm>
-            <a:off x="5507632" y="1166276"/>
+            <a:off x="5507632" y="1371375"/>
             <a:ext cx="426399" cy="565143"/>
           </a:xfrm>
           <a:prstGeom prst="rect">
@@ -5757,7 +5514,7 @@
         </p:nvSpPr>
         <p:spPr>
           <a:xfrm>
-            <a:off x="9987766" y="1169237"/>
+            <a:off x="9987766" y="1374336"/>
             <a:ext cx="1764232" cy="556732"/>
           </a:xfrm>
           <a:prstGeom prst="rect">
@@ -5798,6 +5555,22 @@
           <a:lstStyle/>
           <a:p>
             <a:r>
+              <a:rPr lang="en-GB" sz="3200" baseline="-9000" dirty="0">
+                <a:solidFill>
+                  <a:schemeClr val="bg2">
+                    <a:lumMod val="40000"/>
+                    <a:lumOff val="60000"/>
+                  </a:schemeClr>
+                </a:solidFill>
+                <a:effectLst>
+                  <a:glow>
+                    <a:schemeClr val="bg1"/>
+                  </a:glow>
+                </a:effectLst>
+              </a:rPr>
+              <a:t>👥</a:t>
+            </a:r>
+            <a:r>
               <a:rPr lang="en-GB" sz="2400" dirty="0">
                 <a:solidFill>
                   <a:sysClr val="windowText" lastClr="000000"/>
@@ -5805,7 +5578,7 @@
                 <a:latin typeface="+mj-lt"/>
                 <a:cs typeface="Arial" panose="020B0604020202020204" pitchFamily="34" charset="0"/>
               </a:rPr>
-              <a:t>👥 Domain</a:t>
+              <a:t> Domain</a:t>
             </a:r>
           </a:p>
         </p:txBody>
@@ -5824,7 +5597,7 @@
         </p:nvSpPr>
         <p:spPr>
           <a:xfrm>
-            <a:off x="8003662" y="1160825"/>
+            <a:off x="8003662" y="1374470"/>
             <a:ext cx="515943" cy="565143"/>
           </a:xfrm>
           <a:prstGeom prst="rect">
@@ -5858,18 +5631,17 @@
           <p:cNvCxnSpPr>
             <a:cxnSpLocks/>
             <a:stCxn id="13" idx="0"/>
-            <a:endCxn id="142" idx="0"/>
           </p:cNvCxnSpPr>
           <p:nvPr/>
         </p:nvCxnSpPr>
         <p:spPr>
           <a:xfrm rot="16200000" flipV="1">
-            <a:off x="9561552" y="-139093"/>
+            <a:off x="9561552" y="66006"/>
             <a:ext cx="8412" cy="2608248"/>
           </a:xfrm>
           <a:prstGeom prst="bentConnector3">
             <a:avLst>
-              <a:gd name="adj1" fmla="val 5353923"/>
+              <a:gd name="adj1" fmla="val 6674608"/>
             </a:avLst>
           </a:prstGeom>
           <a:ln>
@@ -5945,8 +5717,8 @@
         </p:nvSpPr>
         <p:spPr>
           <a:xfrm>
-            <a:off x="9456108" y="297942"/>
-            <a:ext cx="1514056" cy="400110"/>
+            <a:off x="8576874" y="307329"/>
+            <a:ext cx="3491297" cy="400110"/>
           </a:xfrm>
           <a:prstGeom prst="rect">
             <a:avLst/>
@@ -5959,7 +5731,6 @@
           </a:bodyPr>
           <a:lstStyle/>
           <a:p>
-            <a:pPr algn="r"/>
             <a:r>
               <a:rPr lang="en-GB" sz="2000" i="1" dirty="0">
                 <a:solidFill>
@@ -5974,43 +5745,7 @@
                   </a:glow>
                 </a:effectLst>
               </a:rPr>
-              <a:t>commands</a:t>
-            </a:r>
-          </a:p>
-        </p:txBody>
-      </p:sp>
-      <p:sp>
-        <p:nvSpPr>
-          <p:cNvPr id="153" name="TextBox 152">
-            <a:extLst>
-              <a:ext uri="{FF2B5EF4-FFF2-40B4-BE49-F238E27FC236}">
-                <a16:creationId xmlns:a16="http://schemas.microsoft.com/office/drawing/2014/main" id="{9C0A3A53-0ED6-6B32-04B6-99A7C29E6FF9}"/>
-              </a:ext>
-            </a:extLst>
-          </p:cNvPr>
-          <p:cNvSpPr txBox="1"/>
-          <p:nvPr/>
-        </p:nvSpPr>
-        <p:spPr>
-          <a:xfrm>
-            <a:off x="9715199" y="979911"/>
-            <a:ext cx="426399" cy="565143"/>
-          </a:xfrm>
-          <a:prstGeom prst="rect">
-            <a:avLst/>
-          </a:prstGeom>
-          <a:noFill/>
-        </p:spPr>
-        <p:txBody>
-          <a:bodyPr wrap="none" lIns="0" rIns="0" rtlCol="0">
-            <a:noAutofit/>
-          </a:bodyPr>
-          <a:lstStyle/>
-          <a:p>
-            <a:pPr algn="l"/>
-            <a:r>
-              <a:rPr lang="en-US" dirty="0"/>
-              <a:t>       </a:t>
+              <a:t>natural language commands</a:t>
             </a:r>
           </a:p>
         </p:txBody>
@@ -6027,18 +5762,18 @@
           <p:cNvCxnSpPr>
             <a:cxnSpLocks/>
             <a:stCxn id="142" idx="2"/>
-            <a:endCxn id="211" idx="2"/>
+            <a:endCxn id="29" idx="2"/>
           </p:cNvCxnSpPr>
           <p:nvPr/>
         </p:nvCxnSpPr>
         <p:spPr>
-          <a:xfrm rot="5400000" flipH="1" flipV="1">
-            <a:off x="9564083" y="420170"/>
-            <a:ext cx="3349" cy="2608248"/>
+          <a:xfrm rot="16200000" flipH="1">
+            <a:off x="9241211" y="960035"/>
+            <a:ext cx="649093" cy="2608247"/>
           </a:xfrm>
           <a:prstGeom prst="bentConnector3">
             <a:avLst>
-              <a:gd name="adj1" fmla="val -14979158"/>
+              <a:gd name="adj1" fmla="val 135218"/>
             </a:avLst>
           </a:prstGeom>
           <a:ln>
@@ -6078,8 +5813,8 @@
         </p:nvSpPr>
         <p:spPr>
           <a:xfrm>
-            <a:off x="8150892" y="2245990"/>
-            <a:ext cx="1396189" cy="400110"/>
+            <a:off x="8600423" y="2909351"/>
+            <a:ext cx="2671476" cy="707886"/>
           </a:xfrm>
           <a:prstGeom prst="rect">
             <a:avLst/>
@@ -6106,7 +5841,7 @@
                   </a:glow>
                 </a:effectLst>
               </a:rPr>
-              <a:t>events </a:t>
+              <a:t>natural language events </a:t>
             </a:r>
             <a:r>
               <a:rPr lang="en-GB" sz="2800" baseline="-11000" dirty="0">
@@ -6174,12 +5909,12 @@
         </p:nvCxnSpPr>
         <p:spPr>
           <a:xfrm rot="10800000" flipV="1">
-            <a:off x="5256287" y="3603280"/>
+            <a:off x="4860280" y="4634224"/>
             <a:ext cx="12700" cy="748444"/>
           </a:xfrm>
           <a:prstGeom prst="bentConnector3">
             <a:avLst>
-              <a:gd name="adj1" fmla="val 1800000"/>
+              <a:gd name="adj1" fmla="val 5611764"/>
             </a:avLst>
           </a:prstGeom>
           <a:ln>
@@ -6219,8 +5954,8 @@
         </p:nvSpPr>
         <p:spPr>
           <a:xfrm>
-            <a:off x="3104621" y="3610180"/>
-            <a:ext cx="1875386" cy="707886"/>
+            <a:off x="1678765" y="4478751"/>
+            <a:ext cx="2377877" cy="707886"/>
           </a:xfrm>
           <a:prstGeom prst="rect">
             <a:avLst/>
@@ -6248,7 +5983,7 @@
                   </a:glow>
                 </a:effectLst>
               </a:rPr>
-              <a:t>execute API commands</a:t>
+              <a:t>execute machine-level commands</a:t>
             </a:r>
           </a:p>
         </p:txBody>
@@ -6271,12 +6006,12 @@
         </p:nvCxnSpPr>
         <p:spPr>
           <a:xfrm flipV="1">
-            <a:off x="7321579" y="3603280"/>
+            <a:off x="7609184" y="4634224"/>
             <a:ext cx="12700" cy="748444"/>
           </a:xfrm>
           <a:prstGeom prst="bentConnector3">
             <a:avLst>
-              <a:gd name="adj1" fmla="val 1800000"/>
+              <a:gd name="adj1" fmla="val 4764709"/>
             </a:avLst>
           </a:prstGeom>
           <a:ln>
@@ -6316,8 +6051,8 @@
         </p:nvSpPr>
         <p:spPr>
           <a:xfrm>
-            <a:off x="7601334" y="3610180"/>
-            <a:ext cx="1667793" cy="707886"/>
+            <a:off x="8285019" y="4471932"/>
+            <a:ext cx="2439953" cy="707886"/>
           </a:xfrm>
           <a:prstGeom prst="rect">
             <a:avLst/>
@@ -6344,7 +6079,7 @@
                   </a:glow>
                 </a:effectLst>
               </a:rPr>
-              <a:t>listen to API events </a:t>
+              <a:t>listen to machine-level events </a:t>
             </a:r>
             <a:r>
               <a:rPr lang="en-GB" sz="2800" baseline="-11000" dirty="0">
@@ -6379,7 +6114,7 @@
         </p:nvSpPr>
         <p:spPr>
           <a:xfrm>
-            <a:off x="6541978" y="475918"/>
+            <a:off x="6541978" y="681017"/>
             <a:ext cx="700881" cy="529881"/>
           </a:xfrm>
           <a:prstGeom prst="can">
@@ -6437,7 +6172,7 @@
         </p:nvCxnSpPr>
         <p:spPr>
           <a:xfrm rot="10800000" flipV="1">
-            <a:off x="5720832" y="740858"/>
+            <a:off x="5720832" y="945957"/>
             <a:ext cx="821146" cy="425417"/>
           </a:xfrm>
           <a:prstGeom prst="bentConnector2">
@@ -6480,7 +6215,7 @@
         </p:nvSpPr>
         <p:spPr>
           <a:xfrm>
-            <a:off x="7413126" y="1150664"/>
+            <a:off x="7413126" y="1355763"/>
             <a:ext cx="515943" cy="565143"/>
           </a:xfrm>
           <a:prstGeom prst="rect">
@@ -6520,7 +6255,7 @@
         </p:nvCxnSpPr>
         <p:spPr>
           <a:xfrm rot="16200000" flipV="1">
-            <a:off x="7252077" y="731642"/>
+            <a:off x="7252077" y="936741"/>
             <a:ext cx="409805" cy="428239"/>
           </a:xfrm>
           <a:prstGeom prst="bentConnector2">
@@ -6563,7 +6298,7 @@
         </p:nvSpPr>
         <p:spPr>
           <a:xfrm>
-            <a:off x="5095204" y="334075"/>
+            <a:off x="5095204" y="539174"/>
             <a:ext cx="1514056" cy="707886"/>
           </a:xfrm>
           <a:prstGeom prst="rect">
@@ -6699,6 +6434,1474 @@
                 </a:solidFill>
               </a:rPr>
               <a:t>RELAYER</a:t>
+            </a:r>
+          </a:p>
+        </p:txBody>
+      </p:sp>
+      <p:sp>
+        <p:nvSpPr>
+          <p:cNvPr id="7" name="Rounded Rectangle 6">
+            <a:extLst>
+              <a:ext uri="{FF2B5EF4-FFF2-40B4-BE49-F238E27FC236}">
+                <a16:creationId xmlns:a16="http://schemas.microsoft.com/office/drawing/2014/main" id="{C0FFDD63-800D-7667-A10C-B17D18049787}"/>
+              </a:ext>
+            </a:extLst>
+          </p:cNvPr>
+          <p:cNvSpPr/>
+          <p:nvPr/>
+        </p:nvSpPr>
+        <p:spPr>
+          <a:xfrm>
+            <a:off x="7150118" y="5202668"/>
+            <a:ext cx="360000" cy="360000"/>
+          </a:xfrm>
+          <a:prstGeom prst="roundRect">
+            <a:avLst/>
+          </a:prstGeom>
+          <a:solidFill>
+            <a:schemeClr val="accent4">
+              <a:lumMod val="75000"/>
+            </a:schemeClr>
+          </a:solidFill>
+          <a:ln>
+            <a:noFill/>
+          </a:ln>
+        </p:spPr>
+        <p:style>
+          <a:lnRef idx="0">
+            <a:scrgbClr r="0" g="0" b="0"/>
+          </a:lnRef>
+          <a:fillRef idx="0">
+            <a:scrgbClr r="0" g="0" b="0"/>
+          </a:fillRef>
+          <a:effectRef idx="0">
+            <a:scrgbClr r="0" g="0" b="0"/>
+          </a:effectRef>
+          <a:fontRef idx="minor">
+            <a:schemeClr val="lt1"/>
+          </a:fontRef>
+        </p:style>
+        <p:txBody>
+          <a:bodyPr lIns="45720" tIns="45720" rIns="45720" rtlCol="0" anchor="ctr"/>
+          <a:lstStyle/>
+          <a:p>
+            <a:pPr algn="ctr"/>
+            <a:r>
+              <a:rPr lang="en-GB" b="1" dirty="0">
+                <a:solidFill>
+                  <a:schemeClr val="tx1"/>
+                </a:solidFill>
+              </a:rPr>
+              <a:t>2</a:t>
+            </a:r>
+          </a:p>
+        </p:txBody>
+      </p:sp>
+      <p:sp>
+        <p:nvSpPr>
+          <p:cNvPr id="15" name="Rounded Rectangle 14">
+            <a:extLst>
+              <a:ext uri="{FF2B5EF4-FFF2-40B4-BE49-F238E27FC236}">
+                <a16:creationId xmlns:a16="http://schemas.microsoft.com/office/drawing/2014/main" id="{F4D0ABE4-ABC9-FA60-ACC0-2F3A3894414E}"/>
+              </a:ext>
+            </a:extLst>
+          </p:cNvPr>
+          <p:cNvSpPr/>
+          <p:nvPr/>
+        </p:nvSpPr>
+        <p:spPr>
+          <a:xfrm>
+            <a:off x="7150118" y="4459585"/>
+            <a:ext cx="360000" cy="360000"/>
+          </a:xfrm>
+          <a:prstGeom prst="roundRect">
+            <a:avLst/>
+          </a:prstGeom>
+          <a:solidFill>
+            <a:schemeClr val="accent4">
+              <a:lumMod val="75000"/>
+            </a:schemeClr>
+          </a:solidFill>
+          <a:ln>
+            <a:noFill/>
+          </a:ln>
+        </p:spPr>
+        <p:style>
+          <a:lnRef idx="0">
+            <a:scrgbClr r="0" g="0" b="0"/>
+          </a:lnRef>
+          <a:fillRef idx="0">
+            <a:scrgbClr r="0" g="0" b="0"/>
+          </a:fillRef>
+          <a:effectRef idx="0">
+            <a:scrgbClr r="0" g="0" b="0"/>
+          </a:effectRef>
+          <a:fontRef idx="minor">
+            <a:schemeClr val="lt1"/>
+          </a:fontRef>
+        </p:style>
+        <p:txBody>
+          <a:bodyPr lIns="45720" tIns="45720" rIns="45720" rtlCol="0" anchor="ctr"/>
+          <a:lstStyle/>
+          <a:p>
+            <a:pPr algn="ctr"/>
+            <a:r>
+              <a:rPr lang="en-GB" b="1" dirty="0">
+                <a:solidFill>
+                  <a:schemeClr val="tx1"/>
+                </a:solidFill>
+              </a:rPr>
+              <a:t>1</a:t>
+            </a:r>
+          </a:p>
+        </p:txBody>
+      </p:sp>
+      <p:sp>
+        <p:nvSpPr>
+          <p:cNvPr id="20" name="Rounded Rectangle 19">
+            <a:extLst>
+              <a:ext uri="{FF2B5EF4-FFF2-40B4-BE49-F238E27FC236}">
+                <a16:creationId xmlns:a16="http://schemas.microsoft.com/office/drawing/2014/main" id="{49ABF613-7318-C7D8-57E4-A4E385E941DC}"/>
+              </a:ext>
+            </a:extLst>
+          </p:cNvPr>
+          <p:cNvSpPr/>
+          <p:nvPr/>
+        </p:nvSpPr>
+        <p:spPr>
+          <a:xfrm>
+            <a:off x="3084585" y="790664"/>
+            <a:ext cx="360000" cy="360000"/>
+          </a:xfrm>
+          <a:prstGeom prst="roundRect">
+            <a:avLst/>
+          </a:prstGeom>
+          <a:solidFill>
+            <a:schemeClr val="accent4">
+              <a:lumMod val="75000"/>
+            </a:schemeClr>
+          </a:solidFill>
+          <a:ln>
+            <a:noFill/>
+          </a:ln>
+        </p:spPr>
+        <p:style>
+          <a:lnRef idx="0">
+            <a:scrgbClr r="0" g="0" b="0"/>
+          </a:lnRef>
+          <a:fillRef idx="0">
+            <a:scrgbClr r="0" g="0" b="0"/>
+          </a:fillRef>
+          <a:effectRef idx="0">
+            <a:scrgbClr r="0" g="0" b="0"/>
+          </a:effectRef>
+          <a:fontRef idx="minor">
+            <a:schemeClr val="lt1"/>
+          </a:fontRef>
+        </p:style>
+        <p:txBody>
+          <a:bodyPr lIns="45720" tIns="45720" rIns="45720" rtlCol="0" anchor="ctr"/>
+          <a:lstStyle/>
+          <a:p>
+            <a:pPr algn="ctr"/>
+            <a:r>
+              <a:rPr lang="en-GB" b="1" dirty="0">
+                <a:solidFill>
+                  <a:schemeClr val="tx1"/>
+                </a:solidFill>
+              </a:rPr>
+              <a:t>3</a:t>
+            </a:r>
+          </a:p>
+        </p:txBody>
+      </p:sp>
+      <p:sp>
+        <p:nvSpPr>
+          <p:cNvPr id="21" name="Rounded Rectangle 20">
+            <a:extLst>
+              <a:ext uri="{FF2B5EF4-FFF2-40B4-BE49-F238E27FC236}">
+                <a16:creationId xmlns:a16="http://schemas.microsoft.com/office/drawing/2014/main" id="{463D782F-63EC-E3A8-9FD6-0CE7A4068417}"/>
+              </a:ext>
+            </a:extLst>
+          </p:cNvPr>
+          <p:cNvSpPr/>
+          <p:nvPr/>
+        </p:nvSpPr>
+        <p:spPr>
+          <a:xfrm>
+            <a:off x="3091722" y="3358599"/>
+            <a:ext cx="360000" cy="360000"/>
+          </a:xfrm>
+          <a:prstGeom prst="roundRect">
+            <a:avLst/>
+          </a:prstGeom>
+          <a:solidFill>
+            <a:schemeClr val="accent4">
+              <a:lumMod val="75000"/>
+            </a:schemeClr>
+          </a:solidFill>
+          <a:ln>
+            <a:noFill/>
+          </a:ln>
+        </p:spPr>
+        <p:style>
+          <a:lnRef idx="0">
+            <a:scrgbClr r="0" g="0" b="0"/>
+          </a:lnRef>
+          <a:fillRef idx="0">
+            <a:scrgbClr r="0" g="0" b="0"/>
+          </a:fillRef>
+          <a:effectRef idx="0">
+            <a:scrgbClr r="0" g="0" b="0"/>
+          </a:effectRef>
+          <a:fontRef idx="minor">
+            <a:schemeClr val="lt1"/>
+          </a:fontRef>
+        </p:style>
+        <p:txBody>
+          <a:bodyPr lIns="45720" tIns="45720" rIns="45720" rtlCol="0" anchor="ctr"/>
+          <a:lstStyle/>
+          <a:p>
+            <a:pPr algn="ctr"/>
+            <a:r>
+              <a:rPr lang="en-GB" b="1" dirty="0">
+                <a:solidFill>
+                  <a:schemeClr val="tx1"/>
+                </a:solidFill>
+              </a:rPr>
+              <a:t>5</a:t>
+            </a:r>
+          </a:p>
+        </p:txBody>
+      </p:sp>
+      <p:sp>
+        <p:nvSpPr>
+          <p:cNvPr id="22" name="Rounded Rectangle 21">
+            <a:extLst>
+              <a:ext uri="{FF2B5EF4-FFF2-40B4-BE49-F238E27FC236}">
+                <a16:creationId xmlns:a16="http://schemas.microsoft.com/office/drawing/2014/main" id="{A5E35BF1-9B72-B64E-3091-E84BB22B7C03}"/>
+              </a:ext>
+            </a:extLst>
+          </p:cNvPr>
+          <p:cNvSpPr/>
+          <p:nvPr/>
+        </p:nvSpPr>
+        <p:spPr>
+          <a:xfrm>
+            <a:off x="8237376" y="333300"/>
+            <a:ext cx="360000" cy="360000"/>
+          </a:xfrm>
+          <a:prstGeom prst="roundRect">
+            <a:avLst/>
+          </a:prstGeom>
+          <a:solidFill>
+            <a:schemeClr val="accent6">
+              <a:lumMod val="75000"/>
+            </a:schemeClr>
+          </a:solidFill>
+          <a:ln>
+            <a:noFill/>
+          </a:ln>
+        </p:spPr>
+        <p:style>
+          <a:lnRef idx="0">
+            <a:scrgbClr r="0" g="0" b="0"/>
+          </a:lnRef>
+          <a:fillRef idx="0">
+            <a:scrgbClr r="0" g="0" b="0"/>
+          </a:fillRef>
+          <a:effectRef idx="0">
+            <a:scrgbClr r="0" g="0" b="0"/>
+          </a:effectRef>
+          <a:fontRef idx="minor">
+            <a:schemeClr val="lt1"/>
+          </a:fontRef>
+        </p:style>
+        <p:txBody>
+          <a:bodyPr lIns="45720" tIns="45720" rIns="45720" rtlCol="0" anchor="ctr"/>
+          <a:lstStyle/>
+          <a:p>
+            <a:pPr algn="ctr"/>
+            <a:r>
+              <a:rPr lang="en-GB" b="1" dirty="0">
+                <a:solidFill>
+                  <a:schemeClr val="tx1"/>
+                </a:solidFill>
+              </a:rPr>
+              <a:t>A</a:t>
+            </a:r>
+          </a:p>
+        </p:txBody>
+      </p:sp>
+      <p:sp>
+        <p:nvSpPr>
+          <p:cNvPr id="23" name="Rounded Rectangle 22">
+            <a:extLst>
+              <a:ext uri="{FF2B5EF4-FFF2-40B4-BE49-F238E27FC236}">
+                <a16:creationId xmlns:a16="http://schemas.microsoft.com/office/drawing/2014/main" id="{21F3DB2B-F686-ADFF-536B-D85A6938A572}"/>
+              </a:ext>
+            </a:extLst>
+          </p:cNvPr>
+          <p:cNvSpPr/>
+          <p:nvPr/>
+        </p:nvSpPr>
+        <p:spPr>
+          <a:xfrm>
+            <a:off x="4711881" y="659391"/>
+            <a:ext cx="360000" cy="360000"/>
+          </a:xfrm>
+          <a:prstGeom prst="roundRect">
+            <a:avLst/>
+          </a:prstGeom>
+          <a:solidFill>
+            <a:schemeClr val="accent6">
+              <a:lumMod val="75000"/>
+            </a:schemeClr>
+          </a:solidFill>
+          <a:ln>
+            <a:noFill/>
+          </a:ln>
+        </p:spPr>
+        <p:style>
+          <a:lnRef idx="0">
+            <a:scrgbClr r="0" g="0" b="0"/>
+          </a:lnRef>
+          <a:fillRef idx="0">
+            <a:scrgbClr r="0" g="0" b="0"/>
+          </a:fillRef>
+          <a:effectRef idx="0">
+            <a:scrgbClr r="0" g="0" b="0"/>
+          </a:effectRef>
+          <a:fontRef idx="minor">
+            <a:schemeClr val="lt1"/>
+          </a:fontRef>
+        </p:style>
+        <p:txBody>
+          <a:bodyPr lIns="45720" tIns="45720" rIns="45720" rtlCol="0" anchor="ctr"/>
+          <a:lstStyle/>
+          <a:p>
+            <a:pPr algn="ctr"/>
+            <a:r>
+              <a:rPr lang="en-GB" b="1" dirty="0">
+                <a:solidFill>
+                  <a:schemeClr val="tx1"/>
+                </a:solidFill>
+              </a:rPr>
+              <a:t>B</a:t>
+            </a:r>
+          </a:p>
+        </p:txBody>
+      </p:sp>
+      <p:sp>
+        <p:nvSpPr>
+          <p:cNvPr id="24" name="Rounded Rectangle 23">
+            <a:extLst>
+              <a:ext uri="{FF2B5EF4-FFF2-40B4-BE49-F238E27FC236}">
+                <a16:creationId xmlns:a16="http://schemas.microsoft.com/office/drawing/2014/main" id="{89A6A291-7EBB-4A50-309F-A98FFFE45EE6}"/>
+              </a:ext>
+            </a:extLst>
+          </p:cNvPr>
+          <p:cNvSpPr/>
+          <p:nvPr/>
+        </p:nvSpPr>
+        <p:spPr>
+          <a:xfrm>
+            <a:off x="3628580" y="5223370"/>
+            <a:ext cx="360000" cy="360000"/>
+          </a:xfrm>
+          <a:prstGeom prst="roundRect">
+            <a:avLst/>
+          </a:prstGeom>
+          <a:solidFill>
+            <a:schemeClr val="accent6">
+              <a:lumMod val="75000"/>
+            </a:schemeClr>
+          </a:solidFill>
+          <a:ln>
+            <a:noFill/>
+          </a:ln>
+        </p:spPr>
+        <p:style>
+          <a:lnRef idx="0">
+            <a:scrgbClr r="0" g="0" b="0"/>
+          </a:lnRef>
+          <a:fillRef idx="0">
+            <a:scrgbClr r="0" g="0" b="0"/>
+          </a:fillRef>
+          <a:effectRef idx="0">
+            <a:scrgbClr r="0" g="0" b="0"/>
+          </a:effectRef>
+          <a:fontRef idx="minor">
+            <a:schemeClr val="lt1"/>
+          </a:fontRef>
+        </p:style>
+        <p:txBody>
+          <a:bodyPr lIns="45720" tIns="45720" rIns="45720" rtlCol="0" anchor="ctr"/>
+          <a:lstStyle/>
+          <a:p>
+            <a:pPr algn="ctr"/>
+            <a:r>
+              <a:rPr lang="en-GB" b="1" dirty="0">
+                <a:solidFill>
+                  <a:schemeClr val="tx1"/>
+                </a:solidFill>
+              </a:rPr>
+              <a:t>C</a:t>
+            </a:r>
+          </a:p>
+        </p:txBody>
+      </p:sp>
+      <p:sp>
+        <p:nvSpPr>
+          <p:cNvPr id="25" name="Rounded Rectangle 24">
+            <a:extLst>
+              <a:ext uri="{FF2B5EF4-FFF2-40B4-BE49-F238E27FC236}">
+                <a16:creationId xmlns:a16="http://schemas.microsoft.com/office/drawing/2014/main" id="{1AED02BB-066C-DEF4-8998-ADD2FBC32745}"/>
+              </a:ext>
+            </a:extLst>
+          </p:cNvPr>
+          <p:cNvSpPr/>
+          <p:nvPr/>
+        </p:nvSpPr>
+        <p:spPr>
+          <a:xfrm>
+            <a:off x="8379782" y="5194061"/>
+            <a:ext cx="360000" cy="360000"/>
+          </a:xfrm>
+          <a:prstGeom prst="roundRect">
+            <a:avLst/>
+          </a:prstGeom>
+          <a:solidFill>
+            <a:schemeClr val="accent1"/>
+          </a:solidFill>
+          <a:ln>
+            <a:noFill/>
+          </a:ln>
+        </p:spPr>
+        <p:style>
+          <a:lnRef idx="0">
+            <a:scrgbClr r="0" g="0" b="0"/>
+          </a:lnRef>
+          <a:fillRef idx="0">
+            <a:scrgbClr r="0" g="0" b="0"/>
+          </a:fillRef>
+          <a:effectRef idx="0">
+            <a:scrgbClr r="0" g="0" b="0"/>
+          </a:effectRef>
+          <a:fontRef idx="minor">
+            <a:schemeClr val="lt1"/>
+          </a:fontRef>
+        </p:style>
+        <p:txBody>
+          <a:bodyPr lIns="45720" tIns="45720" rIns="45720" rtlCol="0" anchor="ctr"/>
+          <a:lstStyle/>
+          <a:p>
+            <a:pPr algn="ctr"/>
+            <a:r>
+              <a:rPr lang="en-GB" b="1" dirty="0">
+                <a:solidFill>
+                  <a:schemeClr val="tx1"/>
+                </a:solidFill>
+              </a:rPr>
+              <a:t>X</a:t>
+            </a:r>
+          </a:p>
+        </p:txBody>
+      </p:sp>
+      <p:sp>
+        <p:nvSpPr>
+          <p:cNvPr id="26" name="Rounded Rectangle 25">
+            <a:extLst>
+              <a:ext uri="{FF2B5EF4-FFF2-40B4-BE49-F238E27FC236}">
+                <a16:creationId xmlns:a16="http://schemas.microsoft.com/office/drawing/2014/main" id="{37FC4527-E861-4FAD-16BF-8CF35721EB02}"/>
+              </a:ext>
+            </a:extLst>
+          </p:cNvPr>
+          <p:cNvSpPr/>
+          <p:nvPr/>
+        </p:nvSpPr>
+        <p:spPr>
+          <a:xfrm>
+            <a:off x="8240423" y="2936327"/>
+            <a:ext cx="360000" cy="360000"/>
+          </a:xfrm>
+          <a:prstGeom prst="roundRect">
+            <a:avLst/>
+          </a:prstGeom>
+          <a:solidFill>
+            <a:schemeClr val="accent1"/>
+          </a:solidFill>
+          <a:ln>
+            <a:noFill/>
+          </a:ln>
+        </p:spPr>
+        <p:style>
+          <a:lnRef idx="0">
+            <a:scrgbClr r="0" g="0" b="0"/>
+          </a:lnRef>
+          <a:fillRef idx="0">
+            <a:scrgbClr r="0" g="0" b="0"/>
+          </a:fillRef>
+          <a:effectRef idx="0">
+            <a:scrgbClr r="0" g="0" b="0"/>
+          </a:effectRef>
+          <a:fontRef idx="minor">
+            <a:schemeClr val="lt1"/>
+          </a:fontRef>
+        </p:style>
+        <p:txBody>
+          <a:bodyPr lIns="45720" tIns="45720" rIns="45720" rtlCol="0" anchor="ctr"/>
+          <a:lstStyle/>
+          <a:p>
+            <a:pPr algn="ctr"/>
+            <a:r>
+              <a:rPr lang="en-GB" b="1" dirty="0">
+                <a:solidFill>
+                  <a:schemeClr val="tx1"/>
+                </a:solidFill>
+              </a:rPr>
+              <a:t>Z</a:t>
+            </a:r>
+          </a:p>
+        </p:txBody>
+      </p:sp>
+      <p:sp>
+        <p:nvSpPr>
+          <p:cNvPr id="28" name="Rounded Rectangle 27">
+            <a:extLst>
+              <a:ext uri="{FF2B5EF4-FFF2-40B4-BE49-F238E27FC236}">
+                <a16:creationId xmlns:a16="http://schemas.microsoft.com/office/drawing/2014/main" id="{C8AAF6CA-0B78-F401-27AD-8586FA014CBA}"/>
+              </a:ext>
+            </a:extLst>
+          </p:cNvPr>
+          <p:cNvSpPr/>
+          <p:nvPr/>
+        </p:nvSpPr>
+        <p:spPr>
+          <a:xfrm>
+            <a:off x="8605922" y="1747718"/>
+            <a:ext cx="360000" cy="360000"/>
+          </a:xfrm>
+          <a:prstGeom prst="roundRect">
+            <a:avLst/>
+          </a:prstGeom>
+          <a:solidFill>
+            <a:schemeClr val="accent4">
+              <a:lumMod val="75000"/>
+            </a:schemeClr>
+          </a:solidFill>
+          <a:ln>
+            <a:noFill/>
+          </a:ln>
+        </p:spPr>
+        <p:style>
+          <a:lnRef idx="0">
+            <a:scrgbClr r="0" g="0" b="0"/>
+          </a:lnRef>
+          <a:fillRef idx="0">
+            <a:scrgbClr r="0" g="0" b="0"/>
+          </a:fillRef>
+          <a:effectRef idx="0">
+            <a:scrgbClr r="0" g="0" b="0"/>
+          </a:effectRef>
+          <a:fontRef idx="minor">
+            <a:schemeClr val="lt1"/>
+          </a:fontRef>
+        </p:style>
+        <p:txBody>
+          <a:bodyPr lIns="45720" tIns="45720" rIns="45720" rtlCol="0" anchor="ctr"/>
+          <a:lstStyle/>
+          <a:p>
+            <a:pPr algn="ctr"/>
+            <a:r>
+              <a:rPr lang="en-GB" b="1" dirty="0">
+                <a:solidFill>
+                  <a:schemeClr val="tx1"/>
+                </a:solidFill>
+              </a:rPr>
+              <a:t>6</a:t>
+            </a:r>
+          </a:p>
+        </p:txBody>
+      </p:sp>
+      <p:sp>
+        <p:nvSpPr>
+          <p:cNvPr id="29" name="Rectangle 28">
+            <a:extLst>
+              <a:ext uri="{FF2B5EF4-FFF2-40B4-BE49-F238E27FC236}">
+                <a16:creationId xmlns:a16="http://schemas.microsoft.com/office/drawing/2014/main" id="{D544C26F-F895-8C72-F33F-2DD9B5EAB858}"/>
+              </a:ext>
+            </a:extLst>
+          </p:cNvPr>
+          <p:cNvSpPr/>
+          <p:nvPr/>
+        </p:nvSpPr>
+        <p:spPr>
+          <a:xfrm>
+            <a:off x="9987765" y="2031974"/>
+            <a:ext cx="1764232" cy="556732"/>
+          </a:xfrm>
+          <a:prstGeom prst="rect">
+            <a:avLst/>
+          </a:prstGeom>
+          <a:solidFill>
+            <a:schemeClr val="tx1">
+              <a:lumMod val="95000"/>
+            </a:schemeClr>
+          </a:solidFill>
+          <a:ln w="28575">
+            <a:solidFill>
+              <a:schemeClr val="tx1">
+                <a:lumMod val="50000"/>
+              </a:schemeClr>
+            </a:solidFill>
+            <a:prstDash val="solid"/>
+          </a:ln>
+        </p:spPr>
+        <p:style>
+          <a:lnRef idx="2">
+            <a:schemeClr val="accent1">
+              <a:shade val="50000"/>
+            </a:schemeClr>
+          </a:lnRef>
+          <a:fillRef idx="1">
+            <a:schemeClr val="accent1"/>
+          </a:fillRef>
+          <a:effectRef idx="0">
+            <a:schemeClr val="accent1"/>
+          </a:effectRef>
+          <a:fontRef idx="minor">
+            <a:schemeClr val="lt1"/>
+          </a:fontRef>
+        </p:style>
+        <p:txBody>
+          <a:bodyPr lIns="144000" tIns="144000" rIns="144000" bIns="144000" anchor="ctr"/>
+          <a:lstStyle/>
+          <a:p>
+            <a:r>
+              <a:rPr lang="en-GB" sz="3200" baseline="-9000" dirty="0">
+                <a:solidFill>
+                  <a:schemeClr val="bg2">
+                    <a:lumMod val="40000"/>
+                    <a:lumOff val="60000"/>
+                  </a:schemeClr>
+                </a:solidFill>
+                <a:effectLst>
+                  <a:glow>
+                    <a:schemeClr val="bg1"/>
+                  </a:glow>
+                </a:effectLst>
+              </a:rPr>
+              <a:t>⏳</a:t>
+            </a:r>
+            <a:r>
+              <a:rPr lang="en-GB" sz="2400" dirty="0">
+                <a:solidFill>
+                  <a:sysClr val="windowText" lastClr="000000"/>
+                </a:solidFill>
+                <a:latin typeface="+mj-lt"/>
+                <a:cs typeface="Arial" panose="020B0604020202020204" pitchFamily="34" charset="0"/>
+              </a:rPr>
+              <a:t> Buffer</a:t>
+            </a:r>
+          </a:p>
+        </p:txBody>
+      </p:sp>
+      <p:cxnSp>
+        <p:nvCxnSpPr>
+          <p:cNvPr id="31" name="Straight Arrow Connector 44">
+            <a:extLst>
+              <a:ext uri="{FF2B5EF4-FFF2-40B4-BE49-F238E27FC236}">
+                <a16:creationId xmlns:a16="http://schemas.microsoft.com/office/drawing/2014/main" id="{9CC7A54F-8A2D-FFB9-0C4A-062C33C99EE2}"/>
+              </a:ext>
+            </a:extLst>
+          </p:cNvPr>
+          <p:cNvCxnSpPr>
+            <a:cxnSpLocks/>
+            <a:stCxn id="29" idx="3"/>
+            <a:endCxn id="13" idx="3"/>
+          </p:cNvCxnSpPr>
+          <p:nvPr/>
+        </p:nvCxnSpPr>
+        <p:spPr>
+          <a:xfrm flipV="1">
+            <a:off x="11751997" y="1652702"/>
+            <a:ext cx="1" cy="657638"/>
+          </a:xfrm>
+          <a:prstGeom prst="bentConnector3">
+            <a:avLst>
+              <a:gd name="adj1" fmla="val 22860100000"/>
+            </a:avLst>
+          </a:prstGeom>
+          <a:ln>
+            <a:solidFill>
+              <a:schemeClr val="tx1"/>
+            </a:solidFill>
+            <a:prstDash val="solid"/>
+            <a:tailEnd type="triangle" w="lg" len="lg"/>
+          </a:ln>
+        </p:spPr>
+        <p:style>
+          <a:lnRef idx="3">
+            <a:schemeClr val="accent2"/>
+          </a:lnRef>
+          <a:fillRef idx="0">
+            <a:schemeClr val="accent2"/>
+          </a:fillRef>
+          <a:effectRef idx="2">
+            <a:schemeClr val="accent2"/>
+          </a:effectRef>
+          <a:fontRef idx="minor">
+            <a:schemeClr val="tx1"/>
+          </a:fontRef>
+        </p:style>
+      </p:cxnSp>
+      <p:sp>
+        <p:nvSpPr>
+          <p:cNvPr id="39" name="TextBox 38">
+            <a:extLst>
+              <a:ext uri="{FF2B5EF4-FFF2-40B4-BE49-F238E27FC236}">
+                <a16:creationId xmlns:a16="http://schemas.microsoft.com/office/drawing/2014/main" id="{3242CDDF-677D-B6B6-61E7-A3605B2A6899}"/>
+              </a:ext>
+            </a:extLst>
+          </p:cNvPr>
+          <p:cNvSpPr txBox="1"/>
+          <p:nvPr/>
+        </p:nvSpPr>
+        <p:spPr>
+          <a:xfrm>
+            <a:off x="8514497" y="1237205"/>
+            <a:ext cx="1514056" cy="400110"/>
+          </a:xfrm>
+          <a:prstGeom prst="rect">
+            <a:avLst/>
+          </a:prstGeom>
+          <a:noFill/>
+        </p:spPr>
+        <p:txBody>
+          <a:bodyPr wrap="square">
+            <a:spAutoFit/>
+          </a:bodyPr>
+          <a:lstStyle/>
+          <a:p>
+            <a:r>
+              <a:rPr lang="en-GB" sz="2000" i="1" dirty="0">
+                <a:solidFill>
+                  <a:schemeClr val="bg2">
+                    <a:lumMod val="40000"/>
+                    <a:lumOff val="60000"/>
+                  </a:schemeClr>
+                </a:solidFill>
+                <a:effectLst>
+                  <a:glow>
+                    <a:schemeClr val="bg1"/>
+                  </a:glow>
+                </a:effectLst>
+              </a:rPr>
+              <a:t>new!</a:t>
+            </a:r>
+          </a:p>
+        </p:txBody>
+      </p:sp>
+      <p:cxnSp>
+        <p:nvCxnSpPr>
+          <p:cNvPr id="40" name="Straight Arrow Connector 44">
+            <a:extLst>
+              <a:ext uri="{FF2B5EF4-FFF2-40B4-BE49-F238E27FC236}">
+                <a16:creationId xmlns:a16="http://schemas.microsoft.com/office/drawing/2014/main" id="{39CD243C-F346-8B8D-00B5-6738A8D7A802}"/>
+              </a:ext>
+            </a:extLst>
+          </p:cNvPr>
+          <p:cNvCxnSpPr>
+            <a:cxnSpLocks/>
+            <a:stCxn id="12" idx="3"/>
+            <a:endCxn id="13" idx="1"/>
+          </p:cNvCxnSpPr>
+          <p:nvPr/>
+        </p:nvCxnSpPr>
+        <p:spPr>
+          <a:xfrm>
+            <a:off x="8508349" y="1649598"/>
+            <a:ext cx="1479417" cy="3104"/>
+          </a:xfrm>
+          <a:prstGeom prst="straightConnector1">
+            <a:avLst/>
+          </a:prstGeom>
+          <a:ln>
+            <a:solidFill>
+              <a:schemeClr val="tx1"/>
+            </a:solidFill>
+            <a:prstDash val="solid"/>
+            <a:tailEnd type="triangle" w="lg" len="lg"/>
+          </a:ln>
+        </p:spPr>
+        <p:style>
+          <a:lnRef idx="3">
+            <a:schemeClr val="accent2"/>
+          </a:lnRef>
+          <a:fillRef idx="0">
+            <a:schemeClr val="accent2"/>
+          </a:fillRef>
+          <a:effectRef idx="2">
+            <a:schemeClr val="accent2"/>
+          </a:effectRef>
+          <a:fontRef idx="minor">
+            <a:schemeClr val="tx1"/>
+          </a:fontRef>
+        </p:style>
+      </p:cxnSp>
+      <p:sp>
+        <p:nvSpPr>
+          <p:cNvPr id="58" name="Rectangle 57">
+            <a:extLst>
+              <a:ext uri="{FF2B5EF4-FFF2-40B4-BE49-F238E27FC236}">
+                <a16:creationId xmlns:a16="http://schemas.microsoft.com/office/drawing/2014/main" id="{E63AE86B-B51D-48A9-69A5-39769B6A0AE6}"/>
+              </a:ext>
+            </a:extLst>
+          </p:cNvPr>
+          <p:cNvSpPr/>
+          <p:nvPr/>
+        </p:nvSpPr>
+        <p:spPr>
+          <a:xfrm>
+            <a:off x="608242" y="2077842"/>
+            <a:ext cx="2377877" cy="1642511"/>
+          </a:xfrm>
+          <a:prstGeom prst="rect">
+            <a:avLst/>
+          </a:prstGeom>
+          <a:solidFill>
+            <a:schemeClr val="bg1">
+              <a:lumMod val="85000"/>
+              <a:lumOff val="15000"/>
+            </a:schemeClr>
+          </a:solidFill>
+          <a:ln w="12700">
+            <a:solidFill>
+              <a:srgbClr val="5A6B86"/>
+            </a:solidFill>
+            <a:prstDash val="dash"/>
+          </a:ln>
+        </p:spPr>
+        <p:style>
+          <a:lnRef idx="2">
+            <a:schemeClr val="accent1">
+              <a:shade val="50000"/>
+            </a:schemeClr>
+          </a:lnRef>
+          <a:fillRef idx="1">
+            <a:schemeClr val="accent1"/>
+          </a:fillRef>
+          <a:effectRef idx="0">
+            <a:schemeClr val="accent1"/>
+          </a:effectRef>
+          <a:fontRef idx="minor">
+            <a:schemeClr val="lt1"/>
+          </a:fontRef>
+        </p:style>
+        <p:txBody>
+          <a:bodyPr tIns="36000"/>
+          <a:lstStyle/>
+          <a:p>
+            <a:pPr algn="ctr" eaLnBrk="1" fontAlgn="auto" hangingPunct="1">
+              <a:spcBef>
+                <a:spcPts val="0"/>
+              </a:spcBef>
+              <a:spcAft>
+                <a:spcPts val="0"/>
+              </a:spcAft>
+              <a:defRPr/>
+            </a:pPr>
+            <a:endParaRPr lang="en-US" sz="2000" i="1" dirty="0">
+              <a:solidFill>
+                <a:schemeClr val="bg2">
+                  <a:lumMod val="40000"/>
+                  <a:lumOff val="60000"/>
+                </a:schemeClr>
+              </a:solidFill>
+              <a:effectLst>
+                <a:glow>
+                  <a:schemeClr val="bg1"/>
+                </a:glow>
+              </a:effectLst>
+            </a:endParaRPr>
+          </a:p>
+        </p:txBody>
+      </p:sp>
+      <p:sp>
+        <p:nvSpPr>
+          <p:cNvPr id="59" name="Rectangle 58">
+            <a:extLst>
+              <a:ext uri="{FF2B5EF4-FFF2-40B4-BE49-F238E27FC236}">
+                <a16:creationId xmlns:a16="http://schemas.microsoft.com/office/drawing/2014/main" id="{C5BE76C3-AF81-EDF3-36F7-FA210009B13A}"/>
+              </a:ext>
+            </a:extLst>
+          </p:cNvPr>
+          <p:cNvSpPr/>
+          <p:nvPr/>
+        </p:nvSpPr>
+        <p:spPr>
+          <a:xfrm>
+            <a:off x="715026" y="2181960"/>
+            <a:ext cx="2182444" cy="565252"/>
+          </a:xfrm>
+          <a:prstGeom prst="rect">
+            <a:avLst/>
+          </a:prstGeom>
+          <a:solidFill>
+            <a:schemeClr val="tx1">
+              <a:lumMod val="95000"/>
+            </a:schemeClr>
+          </a:solidFill>
+          <a:ln w="28575">
+            <a:solidFill>
+              <a:schemeClr val="tx1">
+                <a:lumMod val="50000"/>
+              </a:schemeClr>
+            </a:solidFill>
+            <a:prstDash val="solid"/>
+          </a:ln>
+        </p:spPr>
+        <p:style>
+          <a:lnRef idx="2">
+            <a:schemeClr val="accent1">
+              <a:shade val="50000"/>
+            </a:schemeClr>
+          </a:lnRef>
+          <a:fillRef idx="1">
+            <a:schemeClr val="accent1"/>
+          </a:fillRef>
+          <a:effectRef idx="0">
+            <a:schemeClr val="accent1"/>
+          </a:effectRef>
+          <a:fontRef idx="minor">
+            <a:schemeClr val="lt1"/>
+          </a:fontRef>
+        </p:style>
+        <p:txBody>
+          <a:bodyPr lIns="144000" tIns="144000" rIns="144000" bIns="144000" anchor="ctr"/>
+          <a:lstStyle/>
+          <a:p>
+            <a:r>
+              <a:rPr lang="en-GB" sz="3200" baseline="-9000" dirty="0">
+                <a:solidFill>
+                  <a:schemeClr val="bg2">
+                    <a:lumMod val="40000"/>
+                    <a:lumOff val="60000"/>
+                  </a:schemeClr>
+                </a:solidFill>
+                <a:effectLst>
+                  <a:glow>
+                    <a:schemeClr val="bg1"/>
+                  </a:glow>
+                </a:effectLst>
+              </a:rPr>
+              <a:t>🕸</a:t>
+            </a:r>
+            <a:r>
+              <a:rPr lang="en-GB" sz="2400" dirty="0">
+                <a:solidFill>
+                  <a:sysClr val="windowText" lastClr="000000"/>
+                </a:solidFill>
+                <a:latin typeface="+mj-lt"/>
+                <a:cs typeface="Arial" panose="020B0604020202020204" pitchFamily="34" charset="0"/>
+              </a:rPr>
+              <a:t> Graph</a:t>
+            </a:r>
+          </a:p>
+        </p:txBody>
+      </p:sp>
+      <p:sp>
+        <p:nvSpPr>
+          <p:cNvPr id="66" name="Rectangle 65">
+            <a:extLst>
+              <a:ext uri="{FF2B5EF4-FFF2-40B4-BE49-F238E27FC236}">
+                <a16:creationId xmlns:a16="http://schemas.microsoft.com/office/drawing/2014/main" id="{7BE8BD4D-0B1D-F12F-2B74-44DEF93C98AF}"/>
+              </a:ext>
+            </a:extLst>
+          </p:cNvPr>
+          <p:cNvSpPr/>
+          <p:nvPr/>
+        </p:nvSpPr>
+        <p:spPr>
+          <a:xfrm>
+            <a:off x="705842" y="2854751"/>
+            <a:ext cx="2182676" cy="760959"/>
+          </a:xfrm>
+          <a:prstGeom prst="rect">
+            <a:avLst/>
+          </a:prstGeom>
+          <a:solidFill>
+            <a:schemeClr val="bg1"/>
+          </a:solidFill>
+          <a:ln w="12700">
+            <a:solidFill>
+              <a:srgbClr val="5A6B86"/>
+            </a:solidFill>
+            <a:prstDash val="dash"/>
+          </a:ln>
+        </p:spPr>
+        <p:style>
+          <a:lnRef idx="2">
+            <a:schemeClr val="accent1">
+              <a:shade val="50000"/>
+            </a:schemeClr>
+          </a:lnRef>
+          <a:fillRef idx="1">
+            <a:schemeClr val="accent1"/>
+          </a:fillRef>
+          <a:effectRef idx="0">
+            <a:schemeClr val="accent1"/>
+          </a:effectRef>
+          <a:fontRef idx="minor">
+            <a:schemeClr val="lt1"/>
+          </a:fontRef>
+        </p:style>
+        <p:txBody>
+          <a:bodyPr wrap="square" lIns="108000" tIns="72000" rIns="108000" bIns="72000">
+            <a:spAutoFit/>
+          </a:bodyPr>
+          <a:lstStyle/>
+          <a:p>
+            <a:pPr eaLnBrk="1" fontAlgn="auto" hangingPunct="1">
+              <a:spcBef>
+                <a:spcPts val="0"/>
+              </a:spcBef>
+              <a:spcAft>
+                <a:spcPts val="0"/>
+              </a:spcAft>
+              <a:defRPr/>
+            </a:pPr>
+            <a:r>
+              <a:rPr lang="en-GB" sz="2800" baseline="-11000" dirty="0">
+                <a:solidFill>
+                  <a:schemeClr val="bg2">
+                    <a:lumMod val="40000"/>
+                    <a:lumOff val="60000"/>
+                  </a:schemeClr>
+                </a:solidFill>
+                <a:effectLst>
+                  <a:glow>
+                    <a:schemeClr val="bg1"/>
+                  </a:glow>
+                </a:effectLst>
+              </a:rPr>
+              <a:t>🧩 </a:t>
+            </a:r>
+            <a:r>
+              <a:rPr lang="en-GB" sz="2000" i="1" dirty="0">
+                <a:solidFill>
+                  <a:schemeClr val="bg2">
+                    <a:lumMod val="40000"/>
+                    <a:lumOff val="60000"/>
+                  </a:schemeClr>
+                </a:solidFill>
+                <a:effectLst>
+                  <a:glow>
+                    <a:schemeClr val="bg1"/>
+                  </a:glow>
+                </a:effectLst>
+              </a:rPr>
+              <a:t>Schema code</a:t>
+            </a:r>
+            <a:br>
+              <a:rPr lang="en-GB" sz="2000" i="1" dirty="0">
+                <a:solidFill>
+                  <a:schemeClr val="bg2">
+                    <a:lumMod val="40000"/>
+                    <a:lumOff val="60000"/>
+                  </a:schemeClr>
+                </a:solidFill>
+                <a:effectLst>
+                  <a:glow>
+                    <a:schemeClr val="bg1"/>
+                  </a:glow>
+                </a:effectLst>
+              </a:rPr>
+            </a:br>
+            <a:r>
+              <a:rPr lang="en-GB" sz="2000" i="1" dirty="0">
+                <a:solidFill>
+                  <a:schemeClr val="bg2">
+                    <a:lumMod val="40000"/>
+                    <a:lumOff val="60000"/>
+                  </a:schemeClr>
+                </a:solidFill>
+                <a:effectLst>
+                  <a:glow>
+                    <a:schemeClr val="bg1"/>
+                  </a:glow>
+                </a:effectLst>
+              </a:rPr>
+              <a:t>- API definition</a:t>
+            </a:r>
+          </a:p>
+        </p:txBody>
+      </p:sp>
+      <p:cxnSp>
+        <p:nvCxnSpPr>
+          <p:cNvPr id="98" name="Straight Arrow Connector 44">
+            <a:extLst>
+              <a:ext uri="{FF2B5EF4-FFF2-40B4-BE49-F238E27FC236}">
+                <a16:creationId xmlns:a16="http://schemas.microsoft.com/office/drawing/2014/main" id="{97AAF784-5FE8-53B1-0B05-BD86C0906C31}"/>
+              </a:ext>
+            </a:extLst>
+          </p:cNvPr>
+          <p:cNvCxnSpPr>
+            <a:cxnSpLocks/>
+            <a:stCxn id="120" idx="2"/>
+            <a:endCxn id="66" idx="3"/>
+          </p:cNvCxnSpPr>
+          <p:nvPr/>
+        </p:nvCxnSpPr>
+        <p:spPr>
+          <a:xfrm rot="5400000">
+            <a:off x="2964106" y="1857221"/>
+            <a:ext cx="1302423" cy="1453597"/>
+          </a:xfrm>
+          <a:prstGeom prst="bentConnector2">
+            <a:avLst/>
+          </a:prstGeom>
+          <a:ln>
+            <a:solidFill>
+              <a:schemeClr val="tx1"/>
+            </a:solidFill>
+            <a:prstDash val="solid"/>
+            <a:tailEnd type="triangle" w="lg" len="lg"/>
+          </a:ln>
+        </p:spPr>
+        <p:style>
+          <a:lnRef idx="3">
+            <a:schemeClr val="accent2"/>
+          </a:lnRef>
+          <a:fillRef idx="0">
+            <a:schemeClr val="accent2"/>
+          </a:fillRef>
+          <a:effectRef idx="2">
+            <a:schemeClr val="accent2"/>
+          </a:effectRef>
+          <a:fontRef idx="minor">
+            <a:schemeClr val="tx1"/>
+          </a:fontRef>
+        </p:style>
+      </p:cxnSp>
+      <p:sp>
+        <p:nvSpPr>
+          <p:cNvPr id="71" name="Rounded Rectangle 70">
+            <a:extLst>
+              <a:ext uri="{FF2B5EF4-FFF2-40B4-BE49-F238E27FC236}">
+                <a16:creationId xmlns:a16="http://schemas.microsoft.com/office/drawing/2014/main" id="{519B334D-2C51-A466-09AA-F6AAAF0ECCFC}"/>
+              </a:ext>
+            </a:extLst>
+          </p:cNvPr>
+          <p:cNvSpPr/>
+          <p:nvPr/>
+        </p:nvSpPr>
+        <p:spPr>
+          <a:xfrm>
+            <a:off x="149776" y="953883"/>
+            <a:ext cx="360000" cy="360000"/>
+          </a:xfrm>
+          <a:prstGeom prst="roundRect">
+            <a:avLst/>
+          </a:prstGeom>
+          <a:solidFill>
+            <a:schemeClr val="accent4">
+              <a:lumMod val="75000"/>
+            </a:schemeClr>
+          </a:solidFill>
+          <a:ln>
+            <a:noFill/>
+          </a:ln>
+        </p:spPr>
+        <p:style>
+          <a:lnRef idx="0">
+            <a:scrgbClr r="0" g="0" b="0"/>
+          </a:lnRef>
+          <a:fillRef idx="0">
+            <a:scrgbClr r="0" g="0" b="0"/>
+          </a:fillRef>
+          <a:effectRef idx="0">
+            <a:scrgbClr r="0" g="0" b="0"/>
+          </a:effectRef>
+          <a:fontRef idx="minor">
+            <a:schemeClr val="lt1"/>
+          </a:fontRef>
+        </p:style>
+        <p:txBody>
+          <a:bodyPr lIns="45720" tIns="45720" rIns="45720" rtlCol="0" anchor="ctr"/>
+          <a:lstStyle/>
+          <a:p>
+            <a:pPr algn="ctr"/>
+            <a:r>
+              <a:rPr lang="en-GB" b="1" dirty="0">
+                <a:solidFill>
+                  <a:schemeClr val="tx1"/>
+                </a:solidFill>
+              </a:rPr>
+              <a:t>4</a:t>
+            </a:r>
+          </a:p>
+        </p:txBody>
+      </p:sp>
+      <p:cxnSp>
+        <p:nvCxnSpPr>
+          <p:cNvPr id="78" name="Straight Arrow Connector 44">
+            <a:extLst>
+              <a:ext uri="{FF2B5EF4-FFF2-40B4-BE49-F238E27FC236}">
+                <a16:creationId xmlns:a16="http://schemas.microsoft.com/office/drawing/2014/main" id="{978F4015-BB95-1608-072C-5363416AD83B}"/>
+              </a:ext>
+            </a:extLst>
+          </p:cNvPr>
+          <p:cNvCxnSpPr>
+            <a:cxnSpLocks/>
+            <a:stCxn id="63" idx="1"/>
+            <a:endCxn id="66" idx="1"/>
+          </p:cNvCxnSpPr>
+          <p:nvPr/>
+        </p:nvCxnSpPr>
+        <p:spPr>
+          <a:xfrm rot="10800000" flipV="1">
+            <a:off x="705843" y="1446395"/>
+            <a:ext cx="9185" cy="1788835"/>
+          </a:xfrm>
+          <a:prstGeom prst="bentConnector3">
+            <a:avLst>
+              <a:gd name="adj1" fmla="val 4540871"/>
+            </a:avLst>
+          </a:prstGeom>
+          <a:ln>
+            <a:solidFill>
+              <a:schemeClr val="tx1"/>
+            </a:solidFill>
+            <a:prstDash val="solid"/>
+            <a:tailEnd type="triangle" w="lg" len="lg"/>
+          </a:ln>
+        </p:spPr>
+        <p:style>
+          <a:lnRef idx="3">
+            <a:schemeClr val="accent2"/>
+          </a:lnRef>
+          <a:fillRef idx="0">
+            <a:schemeClr val="accent2"/>
+          </a:fillRef>
+          <a:effectRef idx="2">
+            <a:schemeClr val="accent2"/>
+          </a:effectRef>
+          <a:fontRef idx="minor">
+            <a:schemeClr val="tx1"/>
+          </a:fontRef>
+        </p:style>
+      </p:cxnSp>
+      <p:cxnSp>
+        <p:nvCxnSpPr>
+          <p:cNvPr id="73" name="Straight Arrow Connector 44">
+            <a:extLst>
+              <a:ext uri="{FF2B5EF4-FFF2-40B4-BE49-F238E27FC236}">
+                <a16:creationId xmlns:a16="http://schemas.microsoft.com/office/drawing/2014/main" id="{6C1CD87E-4D0E-374F-4BC2-80F2C327D7F6}"/>
+              </a:ext>
+            </a:extLst>
+          </p:cNvPr>
+          <p:cNvCxnSpPr>
+            <a:cxnSpLocks/>
+            <a:stCxn id="127" idx="2"/>
+            <a:endCxn id="196" idx="2"/>
+          </p:cNvCxnSpPr>
+          <p:nvPr/>
+        </p:nvCxnSpPr>
+        <p:spPr>
+          <a:xfrm rot="5400000" flipH="1" flipV="1">
+            <a:off x="6688159" y="953579"/>
+            <a:ext cx="15612" cy="1950266"/>
+          </a:xfrm>
+          <a:prstGeom prst="bentConnector3">
+            <a:avLst>
+              <a:gd name="adj1" fmla="val -1464258"/>
+            </a:avLst>
+          </a:prstGeom>
+          <a:ln>
+            <a:solidFill>
+              <a:schemeClr val="tx1"/>
+            </a:solidFill>
+            <a:prstDash val="solid"/>
+            <a:tailEnd type="triangle" w="lg" len="lg"/>
+          </a:ln>
+        </p:spPr>
+        <p:style>
+          <a:lnRef idx="3">
+            <a:schemeClr val="accent2"/>
+          </a:lnRef>
+          <a:fillRef idx="0">
+            <a:schemeClr val="accent2"/>
+          </a:fillRef>
+          <a:effectRef idx="2">
+            <a:schemeClr val="accent2"/>
+          </a:effectRef>
+          <a:fontRef idx="minor">
+            <a:schemeClr val="tx1"/>
+          </a:fontRef>
+        </p:style>
+      </p:cxnSp>
+      <p:sp>
+        <p:nvSpPr>
+          <p:cNvPr id="76" name="TextBox 75">
+            <a:extLst>
+              <a:ext uri="{FF2B5EF4-FFF2-40B4-BE49-F238E27FC236}">
+                <a16:creationId xmlns:a16="http://schemas.microsoft.com/office/drawing/2014/main" id="{B911D582-483E-65FB-43B1-00B523A9C1D3}"/>
+              </a:ext>
+            </a:extLst>
+          </p:cNvPr>
+          <p:cNvSpPr txBox="1"/>
+          <p:nvPr/>
+        </p:nvSpPr>
+        <p:spPr>
+          <a:xfrm>
+            <a:off x="6047633" y="2258754"/>
+            <a:ext cx="2082635" cy="400110"/>
+          </a:xfrm>
+          <a:prstGeom prst="rect">
+            <a:avLst/>
+          </a:prstGeom>
+          <a:noFill/>
+        </p:spPr>
+        <p:txBody>
+          <a:bodyPr wrap="square">
+            <a:spAutoFit/>
+          </a:bodyPr>
+          <a:lstStyle/>
+          <a:p>
+            <a:r>
+              <a:rPr lang="en-GB" sz="2000" i="1" dirty="0">
+                <a:solidFill>
+                  <a:schemeClr val="bg2">
+                    <a:lumMod val="40000"/>
+                    <a:lumOff val="60000"/>
+                  </a:schemeClr>
+                </a:solidFill>
+                <a:effectLst>
+                  <a:glow>
+                    <a:schemeClr val="bg1"/>
+                  </a:glow>
+                </a:effectLst>
+              </a:rPr>
+              <a:t>translate events</a:t>
+            </a:r>
+            <a:endParaRPr lang="en-GB" sz="2800" baseline="-11000" dirty="0">
+              <a:solidFill>
+                <a:schemeClr val="bg2">
+                  <a:lumMod val="40000"/>
+                  <a:lumOff val="60000"/>
+                </a:schemeClr>
+              </a:solidFill>
+              <a:effectLst>
+                <a:glow>
+                  <a:schemeClr val="bg1"/>
+                </a:glow>
+              </a:effectLst>
+            </a:endParaRPr>
+          </a:p>
+        </p:txBody>
+      </p:sp>
+      <p:sp>
+        <p:nvSpPr>
+          <p:cNvPr id="77" name="Rounded Rectangle 76">
+            <a:extLst>
+              <a:ext uri="{FF2B5EF4-FFF2-40B4-BE49-F238E27FC236}">
+                <a16:creationId xmlns:a16="http://schemas.microsoft.com/office/drawing/2014/main" id="{2DFD3F6B-8F20-86F4-41A3-657DEE348F1D}"/>
+              </a:ext>
+            </a:extLst>
+          </p:cNvPr>
+          <p:cNvSpPr/>
+          <p:nvPr/>
+        </p:nvSpPr>
+        <p:spPr>
+          <a:xfrm>
+            <a:off x="5687634" y="2285730"/>
+            <a:ext cx="360000" cy="360000"/>
+          </a:xfrm>
+          <a:prstGeom prst="roundRect">
+            <a:avLst/>
+          </a:prstGeom>
+          <a:solidFill>
+            <a:schemeClr val="accent1"/>
+          </a:solidFill>
+          <a:ln>
+            <a:noFill/>
+          </a:ln>
+        </p:spPr>
+        <p:style>
+          <a:lnRef idx="0">
+            <a:scrgbClr r="0" g="0" b="0"/>
+          </a:lnRef>
+          <a:fillRef idx="0">
+            <a:scrgbClr r="0" g="0" b="0"/>
+          </a:fillRef>
+          <a:effectRef idx="0">
+            <a:scrgbClr r="0" g="0" b="0"/>
+          </a:effectRef>
+          <a:fontRef idx="minor">
+            <a:schemeClr val="lt1"/>
+          </a:fontRef>
+        </p:style>
+        <p:txBody>
+          <a:bodyPr lIns="45720" tIns="45720" rIns="45720" rtlCol="0" anchor="ctr"/>
+          <a:lstStyle/>
+          <a:p>
+            <a:pPr algn="ctr"/>
+            <a:r>
+              <a:rPr lang="en-GB" b="1" dirty="0">
+                <a:solidFill>
+                  <a:schemeClr val="tx1"/>
+                </a:solidFill>
+              </a:rPr>
+              <a:t>Y</a:t>
+            </a:r>
+          </a:p>
+        </p:txBody>
+      </p:sp>
+      <p:sp>
+        <p:nvSpPr>
+          <p:cNvPr id="82" name="TextBox 81">
+            <a:extLst>
+              <a:ext uri="{FF2B5EF4-FFF2-40B4-BE49-F238E27FC236}">
+                <a16:creationId xmlns:a16="http://schemas.microsoft.com/office/drawing/2014/main" id="{3F44909C-C855-15B3-4677-0B4B9076B9E0}"/>
+              </a:ext>
+            </a:extLst>
+          </p:cNvPr>
+          <p:cNvSpPr txBox="1"/>
+          <p:nvPr/>
+        </p:nvSpPr>
+        <p:spPr>
+          <a:xfrm>
+            <a:off x="9891738" y="951678"/>
+            <a:ext cx="1993023" cy="400110"/>
+          </a:xfrm>
+          <a:prstGeom prst="rect">
+            <a:avLst/>
+          </a:prstGeom>
+          <a:noFill/>
+        </p:spPr>
+        <p:txBody>
+          <a:bodyPr wrap="square">
+            <a:spAutoFit/>
+          </a:bodyPr>
+          <a:lstStyle/>
+          <a:p>
+            <a:r>
+              <a:rPr lang="en-GB" sz="2000" i="1" noProof="1">
+                <a:solidFill>
+                  <a:schemeClr val="bg2">
+                    <a:lumMod val="40000"/>
+                    <a:lumOff val="60000"/>
+                  </a:schemeClr>
+                </a:solidFill>
+                <a:effectLst>
+                  <a:glow>
+                    <a:schemeClr val="bg1"/>
+                  </a:glow>
+                </a:effectLst>
+              </a:rPr>
+              <a:t>owner</a:t>
             </a:r>
           </a:p>
         </p:txBody>

--- a/4 ⚙️ Solution/60 🧰 Edge/61 🔌 Pluggables/.📎 Assets/🔌 .pptx
+++ b/4 ⚙️ Solution/60 🧰 Edge/61 🔌 Pluggables/.📎 Assets/🔌 .pptx
@@ -5,43 +5,44 @@
     <p:sldMasterId id="2147483648" r:id="rId1"/>
   </p:sldMasterIdLst>
   <p:notesMasterIdLst>
-    <p:notesMasterId r:id="rId9"/>
+    <p:notesMasterId r:id="rId10"/>
   </p:notesMasterIdLst>
   <p:handoutMasterIdLst>
-    <p:handoutMasterId r:id="rId10"/>
+    <p:handoutMasterId r:id="rId11"/>
   </p:handoutMasterIdLst>
   <p:sldIdLst>
     <p:sldId id="1836" r:id="rId2"/>
     <p:sldId id="1814" r:id="rId3"/>
     <p:sldId id="1819" r:id="rId4"/>
     <p:sldId id="1816" r:id="rId5"/>
-    <p:sldId id="1703" r:id="rId6"/>
-    <p:sldId id="1837" r:id="rId7"/>
-    <p:sldId id="1838" r:id="rId8"/>
+    <p:sldId id="1839" r:id="rId6"/>
+    <p:sldId id="1703" r:id="rId7"/>
+    <p:sldId id="1837" r:id="rId8"/>
+    <p:sldId id="1838" r:id="rId9"/>
   </p:sldIdLst>
   <p:sldSz cx="12192000" cy="6858000"/>
   <p:notesSz cx="6858000" cy="9144000"/>
   <p:embeddedFontLst>
     <p:embeddedFont>
       <p:font typeface="Amazon Ember" panose="020B0603020204020204" pitchFamily="34" charset="0"/>
-      <p:regular r:id="rId11"/>
-      <p:bold r:id="rId12"/>
-      <p:italic r:id="rId13"/>
-      <p:boldItalic r:id="rId14"/>
+      <p:regular r:id="rId12"/>
+      <p:bold r:id="rId13"/>
+      <p:italic r:id="rId14"/>
+      <p:boldItalic r:id="rId15"/>
     </p:embeddedFont>
     <p:embeddedFont>
       <p:font typeface="Amazon Ember Display" panose="020F0603020204020204" pitchFamily="34" charset="0"/>
-      <p:regular r:id="rId15"/>
-      <p:bold r:id="rId16"/>
-      <p:italic r:id="rId17"/>
-      <p:boldItalic r:id="rId18"/>
+      <p:regular r:id="rId16"/>
+      <p:bold r:id="rId17"/>
+      <p:italic r:id="rId18"/>
+      <p:boldItalic r:id="rId19"/>
     </p:embeddedFont>
     <p:embeddedFont>
       <p:font typeface="Segoe UI" panose="020B0502040204020203" pitchFamily="34" charset="0"/>
-      <p:regular r:id="rId19"/>
-      <p:bold r:id="rId20"/>
-      <p:italic r:id="rId21"/>
-      <p:boldItalic r:id="rId22"/>
+      <p:regular r:id="rId20"/>
+      <p:bold r:id="rId21"/>
+      <p:italic r:id="rId22"/>
+      <p:boldItalic r:id="rId23"/>
     </p:embeddedFont>
   </p:embeddedFontLst>
   <p:defaultTextStyle>
@@ -148,6 +149,7 @@
             <p14:sldId id="1814"/>
             <p14:sldId id="1819"/>
             <p14:sldId id="1816"/>
+            <p14:sldId id="1839"/>
             <p14:sldId id="1703"/>
             <p14:sldId id="1837"/>
             <p14:sldId id="1838"/>
@@ -238,7 +240,7 @@
               <a:pPr algn="ctr"/>
               <a:t>‹#›</a:t>
             </a:fld>
-            <a:endParaRPr lang="en-US" sz="1000"/>
+            <a:endParaRPr lang="en-US" sz="1000" dirty="0"/>
           </a:p>
         </p:txBody>
       </p:sp>
@@ -304,7 +306,7 @@
           <a:bodyPr vert="horz" lIns="91440" tIns="45720" rIns="91440" bIns="45720" rtlCol="0" anchor="ctr"/>
           <a:lstStyle/>
           <a:p>
-            <a:endParaRPr lang="en-US"/>
+            <a:endParaRPr lang="en-US" dirty="0"/>
           </a:p>
         </p:txBody>
       </p:sp>
@@ -399,7 +401,7 @@
               <a:pPr/>
               <a:t>‹#›</a:t>
             </a:fld>
-            <a:endParaRPr lang="en-US"/>
+            <a:endParaRPr lang="en-US" dirty="0"/>
           </a:p>
         </p:txBody>
       </p:sp>
@@ -573,6 +575,213 @@
         <p:cNvPr id="1" name="">
           <a:extLst>
             <a:ext uri="{FF2B5EF4-FFF2-40B4-BE49-F238E27FC236}">
+              <a16:creationId xmlns:a16="http://schemas.microsoft.com/office/drawing/2014/main" id="{2505C0E6-BB11-78C3-2C91-464404705870}"/>
+            </a:ext>
+          </a:extLst>
+        </p:cNvPr>
+        <p:cNvGrpSpPr/>
+        <p:nvPr/>
+      </p:nvGrpSpPr>
+      <p:grpSpPr>
+        <a:xfrm>
+          <a:off x="0" y="0"/>
+          <a:ext cx="0" cy="0"/>
+          <a:chOff x="0" y="0"/>
+          <a:chExt cx="0" cy="0"/>
+        </a:xfrm>
+      </p:grpSpPr>
+      <p:sp>
+        <p:nvSpPr>
+          <p:cNvPr id="2" name="Slide Image Placeholder 1">
+            <a:extLst>
+              <a:ext uri="{FF2B5EF4-FFF2-40B4-BE49-F238E27FC236}">
+                <a16:creationId xmlns:a16="http://schemas.microsoft.com/office/drawing/2014/main" id="{1C912CA3-5FA7-33D4-0262-1FE46D043D7C}"/>
+              </a:ext>
+            </a:extLst>
+          </p:cNvPr>
+          <p:cNvSpPr>
+            <a:spLocks noGrp="1" noRot="1" noChangeAspect="1"/>
+          </p:cNvSpPr>
+          <p:nvPr>
+            <p:ph type="sldImg"/>
+          </p:nvPr>
+        </p:nvSpPr>
+        <p:spPr>
+          <a:xfrm>
+            <a:off x="438150" y="457200"/>
+            <a:ext cx="5981700" cy="3363913"/>
+          </a:xfrm>
+        </p:spPr>
+      </p:sp>
+      <p:sp>
+        <p:nvSpPr>
+          <p:cNvPr id="3" name="Notes Placeholder 2">
+            <a:extLst>
+              <a:ext uri="{FF2B5EF4-FFF2-40B4-BE49-F238E27FC236}">
+                <a16:creationId xmlns:a16="http://schemas.microsoft.com/office/drawing/2014/main" id="{30EB1250-AB61-21B9-7E7F-A04428363A55}"/>
+              </a:ext>
+            </a:extLst>
+          </p:cNvPr>
+          <p:cNvSpPr>
+            <a:spLocks noGrp="1"/>
+          </p:cNvSpPr>
+          <p:nvPr>
+            <p:ph type="body" idx="1"/>
+          </p:nvPr>
+        </p:nvSpPr>
+        <p:spPr/>
+        <p:txBody>
+          <a:bodyPr/>
+          <a:lstStyle/>
+          <a:p>
+            <a:endParaRPr lang="en-US" dirty="0"/>
+          </a:p>
+        </p:txBody>
+      </p:sp>
+      <p:sp>
+        <p:nvSpPr>
+          <p:cNvPr id="4" name="Header Placeholder 3">
+            <a:extLst>
+              <a:ext uri="{FF2B5EF4-FFF2-40B4-BE49-F238E27FC236}">
+                <a16:creationId xmlns:a16="http://schemas.microsoft.com/office/drawing/2014/main" id="{DBBB4CA2-1403-3A51-74E7-A18B29C2A60F}"/>
+              </a:ext>
+            </a:extLst>
+          </p:cNvPr>
+          <p:cNvSpPr>
+            <a:spLocks noGrp="1"/>
+          </p:cNvSpPr>
+          <p:nvPr>
+            <p:ph type="hdr" sz="quarter" idx="10"/>
+          </p:nvPr>
+        </p:nvSpPr>
+        <p:spPr/>
+        <p:txBody>
+          <a:bodyPr/>
+          <a:lstStyle/>
+          <a:p>
+            <a:endParaRPr lang="en-US" dirty="0"/>
+          </a:p>
+        </p:txBody>
+      </p:sp>
+      <p:sp>
+        <p:nvSpPr>
+          <p:cNvPr id="5" name="Footer Placeholder 4">
+            <a:extLst>
+              <a:ext uri="{FF2B5EF4-FFF2-40B4-BE49-F238E27FC236}">
+                <a16:creationId xmlns:a16="http://schemas.microsoft.com/office/drawing/2014/main" id="{915C62D6-9178-4FF8-C8A0-9B0A2F8ACD06}"/>
+              </a:ext>
+            </a:extLst>
+          </p:cNvPr>
+          <p:cNvSpPr>
+            <a:spLocks noGrp="1"/>
+          </p:cNvSpPr>
+          <p:nvPr>
+            <p:ph type="ftr" sz="quarter" idx="11"/>
+          </p:nvPr>
+        </p:nvSpPr>
+        <p:spPr/>
+        <p:txBody>
+          <a:bodyPr/>
+          <a:lstStyle/>
+          <a:p>
+            <a:pPr defTabSz="914099" eaLnBrk="0" hangingPunct="0"/>
+            <a:endParaRPr lang="en-US" sz="400" dirty="0">
+              <a:gradFill>
+                <a:gsLst>
+                  <a:gs pos="0">
+                    <a:prstClr val="black"/>
+                  </a:gs>
+                  <a:gs pos="100000">
+                    <a:prstClr val="black"/>
+                  </a:gs>
+                </a:gsLst>
+                <a:lin ang="5400000" scaled="0"/>
+              </a:gradFill>
+              <a:ea typeface="Segoe UI" pitchFamily="34" charset="0"/>
+            </a:endParaRPr>
+          </a:p>
+        </p:txBody>
+      </p:sp>
+      <p:sp>
+        <p:nvSpPr>
+          <p:cNvPr id="6" name="Date Placeholder 5">
+            <a:extLst>
+              <a:ext uri="{FF2B5EF4-FFF2-40B4-BE49-F238E27FC236}">
+                <a16:creationId xmlns:a16="http://schemas.microsoft.com/office/drawing/2014/main" id="{4150009D-CD99-45B0-0B9F-CEECFF9A473D}"/>
+              </a:ext>
+            </a:extLst>
+          </p:cNvPr>
+          <p:cNvSpPr>
+            <a:spLocks noGrp="1"/>
+          </p:cNvSpPr>
+          <p:nvPr>
+            <p:ph type="dt" idx="12"/>
+          </p:nvPr>
+        </p:nvSpPr>
+        <p:spPr/>
+        <p:txBody>
+          <a:bodyPr/>
+          <a:lstStyle/>
+          <a:p>
+            <a:fld id="{542F96DF-134D-4F6A-BFA6-E032E504EEEB}" type="datetime8">
+              <a:rPr lang="en-US" smtClean="0"/>
+              <a:t>9/10/25 3:04 PM</a:t>
+            </a:fld>
+            <a:endParaRPr lang="en-US" dirty="0"/>
+          </a:p>
+        </p:txBody>
+      </p:sp>
+      <p:sp>
+        <p:nvSpPr>
+          <p:cNvPr id="7" name="Slide Number Placeholder 6">
+            <a:extLst>
+              <a:ext uri="{FF2B5EF4-FFF2-40B4-BE49-F238E27FC236}">
+                <a16:creationId xmlns:a16="http://schemas.microsoft.com/office/drawing/2014/main" id="{9257EAB3-49C4-FD3C-2E82-3757B714F04B}"/>
+              </a:ext>
+            </a:extLst>
+          </p:cNvPr>
+          <p:cNvSpPr>
+            <a:spLocks noGrp="1"/>
+          </p:cNvSpPr>
+          <p:nvPr>
+            <p:ph type="sldNum" sz="quarter" idx="13"/>
+          </p:nvPr>
+        </p:nvSpPr>
+        <p:spPr/>
+        <p:txBody>
+          <a:bodyPr/>
+          <a:lstStyle/>
+          <a:p>
+            <a:fld id="{B4008EB6-D09E-4580-8CD6-DDB14511944F}" type="slidenum">
+              <a:rPr lang="en-US" smtClean="0"/>
+              <a:pPr/>
+              <a:t>5</a:t>
+            </a:fld>
+            <a:endParaRPr lang="en-US" dirty="0"/>
+          </a:p>
+        </p:txBody>
+      </p:sp>
+    </p:spTree>
+    <p:extLst>
+      <p:ext uri="{BB962C8B-B14F-4D97-AF65-F5344CB8AC3E}">
+        <p14:creationId xmlns:p14="http://schemas.microsoft.com/office/powerpoint/2010/main" val="227662130"/>
+      </p:ext>
+    </p:extLst>
+  </p:cSld>
+  <p:clrMapOvr>
+    <a:masterClrMapping/>
+  </p:clrMapOvr>
+</p:notes>
+</file>
+
+<file path=ppt/notesSlides/notesSlide2.xml><?xml version="1.0" encoding="utf-8"?>
+<p:notes xmlns:a="http://schemas.openxmlformats.org/drawingml/2006/main" xmlns:r="http://schemas.openxmlformats.org/officeDocument/2006/relationships" xmlns:p="http://schemas.openxmlformats.org/presentationml/2006/main">
+  <p:cSld>
+    <p:spTree>
+      <p:nvGrpSpPr>
+        <p:cNvPr id="1" name="">
+          <a:extLst>
+            <a:ext uri="{FF2B5EF4-FFF2-40B4-BE49-F238E27FC236}">
               <a16:creationId xmlns:a16="http://schemas.microsoft.com/office/drawing/2014/main" id="{173F7A6A-1C9F-63A7-FC1A-C66FEB452304}"/>
             </a:ext>
           </a:extLst>
@@ -632,7 +841,7 @@
           <a:bodyPr/>
           <a:lstStyle/>
           <a:p>
-            <a:endParaRPr lang="en-US"/>
+            <a:endParaRPr lang="en-US" dirty="0"/>
           </a:p>
         </p:txBody>
       </p:sp>
@@ -657,7 +866,7 @@
           <a:bodyPr/>
           <a:lstStyle/>
           <a:p>
-            <a:endParaRPr lang="en-US"/>
+            <a:endParaRPr lang="en-US" dirty="0"/>
           </a:p>
         </p:txBody>
       </p:sp>
@@ -683,7 +892,7 @@
           <a:lstStyle/>
           <a:p>
             <a:pPr defTabSz="914099" eaLnBrk="0" hangingPunct="0"/>
-            <a:endParaRPr lang="en-US" sz="400">
+            <a:endParaRPr lang="en-US" sz="400" dirty="0">
               <a:gradFill>
                 <a:gsLst>
                   <a:gs pos="0">
@@ -725,7 +934,7 @@
               <a:rPr lang="en-US" smtClean="0"/>
               <a:t>9/10/25 11:43 AM</a:t>
             </a:fld>
-            <a:endParaRPr lang="en-US"/>
+            <a:endParaRPr lang="en-US" dirty="0"/>
           </a:p>
         </p:txBody>
       </p:sp>
@@ -753,9 +962,9 @@
             <a:fld id="{B4008EB6-D09E-4580-8CD6-DDB14511944F}" type="slidenum">
               <a:rPr lang="en-US" smtClean="0"/>
               <a:pPr/>
-              <a:t>5</a:t>
+              <a:t>6</a:t>
             </a:fld>
-            <a:endParaRPr lang="en-US"/>
+            <a:endParaRPr lang="en-US" dirty="0"/>
           </a:p>
         </p:txBody>
       </p:sp>
@@ -833,7 +1042,7 @@
           <a:lstStyle/>
           <a:p>
             <a:pPr algn="ctr"/>
-            <a:endParaRPr lang="en-GB">
+            <a:endParaRPr lang="en-GB" dirty="0">
               <a:solidFill>
                 <a:schemeClr val="bg1"/>
               </a:solidFill>
@@ -11009,7 +11218,7 @@
         <p:cNvPr id="1" name="">
           <a:extLst>
             <a:ext uri="{FF2B5EF4-FFF2-40B4-BE49-F238E27FC236}">
-              <a16:creationId xmlns:a16="http://schemas.microsoft.com/office/drawing/2014/main" id="{58CD5548-3694-C038-97A8-01C7CED6F323}"/>
+              <a16:creationId xmlns:a16="http://schemas.microsoft.com/office/drawing/2014/main" id="{D24DC25B-5DF2-AC4E-17F9-A38065B988F0}"/>
             </a:ext>
           </a:extLst>
         </p:cNvPr>
@@ -11029,7 +11238,7 @@
           <p:cNvPr id="21" name="Rectangle 20">
             <a:extLst>
               <a:ext uri="{FF2B5EF4-FFF2-40B4-BE49-F238E27FC236}">
-                <a16:creationId xmlns:a16="http://schemas.microsoft.com/office/drawing/2014/main" id="{845FFD12-52BA-9440-B580-34E030BCE1F5}"/>
+                <a16:creationId xmlns:a16="http://schemas.microsoft.com/office/drawing/2014/main" id="{F3A11F2B-612D-C297-B781-8CAE0B59F290}"/>
               </a:ext>
             </a:extLst>
           </p:cNvPr>
@@ -11098,7 +11307,7 @@
           <p:cNvPr id="32" name="Content Placeholder 2">
             <a:extLst>
               <a:ext uri="{FF2B5EF4-FFF2-40B4-BE49-F238E27FC236}">
-                <a16:creationId xmlns:a16="http://schemas.microsoft.com/office/drawing/2014/main" id="{0E516E69-7F86-FABA-61BC-04069B2D1CB2}"/>
+                <a16:creationId xmlns:a16="http://schemas.microsoft.com/office/drawing/2014/main" id="{10424E15-AFBA-08FC-0516-9B68550070A7}"/>
               </a:ext>
             </a:extLst>
           </p:cNvPr>
@@ -11352,6 +11561,4391 @@
           <p:cNvPr id="44" name="Group 43">
             <a:extLst>
               <a:ext uri="{FF2B5EF4-FFF2-40B4-BE49-F238E27FC236}">
+                <a16:creationId xmlns:a16="http://schemas.microsoft.com/office/drawing/2014/main" id="{A3BC1020-E366-DD9A-DC8B-49A007BE3DF4}"/>
+              </a:ext>
+            </a:extLst>
+          </p:cNvPr>
+          <p:cNvGrpSpPr/>
+          <p:nvPr/>
+        </p:nvGrpSpPr>
+        <p:grpSpPr>
+          <a:xfrm>
+            <a:off x="3599748" y="1241141"/>
+            <a:ext cx="1988691" cy="1383576"/>
+            <a:chOff x="4959152" y="4727414"/>
+            <a:chExt cx="1988691" cy="1383576"/>
+          </a:xfrm>
+        </p:grpSpPr>
+        <p:grpSp>
+          <p:nvGrpSpPr>
+            <p:cNvPr id="45" name="Group 44">
+              <a:extLst>
+                <a:ext uri="{FF2B5EF4-FFF2-40B4-BE49-F238E27FC236}">
+                  <a16:creationId xmlns:a16="http://schemas.microsoft.com/office/drawing/2014/main" id="{BDD5D1FF-9EAE-6DF8-C603-4AC6EB8DCF81}"/>
+                </a:ext>
+              </a:extLst>
+            </p:cNvPr>
+            <p:cNvGrpSpPr/>
+            <p:nvPr/>
+          </p:nvGrpSpPr>
+          <p:grpSpPr>
+            <a:xfrm>
+              <a:off x="4959152" y="4727414"/>
+              <a:ext cx="1988691" cy="1316816"/>
+              <a:chOff x="4768207" y="3215212"/>
+              <a:chExt cx="1988691" cy="1316816"/>
+            </a:xfrm>
+          </p:grpSpPr>
+          <p:grpSp>
+            <p:nvGrpSpPr>
+              <p:cNvPr id="49" name="Group 48">
+                <a:extLst>
+                  <a:ext uri="{FF2B5EF4-FFF2-40B4-BE49-F238E27FC236}">
+                    <a16:creationId xmlns:a16="http://schemas.microsoft.com/office/drawing/2014/main" id="{2AC3E753-45D4-5A37-82F9-DC4CAD20EA65}"/>
+                  </a:ext>
+                </a:extLst>
+              </p:cNvPr>
+              <p:cNvGrpSpPr/>
+              <p:nvPr/>
+            </p:nvGrpSpPr>
+            <p:grpSpPr>
+              <a:xfrm>
+                <a:off x="4768207" y="3215212"/>
+                <a:ext cx="1988691" cy="1316816"/>
+                <a:chOff x="6139542" y="58284"/>
+                <a:chExt cx="1988691" cy="1316816"/>
+              </a:xfrm>
+            </p:grpSpPr>
+            <p:sp>
+              <p:nvSpPr>
+                <p:cNvPr id="53" name="Rectangle 52">
+                  <a:extLst>
+                    <a:ext uri="{FF2B5EF4-FFF2-40B4-BE49-F238E27FC236}">
+                      <a16:creationId xmlns:a16="http://schemas.microsoft.com/office/drawing/2014/main" id="{2D7D04CE-68F8-C726-115B-794FA406D009}"/>
+                    </a:ext>
+                  </a:extLst>
+                </p:cNvPr>
+                <p:cNvSpPr/>
+                <p:nvPr/>
+              </p:nvSpPr>
+              <p:spPr>
+                <a:xfrm>
+                  <a:off x="6236556" y="149580"/>
+                  <a:ext cx="1791009" cy="562183"/>
+                </a:xfrm>
+                <a:prstGeom prst="rect">
+                  <a:avLst/>
+                </a:prstGeom>
+                <a:solidFill>
+                  <a:schemeClr val="tx1">
+                    <a:lumMod val="95000"/>
+                  </a:schemeClr>
+                </a:solidFill>
+                <a:ln w="28575">
+                  <a:solidFill>
+                    <a:schemeClr val="tx1">
+                      <a:lumMod val="50000"/>
+                    </a:schemeClr>
+                  </a:solidFill>
+                  <a:prstDash val="solid"/>
+                </a:ln>
+              </p:spPr>
+              <p:style>
+                <a:lnRef idx="2">
+                  <a:schemeClr val="accent1">
+                    <a:shade val="50000"/>
+                  </a:schemeClr>
+                </a:lnRef>
+                <a:fillRef idx="1">
+                  <a:schemeClr val="accent1"/>
+                </a:fillRef>
+                <a:effectRef idx="0">
+                  <a:schemeClr val="accent1"/>
+                </a:effectRef>
+                <a:fontRef idx="minor">
+                  <a:schemeClr val="lt1"/>
+                </a:fontRef>
+              </p:style>
+              <p:txBody>
+                <a:bodyPr lIns="144000" tIns="144000" rIns="144000" bIns="144000" anchor="ctr"/>
+                <a:lstStyle/>
+                <a:p>
+                  <a:r>
+                    <a:rPr lang="en-GB" sz="3200" baseline="-9000" dirty="0">
+                      <a:solidFill>
+                        <a:schemeClr val="bg2">
+                          <a:lumMod val="40000"/>
+                          <a:lumOff val="60000"/>
+                        </a:schemeClr>
+                      </a:solidFill>
+                      <a:effectLst>
+                        <a:glow>
+                          <a:schemeClr val="bg1"/>
+                        </a:glow>
+                      </a:effectLst>
+                    </a:rPr>
+                    <a:t>🧑‍🦰</a:t>
+                  </a:r>
+                  <a:r>
+                    <a:rPr lang="en-GB" sz="2400" dirty="0">
+                      <a:solidFill>
+                        <a:sysClr val="windowText" lastClr="000000"/>
+                      </a:solidFill>
+                      <a:latin typeface="+mj-lt"/>
+                      <a:cs typeface="Arial" panose="020B0604020202020204" pitchFamily="34" charset="0"/>
+                    </a:rPr>
+                    <a:t> Wallet</a:t>
+                  </a:r>
+                </a:p>
+              </p:txBody>
+            </p:sp>
+            <p:sp>
+              <p:nvSpPr>
+                <p:cNvPr id="54" name="Rectangle 53">
+                  <a:extLst>
+                    <a:ext uri="{FF2B5EF4-FFF2-40B4-BE49-F238E27FC236}">
+                      <a16:creationId xmlns:a16="http://schemas.microsoft.com/office/drawing/2014/main" id="{8A0E11A7-A5BD-8B43-6295-F70B4D67942A}"/>
+                    </a:ext>
+                  </a:extLst>
+                </p:cNvPr>
+                <p:cNvSpPr/>
+                <p:nvPr/>
+              </p:nvSpPr>
+              <p:spPr>
+                <a:xfrm>
+                  <a:off x="6139542" y="58284"/>
+                  <a:ext cx="1988691" cy="1316816"/>
+                </a:xfrm>
+                <a:prstGeom prst="rect">
+                  <a:avLst/>
+                </a:prstGeom>
+                <a:noFill/>
+                <a:ln w="12700">
+                  <a:solidFill>
+                    <a:srgbClr val="5A6B86"/>
+                  </a:solidFill>
+                  <a:prstDash val="dash"/>
+                </a:ln>
+              </p:spPr>
+              <p:style>
+                <a:lnRef idx="2">
+                  <a:schemeClr val="accent1">
+                    <a:shade val="50000"/>
+                  </a:schemeClr>
+                </a:lnRef>
+                <a:fillRef idx="1">
+                  <a:schemeClr val="accent1"/>
+                </a:fillRef>
+                <a:effectRef idx="0">
+                  <a:schemeClr val="accent1"/>
+                </a:effectRef>
+                <a:fontRef idx="minor">
+                  <a:schemeClr val="lt1"/>
+                </a:fontRef>
+              </p:style>
+              <p:txBody>
+                <a:bodyPr tIns="36000"/>
+                <a:lstStyle/>
+                <a:p>
+                  <a:pPr eaLnBrk="1" fontAlgn="auto" hangingPunct="1">
+                    <a:spcBef>
+                      <a:spcPts val="0"/>
+                    </a:spcBef>
+                    <a:spcAft>
+                      <a:spcPts val="0"/>
+                    </a:spcAft>
+                    <a:defRPr/>
+                  </a:pPr>
+                  <a:endParaRPr lang="en-US" sz="2000" i="1" dirty="0">
+                    <a:solidFill>
+                      <a:schemeClr val="bg2">
+                        <a:lumMod val="40000"/>
+                        <a:lumOff val="60000"/>
+                      </a:schemeClr>
+                    </a:solidFill>
+                    <a:effectLst>
+                      <a:glow>
+                        <a:schemeClr val="bg1"/>
+                      </a:glow>
+                    </a:effectLst>
+                  </a:endParaRPr>
+                </a:p>
+              </p:txBody>
+            </p:sp>
+          </p:grpSp>
+          <p:sp>
+            <p:nvSpPr>
+              <p:cNvPr id="50" name="Rectangle 49">
+                <a:extLst>
+                  <a:ext uri="{FF2B5EF4-FFF2-40B4-BE49-F238E27FC236}">
+                    <a16:creationId xmlns:a16="http://schemas.microsoft.com/office/drawing/2014/main" id="{3899BEED-E6A5-B1F8-E40F-28DDB5D270BA}"/>
+                  </a:ext>
+                </a:extLst>
+              </p:cNvPr>
+              <p:cNvSpPr/>
+              <p:nvPr/>
+            </p:nvSpPr>
+            <p:spPr>
+              <a:xfrm>
+                <a:off x="5501604" y="3951814"/>
+                <a:ext cx="530040" cy="482053"/>
+              </a:xfrm>
+              <a:prstGeom prst="rect">
+                <a:avLst/>
+              </a:prstGeom>
+              <a:solidFill>
+                <a:schemeClr val="tx1">
+                  <a:lumMod val="95000"/>
+                </a:schemeClr>
+              </a:solidFill>
+              <a:ln w="28575">
+                <a:solidFill>
+                  <a:schemeClr val="tx1">
+                    <a:lumMod val="50000"/>
+                  </a:schemeClr>
+                </a:solidFill>
+                <a:prstDash val="solid"/>
+              </a:ln>
+            </p:spPr>
+            <p:style>
+              <a:lnRef idx="2">
+                <a:schemeClr val="accent1">
+                  <a:shade val="50000"/>
+                </a:schemeClr>
+              </a:lnRef>
+              <a:fillRef idx="1">
+                <a:schemeClr val="accent1"/>
+              </a:fillRef>
+              <a:effectRef idx="0">
+                <a:schemeClr val="accent1"/>
+              </a:effectRef>
+              <a:fontRef idx="minor">
+                <a:schemeClr val="lt1"/>
+              </a:fontRef>
+            </p:style>
+            <p:txBody>
+              <a:bodyPr lIns="144000" tIns="144000" rIns="144000" bIns="144000" anchor="ctr"/>
+              <a:lstStyle/>
+              <a:p>
+                <a:pPr>
+                  <a:lnSpc>
+                    <a:spcPts val="1500"/>
+                  </a:lnSpc>
+                  <a:defRPr/>
+                </a:pPr>
+                <a:r>
+                  <a:rPr lang="en-GB" sz="3200" baseline="-9000" dirty="0">
+                    <a:solidFill>
+                      <a:schemeClr val="bg2">
+                        <a:lumMod val="40000"/>
+                        <a:lumOff val="60000"/>
+                      </a:schemeClr>
+                    </a:solidFill>
+                    <a:effectLst>
+                      <a:glow>
+                        <a:schemeClr val="bg1"/>
+                      </a:glow>
+                    </a:effectLst>
+                  </a:rPr>
+                  <a:t> 📣</a:t>
+                </a:r>
+                <a:endParaRPr lang="en-GB" sz="2400" dirty="0">
+                  <a:solidFill>
+                    <a:sysClr val="windowText" lastClr="000000"/>
+                  </a:solidFill>
+                  <a:latin typeface="+mj-lt"/>
+                  <a:cs typeface="Arial" panose="020B0604020202020204" pitchFamily="34" charset="0"/>
+                </a:endParaRPr>
+              </a:p>
+            </p:txBody>
+          </p:sp>
+          <p:sp>
+            <p:nvSpPr>
+              <p:cNvPr id="51" name="Rectangle 50">
+                <a:extLst>
+                  <a:ext uri="{FF2B5EF4-FFF2-40B4-BE49-F238E27FC236}">
+                    <a16:creationId xmlns:a16="http://schemas.microsoft.com/office/drawing/2014/main" id="{3A9043BE-E057-5D77-CEEE-560C8A78C7B8}"/>
+                  </a:ext>
+                </a:extLst>
+              </p:cNvPr>
+              <p:cNvSpPr/>
+              <p:nvPr/>
+            </p:nvSpPr>
+            <p:spPr>
+              <a:xfrm>
+                <a:off x="6133877" y="3951813"/>
+                <a:ext cx="530040" cy="482053"/>
+              </a:xfrm>
+              <a:prstGeom prst="rect">
+                <a:avLst/>
+              </a:prstGeom>
+              <a:solidFill>
+                <a:schemeClr val="tx1">
+                  <a:lumMod val="95000"/>
+                </a:schemeClr>
+              </a:solidFill>
+              <a:ln w="28575">
+                <a:solidFill>
+                  <a:schemeClr val="tx1">
+                    <a:lumMod val="50000"/>
+                  </a:schemeClr>
+                </a:solidFill>
+                <a:prstDash val="solid"/>
+              </a:ln>
+            </p:spPr>
+            <p:style>
+              <a:lnRef idx="2">
+                <a:schemeClr val="accent1">
+                  <a:shade val="50000"/>
+                </a:schemeClr>
+              </a:lnRef>
+              <a:fillRef idx="1">
+                <a:schemeClr val="accent1"/>
+              </a:fillRef>
+              <a:effectRef idx="0">
+                <a:schemeClr val="accent1"/>
+              </a:effectRef>
+              <a:fontRef idx="minor">
+                <a:schemeClr val="lt1"/>
+              </a:fontRef>
+            </p:style>
+            <p:txBody>
+              <a:bodyPr lIns="144000" tIns="144000" rIns="144000" bIns="144000" anchor="ctr"/>
+              <a:lstStyle/>
+              <a:p>
+                <a:pPr>
+                  <a:lnSpc>
+                    <a:spcPts val="1500"/>
+                  </a:lnSpc>
+                  <a:defRPr/>
+                </a:pPr>
+                <a:r>
+                  <a:rPr lang="en-GB" sz="3200" baseline="-9000" dirty="0">
+                    <a:solidFill>
+                      <a:schemeClr val="bg2">
+                        <a:lumMod val="40000"/>
+                        <a:lumOff val="60000"/>
+                      </a:schemeClr>
+                    </a:solidFill>
+                    <a:effectLst>
+                      <a:glow>
+                        <a:schemeClr val="bg1"/>
+                      </a:glow>
+                    </a:effectLst>
+                  </a:rPr>
+                  <a:t> </a:t>
+                </a:r>
+                <a:r>
+                  <a:rPr lang="en-GB" sz="3200" baseline="-10000" dirty="0"/>
+                  <a:t>📱</a:t>
+                </a:r>
+                <a:endParaRPr lang="en-GB" sz="2400" dirty="0">
+                  <a:solidFill>
+                    <a:sysClr val="windowText" lastClr="000000"/>
+                  </a:solidFill>
+                  <a:latin typeface="+mj-lt"/>
+                  <a:cs typeface="Arial" panose="020B0604020202020204" pitchFamily="34" charset="0"/>
+                </a:endParaRPr>
+              </a:p>
+            </p:txBody>
+          </p:sp>
+          <p:sp>
+            <p:nvSpPr>
+              <p:cNvPr id="52" name="Rectangle 51">
+                <a:extLst>
+                  <a:ext uri="{FF2B5EF4-FFF2-40B4-BE49-F238E27FC236}">
+                    <a16:creationId xmlns:a16="http://schemas.microsoft.com/office/drawing/2014/main" id="{9F877A36-09FC-057F-C1D6-AE64235787AF}"/>
+                  </a:ext>
+                </a:extLst>
+              </p:cNvPr>
+              <p:cNvSpPr/>
+              <p:nvPr/>
+            </p:nvSpPr>
+            <p:spPr>
+              <a:xfrm>
+                <a:off x="4861649" y="3951814"/>
+                <a:ext cx="530040" cy="482053"/>
+              </a:xfrm>
+              <a:prstGeom prst="rect">
+                <a:avLst/>
+              </a:prstGeom>
+              <a:solidFill>
+                <a:schemeClr val="tx1">
+                  <a:lumMod val="95000"/>
+                </a:schemeClr>
+              </a:solidFill>
+              <a:ln w="28575">
+                <a:solidFill>
+                  <a:schemeClr val="tx1">
+                    <a:lumMod val="50000"/>
+                  </a:schemeClr>
+                </a:solidFill>
+                <a:prstDash val="solid"/>
+              </a:ln>
+            </p:spPr>
+            <p:style>
+              <a:lnRef idx="2">
+                <a:schemeClr val="accent1">
+                  <a:shade val="50000"/>
+                </a:schemeClr>
+              </a:lnRef>
+              <a:fillRef idx="1">
+                <a:schemeClr val="accent1"/>
+              </a:fillRef>
+              <a:effectRef idx="0">
+                <a:schemeClr val="accent1"/>
+              </a:effectRef>
+              <a:fontRef idx="minor">
+                <a:schemeClr val="lt1"/>
+              </a:fontRef>
+            </p:style>
+            <p:txBody>
+              <a:bodyPr lIns="144000" tIns="144000" rIns="144000" bIns="144000" anchor="ctr"/>
+              <a:lstStyle/>
+              <a:p>
+                <a:pPr>
+                  <a:lnSpc>
+                    <a:spcPts val="1500"/>
+                  </a:lnSpc>
+                  <a:defRPr/>
+                </a:pPr>
+                <a:r>
+                  <a:rPr lang="en-GB" sz="3200" baseline="-9000" dirty="0">
+                    <a:solidFill>
+                      <a:schemeClr val="bg2">
+                        <a:lumMod val="40000"/>
+                        <a:lumOff val="60000"/>
+                      </a:schemeClr>
+                    </a:solidFill>
+                    <a:effectLst>
+                      <a:glow>
+                        <a:schemeClr val="bg1"/>
+                      </a:glow>
+                    </a:effectLst>
+                  </a:rPr>
+                  <a:t>  </a:t>
+                </a:r>
+                <a:endParaRPr lang="en-GB" sz="2400" dirty="0">
+                  <a:solidFill>
+                    <a:sysClr val="windowText" lastClr="000000"/>
+                  </a:solidFill>
+                  <a:latin typeface="+mj-lt"/>
+                  <a:cs typeface="Arial" panose="020B0604020202020204" pitchFamily="34" charset="0"/>
+                </a:endParaRPr>
+              </a:p>
+            </p:txBody>
+          </p:sp>
+        </p:grpSp>
+        <p:sp>
+          <p:nvSpPr>
+            <p:cNvPr id="46" name="TextBox 45">
+              <a:extLst>
+                <a:ext uri="{FF2B5EF4-FFF2-40B4-BE49-F238E27FC236}">
+                  <a16:creationId xmlns:a16="http://schemas.microsoft.com/office/drawing/2014/main" id="{97F0940A-85A7-0BD7-8641-61CC3C79FF76}"/>
+                </a:ext>
+              </a:extLst>
+            </p:cNvPr>
+            <p:cNvSpPr txBox="1"/>
+            <p:nvPr/>
+          </p:nvSpPr>
+          <p:spPr>
+            <a:xfrm>
+              <a:off x="5016883" y="5341549"/>
+              <a:ext cx="502683" cy="769441"/>
+            </a:xfrm>
+            <a:prstGeom prst="rect">
+              <a:avLst/>
+            </a:prstGeom>
+            <a:noFill/>
+          </p:spPr>
+          <p:txBody>
+            <a:bodyPr wrap="square">
+              <a:spAutoFit/>
+            </a:bodyPr>
+            <a:lstStyle/>
+            <a:p>
+              <a:r>
+                <a:rPr lang="en-GB" sz="4400" baseline="-9000" dirty="0">
+                  <a:solidFill>
+                    <a:schemeClr val="bg2">
+                      <a:lumMod val="40000"/>
+                      <a:lumOff val="60000"/>
+                    </a:schemeClr>
+                  </a:solidFill>
+                  <a:effectLst>
+                    <a:glow>
+                      <a:schemeClr val="bg1"/>
+                    </a:glow>
+                  </a:effectLst>
+                </a:rPr>
+                <a:t>🤵</a:t>
+              </a:r>
+              <a:endParaRPr lang="en-US" sz="4400" dirty="0"/>
+            </a:p>
+          </p:txBody>
+        </p:sp>
+      </p:grpSp>
+      <p:grpSp>
+        <p:nvGrpSpPr>
+          <p:cNvPr id="55" name="Group 54">
+            <a:extLst>
+              <a:ext uri="{FF2B5EF4-FFF2-40B4-BE49-F238E27FC236}">
+                <a16:creationId xmlns:a16="http://schemas.microsoft.com/office/drawing/2014/main" id="{A6112784-57E5-0492-2508-E69E96F400D7}"/>
+              </a:ext>
+            </a:extLst>
+          </p:cNvPr>
+          <p:cNvGrpSpPr/>
+          <p:nvPr/>
+        </p:nvGrpSpPr>
+        <p:grpSpPr>
+          <a:xfrm>
+            <a:off x="317102" y="382289"/>
+            <a:ext cx="1961697" cy="1038741"/>
+            <a:chOff x="6221987" y="5100898"/>
+            <a:chExt cx="3822790" cy="1038741"/>
+          </a:xfrm>
+        </p:grpSpPr>
+        <p:sp>
+          <p:nvSpPr>
+            <p:cNvPr id="56" name="Rectangle 55">
+              <a:extLst>
+                <a:ext uri="{FF2B5EF4-FFF2-40B4-BE49-F238E27FC236}">
+                  <a16:creationId xmlns:a16="http://schemas.microsoft.com/office/drawing/2014/main" id="{DBA7ED00-2AB2-2837-6E26-AC904DBC539A}"/>
+                </a:ext>
+              </a:extLst>
+            </p:cNvPr>
+            <p:cNvSpPr/>
+            <p:nvPr/>
+          </p:nvSpPr>
+          <p:spPr>
+            <a:xfrm>
+              <a:off x="6221987" y="5100898"/>
+              <a:ext cx="3822790" cy="1038741"/>
+            </a:xfrm>
+            <a:prstGeom prst="rect">
+              <a:avLst/>
+            </a:prstGeom>
+            <a:solidFill>
+              <a:schemeClr val="bg1"/>
+            </a:solidFill>
+            <a:ln w="12700">
+              <a:solidFill>
+                <a:srgbClr val="5A6B86"/>
+              </a:solidFill>
+              <a:prstDash val="dash"/>
+            </a:ln>
+          </p:spPr>
+          <p:style>
+            <a:lnRef idx="2">
+              <a:schemeClr val="accent1">
+                <a:shade val="50000"/>
+              </a:schemeClr>
+            </a:lnRef>
+            <a:fillRef idx="1">
+              <a:schemeClr val="accent1"/>
+            </a:fillRef>
+            <a:effectRef idx="0">
+              <a:schemeClr val="accent1"/>
+            </a:effectRef>
+            <a:fontRef idx="minor">
+              <a:schemeClr val="lt1"/>
+            </a:fontRef>
+          </p:style>
+          <p:txBody>
+            <a:bodyPr tIns="36000"/>
+            <a:lstStyle/>
+            <a:p>
+              <a:pPr eaLnBrk="1" fontAlgn="auto" hangingPunct="1">
+                <a:spcBef>
+                  <a:spcPts val="0"/>
+                </a:spcBef>
+                <a:spcAft>
+                  <a:spcPts val="0"/>
+                </a:spcAft>
+                <a:defRPr/>
+              </a:pPr>
+              <a:r>
+                <a:rPr lang="en-GB" sz="2800" baseline="-11000" dirty="0">
+                  <a:solidFill>
+                    <a:schemeClr val="bg2">
+                      <a:lumMod val="40000"/>
+                      <a:lumOff val="60000"/>
+                    </a:schemeClr>
+                  </a:solidFill>
+                  <a:effectLst>
+                    <a:glow>
+                      <a:schemeClr val="bg1"/>
+                    </a:glow>
+                  </a:effectLst>
+                </a:rPr>
+                <a:t>🍏 </a:t>
+              </a:r>
+              <a:r>
+                <a:rPr lang="en-US" sz="2000" i="1" dirty="0">
+                  <a:solidFill>
+                    <a:schemeClr val="bg2">
+                      <a:lumMod val="40000"/>
+                      <a:lumOff val="60000"/>
+                    </a:schemeClr>
+                  </a:solidFill>
+                  <a:effectLst>
+                    <a:glow>
+                      <a:schemeClr val="bg1"/>
+                    </a:glow>
+                  </a:effectLst>
+                </a:rPr>
+                <a:t>brand bound</a:t>
+              </a:r>
+            </a:p>
+          </p:txBody>
+        </p:sp>
+        <p:sp>
+          <p:nvSpPr>
+            <p:cNvPr id="57" name="Rectangle 56">
+              <a:extLst>
+                <a:ext uri="{FF2B5EF4-FFF2-40B4-BE49-F238E27FC236}">
+                  <a16:creationId xmlns:a16="http://schemas.microsoft.com/office/drawing/2014/main" id="{19F63E09-BE75-69C8-EA04-DBB1E5A90AC6}"/>
+                </a:ext>
+              </a:extLst>
+            </p:cNvPr>
+            <p:cNvSpPr/>
+            <p:nvPr/>
+          </p:nvSpPr>
+          <p:spPr>
+            <a:xfrm>
+              <a:off x="6385391" y="5490228"/>
+              <a:ext cx="3506209" cy="562183"/>
+            </a:xfrm>
+            <a:prstGeom prst="rect">
+              <a:avLst/>
+            </a:prstGeom>
+            <a:solidFill>
+              <a:schemeClr val="tx1">
+                <a:lumMod val="95000"/>
+              </a:schemeClr>
+            </a:solidFill>
+            <a:ln w="28575">
+              <a:solidFill>
+                <a:schemeClr val="tx1">
+                  <a:lumMod val="50000"/>
+                </a:schemeClr>
+              </a:solidFill>
+              <a:prstDash val="solid"/>
+            </a:ln>
+          </p:spPr>
+          <p:style>
+            <a:lnRef idx="2">
+              <a:schemeClr val="accent1">
+                <a:shade val="50000"/>
+              </a:schemeClr>
+            </a:lnRef>
+            <a:fillRef idx="1">
+              <a:schemeClr val="accent1"/>
+            </a:fillRef>
+            <a:effectRef idx="0">
+              <a:schemeClr val="accent1"/>
+            </a:effectRef>
+            <a:fontRef idx="minor">
+              <a:schemeClr val="lt1"/>
+            </a:fontRef>
+          </p:style>
+          <p:txBody>
+            <a:bodyPr lIns="144000" tIns="144000" rIns="144000" bIns="144000" anchor="ctr"/>
+            <a:lstStyle/>
+            <a:p>
+              <a:pPr>
+                <a:defRPr/>
+              </a:pPr>
+              <a:r>
+                <a:rPr lang="en-GB" sz="4400" baseline="-9000" dirty="0">
+                  <a:solidFill>
+                    <a:schemeClr val="bg2">
+                      <a:lumMod val="40000"/>
+                      <a:lumOff val="60000"/>
+                    </a:schemeClr>
+                  </a:solidFill>
+                  <a:effectLst>
+                    <a:glow>
+                      <a:schemeClr val="bg1"/>
+                    </a:glow>
+                  </a:effectLst>
+                </a:rPr>
+                <a:t>🪄</a:t>
+              </a:r>
+              <a:r>
+                <a:rPr lang="en-GB" sz="2400" dirty="0">
+                  <a:solidFill>
+                    <a:sysClr val="windowText" lastClr="000000"/>
+                  </a:solidFill>
+                  <a:latin typeface="+mj-lt"/>
+                  <a:cs typeface="Arial" panose="020B0604020202020204" pitchFamily="34" charset="0"/>
+                </a:rPr>
+                <a:t> Wand</a:t>
+              </a:r>
+            </a:p>
+          </p:txBody>
+        </p:sp>
+      </p:grpSp>
+      <p:sp>
+        <p:nvSpPr>
+          <p:cNvPr id="62" name="Rectangle 61">
+            <a:extLst>
+              <a:ext uri="{FF2B5EF4-FFF2-40B4-BE49-F238E27FC236}">
+                <a16:creationId xmlns:a16="http://schemas.microsoft.com/office/drawing/2014/main" id="{4A820FA2-0F19-7297-DAAA-6DFB96B880AD}"/>
+              </a:ext>
+            </a:extLst>
+          </p:cNvPr>
+          <p:cNvSpPr/>
+          <p:nvPr/>
+        </p:nvSpPr>
+        <p:spPr>
+          <a:xfrm>
+            <a:off x="7485124" y="211042"/>
+            <a:ext cx="4519307" cy="3247266"/>
+          </a:xfrm>
+          <a:prstGeom prst="rect">
+            <a:avLst/>
+          </a:prstGeom>
+          <a:noFill/>
+          <a:ln w="12700">
+            <a:solidFill>
+              <a:srgbClr val="5A6B86"/>
+            </a:solidFill>
+            <a:prstDash val="dash"/>
+          </a:ln>
+        </p:spPr>
+        <p:style>
+          <a:lnRef idx="2">
+            <a:schemeClr val="accent1">
+              <a:shade val="50000"/>
+            </a:schemeClr>
+          </a:lnRef>
+          <a:fillRef idx="1">
+            <a:schemeClr val="accent1"/>
+          </a:fillRef>
+          <a:effectRef idx="0">
+            <a:schemeClr val="accent1"/>
+          </a:effectRef>
+          <a:fontRef idx="minor">
+            <a:schemeClr val="lt1"/>
+          </a:fontRef>
+        </p:style>
+        <p:txBody>
+          <a:bodyPr tIns="36000"/>
+          <a:lstStyle/>
+          <a:p>
+            <a:pPr eaLnBrk="1" fontAlgn="auto" hangingPunct="1">
+              <a:spcBef>
+                <a:spcPts val="0"/>
+              </a:spcBef>
+              <a:spcAft>
+                <a:spcPts val="0"/>
+              </a:spcAft>
+              <a:defRPr/>
+            </a:pPr>
+            <a:endParaRPr lang="en-US" sz="2000" i="1" dirty="0">
+              <a:solidFill>
+                <a:schemeClr val="bg2">
+                  <a:lumMod val="40000"/>
+                  <a:lumOff val="60000"/>
+                </a:schemeClr>
+              </a:solidFill>
+              <a:effectLst>
+                <a:glow>
+                  <a:schemeClr val="bg1"/>
+                </a:glow>
+              </a:effectLst>
+            </a:endParaRPr>
+          </a:p>
+        </p:txBody>
+      </p:sp>
+      <p:sp>
+        <p:nvSpPr>
+          <p:cNvPr id="63" name="Content Placeholder 2">
+            <a:extLst>
+              <a:ext uri="{FF2B5EF4-FFF2-40B4-BE49-F238E27FC236}">
+                <a16:creationId xmlns:a16="http://schemas.microsoft.com/office/drawing/2014/main" id="{CE5543A3-87EC-C4C5-F6F1-39AD41728C51}"/>
+              </a:ext>
+            </a:extLst>
+          </p:cNvPr>
+          <p:cNvSpPr txBox="1">
+            <a:spLocks/>
+          </p:cNvSpPr>
+          <p:nvPr/>
+        </p:nvSpPr>
+        <p:spPr>
+          <a:xfrm>
+            <a:off x="7493590" y="240110"/>
+            <a:ext cx="2242841" cy="400110"/>
+          </a:xfrm>
+          <a:prstGeom prst="rect">
+            <a:avLst/>
+          </a:prstGeom>
+        </p:spPr>
+        <p:txBody>
+          <a:bodyPr wrap="square">
+            <a:spAutoFit/>
+          </a:bodyPr>
+          <a:lstStyle>
+            <a:lvl1pPr marL="228600" indent="-228600" algn="l" defTabSz="914400" rtl="0" eaLnBrk="1" latinLnBrk="0" hangingPunct="1">
+              <a:lnSpc>
+                <a:spcPct val="90000"/>
+              </a:lnSpc>
+              <a:spcBef>
+                <a:spcPts val="0"/>
+              </a:spcBef>
+              <a:spcAft>
+                <a:spcPts val="1200"/>
+              </a:spcAft>
+              <a:buSzPct val="90000"/>
+              <a:buFont typeface="Amazon Ember" panose="020B0603020204020204" pitchFamily="34" charset="0"/>
+              <a:buChar char="•"/>
+              <a:defRPr sz="2800" kern="1200">
+                <a:solidFill>
+                  <a:schemeClr val="tx1"/>
+                </a:solidFill>
+                <a:latin typeface="+mn-lt"/>
+                <a:ea typeface="+mn-ea"/>
+                <a:cs typeface="+mn-cs"/>
+              </a:defRPr>
+            </a:lvl1pPr>
+            <a:lvl2pPr marL="457200" indent="-228600" algn="l" defTabSz="914400" rtl="0" eaLnBrk="1" latinLnBrk="0" hangingPunct="1">
+              <a:lnSpc>
+                <a:spcPct val="90000"/>
+              </a:lnSpc>
+              <a:spcBef>
+                <a:spcPts val="0"/>
+              </a:spcBef>
+              <a:spcAft>
+                <a:spcPts val="1200"/>
+              </a:spcAft>
+              <a:buSzPct val="90000"/>
+              <a:buFont typeface="Wingdings" panose="05000000000000000000" pitchFamily="2" charset="2"/>
+              <a:buChar char="§"/>
+              <a:defRPr sz="2400" kern="1200">
+                <a:solidFill>
+                  <a:schemeClr val="tx1"/>
+                </a:solidFill>
+                <a:latin typeface="+mn-lt"/>
+                <a:ea typeface="+mn-ea"/>
+                <a:cs typeface="+mn-cs"/>
+              </a:defRPr>
+            </a:lvl2pPr>
+            <a:lvl3pPr marL="685800" indent="-228600" algn="l" defTabSz="914400" rtl="0" eaLnBrk="1" latinLnBrk="0" hangingPunct="1">
+              <a:lnSpc>
+                <a:spcPct val="90000"/>
+              </a:lnSpc>
+              <a:spcBef>
+                <a:spcPts val="0"/>
+              </a:spcBef>
+              <a:spcAft>
+                <a:spcPts val="1200"/>
+              </a:spcAft>
+              <a:buSzPct val="90000"/>
+              <a:buFont typeface="Amazon Ember" panose="020B0603020204020204" pitchFamily="34" charset="0"/>
+              <a:buChar char="–"/>
+              <a:defRPr sz="2000" kern="1200">
+                <a:solidFill>
+                  <a:schemeClr val="tx1"/>
+                </a:solidFill>
+                <a:latin typeface="+mn-lt"/>
+                <a:ea typeface="+mn-ea"/>
+                <a:cs typeface="+mn-cs"/>
+              </a:defRPr>
+            </a:lvl3pPr>
+            <a:lvl4pPr marL="914400" indent="-228600" algn="l" defTabSz="914400" rtl="0" eaLnBrk="1" latinLnBrk="0" hangingPunct="1">
+              <a:lnSpc>
+                <a:spcPct val="90000"/>
+              </a:lnSpc>
+              <a:spcBef>
+                <a:spcPts val="0"/>
+              </a:spcBef>
+              <a:spcAft>
+                <a:spcPts val="1200"/>
+              </a:spcAft>
+              <a:buFont typeface="Amazon Ember" panose="020B0603020204020204" pitchFamily="34" charset="0"/>
+              <a:buChar char="•"/>
+              <a:defRPr sz="1800" kern="1200">
+                <a:solidFill>
+                  <a:schemeClr val="tx1"/>
+                </a:solidFill>
+                <a:latin typeface="+mn-lt"/>
+                <a:ea typeface="+mn-ea"/>
+                <a:cs typeface="+mn-cs"/>
+              </a:defRPr>
+            </a:lvl4pPr>
+            <a:lvl5pPr marL="1143000" indent="-228600" algn="l" defTabSz="914400" rtl="0" eaLnBrk="1" latinLnBrk="0" hangingPunct="1">
+              <a:lnSpc>
+                <a:spcPct val="90000"/>
+              </a:lnSpc>
+              <a:spcBef>
+                <a:spcPts val="0"/>
+              </a:spcBef>
+              <a:spcAft>
+                <a:spcPts val="1200"/>
+              </a:spcAft>
+              <a:buFont typeface="Amazon Ember" panose="020B0603020204020204" pitchFamily="34" charset="0"/>
+              <a:buChar char="•"/>
+              <a:defRPr sz="1800" kern="1200">
+                <a:solidFill>
+                  <a:schemeClr val="tx1"/>
+                </a:solidFill>
+                <a:latin typeface="+mn-lt"/>
+                <a:ea typeface="+mn-ea"/>
+                <a:cs typeface="+mn-cs"/>
+              </a:defRPr>
+            </a:lvl5pPr>
+            <a:lvl6pPr marL="2514600" indent="-228600" algn="l" defTabSz="914400" rtl="0" eaLnBrk="1" latinLnBrk="0" hangingPunct="1">
+              <a:lnSpc>
+                <a:spcPct val="90000"/>
+              </a:lnSpc>
+              <a:spcBef>
+                <a:spcPts val="500"/>
+              </a:spcBef>
+              <a:buFont typeface="Amazon Ember" panose="020B0603020204020204" pitchFamily="34" charset="0"/>
+              <a:buChar char="•"/>
+              <a:defRPr sz="1800" kern="1200">
+                <a:solidFill>
+                  <a:schemeClr val="tx1"/>
+                </a:solidFill>
+                <a:latin typeface="+mn-lt"/>
+                <a:ea typeface="+mn-ea"/>
+                <a:cs typeface="+mn-cs"/>
+              </a:defRPr>
+            </a:lvl6pPr>
+            <a:lvl7pPr marL="2971800" indent="-228600" algn="l" defTabSz="914400" rtl="0" eaLnBrk="1" latinLnBrk="0" hangingPunct="1">
+              <a:lnSpc>
+                <a:spcPct val="90000"/>
+              </a:lnSpc>
+              <a:spcBef>
+                <a:spcPts val="500"/>
+              </a:spcBef>
+              <a:buFont typeface="Amazon Ember" panose="020B0603020204020204" pitchFamily="34" charset="0"/>
+              <a:buChar char="•"/>
+              <a:defRPr sz="1800" kern="1200">
+                <a:solidFill>
+                  <a:schemeClr val="tx1"/>
+                </a:solidFill>
+                <a:latin typeface="+mn-lt"/>
+                <a:ea typeface="+mn-ea"/>
+                <a:cs typeface="+mn-cs"/>
+              </a:defRPr>
+            </a:lvl7pPr>
+            <a:lvl8pPr marL="3429000" indent="-228600" algn="l" defTabSz="914400" rtl="0" eaLnBrk="1" latinLnBrk="0" hangingPunct="1">
+              <a:lnSpc>
+                <a:spcPct val="90000"/>
+              </a:lnSpc>
+              <a:spcBef>
+                <a:spcPts val="500"/>
+              </a:spcBef>
+              <a:buFont typeface="Amazon Ember" panose="020B0603020204020204" pitchFamily="34" charset="0"/>
+              <a:buChar char="•"/>
+              <a:defRPr sz="1800" kern="1200">
+                <a:solidFill>
+                  <a:schemeClr val="tx1"/>
+                </a:solidFill>
+                <a:latin typeface="+mn-lt"/>
+                <a:ea typeface="+mn-ea"/>
+                <a:cs typeface="+mn-cs"/>
+              </a:defRPr>
+            </a:lvl8pPr>
+            <a:lvl9pPr marL="3886200" indent="-228600" algn="l" defTabSz="914400" rtl="0" eaLnBrk="1" latinLnBrk="0" hangingPunct="1">
+              <a:lnSpc>
+                <a:spcPct val="90000"/>
+              </a:lnSpc>
+              <a:spcBef>
+                <a:spcPts val="500"/>
+              </a:spcBef>
+              <a:buFont typeface="Amazon Ember" panose="020B0603020204020204" pitchFamily="34" charset="0"/>
+              <a:buChar char="•"/>
+              <a:defRPr sz="1800" kern="1200">
+                <a:solidFill>
+                  <a:schemeClr val="tx1"/>
+                </a:solidFill>
+                <a:latin typeface="+mn-lt"/>
+                <a:ea typeface="+mn-ea"/>
+                <a:cs typeface="+mn-cs"/>
+              </a:defRPr>
+            </a:lvl9pPr>
+          </a:lstStyle>
+          <a:p>
+            <a:pPr marL="0" indent="0">
+              <a:lnSpc>
+                <a:spcPct val="100000"/>
+              </a:lnSpc>
+              <a:spcAft>
+                <a:spcPts val="600"/>
+              </a:spcAft>
+              <a:buNone/>
+            </a:pPr>
+            <a:r>
+              <a:rPr lang="en-US" baseline="-11000" dirty="0">
+                <a:solidFill>
+                  <a:schemeClr val="bg2">
+                    <a:lumMod val="40000"/>
+                    <a:lumOff val="60000"/>
+                  </a:schemeClr>
+                </a:solidFill>
+                <a:effectLst>
+                  <a:glow>
+                    <a:schemeClr val="bg1"/>
+                  </a:glow>
+                </a:effectLst>
+              </a:rPr>
+              <a:t>🏠</a:t>
+            </a:r>
+            <a:r>
+              <a:rPr lang="en-US" sz="2000" i="1" dirty="0">
+                <a:solidFill>
+                  <a:schemeClr val="bg2">
+                    <a:lumMod val="40000"/>
+                    <a:lumOff val="60000"/>
+                  </a:schemeClr>
+                </a:solidFill>
+                <a:effectLst>
+                  <a:glow>
+                    <a:schemeClr val="bg1"/>
+                  </a:glow>
+                </a:effectLst>
+              </a:rPr>
+              <a:t> home</a:t>
+            </a:r>
+          </a:p>
+        </p:txBody>
+      </p:sp>
+      <p:grpSp>
+        <p:nvGrpSpPr>
+          <p:cNvPr id="12" name="Group 11">
+            <a:extLst>
+              <a:ext uri="{FF2B5EF4-FFF2-40B4-BE49-F238E27FC236}">
+                <a16:creationId xmlns:a16="http://schemas.microsoft.com/office/drawing/2014/main" id="{8A74B55E-91E6-8E4B-34AC-C640772186BA}"/>
+              </a:ext>
+            </a:extLst>
+          </p:cNvPr>
+          <p:cNvGrpSpPr/>
+          <p:nvPr/>
+        </p:nvGrpSpPr>
+        <p:grpSpPr>
+          <a:xfrm>
+            <a:off x="10726797" y="672473"/>
+            <a:ext cx="1164577" cy="735598"/>
+            <a:chOff x="8013515" y="2736815"/>
+            <a:chExt cx="1164577" cy="735598"/>
+          </a:xfrm>
+        </p:grpSpPr>
+        <p:sp>
+          <p:nvSpPr>
+            <p:cNvPr id="65" name="Rectangle 64">
+              <a:extLst>
+                <a:ext uri="{FF2B5EF4-FFF2-40B4-BE49-F238E27FC236}">
+                  <a16:creationId xmlns:a16="http://schemas.microsoft.com/office/drawing/2014/main" id="{76577289-3174-E32F-5D30-955F6D9ED887}"/>
+                </a:ext>
+              </a:extLst>
+            </p:cNvPr>
+            <p:cNvSpPr/>
+            <p:nvPr/>
+          </p:nvSpPr>
+          <p:spPr>
+            <a:xfrm>
+              <a:off x="8048951" y="2736815"/>
+              <a:ext cx="1129141" cy="735598"/>
+            </a:xfrm>
+            <a:prstGeom prst="rect">
+              <a:avLst/>
+            </a:prstGeom>
+            <a:solidFill>
+              <a:schemeClr val="bg1">
+                <a:lumMod val="85000"/>
+                <a:lumOff val="15000"/>
+              </a:schemeClr>
+            </a:solidFill>
+            <a:ln w="12700">
+              <a:noFill/>
+              <a:prstDash val="dash"/>
+            </a:ln>
+          </p:spPr>
+          <p:style>
+            <a:lnRef idx="2">
+              <a:schemeClr val="accent1">
+                <a:shade val="50000"/>
+              </a:schemeClr>
+            </a:lnRef>
+            <a:fillRef idx="1">
+              <a:schemeClr val="accent1"/>
+            </a:fillRef>
+            <a:effectRef idx="0">
+              <a:schemeClr val="accent1"/>
+            </a:effectRef>
+            <a:fontRef idx="minor">
+              <a:schemeClr val="lt1"/>
+            </a:fontRef>
+          </p:style>
+          <p:txBody>
+            <a:bodyPr tIns="36000"/>
+            <a:lstStyle/>
+            <a:p>
+              <a:pPr algn="r"/>
+              <a:endParaRPr lang="en-US" sz="2000" dirty="0">
+                <a:solidFill>
+                  <a:schemeClr val="bg2">
+                    <a:lumMod val="40000"/>
+                    <a:lumOff val="60000"/>
+                  </a:schemeClr>
+                </a:solidFill>
+                <a:effectLst>
+                  <a:glow>
+                    <a:schemeClr val="bg1"/>
+                  </a:glow>
+                </a:effectLst>
+              </a:endParaRPr>
+            </a:p>
+          </p:txBody>
+        </p:sp>
+        <p:sp>
+          <p:nvSpPr>
+            <p:cNvPr id="66" name="TextBox 65">
+              <a:extLst>
+                <a:ext uri="{FF2B5EF4-FFF2-40B4-BE49-F238E27FC236}">
+                  <a16:creationId xmlns:a16="http://schemas.microsoft.com/office/drawing/2014/main" id="{67299273-66F1-B805-B918-EC770E16D698}"/>
+                </a:ext>
+              </a:extLst>
+            </p:cNvPr>
+            <p:cNvSpPr txBox="1"/>
+            <p:nvPr/>
+          </p:nvSpPr>
+          <p:spPr>
+            <a:xfrm>
+              <a:off x="8013515" y="2792381"/>
+              <a:ext cx="1117685" cy="656590"/>
+            </a:xfrm>
+            <a:prstGeom prst="rect">
+              <a:avLst/>
+            </a:prstGeom>
+            <a:noFill/>
+          </p:spPr>
+          <p:txBody>
+            <a:bodyPr wrap="square">
+              <a:spAutoFit/>
+            </a:bodyPr>
+            <a:lstStyle/>
+            <a:p>
+              <a:pPr algn="r"/>
+              <a:r>
+                <a:rPr lang="en-GB" sz="2800" baseline="-11000" noProof="1">
+                  <a:solidFill>
+                    <a:schemeClr val="bg2">
+                      <a:lumMod val="40000"/>
+                      <a:lumOff val="60000"/>
+                    </a:schemeClr>
+                  </a:solidFill>
+                  <a:effectLst>
+                    <a:glow>
+                      <a:schemeClr val="bg1"/>
+                    </a:glow>
+                  </a:effectLst>
+                </a:rPr>
+                <a:t>🛜</a:t>
+              </a:r>
+              <a:r>
+                <a:rPr lang="en-GB" noProof="1"/>
+                <a:t> home </a:t>
+              </a:r>
+              <a:br>
+                <a:rPr lang="en-GB" noProof="1"/>
+              </a:br>
+              <a:r>
+                <a:rPr lang="en-GB" noProof="1"/>
+                <a:t>Wi-Fi</a:t>
+              </a:r>
+            </a:p>
+          </p:txBody>
+        </p:sp>
+      </p:grpSp>
+      <p:grpSp>
+        <p:nvGrpSpPr>
+          <p:cNvPr id="79" name="Group 78">
+            <a:extLst>
+              <a:ext uri="{FF2B5EF4-FFF2-40B4-BE49-F238E27FC236}">
+                <a16:creationId xmlns:a16="http://schemas.microsoft.com/office/drawing/2014/main" id="{C14D907F-9788-346D-1660-2ABAEDDD5EBE}"/>
+              </a:ext>
+            </a:extLst>
+          </p:cNvPr>
+          <p:cNvGrpSpPr/>
+          <p:nvPr/>
+        </p:nvGrpSpPr>
+        <p:grpSpPr>
+          <a:xfrm>
+            <a:off x="317098" y="2305642"/>
+            <a:ext cx="1972893" cy="1038741"/>
+            <a:chOff x="7507403" y="1006813"/>
+            <a:chExt cx="640029" cy="1038741"/>
+          </a:xfrm>
+        </p:grpSpPr>
+        <p:sp>
+          <p:nvSpPr>
+            <p:cNvPr id="81" name="Rectangle 80">
+              <a:extLst>
+                <a:ext uri="{FF2B5EF4-FFF2-40B4-BE49-F238E27FC236}">
+                  <a16:creationId xmlns:a16="http://schemas.microsoft.com/office/drawing/2014/main" id="{56EE34BE-D5B7-7191-931D-35B7AEE6E932}"/>
+                </a:ext>
+              </a:extLst>
+            </p:cNvPr>
+            <p:cNvSpPr/>
+            <p:nvPr/>
+          </p:nvSpPr>
+          <p:spPr>
+            <a:xfrm>
+              <a:off x="7538137" y="1386857"/>
+              <a:ext cx="580163" cy="562183"/>
+            </a:xfrm>
+            <a:prstGeom prst="rect">
+              <a:avLst/>
+            </a:prstGeom>
+            <a:solidFill>
+              <a:schemeClr val="tx1">
+                <a:lumMod val="95000"/>
+              </a:schemeClr>
+            </a:solidFill>
+            <a:ln w="28575">
+              <a:solidFill>
+                <a:schemeClr val="tx1">
+                  <a:lumMod val="50000"/>
+                </a:schemeClr>
+              </a:solidFill>
+              <a:prstDash val="solid"/>
+            </a:ln>
+          </p:spPr>
+          <p:style>
+            <a:lnRef idx="2">
+              <a:schemeClr val="accent1">
+                <a:shade val="50000"/>
+              </a:schemeClr>
+            </a:lnRef>
+            <a:fillRef idx="1">
+              <a:schemeClr val="accent1"/>
+            </a:fillRef>
+            <a:effectRef idx="0">
+              <a:schemeClr val="accent1"/>
+            </a:effectRef>
+            <a:fontRef idx="minor">
+              <a:schemeClr val="lt1"/>
+            </a:fontRef>
+          </p:style>
+          <p:txBody>
+            <a:bodyPr lIns="144000" tIns="144000" rIns="36000" bIns="144000" anchor="ctr"/>
+            <a:lstStyle/>
+            <a:p>
+              <a:r>
+                <a:rPr lang="en-GB" sz="3200" baseline="-9000" dirty="0">
+                  <a:solidFill>
+                    <a:schemeClr val="bg2">
+                      <a:lumMod val="40000"/>
+                      <a:lumOff val="60000"/>
+                    </a:schemeClr>
+                  </a:solidFill>
+                  <a:effectLst>
+                    <a:glow>
+                      <a:schemeClr val="bg1"/>
+                    </a:glow>
+                  </a:effectLst>
+                </a:rPr>
+                <a:t>🧢 </a:t>
+              </a:r>
+              <a:r>
+                <a:rPr lang="en-GB" sz="2400" dirty="0">
+                  <a:solidFill>
+                    <a:sysClr val="windowText" lastClr="000000"/>
+                  </a:solidFill>
+                  <a:latin typeface="+mj-lt"/>
+                  <a:cs typeface="Arial" panose="020B0604020202020204" pitchFamily="34" charset="0"/>
+                </a:rPr>
+                <a:t>Persona</a:t>
+              </a:r>
+            </a:p>
+          </p:txBody>
+        </p:sp>
+        <p:sp>
+          <p:nvSpPr>
+            <p:cNvPr id="82" name="Rectangle 81">
+              <a:extLst>
+                <a:ext uri="{FF2B5EF4-FFF2-40B4-BE49-F238E27FC236}">
+                  <a16:creationId xmlns:a16="http://schemas.microsoft.com/office/drawing/2014/main" id="{2B0BADF1-D3A2-9ED4-DA9A-15B11E7391FE}"/>
+                </a:ext>
+              </a:extLst>
+            </p:cNvPr>
+            <p:cNvSpPr/>
+            <p:nvPr/>
+          </p:nvSpPr>
+          <p:spPr>
+            <a:xfrm>
+              <a:off x="7507403" y="1006813"/>
+              <a:ext cx="640029" cy="1038741"/>
+            </a:xfrm>
+            <a:prstGeom prst="rect">
+              <a:avLst/>
+            </a:prstGeom>
+            <a:noFill/>
+            <a:ln w="12700">
+              <a:solidFill>
+                <a:srgbClr val="5A6B86"/>
+              </a:solidFill>
+              <a:prstDash val="dash"/>
+            </a:ln>
+          </p:spPr>
+          <p:style>
+            <a:lnRef idx="2">
+              <a:schemeClr val="accent1">
+                <a:shade val="50000"/>
+              </a:schemeClr>
+            </a:lnRef>
+            <a:fillRef idx="1">
+              <a:schemeClr val="accent1"/>
+            </a:fillRef>
+            <a:effectRef idx="0">
+              <a:schemeClr val="accent1"/>
+            </a:effectRef>
+            <a:fontRef idx="minor">
+              <a:schemeClr val="lt1"/>
+            </a:fontRef>
+          </p:style>
+          <p:txBody>
+            <a:bodyPr tIns="36000"/>
+            <a:lstStyle/>
+            <a:p>
+              <a:pPr eaLnBrk="1" fontAlgn="auto" hangingPunct="1">
+                <a:spcBef>
+                  <a:spcPts val="0"/>
+                </a:spcBef>
+                <a:spcAft>
+                  <a:spcPts val="0"/>
+                </a:spcAft>
+                <a:defRPr/>
+              </a:pPr>
+              <a:r>
+                <a:rPr lang="en-US" sz="2800" baseline="-11000" dirty="0">
+                  <a:solidFill>
+                    <a:schemeClr val="bg2">
+                      <a:lumMod val="40000"/>
+                      <a:lumOff val="60000"/>
+                    </a:schemeClr>
+                  </a:solidFill>
+                  <a:effectLst>
+                    <a:glow>
+                      <a:schemeClr val="bg1"/>
+                    </a:glow>
+                  </a:effectLst>
+                </a:rPr>
+                <a:t>🧑‍🦰 </a:t>
+              </a:r>
+              <a:r>
+                <a:rPr lang="en-US" sz="2000" i="1" dirty="0">
+                  <a:solidFill>
+                    <a:schemeClr val="bg2">
+                      <a:lumMod val="40000"/>
+                      <a:lumOff val="60000"/>
+                    </a:schemeClr>
+                  </a:solidFill>
+                  <a:effectLst>
+                    <a:glow>
+                      <a:schemeClr val="bg1"/>
+                    </a:glow>
+                  </a:effectLst>
+                </a:rPr>
+                <a:t>user bound</a:t>
+              </a:r>
+            </a:p>
+          </p:txBody>
+        </p:sp>
+      </p:grpSp>
+      <p:cxnSp>
+        <p:nvCxnSpPr>
+          <p:cNvPr id="84" name="Straight Arrow Connector 12">
+            <a:extLst>
+              <a:ext uri="{FF2B5EF4-FFF2-40B4-BE49-F238E27FC236}">
+                <a16:creationId xmlns:a16="http://schemas.microsoft.com/office/drawing/2014/main" id="{B65B311C-618E-CA55-006A-219665B1FC1E}"/>
+              </a:ext>
+            </a:extLst>
+          </p:cNvPr>
+          <p:cNvCxnSpPr>
+            <a:cxnSpLocks/>
+            <a:stCxn id="54" idx="0"/>
+            <a:endCxn id="56" idx="3"/>
+          </p:cNvCxnSpPr>
+          <p:nvPr/>
+        </p:nvCxnSpPr>
+        <p:spPr>
+          <a:xfrm rot="16200000" flipV="1">
+            <a:off x="3266707" y="-86247"/>
+            <a:ext cx="339481" cy="2315295"/>
+          </a:xfrm>
+          <a:prstGeom prst="bentConnector2">
+            <a:avLst/>
+          </a:prstGeom>
+          <a:ln>
+            <a:solidFill>
+              <a:schemeClr val="tx1"/>
+            </a:solidFill>
+            <a:tailEnd type="triangle" w="lg" len="lg"/>
+          </a:ln>
+        </p:spPr>
+        <p:style>
+          <a:lnRef idx="3">
+            <a:schemeClr val="accent2"/>
+          </a:lnRef>
+          <a:fillRef idx="0">
+            <a:schemeClr val="accent2"/>
+          </a:fillRef>
+          <a:effectRef idx="2">
+            <a:schemeClr val="accent2"/>
+          </a:effectRef>
+          <a:fontRef idx="minor">
+            <a:schemeClr val="tx1"/>
+          </a:fontRef>
+        </p:style>
+      </p:cxnSp>
+      <p:cxnSp>
+        <p:nvCxnSpPr>
+          <p:cNvPr id="87" name="Straight Arrow Connector 12">
+            <a:extLst>
+              <a:ext uri="{FF2B5EF4-FFF2-40B4-BE49-F238E27FC236}">
+                <a16:creationId xmlns:a16="http://schemas.microsoft.com/office/drawing/2014/main" id="{AA0CF7DC-D3BC-16A4-6F5D-C570E2FEEF6F}"/>
+              </a:ext>
+            </a:extLst>
+          </p:cNvPr>
+          <p:cNvCxnSpPr>
+            <a:cxnSpLocks/>
+            <a:stCxn id="54" idx="2"/>
+            <a:endCxn id="82" idx="3"/>
+          </p:cNvCxnSpPr>
+          <p:nvPr/>
+        </p:nvCxnSpPr>
+        <p:spPr>
+          <a:xfrm rot="5400000">
+            <a:off x="3308515" y="1539434"/>
+            <a:ext cx="267056" cy="2304103"/>
+          </a:xfrm>
+          <a:prstGeom prst="bentConnector2">
+            <a:avLst/>
+          </a:prstGeom>
+          <a:ln>
+            <a:solidFill>
+              <a:schemeClr val="tx1"/>
+            </a:solidFill>
+            <a:tailEnd type="triangle" w="lg" len="lg"/>
+          </a:ln>
+        </p:spPr>
+        <p:style>
+          <a:lnRef idx="3">
+            <a:schemeClr val="accent2"/>
+          </a:lnRef>
+          <a:fillRef idx="0">
+            <a:schemeClr val="accent2"/>
+          </a:fillRef>
+          <a:effectRef idx="2">
+            <a:schemeClr val="accent2"/>
+          </a:effectRef>
+          <a:fontRef idx="minor">
+            <a:schemeClr val="tx1"/>
+          </a:fontRef>
+        </p:style>
+      </p:cxnSp>
+      <p:grpSp>
+        <p:nvGrpSpPr>
+          <p:cNvPr id="105" name="Group 104">
+            <a:extLst>
+              <a:ext uri="{FF2B5EF4-FFF2-40B4-BE49-F238E27FC236}">
+                <a16:creationId xmlns:a16="http://schemas.microsoft.com/office/drawing/2014/main" id="{B27CCE4D-B44A-3295-B88F-C9CBC4C049D4}"/>
+              </a:ext>
+            </a:extLst>
+          </p:cNvPr>
+          <p:cNvGrpSpPr/>
+          <p:nvPr/>
+        </p:nvGrpSpPr>
+        <p:grpSpPr>
+          <a:xfrm>
+            <a:off x="2412402" y="33677"/>
+            <a:ext cx="3319530" cy="830997"/>
+            <a:chOff x="2343832" y="1872138"/>
+            <a:chExt cx="3319530" cy="830997"/>
+          </a:xfrm>
+        </p:grpSpPr>
+        <p:sp>
+          <p:nvSpPr>
+            <p:cNvPr id="106" name="Rounded Rectangle 105">
+              <a:extLst>
+                <a:ext uri="{FF2B5EF4-FFF2-40B4-BE49-F238E27FC236}">
+                  <a16:creationId xmlns:a16="http://schemas.microsoft.com/office/drawing/2014/main" id="{9800FFB7-0B8B-AC92-0251-176F3D353C3B}"/>
+                </a:ext>
+              </a:extLst>
+            </p:cNvPr>
+            <p:cNvSpPr/>
+            <p:nvPr/>
+          </p:nvSpPr>
+          <p:spPr>
+            <a:xfrm>
+              <a:off x="2343832" y="2223776"/>
+              <a:ext cx="360000" cy="360000"/>
+            </a:xfrm>
+            <a:prstGeom prst="roundRect">
+              <a:avLst/>
+            </a:prstGeom>
+            <a:solidFill>
+              <a:schemeClr val="accent5"/>
+            </a:solidFill>
+            <a:ln>
+              <a:noFill/>
+            </a:ln>
+          </p:spPr>
+          <p:style>
+            <a:lnRef idx="0">
+              <a:scrgbClr r="0" g="0" b="0"/>
+            </a:lnRef>
+            <a:fillRef idx="0">
+              <a:scrgbClr r="0" g="0" b="0"/>
+            </a:fillRef>
+            <a:effectRef idx="0">
+              <a:scrgbClr r="0" g="0" b="0"/>
+            </a:effectRef>
+            <a:fontRef idx="minor">
+              <a:schemeClr val="lt1"/>
+            </a:fontRef>
+          </p:style>
+          <p:txBody>
+            <a:bodyPr lIns="45720" tIns="45720" rIns="45720" rtlCol="0" anchor="ctr"/>
+            <a:lstStyle/>
+            <a:p>
+              <a:pPr algn="ctr"/>
+              <a:r>
+                <a:rPr lang="en-GB" b="1" dirty="0">
+                  <a:solidFill>
+                    <a:schemeClr val="tx1"/>
+                  </a:solidFill>
+                </a:rPr>
+                <a:t>2</a:t>
+              </a:r>
+            </a:p>
+          </p:txBody>
+        </p:sp>
+        <p:sp>
+          <p:nvSpPr>
+            <p:cNvPr id="107" name="Content Placeholder 2">
+              <a:extLst>
+                <a:ext uri="{FF2B5EF4-FFF2-40B4-BE49-F238E27FC236}">
+                  <a16:creationId xmlns:a16="http://schemas.microsoft.com/office/drawing/2014/main" id="{6D0961AB-BD76-852F-01DE-3A8C3F3FB278}"/>
+                </a:ext>
+              </a:extLst>
+            </p:cNvPr>
+            <p:cNvSpPr txBox="1">
+              <a:spLocks/>
+            </p:cNvSpPr>
+            <p:nvPr/>
+          </p:nvSpPr>
+          <p:spPr>
+            <a:xfrm>
+              <a:off x="2713889" y="1872138"/>
+              <a:ext cx="2949473" cy="830997"/>
+            </a:xfrm>
+            <a:prstGeom prst="rect">
+              <a:avLst/>
+            </a:prstGeom>
+          </p:spPr>
+          <p:txBody>
+            <a:bodyPr wrap="square">
+              <a:spAutoFit/>
+            </a:bodyPr>
+            <a:lstStyle>
+              <a:lvl1pPr marL="228600" indent="-228600" algn="l" defTabSz="914400" rtl="0" eaLnBrk="1" latinLnBrk="0" hangingPunct="1">
+                <a:lnSpc>
+                  <a:spcPct val="90000"/>
+                </a:lnSpc>
+                <a:spcBef>
+                  <a:spcPts val="0"/>
+                </a:spcBef>
+                <a:spcAft>
+                  <a:spcPts val="1200"/>
+                </a:spcAft>
+                <a:buSzPct val="90000"/>
+                <a:buFont typeface="Amazon Ember" panose="020B0603020204020204" pitchFamily="34" charset="0"/>
+                <a:buChar char="•"/>
+                <a:defRPr sz="2800" kern="1200">
+                  <a:solidFill>
+                    <a:schemeClr val="tx1"/>
+                  </a:solidFill>
+                  <a:latin typeface="+mn-lt"/>
+                  <a:ea typeface="+mn-ea"/>
+                  <a:cs typeface="+mn-cs"/>
+                </a:defRPr>
+              </a:lvl1pPr>
+              <a:lvl2pPr marL="457200" indent="-228600" algn="l" defTabSz="914400" rtl="0" eaLnBrk="1" latinLnBrk="0" hangingPunct="1">
+                <a:lnSpc>
+                  <a:spcPct val="90000"/>
+                </a:lnSpc>
+                <a:spcBef>
+                  <a:spcPts val="0"/>
+                </a:spcBef>
+                <a:spcAft>
+                  <a:spcPts val="1200"/>
+                </a:spcAft>
+                <a:buSzPct val="90000"/>
+                <a:buFont typeface="Wingdings" panose="05000000000000000000" pitchFamily="2" charset="2"/>
+                <a:buChar char="§"/>
+                <a:defRPr sz="2400" kern="1200">
+                  <a:solidFill>
+                    <a:schemeClr val="tx1"/>
+                  </a:solidFill>
+                  <a:latin typeface="+mn-lt"/>
+                  <a:ea typeface="+mn-ea"/>
+                  <a:cs typeface="+mn-cs"/>
+                </a:defRPr>
+              </a:lvl2pPr>
+              <a:lvl3pPr marL="685800" indent="-228600" algn="l" defTabSz="914400" rtl="0" eaLnBrk="1" latinLnBrk="0" hangingPunct="1">
+                <a:lnSpc>
+                  <a:spcPct val="90000"/>
+                </a:lnSpc>
+                <a:spcBef>
+                  <a:spcPts val="0"/>
+                </a:spcBef>
+                <a:spcAft>
+                  <a:spcPts val="1200"/>
+                </a:spcAft>
+                <a:buSzPct val="90000"/>
+                <a:buFont typeface="Amazon Ember" panose="020B0603020204020204" pitchFamily="34" charset="0"/>
+                <a:buChar char="–"/>
+                <a:defRPr sz="2000" kern="1200">
+                  <a:solidFill>
+                    <a:schemeClr val="tx1"/>
+                  </a:solidFill>
+                  <a:latin typeface="+mn-lt"/>
+                  <a:ea typeface="+mn-ea"/>
+                  <a:cs typeface="+mn-cs"/>
+                </a:defRPr>
+              </a:lvl3pPr>
+              <a:lvl4pPr marL="914400" indent="-228600" algn="l" defTabSz="914400" rtl="0" eaLnBrk="1" latinLnBrk="0" hangingPunct="1">
+                <a:lnSpc>
+                  <a:spcPct val="90000"/>
+                </a:lnSpc>
+                <a:spcBef>
+                  <a:spcPts val="0"/>
+                </a:spcBef>
+                <a:spcAft>
+                  <a:spcPts val="1200"/>
+                </a:spcAft>
+                <a:buFont typeface="Amazon Ember" panose="020B0603020204020204" pitchFamily="34" charset="0"/>
+                <a:buChar char="•"/>
+                <a:defRPr sz="1800" kern="1200">
+                  <a:solidFill>
+                    <a:schemeClr val="tx1"/>
+                  </a:solidFill>
+                  <a:latin typeface="+mn-lt"/>
+                  <a:ea typeface="+mn-ea"/>
+                  <a:cs typeface="+mn-cs"/>
+                </a:defRPr>
+              </a:lvl4pPr>
+              <a:lvl5pPr marL="1143000" indent="-228600" algn="l" defTabSz="914400" rtl="0" eaLnBrk="1" latinLnBrk="0" hangingPunct="1">
+                <a:lnSpc>
+                  <a:spcPct val="90000"/>
+                </a:lnSpc>
+                <a:spcBef>
+                  <a:spcPts val="0"/>
+                </a:spcBef>
+                <a:spcAft>
+                  <a:spcPts val="1200"/>
+                </a:spcAft>
+                <a:buFont typeface="Amazon Ember" panose="020B0603020204020204" pitchFamily="34" charset="0"/>
+                <a:buChar char="•"/>
+                <a:defRPr sz="1800" kern="1200">
+                  <a:solidFill>
+                    <a:schemeClr val="tx1"/>
+                  </a:solidFill>
+                  <a:latin typeface="+mn-lt"/>
+                  <a:ea typeface="+mn-ea"/>
+                  <a:cs typeface="+mn-cs"/>
+                </a:defRPr>
+              </a:lvl5pPr>
+              <a:lvl6pPr marL="2514600" indent="-228600" algn="l" defTabSz="914400" rtl="0" eaLnBrk="1" latinLnBrk="0" hangingPunct="1">
+                <a:lnSpc>
+                  <a:spcPct val="90000"/>
+                </a:lnSpc>
+                <a:spcBef>
+                  <a:spcPts val="500"/>
+                </a:spcBef>
+                <a:buFont typeface="Amazon Ember" panose="020B0603020204020204" pitchFamily="34" charset="0"/>
+                <a:buChar char="•"/>
+                <a:defRPr sz="1800" kern="1200">
+                  <a:solidFill>
+                    <a:schemeClr val="tx1"/>
+                  </a:solidFill>
+                  <a:latin typeface="+mn-lt"/>
+                  <a:ea typeface="+mn-ea"/>
+                  <a:cs typeface="+mn-cs"/>
+                </a:defRPr>
+              </a:lvl6pPr>
+              <a:lvl7pPr marL="2971800" indent="-228600" algn="l" defTabSz="914400" rtl="0" eaLnBrk="1" latinLnBrk="0" hangingPunct="1">
+                <a:lnSpc>
+                  <a:spcPct val="90000"/>
+                </a:lnSpc>
+                <a:spcBef>
+                  <a:spcPts val="500"/>
+                </a:spcBef>
+                <a:buFont typeface="Amazon Ember" panose="020B0603020204020204" pitchFamily="34" charset="0"/>
+                <a:buChar char="•"/>
+                <a:defRPr sz="1800" kern="1200">
+                  <a:solidFill>
+                    <a:schemeClr val="tx1"/>
+                  </a:solidFill>
+                  <a:latin typeface="+mn-lt"/>
+                  <a:ea typeface="+mn-ea"/>
+                  <a:cs typeface="+mn-cs"/>
+                </a:defRPr>
+              </a:lvl7pPr>
+              <a:lvl8pPr marL="3429000" indent="-228600" algn="l" defTabSz="914400" rtl="0" eaLnBrk="1" latinLnBrk="0" hangingPunct="1">
+                <a:lnSpc>
+                  <a:spcPct val="90000"/>
+                </a:lnSpc>
+                <a:spcBef>
+                  <a:spcPts val="500"/>
+                </a:spcBef>
+                <a:buFont typeface="Amazon Ember" panose="020B0603020204020204" pitchFamily="34" charset="0"/>
+                <a:buChar char="•"/>
+                <a:defRPr sz="1800" kern="1200">
+                  <a:solidFill>
+                    <a:schemeClr val="tx1"/>
+                  </a:solidFill>
+                  <a:latin typeface="+mn-lt"/>
+                  <a:ea typeface="+mn-ea"/>
+                  <a:cs typeface="+mn-cs"/>
+                </a:defRPr>
+              </a:lvl8pPr>
+              <a:lvl9pPr marL="3886200" indent="-228600" algn="l" defTabSz="914400" rtl="0" eaLnBrk="1" latinLnBrk="0" hangingPunct="1">
+                <a:lnSpc>
+                  <a:spcPct val="90000"/>
+                </a:lnSpc>
+                <a:spcBef>
+                  <a:spcPts val="500"/>
+                </a:spcBef>
+                <a:buFont typeface="Amazon Ember" panose="020B0603020204020204" pitchFamily="34" charset="0"/>
+                <a:buChar char="•"/>
+                <a:defRPr sz="1800" kern="1200">
+                  <a:solidFill>
+                    <a:schemeClr val="tx1"/>
+                  </a:solidFill>
+                  <a:latin typeface="+mn-lt"/>
+                  <a:ea typeface="+mn-ea"/>
+                  <a:cs typeface="+mn-cs"/>
+                </a:defRPr>
+              </a:lvl9pPr>
+            </a:lstStyle>
+            <a:p>
+              <a:pPr marL="0" indent="0">
+                <a:lnSpc>
+                  <a:spcPct val="100000"/>
+                </a:lnSpc>
+                <a:spcAft>
+                  <a:spcPts val="600"/>
+                </a:spcAft>
+                <a:buNone/>
+              </a:pPr>
+              <a:r>
+                <a:rPr lang="en-US" sz="2000" i="1" dirty="0">
+                  <a:solidFill>
+                    <a:schemeClr val="bg2">
+                      <a:lumMod val="40000"/>
+                      <a:lumOff val="60000"/>
+                    </a:schemeClr>
+                  </a:solidFill>
+                  <a:effectLst>
+                    <a:glow>
+                      <a:schemeClr val="bg1"/>
+                    </a:glow>
+                  </a:effectLst>
+                </a:rPr>
+                <a:t>- translate locator </a:t>
+              </a:r>
+              <a:r>
+                <a:rPr lang="en-GB" baseline="-11000" dirty="0">
+                  <a:solidFill>
+                    <a:schemeClr val="bg2">
+                      <a:lumMod val="40000"/>
+                      <a:lumOff val="60000"/>
+                    </a:schemeClr>
+                  </a:solidFill>
+                  <a:effectLst>
+                    <a:glow>
+                      <a:schemeClr val="bg1"/>
+                    </a:glow>
+                  </a:effectLst>
+                </a:rPr>
+                <a:t>🔆</a:t>
+              </a:r>
+              <a:br>
+                <a:rPr lang="en-US" sz="2000" i="1" dirty="0">
+                  <a:solidFill>
+                    <a:schemeClr val="bg2">
+                      <a:lumMod val="40000"/>
+                      <a:lumOff val="60000"/>
+                    </a:schemeClr>
+                  </a:solidFill>
+                  <a:effectLst>
+                    <a:glow>
+                      <a:schemeClr val="bg1"/>
+                    </a:glow>
+                  </a:effectLst>
+                </a:rPr>
+              </a:br>
+              <a:r>
+                <a:rPr lang="en-US" sz="2000" i="1" dirty="0">
+                  <a:solidFill>
+                    <a:schemeClr val="bg2">
+                      <a:lumMod val="40000"/>
+                      <a:lumOff val="60000"/>
+                    </a:schemeClr>
+                  </a:solidFill>
+                  <a:effectLst>
+                    <a:glow>
+                      <a:schemeClr val="bg1"/>
+                    </a:glow>
+                  </a:effectLst>
+                </a:rPr>
+                <a:t>- get direct wi-fi config</a:t>
+              </a:r>
+            </a:p>
+          </p:txBody>
+        </p:sp>
+      </p:grpSp>
+      <p:grpSp>
+        <p:nvGrpSpPr>
+          <p:cNvPr id="108" name="Group 107">
+            <a:extLst>
+              <a:ext uri="{FF2B5EF4-FFF2-40B4-BE49-F238E27FC236}">
+                <a16:creationId xmlns:a16="http://schemas.microsoft.com/office/drawing/2014/main" id="{FE28EE10-3184-5107-9721-434990F3DE38}"/>
+              </a:ext>
+            </a:extLst>
+          </p:cNvPr>
+          <p:cNvGrpSpPr/>
+          <p:nvPr/>
+        </p:nvGrpSpPr>
+        <p:grpSpPr>
+          <a:xfrm>
+            <a:off x="2412402" y="2963675"/>
+            <a:ext cx="3319530" cy="707886"/>
+            <a:chOff x="2343832" y="2201084"/>
+            <a:chExt cx="3319530" cy="707886"/>
+          </a:xfrm>
+        </p:grpSpPr>
+        <p:sp>
+          <p:nvSpPr>
+            <p:cNvPr id="109" name="Rounded Rectangle 108">
+              <a:extLst>
+                <a:ext uri="{FF2B5EF4-FFF2-40B4-BE49-F238E27FC236}">
+                  <a16:creationId xmlns:a16="http://schemas.microsoft.com/office/drawing/2014/main" id="{98ACFFAA-8035-82D0-42D3-B30D91BA7B69}"/>
+                </a:ext>
+              </a:extLst>
+            </p:cNvPr>
+            <p:cNvSpPr/>
+            <p:nvPr/>
+          </p:nvSpPr>
+          <p:spPr>
+            <a:xfrm>
+              <a:off x="2343832" y="2223776"/>
+              <a:ext cx="360000" cy="360000"/>
+            </a:xfrm>
+            <a:prstGeom prst="roundRect">
+              <a:avLst/>
+            </a:prstGeom>
+            <a:solidFill>
+              <a:schemeClr val="accent5"/>
+            </a:solidFill>
+            <a:ln>
+              <a:noFill/>
+            </a:ln>
+          </p:spPr>
+          <p:style>
+            <a:lnRef idx="0">
+              <a:scrgbClr r="0" g="0" b="0"/>
+            </a:lnRef>
+            <a:fillRef idx="0">
+              <a:scrgbClr r="0" g="0" b="0"/>
+            </a:fillRef>
+            <a:effectRef idx="0">
+              <a:scrgbClr r="0" g="0" b="0"/>
+            </a:effectRef>
+            <a:fontRef idx="minor">
+              <a:schemeClr val="lt1"/>
+            </a:fontRef>
+          </p:style>
+          <p:txBody>
+            <a:bodyPr lIns="45720" tIns="45720" rIns="45720" rtlCol="0" anchor="ctr"/>
+            <a:lstStyle/>
+            <a:p>
+              <a:pPr algn="ctr"/>
+              <a:r>
+                <a:rPr lang="en-GB" b="1" dirty="0">
+                  <a:solidFill>
+                    <a:schemeClr val="tx1"/>
+                  </a:solidFill>
+                </a:rPr>
+                <a:t>3</a:t>
+              </a:r>
+            </a:p>
+          </p:txBody>
+        </p:sp>
+        <p:sp>
+          <p:nvSpPr>
+            <p:cNvPr id="110" name="Content Placeholder 2">
+              <a:extLst>
+                <a:ext uri="{FF2B5EF4-FFF2-40B4-BE49-F238E27FC236}">
+                  <a16:creationId xmlns:a16="http://schemas.microsoft.com/office/drawing/2014/main" id="{180E69BF-646C-B587-830C-073003874C29}"/>
+                </a:ext>
+              </a:extLst>
+            </p:cNvPr>
+            <p:cNvSpPr txBox="1">
+              <a:spLocks/>
+            </p:cNvSpPr>
+            <p:nvPr/>
+          </p:nvSpPr>
+          <p:spPr>
+            <a:xfrm>
+              <a:off x="2713889" y="2201084"/>
+              <a:ext cx="2949473" cy="707886"/>
+            </a:xfrm>
+            <a:prstGeom prst="rect">
+              <a:avLst/>
+            </a:prstGeom>
+          </p:spPr>
+          <p:txBody>
+            <a:bodyPr wrap="square">
+              <a:spAutoFit/>
+            </a:bodyPr>
+            <a:lstStyle>
+              <a:lvl1pPr marL="228600" indent="-228600" algn="l" defTabSz="914400" rtl="0" eaLnBrk="1" latinLnBrk="0" hangingPunct="1">
+                <a:lnSpc>
+                  <a:spcPct val="90000"/>
+                </a:lnSpc>
+                <a:spcBef>
+                  <a:spcPts val="0"/>
+                </a:spcBef>
+                <a:spcAft>
+                  <a:spcPts val="1200"/>
+                </a:spcAft>
+                <a:buSzPct val="90000"/>
+                <a:buFont typeface="Amazon Ember" panose="020B0603020204020204" pitchFamily="34" charset="0"/>
+                <a:buChar char="•"/>
+                <a:defRPr sz="2800" kern="1200">
+                  <a:solidFill>
+                    <a:schemeClr val="tx1"/>
+                  </a:solidFill>
+                  <a:latin typeface="+mn-lt"/>
+                  <a:ea typeface="+mn-ea"/>
+                  <a:cs typeface="+mn-cs"/>
+                </a:defRPr>
+              </a:lvl1pPr>
+              <a:lvl2pPr marL="457200" indent="-228600" algn="l" defTabSz="914400" rtl="0" eaLnBrk="1" latinLnBrk="0" hangingPunct="1">
+                <a:lnSpc>
+                  <a:spcPct val="90000"/>
+                </a:lnSpc>
+                <a:spcBef>
+                  <a:spcPts val="0"/>
+                </a:spcBef>
+                <a:spcAft>
+                  <a:spcPts val="1200"/>
+                </a:spcAft>
+                <a:buSzPct val="90000"/>
+                <a:buFont typeface="Wingdings" panose="05000000000000000000" pitchFamily="2" charset="2"/>
+                <a:buChar char="§"/>
+                <a:defRPr sz="2400" kern="1200">
+                  <a:solidFill>
+                    <a:schemeClr val="tx1"/>
+                  </a:solidFill>
+                  <a:latin typeface="+mn-lt"/>
+                  <a:ea typeface="+mn-ea"/>
+                  <a:cs typeface="+mn-cs"/>
+                </a:defRPr>
+              </a:lvl2pPr>
+              <a:lvl3pPr marL="685800" indent="-228600" algn="l" defTabSz="914400" rtl="0" eaLnBrk="1" latinLnBrk="0" hangingPunct="1">
+                <a:lnSpc>
+                  <a:spcPct val="90000"/>
+                </a:lnSpc>
+                <a:spcBef>
+                  <a:spcPts val="0"/>
+                </a:spcBef>
+                <a:spcAft>
+                  <a:spcPts val="1200"/>
+                </a:spcAft>
+                <a:buSzPct val="90000"/>
+                <a:buFont typeface="Amazon Ember" panose="020B0603020204020204" pitchFamily="34" charset="0"/>
+                <a:buChar char="–"/>
+                <a:defRPr sz="2000" kern="1200">
+                  <a:solidFill>
+                    <a:schemeClr val="tx1"/>
+                  </a:solidFill>
+                  <a:latin typeface="+mn-lt"/>
+                  <a:ea typeface="+mn-ea"/>
+                  <a:cs typeface="+mn-cs"/>
+                </a:defRPr>
+              </a:lvl3pPr>
+              <a:lvl4pPr marL="914400" indent="-228600" algn="l" defTabSz="914400" rtl="0" eaLnBrk="1" latinLnBrk="0" hangingPunct="1">
+                <a:lnSpc>
+                  <a:spcPct val="90000"/>
+                </a:lnSpc>
+                <a:spcBef>
+                  <a:spcPts val="0"/>
+                </a:spcBef>
+                <a:spcAft>
+                  <a:spcPts val="1200"/>
+                </a:spcAft>
+                <a:buFont typeface="Amazon Ember" panose="020B0603020204020204" pitchFamily="34" charset="0"/>
+                <a:buChar char="•"/>
+                <a:defRPr sz="1800" kern="1200">
+                  <a:solidFill>
+                    <a:schemeClr val="tx1"/>
+                  </a:solidFill>
+                  <a:latin typeface="+mn-lt"/>
+                  <a:ea typeface="+mn-ea"/>
+                  <a:cs typeface="+mn-cs"/>
+                </a:defRPr>
+              </a:lvl4pPr>
+              <a:lvl5pPr marL="1143000" indent="-228600" algn="l" defTabSz="914400" rtl="0" eaLnBrk="1" latinLnBrk="0" hangingPunct="1">
+                <a:lnSpc>
+                  <a:spcPct val="90000"/>
+                </a:lnSpc>
+                <a:spcBef>
+                  <a:spcPts val="0"/>
+                </a:spcBef>
+                <a:spcAft>
+                  <a:spcPts val="1200"/>
+                </a:spcAft>
+                <a:buFont typeface="Amazon Ember" panose="020B0603020204020204" pitchFamily="34" charset="0"/>
+                <a:buChar char="•"/>
+                <a:defRPr sz="1800" kern="1200">
+                  <a:solidFill>
+                    <a:schemeClr val="tx1"/>
+                  </a:solidFill>
+                  <a:latin typeface="+mn-lt"/>
+                  <a:ea typeface="+mn-ea"/>
+                  <a:cs typeface="+mn-cs"/>
+                </a:defRPr>
+              </a:lvl5pPr>
+              <a:lvl6pPr marL="2514600" indent="-228600" algn="l" defTabSz="914400" rtl="0" eaLnBrk="1" latinLnBrk="0" hangingPunct="1">
+                <a:lnSpc>
+                  <a:spcPct val="90000"/>
+                </a:lnSpc>
+                <a:spcBef>
+                  <a:spcPts val="500"/>
+                </a:spcBef>
+                <a:buFont typeface="Amazon Ember" panose="020B0603020204020204" pitchFamily="34" charset="0"/>
+                <a:buChar char="•"/>
+                <a:defRPr sz="1800" kern="1200">
+                  <a:solidFill>
+                    <a:schemeClr val="tx1"/>
+                  </a:solidFill>
+                  <a:latin typeface="+mn-lt"/>
+                  <a:ea typeface="+mn-ea"/>
+                  <a:cs typeface="+mn-cs"/>
+                </a:defRPr>
+              </a:lvl6pPr>
+              <a:lvl7pPr marL="2971800" indent="-228600" algn="l" defTabSz="914400" rtl="0" eaLnBrk="1" latinLnBrk="0" hangingPunct="1">
+                <a:lnSpc>
+                  <a:spcPct val="90000"/>
+                </a:lnSpc>
+                <a:spcBef>
+                  <a:spcPts val="500"/>
+                </a:spcBef>
+                <a:buFont typeface="Amazon Ember" panose="020B0603020204020204" pitchFamily="34" charset="0"/>
+                <a:buChar char="•"/>
+                <a:defRPr sz="1800" kern="1200">
+                  <a:solidFill>
+                    <a:schemeClr val="tx1"/>
+                  </a:solidFill>
+                  <a:latin typeface="+mn-lt"/>
+                  <a:ea typeface="+mn-ea"/>
+                  <a:cs typeface="+mn-cs"/>
+                </a:defRPr>
+              </a:lvl7pPr>
+              <a:lvl8pPr marL="3429000" indent="-228600" algn="l" defTabSz="914400" rtl="0" eaLnBrk="1" latinLnBrk="0" hangingPunct="1">
+                <a:lnSpc>
+                  <a:spcPct val="90000"/>
+                </a:lnSpc>
+                <a:spcBef>
+                  <a:spcPts val="500"/>
+                </a:spcBef>
+                <a:buFont typeface="Amazon Ember" panose="020B0603020204020204" pitchFamily="34" charset="0"/>
+                <a:buChar char="•"/>
+                <a:defRPr sz="1800" kern="1200">
+                  <a:solidFill>
+                    <a:schemeClr val="tx1"/>
+                  </a:solidFill>
+                  <a:latin typeface="+mn-lt"/>
+                  <a:ea typeface="+mn-ea"/>
+                  <a:cs typeface="+mn-cs"/>
+                </a:defRPr>
+              </a:lvl8pPr>
+              <a:lvl9pPr marL="3886200" indent="-228600" algn="l" defTabSz="914400" rtl="0" eaLnBrk="1" latinLnBrk="0" hangingPunct="1">
+                <a:lnSpc>
+                  <a:spcPct val="90000"/>
+                </a:lnSpc>
+                <a:spcBef>
+                  <a:spcPts val="500"/>
+                </a:spcBef>
+                <a:buFont typeface="Amazon Ember" panose="020B0603020204020204" pitchFamily="34" charset="0"/>
+                <a:buChar char="•"/>
+                <a:defRPr sz="1800" kern="1200">
+                  <a:solidFill>
+                    <a:schemeClr val="tx1"/>
+                  </a:solidFill>
+                  <a:latin typeface="+mn-lt"/>
+                  <a:ea typeface="+mn-ea"/>
+                  <a:cs typeface="+mn-cs"/>
+                </a:defRPr>
+              </a:lvl9pPr>
+            </a:lstStyle>
+            <a:p>
+              <a:pPr marL="0" indent="0">
+                <a:lnSpc>
+                  <a:spcPct val="100000"/>
+                </a:lnSpc>
+                <a:spcAft>
+                  <a:spcPts val="600"/>
+                </a:spcAft>
+                <a:buNone/>
+              </a:pPr>
+              <a:r>
+                <a:rPr lang="en-US" sz="2000" i="1" dirty="0">
+                  <a:solidFill>
+                    <a:schemeClr val="bg2">
+                      <a:lumMod val="40000"/>
+                      <a:lumOff val="60000"/>
+                    </a:schemeClr>
+                  </a:solidFill>
+                  <a:effectLst>
+                    <a:glow>
+                      <a:schemeClr val="bg1"/>
+                    </a:glow>
+                  </a:effectLst>
+                </a:rPr>
+                <a:t>get home wi-fi </a:t>
+              </a:r>
+              <a:br>
+                <a:rPr lang="en-US" sz="2000" i="1" dirty="0">
+                  <a:solidFill>
+                    <a:schemeClr val="bg2">
+                      <a:lumMod val="40000"/>
+                      <a:lumOff val="60000"/>
+                    </a:schemeClr>
+                  </a:solidFill>
+                  <a:effectLst>
+                    <a:glow>
+                      <a:schemeClr val="bg1"/>
+                    </a:glow>
+                  </a:effectLst>
+                </a:rPr>
+              </a:br>
+              <a:r>
+                <a:rPr lang="en-US" sz="2000" i="1" dirty="0">
+                  <a:solidFill>
+                    <a:schemeClr val="bg2">
+                      <a:lumMod val="40000"/>
+                      <a:lumOff val="60000"/>
+                    </a:schemeClr>
+                  </a:solidFill>
+                  <a:effectLst>
+                    <a:glow>
+                      <a:schemeClr val="bg1"/>
+                    </a:glow>
+                  </a:effectLst>
+                </a:rPr>
+                <a:t>password</a:t>
+              </a:r>
+            </a:p>
+          </p:txBody>
+        </p:sp>
+      </p:grpSp>
+      <p:grpSp>
+        <p:nvGrpSpPr>
+          <p:cNvPr id="111" name="Group 110">
+            <a:extLst>
+              <a:ext uri="{FF2B5EF4-FFF2-40B4-BE49-F238E27FC236}">
+                <a16:creationId xmlns:a16="http://schemas.microsoft.com/office/drawing/2014/main" id="{55677E4B-4DF3-9B5D-B959-ABD465CC23B1}"/>
+              </a:ext>
+            </a:extLst>
+          </p:cNvPr>
+          <p:cNvGrpSpPr/>
+          <p:nvPr/>
+        </p:nvGrpSpPr>
+        <p:grpSpPr>
+          <a:xfrm>
+            <a:off x="5721573" y="767420"/>
+            <a:ext cx="1391603" cy="765442"/>
+            <a:chOff x="2343832" y="2223776"/>
+            <a:chExt cx="1391603" cy="765442"/>
+          </a:xfrm>
+        </p:grpSpPr>
+        <p:sp>
+          <p:nvSpPr>
+            <p:cNvPr id="112" name="Rounded Rectangle 111">
+              <a:extLst>
+                <a:ext uri="{FF2B5EF4-FFF2-40B4-BE49-F238E27FC236}">
+                  <a16:creationId xmlns:a16="http://schemas.microsoft.com/office/drawing/2014/main" id="{F47152E0-E62C-3493-FDB2-2B398F9EA15E}"/>
+                </a:ext>
+              </a:extLst>
+            </p:cNvPr>
+            <p:cNvSpPr/>
+            <p:nvPr/>
+          </p:nvSpPr>
+          <p:spPr>
+            <a:xfrm>
+              <a:off x="2343832" y="2223776"/>
+              <a:ext cx="360000" cy="360000"/>
+            </a:xfrm>
+            <a:prstGeom prst="roundRect">
+              <a:avLst/>
+            </a:prstGeom>
+            <a:solidFill>
+              <a:schemeClr val="accent5"/>
+            </a:solidFill>
+            <a:ln>
+              <a:noFill/>
+            </a:ln>
+          </p:spPr>
+          <p:style>
+            <a:lnRef idx="0">
+              <a:scrgbClr r="0" g="0" b="0"/>
+            </a:lnRef>
+            <a:fillRef idx="0">
+              <a:scrgbClr r="0" g="0" b="0"/>
+            </a:fillRef>
+            <a:effectRef idx="0">
+              <a:scrgbClr r="0" g="0" b="0"/>
+            </a:effectRef>
+            <a:fontRef idx="minor">
+              <a:schemeClr val="lt1"/>
+            </a:fontRef>
+          </p:style>
+          <p:txBody>
+            <a:bodyPr lIns="45720" tIns="45720" rIns="45720" rtlCol="0" anchor="ctr"/>
+            <a:lstStyle/>
+            <a:p>
+              <a:pPr algn="ctr"/>
+              <a:r>
+                <a:rPr lang="en-GB" b="1" dirty="0">
+                  <a:solidFill>
+                    <a:schemeClr val="tx1"/>
+                  </a:solidFill>
+                </a:rPr>
+                <a:t>1</a:t>
+              </a:r>
+            </a:p>
+          </p:txBody>
+        </p:sp>
+        <p:sp>
+          <p:nvSpPr>
+            <p:cNvPr id="113" name="Content Placeholder 2">
+              <a:extLst>
+                <a:ext uri="{FF2B5EF4-FFF2-40B4-BE49-F238E27FC236}">
+                  <a16:creationId xmlns:a16="http://schemas.microsoft.com/office/drawing/2014/main" id="{674DBE63-3C11-FACC-6CED-7647DFF8FAB9}"/>
+                </a:ext>
+              </a:extLst>
+            </p:cNvPr>
+            <p:cNvSpPr txBox="1">
+              <a:spLocks/>
+            </p:cNvSpPr>
+            <p:nvPr/>
+          </p:nvSpPr>
+          <p:spPr>
+            <a:xfrm>
+              <a:off x="2711484" y="2281332"/>
+              <a:ext cx="1023951" cy="707886"/>
+            </a:xfrm>
+            <a:prstGeom prst="rect">
+              <a:avLst/>
+            </a:prstGeom>
+          </p:spPr>
+          <p:txBody>
+            <a:bodyPr wrap="square">
+              <a:spAutoFit/>
+            </a:bodyPr>
+            <a:lstStyle>
+              <a:lvl1pPr marL="228600" indent="-228600" algn="l" defTabSz="914400" rtl="0" eaLnBrk="1" latinLnBrk="0" hangingPunct="1">
+                <a:lnSpc>
+                  <a:spcPct val="90000"/>
+                </a:lnSpc>
+                <a:spcBef>
+                  <a:spcPts val="0"/>
+                </a:spcBef>
+                <a:spcAft>
+                  <a:spcPts val="1200"/>
+                </a:spcAft>
+                <a:buSzPct val="90000"/>
+                <a:buFont typeface="Amazon Ember" panose="020B0603020204020204" pitchFamily="34" charset="0"/>
+                <a:buChar char="•"/>
+                <a:defRPr sz="2800" kern="1200">
+                  <a:solidFill>
+                    <a:schemeClr val="tx1"/>
+                  </a:solidFill>
+                  <a:latin typeface="+mn-lt"/>
+                  <a:ea typeface="+mn-ea"/>
+                  <a:cs typeface="+mn-cs"/>
+                </a:defRPr>
+              </a:lvl1pPr>
+              <a:lvl2pPr marL="457200" indent="-228600" algn="l" defTabSz="914400" rtl="0" eaLnBrk="1" latinLnBrk="0" hangingPunct="1">
+                <a:lnSpc>
+                  <a:spcPct val="90000"/>
+                </a:lnSpc>
+                <a:spcBef>
+                  <a:spcPts val="0"/>
+                </a:spcBef>
+                <a:spcAft>
+                  <a:spcPts val="1200"/>
+                </a:spcAft>
+                <a:buSzPct val="90000"/>
+                <a:buFont typeface="Wingdings" panose="05000000000000000000" pitchFamily="2" charset="2"/>
+                <a:buChar char="§"/>
+                <a:defRPr sz="2400" kern="1200">
+                  <a:solidFill>
+                    <a:schemeClr val="tx1"/>
+                  </a:solidFill>
+                  <a:latin typeface="+mn-lt"/>
+                  <a:ea typeface="+mn-ea"/>
+                  <a:cs typeface="+mn-cs"/>
+                </a:defRPr>
+              </a:lvl2pPr>
+              <a:lvl3pPr marL="685800" indent="-228600" algn="l" defTabSz="914400" rtl="0" eaLnBrk="1" latinLnBrk="0" hangingPunct="1">
+                <a:lnSpc>
+                  <a:spcPct val="90000"/>
+                </a:lnSpc>
+                <a:spcBef>
+                  <a:spcPts val="0"/>
+                </a:spcBef>
+                <a:spcAft>
+                  <a:spcPts val="1200"/>
+                </a:spcAft>
+                <a:buSzPct val="90000"/>
+                <a:buFont typeface="Amazon Ember" panose="020B0603020204020204" pitchFamily="34" charset="0"/>
+                <a:buChar char="–"/>
+                <a:defRPr sz="2000" kern="1200">
+                  <a:solidFill>
+                    <a:schemeClr val="tx1"/>
+                  </a:solidFill>
+                  <a:latin typeface="+mn-lt"/>
+                  <a:ea typeface="+mn-ea"/>
+                  <a:cs typeface="+mn-cs"/>
+                </a:defRPr>
+              </a:lvl3pPr>
+              <a:lvl4pPr marL="914400" indent="-228600" algn="l" defTabSz="914400" rtl="0" eaLnBrk="1" latinLnBrk="0" hangingPunct="1">
+                <a:lnSpc>
+                  <a:spcPct val="90000"/>
+                </a:lnSpc>
+                <a:spcBef>
+                  <a:spcPts val="0"/>
+                </a:spcBef>
+                <a:spcAft>
+                  <a:spcPts val="1200"/>
+                </a:spcAft>
+                <a:buFont typeface="Amazon Ember" panose="020B0603020204020204" pitchFamily="34" charset="0"/>
+                <a:buChar char="•"/>
+                <a:defRPr sz="1800" kern="1200">
+                  <a:solidFill>
+                    <a:schemeClr val="tx1"/>
+                  </a:solidFill>
+                  <a:latin typeface="+mn-lt"/>
+                  <a:ea typeface="+mn-ea"/>
+                  <a:cs typeface="+mn-cs"/>
+                </a:defRPr>
+              </a:lvl4pPr>
+              <a:lvl5pPr marL="1143000" indent="-228600" algn="l" defTabSz="914400" rtl="0" eaLnBrk="1" latinLnBrk="0" hangingPunct="1">
+                <a:lnSpc>
+                  <a:spcPct val="90000"/>
+                </a:lnSpc>
+                <a:spcBef>
+                  <a:spcPts val="0"/>
+                </a:spcBef>
+                <a:spcAft>
+                  <a:spcPts val="1200"/>
+                </a:spcAft>
+                <a:buFont typeface="Amazon Ember" panose="020B0603020204020204" pitchFamily="34" charset="0"/>
+                <a:buChar char="•"/>
+                <a:defRPr sz="1800" kern="1200">
+                  <a:solidFill>
+                    <a:schemeClr val="tx1"/>
+                  </a:solidFill>
+                  <a:latin typeface="+mn-lt"/>
+                  <a:ea typeface="+mn-ea"/>
+                  <a:cs typeface="+mn-cs"/>
+                </a:defRPr>
+              </a:lvl5pPr>
+              <a:lvl6pPr marL="2514600" indent="-228600" algn="l" defTabSz="914400" rtl="0" eaLnBrk="1" latinLnBrk="0" hangingPunct="1">
+                <a:lnSpc>
+                  <a:spcPct val="90000"/>
+                </a:lnSpc>
+                <a:spcBef>
+                  <a:spcPts val="500"/>
+                </a:spcBef>
+                <a:buFont typeface="Amazon Ember" panose="020B0603020204020204" pitchFamily="34" charset="0"/>
+                <a:buChar char="•"/>
+                <a:defRPr sz="1800" kern="1200">
+                  <a:solidFill>
+                    <a:schemeClr val="tx1"/>
+                  </a:solidFill>
+                  <a:latin typeface="+mn-lt"/>
+                  <a:ea typeface="+mn-ea"/>
+                  <a:cs typeface="+mn-cs"/>
+                </a:defRPr>
+              </a:lvl6pPr>
+              <a:lvl7pPr marL="2971800" indent="-228600" algn="l" defTabSz="914400" rtl="0" eaLnBrk="1" latinLnBrk="0" hangingPunct="1">
+                <a:lnSpc>
+                  <a:spcPct val="90000"/>
+                </a:lnSpc>
+                <a:spcBef>
+                  <a:spcPts val="500"/>
+                </a:spcBef>
+                <a:buFont typeface="Amazon Ember" panose="020B0603020204020204" pitchFamily="34" charset="0"/>
+                <a:buChar char="•"/>
+                <a:defRPr sz="1800" kern="1200">
+                  <a:solidFill>
+                    <a:schemeClr val="tx1"/>
+                  </a:solidFill>
+                  <a:latin typeface="+mn-lt"/>
+                  <a:ea typeface="+mn-ea"/>
+                  <a:cs typeface="+mn-cs"/>
+                </a:defRPr>
+              </a:lvl7pPr>
+              <a:lvl8pPr marL="3429000" indent="-228600" algn="l" defTabSz="914400" rtl="0" eaLnBrk="1" latinLnBrk="0" hangingPunct="1">
+                <a:lnSpc>
+                  <a:spcPct val="90000"/>
+                </a:lnSpc>
+                <a:spcBef>
+                  <a:spcPts val="500"/>
+                </a:spcBef>
+                <a:buFont typeface="Amazon Ember" panose="020B0603020204020204" pitchFamily="34" charset="0"/>
+                <a:buChar char="•"/>
+                <a:defRPr sz="1800" kern="1200">
+                  <a:solidFill>
+                    <a:schemeClr val="tx1"/>
+                  </a:solidFill>
+                  <a:latin typeface="+mn-lt"/>
+                  <a:ea typeface="+mn-ea"/>
+                  <a:cs typeface="+mn-cs"/>
+                </a:defRPr>
+              </a:lvl8pPr>
+              <a:lvl9pPr marL="3886200" indent="-228600" algn="l" defTabSz="914400" rtl="0" eaLnBrk="1" latinLnBrk="0" hangingPunct="1">
+                <a:lnSpc>
+                  <a:spcPct val="90000"/>
+                </a:lnSpc>
+                <a:spcBef>
+                  <a:spcPts val="500"/>
+                </a:spcBef>
+                <a:buFont typeface="Amazon Ember" panose="020B0603020204020204" pitchFamily="34" charset="0"/>
+                <a:buChar char="•"/>
+                <a:defRPr sz="1800" kern="1200">
+                  <a:solidFill>
+                    <a:schemeClr val="tx1"/>
+                  </a:solidFill>
+                  <a:latin typeface="+mn-lt"/>
+                  <a:ea typeface="+mn-ea"/>
+                  <a:cs typeface="+mn-cs"/>
+                </a:defRPr>
+              </a:lvl9pPr>
+            </a:lstStyle>
+            <a:p>
+              <a:pPr marL="0" indent="0">
+                <a:lnSpc>
+                  <a:spcPct val="100000"/>
+                </a:lnSpc>
+                <a:spcAft>
+                  <a:spcPts val="600"/>
+                </a:spcAft>
+                <a:buNone/>
+              </a:pPr>
+              <a:r>
+                <a:rPr lang="en-US" sz="2000" i="1" dirty="0">
+                  <a:solidFill>
+                    <a:schemeClr val="bg2">
+                      <a:lumMod val="40000"/>
+                      <a:lumOff val="60000"/>
+                    </a:schemeClr>
+                  </a:solidFill>
+                  <a:effectLst>
+                    <a:glow>
+                      <a:schemeClr val="bg1"/>
+                    </a:glow>
+                  </a:effectLst>
+                </a:rPr>
+                <a:t>tap or</a:t>
+              </a:r>
+              <a:br>
+                <a:rPr lang="en-US" sz="2000" i="1" dirty="0">
+                  <a:solidFill>
+                    <a:schemeClr val="bg2">
+                      <a:lumMod val="40000"/>
+                      <a:lumOff val="60000"/>
+                    </a:schemeClr>
+                  </a:solidFill>
+                  <a:effectLst>
+                    <a:glow>
+                      <a:schemeClr val="bg1"/>
+                    </a:glow>
+                  </a:effectLst>
+                </a:rPr>
+              </a:br>
+              <a:r>
+                <a:rPr lang="en-US" sz="2000" i="1" dirty="0">
+                  <a:solidFill>
+                    <a:schemeClr val="bg2">
+                      <a:lumMod val="40000"/>
+                      <a:lumOff val="60000"/>
+                    </a:schemeClr>
+                  </a:solidFill>
+                  <a:effectLst>
+                    <a:glow>
+                      <a:schemeClr val="bg1"/>
+                    </a:glow>
+                  </a:effectLst>
+                </a:rPr>
+                <a:t>scan</a:t>
+              </a:r>
+            </a:p>
+          </p:txBody>
+        </p:sp>
+      </p:grpSp>
+      <p:grpSp>
+        <p:nvGrpSpPr>
+          <p:cNvPr id="114" name="Group 113">
+            <a:extLst>
+              <a:ext uri="{FF2B5EF4-FFF2-40B4-BE49-F238E27FC236}">
+                <a16:creationId xmlns:a16="http://schemas.microsoft.com/office/drawing/2014/main" id="{CF7861A3-6A40-3D15-E719-25A884EE46E1}"/>
+              </a:ext>
+            </a:extLst>
+          </p:cNvPr>
+          <p:cNvGrpSpPr/>
+          <p:nvPr/>
+        </p:nvGrpSpPr>
+        <p:grpSpPr>
+          <a:xfrm>
+            <a:off x="5225162" y="2321297"/>
+            <a:ext cx="2081741" cy="1323439"/>
+            <a:chOff x="1853248" y="2159482"/>
+            <a:chExt cx="2081741" cy="1323439"/>
+          </a:xfrm>
+        </p:grpSpPr>
+        <p:sp>
+          <p:nvSpPr>
+            <p:cNvPr id="115" name="Rounded Rectangle 114">
+              <a:extLst>
+                <a:ext uri="{FF2B5EF4-FFF2-40B4-BE49-F238E27FC236}">
+                  <a16:creationId xmlns:a16="http://schemas.microsoft.com/office/drawing/2014/main" id="{29A76175-557F-AD29-3486-C9B2842DB4EF}"/>
+                </a:ext>
+              </a:extLst>
+            </p:cNvPr>
+            <p:cNvSpPr/>
+            <p:nvPr/>
+          </p:nvSpPr>
+          <p:spPr>
+            <a:xfrm>
+              <a:off x="1853248" y="2502803"/>
+              <a:ext cx="360000" cy="360000"/>
+            </a:xfrm>
+            <a:prstGeom prst="roundRect">
+              <a:avLst/>
+            </a:prstGeom>
+            <a:solidFill>
+              <a:schemeClr val="accent5"/>
+            </a:solidFill>
+            <a:ln>
+              <a:noFill/>
+            </a:ln>
+          </p:spPr>
+          <p:style>
+            <a:lnRef idx="0">
+              <a:scrgbClr r="0" g="0" b="0"/>
+            </a:lnRef>
+            <a:fillRef idx="0">
+              <a:scrgbClr r="0" g="0" b="0"/>
+            </a:fillRef>
+            <a:effectRef idx="0">
+              <a:scrgbClr r="0" g="0" b="0"/>
+            </a:effectRef>
+            <a:fontRef idx="minor">
+              <a:schemeClr val="lt1"/>
+            </a:fontRef>
+          </p:style>
+          <p:txBody>
+            <a:bodyPr lIns="45720" tIns="45720" rIns="45720" rtlCol="0" anchor="ctr"/>
+            <a:lstStyle/>
+            <a:p>
+              <a:pPr algn="ctr"/>
+              <a:r>
+                <a:rPr lang="en-GB" b="1" dirty="0">
+                  <a:solidFill>
+                    <a:schemeClr val="tx1"/>
+                  </a:solidFill>
+                </a:rPr>
+                <a:t>4</a:t>
+              </a:r>
+            </a:p>
+          </p:txBody>
+        </p:sp>
+        <p:sp>
+          <p:nvSpPr>
+            <p:cNvPr id="116" name="Content Placeholder 2">
+              <a:extLst>
+                <a:ext uri="{FF2B5EF4-FFF2-40B4-BE49-F238E27FC236}">
+                  <a16:creationId xmlns:a16="http://schemas.microsoft.com/office/drawing/2014/main" id="{F16AC604-F79B-6F6E-14A5-C51B7018236F}"/>
+                </a:ext>
+              </a:extLst>
+            </p:cNvPr>
+            <p:cNvSpPr txBox="1">
+              <a:spLocks/>
+            </p:cNvSpPr>
+            <p:nvPr/>
+          </p:nvSpPr>
+          <p:spPr>
+            <a:xfrm>
+              <a:off x="2266125" y="2159482"/>
+              <a:ext cx="1668864" cy="1323439"/>
+            </a:xfrm>
+            <a:prstGeom prst="rect">
+              <a:avLst/>
+            </a:prstGeom>
+          </p:spPr>
+          <p:txBody>
+            <a:bodyPr wrap="square">
+              <a:spAutoFit/>
+            </a:bodyPr>
+            <a:lstStyle>
+              <a:lvl1pPr marL="228600" indent="-228600" algn="l" defTabSz="914400" rtl="0" eaLnBrk="1" latinLnBrk="0" hangingPunct="1">
+                <a:lnSpc>
+                  <a:spcPct val="90000"/>
+                </a:lnSpc>
+                <a:spcBef>
+                  <a:spcPts val="0"/>
+                </a:spcBef>
+                <a:spcAft>
+                  <a:spcPts val="1200"/>
+                </a:spcAft>
+                <a:buSzPct val="90000"/>
+                <a:buFont typeface="Amazon Ember" panose="020B0603020204020204" pitchFamily="34" charset="0"/>
+                <a:buChar char="•"/>
+                <a:defRPr sz="2800" kern="1200">
+                  <a:solidFill>
+                    <a:schemeClr val="tx1"/>
+                  </a:solidFill>
+                  <a:latin typeface="+mn-lt"/>
+                  <a:ea typeface="+mn-ea"/>
+                  <a:cs typeface="+mn-cs"/>
+                </a:defRPr>
+              </a:lvl1pPr>
+              <a:lvl2pPr marL="457200" indent="-228600" algn="l" defTabSz="914400" rtl="0" eaLnBrk="1" latinLnBrk="0" hangingPunct="1">
+                <a:lnSpc>
+                  <a:spcPct val="90000"/>
+                </a:lnSpc>
+                <a:spcBef>
+                  <a:spcPts val="0"/>
+                </a:spcBef>
+                <a:spcAft>
+                  <a:spcPts val="1200"/>
+                </a:spcAft>
+                <a:buSzPct val="90000"/>
+                <a:buFont typeface="Wingdings" panose="05000000000000000000" pitchFamily="2" charset="2"/>
+                <a:buChar char="§"/>
+                <a:defRPr sz="2400" kern="1200">
+                  <a:solidFill>
+                    <a:schemeClr val="tx1"/>
+                  </a:solidFill>
+                  <a:latin typeface="+mn-lt"/>
+                  <a:ea typeface="+mn-ea"/>
+                  <a:cs typeface="+mn-cs"/>
+                </a:defRPr>
+              </a:lvl2pPr>
+              <a:lvl3pPr marL="685800" indent="-228600" algn="l" defTabSz="914400" rtl="0" eaLnBrk="1" latinLnBrk="0" hangingPunct="1">
+                <a:lnSpc>
+                  <a:spcPct val="90000"/>
+                </a:lnSpc>
+                <a:spcBef>
+                  <a:spcPts val="0"/>
+                </a:spcBef>
+                <a:spcAft>
+                  <a:spcPts val="1200"/>
+                </a:spcAft>
+                <a:buSzPct val="90000"/>
+                <a:buFont typeface="Amazon Ember" panose="020B0603020204020204" pitchFamily="34" charset="0"/>
+                <a:buChar char="–"/>
+                <a:defRPr sz="2000" kern="1200">
+                  <a:solidFill>
+                    <a:schemeClr val="tx1"/>
+                  </a:solidFill>
+                  <a:latin typeface="+mn-lt"/>
+                  <a:ea typeface="+mn-ea"/>
+                  <a:cs typeface="+mn-cs"/>
+                </a:defRPr>
+              </a:lvl3pPr>
+              <a:lvl4pPr marL="914400" indent="-228600" algn="l" defTabSz="914400" rtl="0" eaLnBrk="1" latinLnBrk="0" hangingPunct="1">
+                <a:lnSpc>
+                  <a:spcPct val="90000"/>
+                </a:lnSpc>
+                <a:spcBef>
+                  <a:spcPts val="0"/>
+                </a:spcBef>
+                <a:spcAft>
+                  <a:spcPts val="1200"/>
+                </a:spcAft>
+                <a:buFont typeface="Amazon Ember" panose="020B0603020204020204" pitchFamily="34" charset="0"/>
+                <a:buChar char="•"/>
+                <a:defRPr sz="1800" kern="1200">
+                  <a:solidFill>
+                    <a:schemeClr val="tx1"/>
+                  </a:solidFill>
+                  <a:latin typeface="+mn-lt"/>
+                  <a:ea typeface="+mn-ea"/>
+                  <a:cs typeface="+mn-cs"/>
+                </a:defRPr>
+              </a:lvl4pPr>
+              <a:lvl5pPr marL="1143000" indent="-228600" algn="l" defTabSz="914400" rtl="0" eaLnBrk="1" latinLnBrk="0" hangingPunct="1">
+                <a:lnSpc>
+                  <a:spcPct val="90000"/>
+                </a:lnSpc>
+                <a:spcBef>
+                  <a:spcPts val="0"/>
+                </a:spcBef>
+                <a:spcAft>
+                  <a:spcPts val="1200"/>
+                </a:spcAft>
+                <a:buFont typeface="Amazon Ember" panose="020B0603020204020204" pitchFamily="34" charset="0"/>
+                <a:buChar char="•"/>
+                <a:defRPr sz="1800" kern="1200">
+                  <a:solidFill>
+                    <a:schemeClr val="tx1"/>
+                  </a:solidFill>
+                  <a:latin typeface="+mn-lt"/>
+                  <a:ea typeface="+mn-ea"/>
+                  <a:cs typeface="+mn-cs"/>
+                </a:defRPr>
+              </a:lvl5pPr>
+              <a:lvl6pPr marL="2514600" indent="-228600" algn="l" defTabSz="914400" rtl="0" eaLnBrk="1" latinLnBrk="0" hangingPunct="1">
+                <a:lnSpc>
+                  <a:spcPct val="90000"/>
+                </a:lnSpc>
+                <a:spcBef>
+                  <a:spcPts val="500"/>
+                </a:spcBef>
+                <a:buFont typeface="Amazon Ember" panose="020B0603020204020204" pitchFamily="34" charset="0"/>
+                <a:buChar char="•"/>
+                <a:defRPr sz="1800" kern="1200">
+                  <a:solidFill>
+                    <a:schemeClr val="tx1"/>
+                  </a:solidFill>
+                  <a:latin typeface="+mn-lt"/>
+                  <a:ea typeface="+mn-ea"/>
+                  <a:cs typeface="+mn-cs"/>
+                </a:defRPr>
+              </a:lvl6pPr>
+              <a:lvl7pPr marL="2971800" indent="-228600" algn="l" defTabSz="914400" rtl="0" eaLnBrk="1" latinLnBrk="0" hangingPunct="1">
+                <a:lnSpc>
+                  <a:spcPct val="90000"/>
+                </a:lnSpc>
+                <a:spcBef>
+                  <a:spcPts val="500"/>
+                </a:spcBef>
+                <a:buFont typeface="Amazon Ember" panose="020B0603020204020204" pitchFamily="34" charset="0"/>
+                <a:buChar char="•"/>
+                <a:defRPr sz="1800" kern="1200">
+                  <a:solidFill>
+                    <a:schemeClr val="tx1"/>
+                  </a:solidFill>
+                  <a:latin typeface="+mn-lt"/>
+                  <a:ea typeface="+mn-ea"/>
+                  <a:cs typeface="+mn-cs"/>
+                </a:defRPr>
+              </a:lvl7pPr>
+              <a:lvl8pPr marL="3429000" indent="-228600" algn="l" defTabSz="914400" rtl="0" eaLnBrk="1" latinLnBrk="0" hangingPunct="1">
+                <a:lnSpc>
+                  <a:spcPct val="90000"/>
+                </a:lnSpc>
+                <a:spcBef>
+                  <a:spcPts val="500"/>
+                </a:spcBef>
+                <a:buFont typeface="Amazon Ember" panose="020B0603020204020204" pitchFamily="34" charset="0"/>
+                <a:buChar char="•"/>
+                <a:defRPr sz="1800" kern="1200">
+                  <a:solidFill>
+                    <a:schemeClr val="tx1"/>
+                  </a:solidFill>
+                  <a:latin typeface="+mn-lt"/>
+                  <a:ea typeface="+mn-ea"/>
+                  <a:cs typeface="+mn-cs"/>
+                </a:defRPr>
+              </a:lvl8pPr>
+              <a:lvl9pPr marL="3886200" indent="-228600" algn="l" defTabSz="914400" rtl="0" eaLnBrk="1" latinLnBrk="0" hangingPunct="1">
+                <a:lnSpc>
+                  <a:spcPct val="90000"/>
+                </a:lnSpc>
+                <a:spcBef>
+                  <a:spcPts val="500"/>
+                </a:spcBef>
+                <a:buFont typeface="Amazon Ember" panose="020B0603020204020204" pitchFamily="34" charset="0"/>
+                <a:buChar char="•"/>
+                <a:defRPr sz="1800" kern="1200">
+                  <a:solidFill>
+                    <a:schemeClr val="tx1"/>
+                  </a:solidFill>
+                  <a:latin typeface="+mn-lt"/>
+                  <a:ea typeface="+mn-ea"/>
+                  <a:cs typeface="+mn-cs"/>
+                </a:defRPr>
+              </a:lvl9pPr>
+            </a:lstStyle>
+            <a:p>
+              <a:pPr marL="0" indent="0">
+                <a:lnSpc>
+                  <a:spcPct val="100000"/>
+                </a:lnSpc>
+                <a:spcAft>
+                  <a:spcPts val="600"/>
+                </a:spcAft>
+                <a:buNone/>
+              </a:pPr>
+              <a:r>
+                <a:rPr lang="en-US" sz="2000" i="1" dirty="0">
+                  <a:solidFill>
+                    <a:schemeClr val="bg2">
+                      <a:lumMod val="40000"/>
+                      <a:lumOff val="60000"/>
+                    </a:schemeClr>
+                  </a:solidFill>
+                  <a:effectLst>
+                    <a:glow>
+                      <a:schemeClr val="bg1"/>
+                    </a:glow>
+                  </a:effectLst>
+                </a:rPr>
+                <a:t>- connect,</a:t>
+              </a:r>
+              <a:br>
+                <a:rPr lang="en-US" sz="2000" i="1" dirty="0">
+                  <a:solidFill>
+                    <a:schemeClr val="bg2">
+                      <a:lumMod val="40000"/>
+                      <a:lumOff val="60000"/>
+                    </a:schemeClr>
+                  </a:solidFill>
+                  <a:effectLst>
+                    <a:glow>
+                      <a:schemeClr val="bg1"/>
+                    </a:glow>
+                  </a:effectLst>
+                </a:rPr>
+              </a:br>
+              <a:r>
+                <a:rPr lang="en-US" sz="2000" i="1" dirty="0">
+                  <a:solidFill>
+                    <a:schemeClr val="bg2">
+                      <a:lumMod val="40000"/>
+                      <a:lumOff val="60000"/>
+                    </a:schemeClr>
+                  </a:solidFill>
+                  <a:effectLst>
+                    <a:glow>
+                      <a:schemeClr val="bg1"/>
+                    </a:glow>
+                  </a:effectLst>
+                </a:rPr>
+                <a:t>- share</a:t>
+              </a:r>
+              <a:br>
+                <a:rPr lang="en-US" sz="2000" i="1" dirty="0">
+                  <a:solidFill>
+                    <a:schemeClr val="bg2">
+                      <a:lumMod val="40000"/>
+                      <a:lumOff val="60000"/>
+                    </a:schemeClr>
+                  </a:solidFill>
+                  <a:effectLst>
+                    <a:glow>
+                      <a:schemeClr val="bg1"/>
+                    </a:glow>
+                  </a:effectLst>
+                </a:rPr>
+              </a:br>
+              <a:r>
+                <a:rPr lang="en-US" sz="2000" i="1" dirty="0">
+                  <a:solidFill>
+                    <a:schemeClr val="bg2">
+                      <a:lumMod val="40000"/>
+                      <a:lumOff val="60000"/>
+                    </a:schemeClr>
+                  </a:solidFill>
+                  <a:effectLst>
+                    <a:glow>
+                      <a:schemeClr val="bg1"/>
+                    </a:glow>
+                  </a:effectLst>
+                </a:rPr>
+                <a:t>  password,</a:t>
+              </a:r>
+              <a:br>
+                <a:rPr lang="en-US" sz="2000" i="1" dirty="0">
+                  <a:solidFill>
+                    <a:schemeClr val="bg2">
+                      <a:lumMod val="40000"/>
+                      <a:lumOff val="60000"/>
+                    </a:schemeClr>
+                  </a:solidFill>
+                  <a:effectLst>
+                    <a:glow>
+                      <a:schemeClr val="bg1"/>
+                    </a:glow>
+                  </a:effectLst>
+                </a:rPr>
+              </a:br>
+              <a:r>
+                <a:rPr lang="en-US" sz="2000" i="1" dirty="0">
+                  <a:solidFill>
+                    <a:schemeClr val="bg2">
+                      <a:lumMod val="40000"/>
+                      <a:lumOff val="60000"/>
+                    </a:schemeClr>
+                  </a:solidFill>
+                  <a:effectLst>
+                    <a:glow>
+                      <a:schemeClr val="bg1"/>
+                    </a:glow>
+                  </a:effectLst>
+                </a:rPr>
+                <a:t>- disconnect</a:t>
+              </a:r>
+            </a:p>
+          </p:txBody>
+        </p:sp>
+      </p:grpSp>
+      <p:grpSp>
+        <p:nvGrpSpPr>
+          <p:cNvPr id="117" name="Group 116">
+            <a:extLst>
+              <a:ext uri="{FF2B5EF4-FFF2-40B4-BE49-F238E27FC236}">
+                <a16:creationId xmlns:a16="http://schemas.microsoft.com/office/drawing/2014/main" id="{B23B097D-80BA-8BD8-BD17-C6A2B1FBB9AE}"/>
+              </a:ext>
+            </a:extLst>
+          </p:cNvPr>
+          <p:cNvGrpSpPr/>
+          <p:nvPr/>
+        </p:nvGrpSpPr>
+        <p:grpSpPr>
+          <a:xfrm>
+            <a:off x="10771993" y="2054147"/>
+            <a:ext cx="1187061" cy="1374277"/>
+            <a:chOff x="2295480" y="2200330"/>
+            <a:chExt cx="1187061" cy="1374277"/>
+          </a:xfrm>
+        </p:grpSpPr>
+        <p:sp>
+          <p:nvSpPr>
+            <p:cNvPr id="118" name="Rounded Rectangle 117">
+              <a:extLst>
+                <a:ext uri="{FF2B5EF4-FFF2-40B4-BE49-F238E27FC236}">
+                  <a16:creationId xmlns:a16="http://schemas.microsoft.com/office/drawing/2014/main" id="{6757B94C-7793-E825-3E65-A327A171DA8A}"/>
+                </a:ext>
+              </a:extLst>
+            </p:cNvPr>
+            <p:cNvSpPr/>
+            <p:nvPr/>
+          </p:nvSpPr>
+          <p:spPr>
+            <a:xfrm>
+              <a:off x="3012043" y="2200330"/>
+              <a:ext cx="360000" cy="360000"/>
+            </a:xfrm>
+            <a:prstGeom prst="roundRect">
+              <a:avLst/>
+            </a:prstGeom>
+            <a:solidFill>
+              <a:schemeClr val="accent5"/>
+            </a:solidFill>
+            <a:ln>
+              <a:noFill/>
+            </a:ln>
+          </p:spPr>
+          <p:style>
+            <a:lnRef idx="0">
+              <a:scrgbClr r="0" g="0" b="0"/>
+            </a:lnRef>
+            <a:fillRef idx="0">
+              <a:scrgbClr r="0" g="0" b="0"/>
+            </a:fillRef>
+            <a:effectRef idx="0">
+              <a:scrgbClr r="0" g="0" b="0"/>
+            </a:effectRef>
+            <a:fontRef idx="minor">
+              <a:schemeClr val="lt1"/>
+            </a:fontRef>
+          </p:style>
+          <p:txBody>
+            <a:bodyPr lIns="45720" tIns="45720" rIns="45720" rtlCol="0" anchor="ctr"/>
+            <a:lstStyle/>
+            <a:p>
+              <a:pPr algn="ctr"/>
+              <a:r>
+                <a:rPr lang="en-GB" b="1" dirty="0">
+                  <a:solidFill>
+                    <a:schemeClr val="tx1"/>
+                  </a:solidFill>
+                </a:rPr>
+                <a:t>5</a:t>
+              </a:r>
+            </a:p>
+          </p:txBody>
+        </p:sp>
+        <p:sp>
+          <p:nvSpPr>
+            <p:cNvPr id="119" name="Content Placeholder 2">
+              <a:extLst>
+                <a:ext uri="{FF2B5EF4-FFF2-40B4-BE49-F238E27FC236}">
+                  <a16:creationId xmlns:a16="http://schemas.microsoft.com/office/drawing/2014/main" id="{09B49EFB-704B-AD78-905E-1BDEF848D7FC}"/>
+                </a:ext>
+              </a:extLst>
+            </p:cNvPr>
+            <p:cNvSpPr txBox="1">
+              <a:spLocks/>
+            </p:cNvSpPr>
+            <p:nvPr/>
+          </p:nvSpPr>
+          <p:spPr>
+            <a:xfrm>
+              <a:off x="2295480" y="2558944"/>
+              <a:ext cx="1187061" cy="1015663"/>
+            </a:xfrm>
+            <a:prstGeom prst="rect">
+              <a:avLst/>
+            </a:prstGeom>
+          </p:spPr>
+          <p:txBody>
+            <a:bodyPr wrap="square">
+              <a:spAutoFit/>
+            </a:bodyPr>
+            <a:lstStyle>
+              <a:lvl1pPr marL="228600" indent="-228600" algn="l" defTabSz="914400" rtl="0" eaLnBrk="1" latinLnBrk="0" hangingPunct="1">
+                <a:lnSpc>
+                  <a:spcPct val="90000"/>
+                </a:lnSpc>
+                <a:spcBef>
+                  <a:spcPts val="0"/>
+                </a:spcBef>
+                <a:spcAft>
+                  <a:spcPts val="1200"/>
+                </a:spcAft>
+                <a:buSzPct val="90000"/>
+                <a:buFont typeface="Amazon Ember" panose="020B0603020204020204" pitchFamily="34" charset="0"/>
+                <a:buChar char="•"/>
+                <a:defRPr sz="2800" kern="1200">
+                  <a:solidFill>
+                    <a:schemeClr val="tx1"/>
+                  </a:solidFill>
+                  <a:latin typeface="+mn-lt"/>
+                  <a:ea typeface="+mn-ea"/>
+                  <a:cs typeface="+mn-cs"/>
+                </a:defRPr>
+              </a:lvl1pPr>
+              <a:lvl2pPr marL="457200" indent="-228600" algn="l" defTabSz="914400" rtl="0" eaLnBrk="1" latinLnBrk="0" hangingPunct="1">
+                <a:lnSpc>
+                  <a:spcPct val="90000"/>
+                </a:lnSpc>
+                <a:spcBef>
+                  <a:spcPts val="0"/>
+                </a:spcBef>
+                <a:spcAft>
+                  <a:spcPts val="1200"/>
+                </a:spcAft>
+                <a:buSzPct val="90000"/>
+                <a:buFont typeface="Wingdings" panose="05000000000000000000" pitchFamily="2" charset="2"/>
+                <a:buChar char="§"/>
+                <a:defRPr sz="2400" kern="1200">
+                  <a:solidFill>
+                    <a:schemeClr val="tx1"/>
+                  </a:solidFill>
+                  <a:latin typeface="+mn-lt"/>
+                  <a:ea typeface="+mn-ea"/>
+                  <a:cs typeface="+mn-cs"/>
+                </a:defRPr>
+              </a:lvl2pPr>
+              <a:lvl3pPr marL="685800" indent="-228600" algn="l" defTabSz="914400" rtl="0" eaLnBrk="1" latinLnBrk="0" hangingPunct="1">
+                <a:lnSpc>
+                  <a:spcPct val="90000"/>
+                </a:lnSpc>
+                <a:spcBef>
+                  <a:spcPts val="0"/>
+                </a:spcBef>
+                <a:spcAft>
+                  <a:spcPts val="1200"/>
+                </a:spcAft>
+                <a:buSzPct val="90000"/>
+                <a:buFont typeface="Amazon Ember" panose="020B0603020204020204" pitchFamily="34" charset="0"/>
+                <a:buChar char="–"/>
+                <a:defRPr sz="2000" kern="1200">
+                  <a:solidFill>
+                    <a:schemeClr val="tx1"/>
+                  </a:solidFill>
+                  <a:latin typeface="+mn-lt"/>
+                  <a:ea typeface="+mn-ea"/>
+                  <a:cs typeface="+mn-cs"/>
+                </a:defRPr>
+              </a:lvl3pPr>
+              <a:lvl4pPr marL="914400" indent="-228600" algn="l" defTabSz="914400" rtl="0" eaLnBrk="1" latinLnBrk="0" hangingPunct="1">
+                <a:lnSpc>
+                  <a:spcPct val="90000"/>
+                </a:lnSpc>
+                <a:spcBef>
+                  <a:spcPts val="0"/>
+                </a:spcBef>
+                <a:spcAft>
+                  <a:spcPts val="1200"/>
+                </a:spcAft>
+                <a:buFont typeface="Amazon Ember" panose="020B0603020204020204" pitchFamily="34" charset="0"/>
+                <a:buChar char="•"/>
+                <a:defRPr sz="1800" kern="1200">
+                  <a:solidFill>
+                    <a:schemeClr val="tx1"/>
+                  </a:solidFill>
+                  <a:latin typeface="+mn-lt"/>
+                  <a:ea typeface="+mn-ea"/>
+                  <a:cs typeface="+mn-cs"/>
+                </a:defRPr>
+              </a:lvl4pPr>
+              <a:lvl5pPr marL="1143000" indent="-228600" algn="l" defTabSz="914400" rtl="0" eaLnBrk="1" latinLnBrk="0" hangingPunct="1">
+                <a:lnSpc>
+                  <a:spcPct val="90000"/>
+                </a:lnSpc>
+                <a:spcBef>
+                  <a:spcPts val="0"/>
+                </a:spcBef>
+                <a:spcAft>
+                  <a:spcPts val="1200"/>
+                </a:spcAft>
+                <a:buFont typeface="Amazon Ember" panose="020B0603020204020204" pitchFamily="34" charset="0"/>
+                <a:buChar char="•"/>
+                <a:defRPr sz="1800" kern="1200">
+                  <a:solidFill>
+                    <a:schemeClr val="tx1"/>
+                  </a:solidFill>
+                  <a:latin typeface="+mn-lt"/>
+                  <a:ea typeface="+mn-ea"/>
+                  <a:cs typeface="+mn-cs"/>
+                </a:defRPr>
+              </a:lvl5pPr>
+              <a:lvl6pPr marL="2514600" indent="-228600" algn="l" defTabSz="914400" rtl="0" eaLnBrk="1" latinLnBrk="0" hangingPunct="1">
+                <a:lnSpc>
+                  <a:spcPct val="90000"/>
+                </a:lnSpc>
+                <a:spcBef>
+                  <a:spcPts val="500"/>
+                </a:spcBef>
+                <a:buFont typeface="Amazon Ember" panose="020B0603020204020204" pitchFamily="34" charset="0"/>
+                <a:buChar char="•"/>
+                <a:defRPr sz="1800" kern="1200">
+                  <a:solidFill>
+                    <a:schemeClr val="tx1"/>
+                  </a:solidFill>
+                  <a:latin typeface="+mn-lt"/>
+                  <a:ea typeface="+mn-ea"/>
+                  <a:cs typeface="+mn-cs"/>
+                </a:defRPr>
+              </a:lvl6pPr>
+              <a:lvl7pPr marL="2971800" indent="-228600" algn="l" defTabSz="914400" rtl="0" eaLnBrk="1" latinLnBrk="0" hangingPunct="1">
+                <a:lnSpc>
+                  <a:spcPct val="90000"/>
+                </a:lnSpc>
+                <a:spcBef>
+                  <a:spcPts val="500"/>
+                </a:spcBef>
+                <a:buFont typeface="Amazon Ember" panose="020B0603020204020204" pitchFamily="34" charset="0"/>
+                <a:buChar char="•"/>
+                <a:defRPr sz="1800" kern="1200">
+                  <a:solidFill>
+                    <a:schemeClr val="tx1"/>
+                  </a:solidFill>
+                  <a:latin typeface="+mn-lt"/>
+                  <a:ea typeface="+mn-ea"/>
+                  <a:cs typeface="+mn-cs"/>
+                </a:defRPr>
+              </a:lvl7pPr>
+              <a:lvl8pPr marL="3429000" indent="-228600" algn="l" defTabSz="914400" rtl="0" eaLnBrk="1" latinLnBrk="0" hangingPunct="1">
+                <a:lnSpc>
+                  <a:spcPct val="90000"/>
+                </a:lnSpc>
+                <a:spcBef>
+                  <a:spcPts val="500"/>
+                </a:spcBef>
+                <a:buFont typeface="Amazon Ember" panose="020B0603020204020204" pitchFamily="34" charset="0"/>
+                <a:buChar char="•"/>
+                <a:defRPr sz="1800" kern="1200">
+                  <a:solidFill>
+                    <a:schemeClr val="tx1"/>
+                  </a:solidFill>
+                  <a:latin typeface="+mn-lt"/>
+                  <a:ea typeface="+mn-ea"/>
+                  <a:cs typeface="+mn-cs"/>
+                </a:defRPr>
+              </a:lvl8pPr>
+              <a:lvl9pPr marL="3886200" indent="-228600" algn="l" defTabSz="914400" rtl="0" eaLnBrk="1" latinLnBrk="0" hangingPunct="1">
+                <a:lnSpc>
+                  <a:spcPct val="90000"/>
+                </a:lnSpc>
+                <a:spcBef>
+                  <a:spcPts val="500"/>
+                </a:spcBef>
+                <a:buFont typeface="Amazon Ember" panose="020B0603020204020204" pitchFamily="34" charset="0"/>
+                <a:buChar char="•"/>
+                <a:defRPr sz="1800" kern="1200">
+                  <a:solidFill>
+                    <a:schemeClr val="tx1"/>
+                  </a:solidFill>
+                  <a:latin typeface="+mn-lt"/>
+                  <a:ea typeface="+mn-ea"/>
+                  <a:cs typeface="+mn-cs"/>
+                </a:defRPr>
+              </a:lvl9pPr>
+            </a:lstStyle>
+            <a:p>
+              <a:pPr marL="0" indent="0" algn="r">
+                <a:lnSpc>
+                  <a:spcPct val="100000"/>
+                </a:lnSpc>
+                <a:spcAft>
+                  <a:spcPts val="600"/>
+                </a:spcAft>
+                <a:buNone/>
+              </a:pPr>
+              <a:r>
+                <a:rPr lang="en-US" sz="2000" i="1" dirty="0">
+                  <a:solidFill>
+                    <a:schemeClr val="bg2">
+                      <a:lumMod val="40000"/>
+                      <a:lumOff val="60000"/>
+                    </a:schemeClr>
+                  </a:solidFill>
+                  <a:effectLst>
+                    <a:glow>
+                      <a:schemeClr val="bg1"/>
+                    </a:glow>
+                  </a:effectLst>
+                </a:rPr>
+                <a:t>connect</a:t>
+              </a:r>
+              <a:br>
+                <a:rPr lang="en-US" sz="2000" i="1" dirty="0">
+                  <a:solidFill>
+                    <a:schemeClr val="bg2">
+                      <a:lumMod val="40000"/>
+                      <a:lumOff val="60000"/>
+                    </a:schemeClr>
+                  </a:solidFill>
+                  <a:effectLst>
+                    <a:glow>
+                      <a:schemeClr val="bg1"/>
+                    </a:glow>
+                  </a:effectLst>
+                </a:rPr>
+              </a:br>
+              <a:r>
+                <a:rPr lang="en-US" sz="2000" i="1" dirty="0">
+                  <a:solidFill>
+                    <a:schemeClr val="bg2">
+                      <a:lumMod val="40000"/>
+                      <a:lumOff val="60000"/>
+                    </a:schemeClr>
+                  </a:solidFill>
+                  <a:effectLst>
+                    <a:glow>
+                      <a:schemeClr val="bg1"/>
+                    </a:glow>
+                  </a:effectLst>
+                </a:rPr>
+                <a:t>to home</a:t>
+              </a:r>
+              <a:br>
+                <a:rPr lang="en-US" sz="2000" i="1" dirty="0">
+                  <a:solidFill>
+                    <a:schemeClr val="bg2">
+                      <a:lumMod val="40000"/>
+                      <a:lumOff val="60000"/>
+                    </a:schemeClr>
+                  </a:solidFill>
+                  <a:effectLst>
+                    <a:glow>
+                      <a:schemeClr val="bg1"/>
+                    </a:glow>
+                  </a:effectLst>
+                </a:rPr>
+              </a:br>
+              <a:r>
+                <a:rPr lang="en-US" sz="2000" i="1" dirty="0">
+                  <a:solidFill>
+                    <a:schemeClr val="bg2">
+                      <a:lumMod val="40000"/>
+                      <a:lumOff val="60000"/>
+                    </a:schemeClr>
+                  </a:solidFill>
+                  <a:effectLst>
+                    <a:glow>
+                      <a:schemeClr val="bg1"/>
+                    </a:glow>
+                  </a:effectLst>
+                </a:rPr>
+                <a:t>wi-fi</a:t>
+              </a:r>
+            </a:p>
+          </p:txBody>
+        </p:sp>
+      </p:grpSp>
+      <p:sp>
+        <p:nvSpPr>
+          <p:cNvPr id="2" name="TextBox 1">
+            <a:extLst>
+              <a:ext uri="{FF2B5EF4-FFF2-40B4-BE49-F238E27FC236}">
+                <a16:creationId xmlns:a16="http://schemas.microsoft.com/office/drawing/2014/main" id="{6A50BB95-5B97-6AF8-F38E-4EC35A6A8FE4}"/>
+              </a:ext>
+            </a:extLst>
+          </p:cNvPr>
+          <p:cNvSpPr txBox="1"/>
+          <p:nvPr/>
+        </p:nvSpPr>
+        <p:spPr>
+          <a:xfrm>
+            <a:off x="218143" y="6278524"/>
+            <a:ext cx="2173672" cy="523220"/>
+          </a:xfrm>
+          <a:prstGeom prst="rect">
+            <a:avLst/>
+          </a:prstGeom>
+          <a:noFill/>
+        </p:spPr>
+        <p:txBody>
+          <a:bodyPr wrap="none" lIns="0" rIns="0" rtlCol="0">
+            <a:spAutoFit/>
+          </a:bodyPr>
+          <a:lstStyle/>
+          <a:p>
+            <a:pPr algn="l"/>
+            <a:r>
+              <a:rPr lang="en-GB" sz="2800" dirty="0">
+                <a:solidFill>
+                  <a:srgbClr val="FFFF00"/>
+                </a:solidFill>
+              </a:rPr>
+              <a:t>WI-FIER #1/2</a:t>
+            </a:r>
+          </a:p>
+        </p:txBody>
+      </p:sp>
+      <p:grpSp>
+        <p:nvGrpSpPr>
+          <p:cNvPr id="16" name="Group 15">
+            <a:extLst>
+              <a:ext uri="{FF2B5EF4-FFF2-40B4-BE49-F238E27FC236}">
+                <a16:creationId xmlns:a16="http://schemas.microsoft.com/office/drawing/2014/main" id="{200EDDBC-1B14-BB4C-9B80-19D4F39CBB3A}"/>
+              </a:ext>
+            </a:extLst>
+          </p:cNvPr>
+          <p:cNvGrpSpPr/>
+          <p:nvPr/>
+        </p:nvGrpSpPr>
+        <p:grpSpPr>
+          <a:xfrm>
+            <a:off x="8788567" y="782062"/>
+            <a:ext cx="1724308" cy="2464199"/>
+            <a:chOff x="10886985" y="415955"/>
+            <a:chExt cx="1724308" cy="2464199"/>
+          </a:xfrm>
+        </p:grpSpPr>
+        <p:sp>
+          <p:nvSpPr>
+            <p:cNvPr id="3" name="Rectangle 2">
+              <a:extLst>
+                <a:ext uri="{FF2B5EF4-FFF2-40B4-BE49-F238E27FC236}">
+                  <a16:creationId xmlns:a16="http://schemas.microsoft.com/office/drawing/2014/main" id="{2E0B51A2-D647-22F7-4E13-6E766F347FDF}"/>
+                </a:ext>
+              </a:extLst>
+            </p:cNvPr>
+            <p:cNvSpPr/>
+            <p:nvPr/>
+          </p:nvSpPr>
+          <p:spPr>
+            <a:xfrm>
+              <a:off x="10886985" y="415955"/>
+              <a:ext cx="1724308" cy="2464199"/>
+            </a:xfrm>
+            <a:prstGeom prst="rect">
+              <a:avLst/>
+            </a:prstGeom>
+            <a:solidFill>
+              <a:schemeClr val="bg1">
+                <a:lumMod val="85000"/>
+                <a:lumOff val="15000"/>
+              </a:schemeClr>
+            </a:solidFill>
+            <a:ln w="12700">
+              <a:noFill/>
+              <a:prstDash val="dash"/>
+            </a:ln>
+          </p:spPr>
+          <p:style>
+            <a:lnRef idx="2">
+              <a:schemeClr val="accent1">
+                <a:shade val="50000"/>
+              </a:schemeClr>
+            </a:lnRef>
+            <a:fillRef idx="1">
+              <a:schemeClr val="accent1"/>
+            </a:fillRef>
+            <a:effectRef idx="0">
+              <a:schemeClr val="accent1"/>
+            </a:effectRef>
+            <a:fontRef idx="minor">
+              <a:schemeClr val="lt1"/>
+            </a:fontRef>
+          </p:style>
+          <p:txBody>
+            <a:bodyPr tIns="36000"/>
+            <a:lstStyle/>
+            <a:p>
+              <a:endParaRPr lang="en-GB" sz="2000" dirty="0">
+                <a:solidFill>
+                  <a:schemeClr val="bg2">
+                    <a:lumMod val="40000"/>
+                    <a:lumOff val="60000"/>
+                  </a:schemeClr>
+                </a:solidFill>
+                <a:effectLst>
+                  <a:glow>
+                    <a:schemeClr val="bg1"/>
+                  </a:glow>
+                </a:effectLst>
+              </a:endParaRPr>
+            </a:p>
+          </p:txBody>
+        </p:sp>
+        <p:sp>
+          <p:nvSpPr>
+            <p:cNvPr id="4" name="Content Placeholder 2">
+              <a:extLst>
+                <a:ext uri="{FF2B5EF4-FFF2-40B4-BE49-F238E27FC236}">
+                  <a16:creationId xmlns:a16="http://schemas.microsoft.com/office/drawing/2014/main" id="{F52C7B78-2A38-212D-4464-FA2558086DC2}"/>
+                </a:ext>
+              </a:extLst>
+            </p:cNvPr>
+            <p:cNvSpPr txBox="1">
+              <a:spLocks/>
+            </p:cNvSpPr>
+            <p:nvPr/>
+          </p:nvSpPr>
+          <p:spPr>
+            <a:xfrm>
+              <a:off x="11094642" y="474110"/>
+              <a:ext cx="1304664" cy="400110"/>
+            </a:xfrm>
+            <a:prstGeom prst="rect">
+              <a:avLst/>
+            </a:prstGeom>
+          </p:spPr>
+          <p:txBody>
+            <a:bodyPr wrap="square">
+              <a:spAutoFit/>
+            </a:bodyPr>
+            <a:lstStyle>
+              <a:lvl1pPr marL="228600" indent="-228600" algn="l" defTabSz="914400" rtl="0" eaLnBrk="1" latinLnBrk="0" hangingPunct="1">
+                <a:lnSpc>
+                  <a:spcPct val="90000"/>
+                </a:lnSpc>
+                <a:spcBef>
+                  <a:spcPts val="0"/>
+                </a:spcBef>
+                <a:spcAft>
+                  <a:spcPts val="1200"/>
+                </a:spcAft>
+                <a:buSzPct val="90000"/>
+                <a:buFont typeface="Amazon Ember" panose="020B0603020204020204" pitchFamily="34" charset="0"/>
+                <a:buChar char="•"/>
+                <a:defRPr sz="2800" kern="1200">
+                  <a:solidFill>
+                    <a:schemeClr val="tx1"/>
+                  </a:solidFill>
+                  <a:latin typeface="+mn-lt"/>
+                  <a:ea typeface="+mn-ea"/>
+                  <a:cs typeface="+mn-cs"/>
+                </a:defRPr>
+              </a:lvl1pPr>
+              <a:lvl2pPr marL="457200" indent="-228600" algn="l" defTabSz="914400" rtl="0" eaLnBrk="1" latinLnBrk="0" hangingPunct="1">
+                <a:lnSpc>
+                  <a:spcPct val="90000"/>
+                </a:lnSpc>
+                <a:spcBef>
+                  <a:spcPts val="0"/>
+                </a:spcBef>
+                <a:spcAft>
+                  <a:spcPts val="1200"/>
+                </a:spcAft>
+                <a:buSzPct val="90000"/>
+                <a:buFont typeface="Wingdings" panose="05000000000000000000" pitchFamily="2" charset="2"/>
+                <a:buChar char="§"/>
+                <a:defRPr sz="2400" kern="1200">
+                  <a:solidFill>
+                    <a:schemeClr val="tx1"/>
+                  </a:solidFill>
+                  <a:latin typeface="+mn-lt"/>
+                  <a:ea typeface="+mn-ea"/>
+                  <a:cs typeface="+mn-cs"/>
+                </a:defRPr>
+              </a:lvl2pPr>
+              <a:lvl3pPr marL="685800" indent="-228600" algn="l" defTabSz="914400" rtl="0" eaLnBrk="1" latinLnBrk="0" hangingPunct="1">
+                <a:lnSpc>
+                  <a:spcPct val="90000"/>
+                </a:lnSpc>
+                <a:spcBef>
+                  <a:spcPts val="0"/>
+                </a:spcBef>
+                <a:spcAft>
+                  <a:spcPts val="1200"/>
+                </a:spcAft>
+                <a:buSzPct val="90000"/>
+                <a:buFont typeface="Amazon Ember" panose="020B0603020204020204" pitchFamily="34" charset="0"/>
+                <a:buChar char="–"/>
+                <a:defRPr sz="2000" kern="1200">
+                  <a:solidFill>
+                    <a:schemeClr val="tx1"/>
+                  </a:solidFill>
+                  <a:latin typeface="+mn-lt"/>
+                  <a:ea typeface="+mn-ea"/>
+                  <a:cs typeface="+mn-cs"/>
+                </a:defRPr>
+              </a:lvl3pPr>
+              <a:lvl4pPr marL="914400" indent="-228600" algn="l" defTabSz="914400" rtl="0" eaLnBrk="1" latinLnBrk="0" hangingPunct="1">
+                <a:lnSpc>
+                  <a:spcPct val="90000"/>
+                </a:lnSpc>
+                <a:spcBef>
+                  <a:spcPts val="0"/>
+                </a:spcBef>
+                <a:spcAft>
+                  <a:spcPts val="1200"/>
+                </a:spcAft>
+                <a:buFont typeface="Amazon Ember" panose="020B0603020204020204" pitchFamily="34" charset="0"/>
+                <a:buChar char="•"/>
+                <a:defRPr sz="1800" kern="1200">
+                  <a:solidFill>
+                    <a:schemeClr val="tx1"/>
+                  </a:solidFill>
+                  <a:latin typeface="+mn-lt"/>
+                  <a:ea typeface="+mn-ea"/>
+                  <a:cs typeface="+mn-cs"/>
+                </a:defRPr>
+              </a:lvl4pPr>
+              <a:lvl5pPr marL="1143000" indent="-228600" algn="l" defTabSz="914400" rtl="0" eaLnBrk="1" latinLnBrk="0" hangingPunct="1">
+                <a:lnSpc>
+                  <a:spcPct val="90000"/>
+                </a:lnSpc>
+                <a:spcBef>
+                  <a:spcPts val="0"/>
+                </a:spcBef>
+                <a:spcAft>
+                  <a:spcPts val="1200"/>
+                </a:spcAft>
+                <a:buFont typeface="Amazon Ember" panose="020B0603020204020204" pitchFamily="34" charset="0"/>
+                <a:buChar char="•"/>
+                <a:defRPr sz="1800" kern="1200">
+                  <a:solidFill>
+                    <a:schemeClr val="tx1"/>
+                  </a:solidFill>
+                  <a:latin typeface="+mn-lt"/>
+                  <a:ea typeface="+mn-ea"/>
+                  <a:cs typeface="+mn-cs"/>
+                </a:defRPr>
+              </a:lvl5pPr>
+              <a:lvl6pPr marL="2514600" indent="-228600" algn="l" defTabSz="914400" rtl="0" eaLnBrk="1" latinLnBrk="0" hangingPunct="1">
+                <a:lnSpc>
+                  <a:spcPct val="90000"/>
+                </a:lnSpc>
+                <a:spcBef>
+                  <a:spcPts val="500"/>
+                </a:spcBef>
+                <a:buFont typeface="Amazon Ember" panose="020B0603020204020204" pitchFamily="34" charset="0"/>
+                <a:buChar char="•"/>
+                <a:defRPr sz="1800" kern="1200">
+                  <a:solidFill>
+                    <a:schemeClr val="tx1"/>
+                  </a:solidFill>
+                  <a:latin typeface="+mn-lt"/>
+                  <a:ea typeface="+mn-ea"/>
+                  <a:cs typeface="+mn-cs"/>
+                </a:defRPr>
+              </a:lvl6pPr>
+              <a:lvl7pPr marL="2971800" indent="-228600" algn="l" defTabSz="914400" rtl="0" eaLnBrk="1" latinLnBrk="0" hangingPunct="1">
+                <a:lnSpc>
+                  <a:spcPct val="90000"/>
+                </a:lnSpc>
+                <a:spcBef>
+                  <a:spcPts val="500"/>
+                </a:spcBef>
+                <a:buFont typeface="Amazon Ember" panose="020B0603020204020204" pitchFamily="34" charset="0"/>
+                <a:buChar char="•"/>
+                <a:defRPr sz="1800" kern="1200">
+                  <a:solidFill>
+                    <a:schemeClr val="tx1"/>
+                  </a:solidFill>
+                  <a:latin typeface="+mn-lt"/>
+                  <a:ea typeface="+mn-ea"/>
+                  <a:cs typeface="+mn-cs"/>
+                </a:defRPr>
+              </a:lvl7pPr>
+              <a:lvl8pPr marL="3429000" indent="-228600" algn="l" defTabSz="914400" rtl="0" eaLnBrk="1" latinLnBrk="0" hangingPunct="1">
+                <a:lnSpc>
+                  <a:spcPct val="90000"/>
+                </a:lnSpc>
+                <a:spcBef>
+                  <a:spcPts val="500"/>
+                </a:spcBef>
+                <a:buFont typeface="Amazon Ember" panose="020B0603020204020204" pitchFamily="34" charset="0"/>
+                <a:buChar char="•"/>
+                <a:defRPr sz="1800" kern="1200">
+                  <a:solidFill>
+                    <a:schemeClr val="tx1"/>
+                  </a:solidFill>
+                  <a:latin typeface="+mn-lt"/>
+                  <a:ea typeface="+mn-ea"/>
+                  <a:cs typeface="+mn-cs"/>
+                </a:defRPr>
+              </a:lvl8pPr>
+              <a:lvl9pPr marL="3886200" indent="-228600" algn="l" defTabSz="914400" rtl="0" eaLnBrk="1" latinLnBrk="0" hangingPunct="1">
+                <a:lnSpc>
+                  <a:spcPct val="90000"/>
+                </a:lnSpc>
+                <a:spcBef>
+                  <a:spcPts val="500"/>
+                </a:spcBef>
+                <a:buFont typeface="Amazon Ember" panose="020B0603020204020204" pitchFamily="34" charset="0"/>
+                <a:buChar char="•"/>
+                <a:defRPr sz="1800" kern="1200">
+                  <a:solidFill>
+                    <a:schemeClr val="tx1"/>
+                  </a:solidFill>
+                  <a:latin typeface="+mn-lt"/>
+                  <a:ea typeface="+mn-ea"/>
+                  <a:cs typeface="+mn-cs"/>
+                </a:defRPr>
+              </a:lvl9pPr>
+            </a:lstStyle>
+            <a:p>
+              <a:pPr marL="0" indent="0" algn="ctr">
+                <a:lnSpc>
+                  <a:spcPct val="100000"/>
+                </a:lnSpc>
+                <a:spcAft>
+                  <a:spcPts val="600"/>
+                </a:spcAft>
+                <a:buNone/>
+              </a:pPr>
+              <a:r>
+                <a:rPr lang="en-US" baseline="-11000" dirty="0">
+                  <a:solidFill>
+                    <a:schemeClr val="bg2">
+                      <a:lumMod val="40000"/>
+                      <a:lumOff val="60000"/>
+                    </a:schemeClr>
+                  </a:solidFill>
+                  <a:effectLst>
+                    <a:glow>
+                      <a:schemeClr val="bg1"/>
+                    </a:glow>
+                  </a:effectLst>
+                </a:rPr>
+                <a:t>🤖 </a:t>
+              </a:r>
+              <a:r>
+                <a:rPr lang="en-US" sz="2000" i="1" dirty="0">
+                  <a:solidFill>
+                    <a:schemeClr val="bg2">
+                      <a:lumMod val="40000"/>
+                      <a:lumOff val="60000"/>
+                    </a:schemeClr>
+                  </a:solidFill>
+                  <a:effectLst>
+                    <a:glow>
+                      <a:schemeClr val="bg1"/>
+                    </a:glow>
+                  </a:effectLst>
+                </a:rPr>
+                <a:t>robot</a:t>
+              </a:r>
+            </a:p>
+          </p:txBody>
+        </p:sp>
+        <p:grpSp>
+          <p:nvGrpSpPr>
+            <p:cNvPr id="5" name="Group 4">
+              <a:extLst>
+                <a:ext uri="{FF2B5EF4-FFF2-40B4-BE49-F238E27FC236}">
+                  <a16:creationId xmlns:a16="http://schemas.microsoft.com/office/drawing/2014/main" id="{C6DF2356-0F1B-319E-7F12-8B438CFEB1B6}"/>
+                </a:ext>
+              </a:extLst>
+            </p:cNvPr>
+            <p:cNvGrpSpPr/>
+            <p:nvPr/>
+          </p:nvGrpSpPr>
+          <p:grpSpPr>
+            <a:xfrm>
+              <a:off x="10990412" y="2220135"/>
+              <a:ext cx="1525458" cy="556576"/>
+              <a:chOff x="4941377" y="3971594"/>
+              <a:chExt cx="1525458" cy="556576"/>
+            </a:xfrm>
+          </p:grpSpPr>
+          <p:sp>
+            <p:nvSpPr>
+              <p:cNvPr id="6" name="Rectangle 5">
+                <a:extLst>
+                  <a:ext uri="{FF2B5EF4-FFF2-40B4-BE49-F238E27FC236}">
+                    <a16:creationId xmlns:a16="http://schemas.microsoft.com/office/drawing/2014/main" id="{0DC12909-DE11-F683-AD0F-9EFFCF4A96E7}"/>
+                  </a:ext>
+                </a:extLst>
+              </p:cNvPr>
+              <p:cNvSpPr/>
+              <p:nvPr/>
+            </p:nvSpPr>
+            <p:spPr>
+              <a:xfrm>
+                <a:off x="4941377" y="3971594"/>
+                <a:ext cx="1525458" cy="556576"/>
+              </a:xfrm>
+              <a:prstGeom prst="rect">
+                <a:avLst/>
+              </a:prstGeom>
+              <a:solidFill>
+                <a:schemeClr val="bg1"/>
+              </a:solidFill>
+              <a:ln w="12700">
+                <a:solidFill>
+                  <a:srgbClr val="5A6B86"/>
+                </a:solidFill>
+                <a:prstDash val="dash"/>
+              </a:ln>
+            </p:spPr>
+            <p:style>
+              <a:lnRef idx="2">
+                <a:schemeClr val="accent1">
+                  <a:shade val="50000"/>
+                </a:schemeClr>
+              </a:lnRef>
+              <a:fillRef idx="1">
+                <a:schemeClr val="accent1"/>
+              </a:fillRef>
+              <a:effectRef idx="0">
+                <a:schemeClr val="accent1"/>
+              </a:effectRef>
+              <a:fontRef idx="minor">
+                <a:schemeClr val="lt1"/>
+              </a:fontRef>
+            </p:style>
+            <p:txBody>
+              <a:bodyPr tIns="36000"/>
+              <a:lstStyle/>
+              <a:p>
+                <a:pPr eaLnBrk="1" fontAlgn="auto" hangingPunct="1">
+                  <a:spcBef>
+                    <a:spcPts val="0"/>
+                  </a:spcBef>
+                  <a:spcAft>
+                    <a:spcPts val="0"/>
+                  </a:spcAft>
+                  <a:defRPr/>
+                </a:pPr>
+                <a:endParaRPr lang="en-US" sz="2000" i="1" dirty="0">
+                  <a:solidFill>
+                    <a:schemeClr val="bg2">
+                      <a:lumMod val="40000"/>
+                      <a:lumOff val="60000"/>
+                    </a:schemeClr>
+                  </a:solidFill>
+                  <a:effectLst>
+                    <a:glow>
+                      <a:schemeClr val="bg1"/>
+                    </a:glow>
+                  </a:effectLst>
+                </a:endParaRPr>
+              </a:p>
+            </p:txBody>
+          </p:sp>
+          <p:sp>
+            <p:nvSpPr>
+              <p:cNvPr id="7" name="TextBox 6">
+                <a:extLst>
+                  <a:ext uri="{FF2B5EF4-FFF2-40B4-BE49-F238E27FC236}">
+                    <a16:creationId xmlns:a16="http://schemas.microsoft.com/office/drawing/2014/main" id="{D69E15AB-8715-4FD2-5BCE-B9B2E9B45C07}"/>
+                  </a:ext>
+                </a:extLst>
+              </p:cNvPr>
+              <p:cNvSpPr txBox="1"/>
+              <p:nvPr/>
+            </p:nvSpPr>
+            <p:spPr>
+              <a:xfrm>
+                <a:off x="4941377" y="4041641"/>
+                <a:ext cx="1463629" cy="420628"/>
+              </a:xfrm>
+              <a:prstGeom prst="rect">
+                <a:avLst/>
+              </a:prstGeom>
+              <a:noFill/>
+            </p:spPr>
+            <p:txBody>
+              <a:bodyPr wrap="square" rIns="0">
+                <a:spAutoFit/>
+              </a:bodyPr>
+              <a:lstStyle/>
+              <a:p>
+                <a:r>
+                  <a:rPr lang="en-GB" sz="3200" baseline="-11000" dirty="0">
+                    <a:solidFill>
+                      <a:schemeClr val="bg2">
+                        <a:lumMod val="40000"/>
+                        <a:lumOff val="60000"/>
+                      </a:schemeClr>
+                    </a:solidFill>
+                    <a:effectLst>
+                      <a:glow>
+                        <a:schemeClr val="bg1"/>
+                      </a:glow>
+                    </a:effectLst>
+                  </a:rPr>
+                  <a:t>📡</a:t>
+                </a:r>
+                <a:r>
+                  <a:rPr lang="en-GB" sz="2000" dirty="0"/>
+                  <a:t> Antenna</a:t>
+                </a:r>
+              </a:p>
+            </p:txBody>
+          </p:sp>
+        </p:grpSp>
+        <p:grpSp>
+          <p:nvGrpSpPr>
+            <p:cNvPr id="27" name="Group 26">
+              <a:extLst>
+                <a:ext uri="{FF2B5EF4-FFF2-40B4-BE49-F238E27FC236}">
+                  <a16:creationId xmlns:a16="http://schemas.microsoft.com/office/drawing/2014/main" id="{4ED19AAC-BA62-C22C-EE36-034D7D5D2ED0}"/>
+                </a:ext>
+              </a:extLst>
+            </p:cNvPr>
+            <p:cNvGrpSpPr/>
+            <p:nvPr/>
+          </p:nvGrpSpPr>
+          <p:grpSpPr>
+            <a:xfrm>
+              <a:off x="11004396" y="1573271"/>
+              <a:ext cx="1511474" cy="512403"/>
+              <a:chOff x="4941376" y="3971594"/>
+              <a:chExt cx="1511474" cy="512403"/>
+            </a:xfrm>
+          </p:grpSpPr>
+          <p:sp>
+            <p:nvSpPr>
+              <p:cNvPr id="28" name="Rectangle 27">
+                <a:extLst>
+                  <a:ext uri="{FF2B5EF4-FFF2-40B4-BE49-F238E27FC236}">
+                    <a16:creationId xmlns:a16="http://schemas.microsoft.com/office/drawing/2014/main" id="{8C6EA05B-5D6F-5FAD-97FD-E67388D6AF51}"/>
+                  </a:ext>
+                </a:extLst>
+              </p:cNvPr>
+              <p:cNvSpPr/>
+              <p:nvPr/>
+            </p:nvSpPr>
+            <p:spPr>
+              <a:xfrm>
+                <a:off x="4941376" y="3971594"/>
+                <a:ext cx="1511474" cy="512403"/>
+              </a:xfrm>
+              <a:prstGeom prst="rect">
+                <a:avLst/>
+              </a:prstGeom>
+              <a:solidFill>
+                <a:schemeClr val="bg1"/>
+              </a:solidFill>
+              <a:ln w="12700">
+                <a:solidFill>
+                  <a:srgbClr val="5A6B86"/>
+                </a:solidFill>
+                <a:prstDash val="dash"/>
+              </a:ln>
+            </p:spPr>
+            <p:style>
+              <a:lnRef idx="2">
+                <a:schemeClr val="accent1">
+                  <a:shade val="50000"/>
+                </a:schemeClr>
+              </a:lnRef>
+              <a:fillRef idx="1">
+                <a:schemeClr val="accent1"/>
+              </a:fillRef>
+              <a:effectRef idx="0">
+                <a:schemeClr val="accent1"/>
+              </a:effectRef>
+              <a:fontRef idx="minor">
+                <a:schemeClr val="lt1"/>
+              </a:fontRef>
+            </p:style>
+            <p:txBody>
+              <a:bodyPr tIns="36000"/>
+              <a:lstStyle/>
+              <a:p>
+                <a:pPr eaLnBrk="1" fontAlgn="auto" hangingPunct="1">
+                  <a:spcBef>
+                    <a:spcPts val="0"/>
+                  </a:spcBef>
+                  <a:spcAft>
+                    <a:spcPts val="0"/>
+                  </a:spcAft>
+                  <a:defRPr/>
+                </a:pPr>
+                <a:endParaRPr lang="en-US" sz="2000" i="1" dirty="0">
+                  <a:solidFill>
+                    <a:schemeClr val="bg2">
+                      <a:lumMod val="40000"/>
+                      <a:lumOff val="60000"/>
+                    </a:schemeClr>
+                  </a:solidFill>
+                  <a:effectLst>
+                    <a:glow>
+                      <a:schemeClr val="bg1"/>
+                    </a:glow>
+                  </a:effectLst>
+                </a:endParaRPr>
+              </a:p>
+            </p:txBody>
+          </p:sp>
+          <p:sp>
+            <p:nvSpPr>
+              <p:cNvPr id="29" name="TextBox 28">
+                <a:extLst>
+                  <a:ext uri="{FF2B5EF4-FFF2-40B4-BE49-F238E27FC236}">
+                    <a16:creationId xmlns:a16="http://schemas.microsoft.com/office/drawing/2014/main" id="{D727E6EE-EA55-8D5C-180C-C734723891EF}"/>
+                  </a:ext>
+                </a:extLst>
+              </p:cNvPr>
+              <p:cNvSpPr txBox="1"/>
+              <p:nvPr/>
+            </p:nvSpPr>
+            <p:spPr>
+              <a:xfrm>
+                <a:off x="4995167" y="4050606"/>
+                <a:ext cx="1302958" cy="379591"/>
+              </a:xfrm>
+              <a:prstGeom prst="rect">
+                <a:avLst/>
+              </a:prstGeom>
+              <a:noFill/>
+            </p:spPr>
+            <p:txBody>
+              <a:bodyPr wrap="square">
+                <a:spAutoFit/>
+              </a:bodyPr>
+              <a:lstStyle/>
+              <a:p>
+                <a:r>
+                  <a:rPr lang="en-GB" sz="2800" baseline="-11000" noProof="1">
+                    <a:solidFill>
+                      <a:schemeClr val="bg2">
+                        <a:lumMod val="40000"/>
+                        <a:lumOff val="60000"/>
+                      </a:schemeClr>
+                    </a:solidFill>
+                    <a:effectLst>
+                      <a:glow>
+                        <a:schemeClr val="bg1"/>
+                      </a:glow>
+                    </a:effectLst>
+                  </a:rPr>
+                  <a:t>🛜</a:t>
+                </a:r>
+                <a:r>
+                  <a:rPr lang="en-GB" noProof="1"/>
+                  <a:t> Wi-Fier</a:t>
+                </a:r>
+              </a:p>
+            </p:txBody>
+          </p:sp>
+        </p:grpSp>
+        <p:grpSp>
+          <p:nvGrpSpPr>
+            <p:cNvPr id="23" name="Group 22">
+              <a:extLst>
+                <a:ext uri="{FF2B5EF4-FFF2-40B4-BE49-F238E27FC236}">
+                  <a16:creationId xmlns:a16="http://schemas.microsoft.com/office/drawing/2014/main" id="{4072AAF7-C82A-76C6-EE22-8C1F13D0EAB9}"/>
+                </a:ext>
+              </a:extLst>
+            </p:cNvPr>
+            <p:cNvGrpSpPr/>
+            <p:nvPr/>
+          </p:nvGrpSpPr>
+          <p:grpSpPr>
+            <a:xfrm>
+              <a:off x="11004396" y="932375"/>
+              <a:ext cx="1511473" cy="512403"/>
+              <a:chOff x="4941376" y="3971594"/>
+              <a:chExt cx="1511473" cy="512403"/>
+            </a:xfrm>
+          </p:grpSpPr>
+          <p:sp>
+            <p:nvSpPr>
+              <p:cNvPr id="24" name="Rectangle 23">
+                <a:extLst>
+                  <a:ext uri="{FF2B5EF4-FFF2-40B4-BE49-F238E27FC236}">
+                    <a16:creationId xmlns:a16="http://schemas.microsoft.com/office/drawing/2014/main" id="{3F6279B9-CA9E-E649-D350-4179EDF3BE41}"/>
+                  </a:ext>
+                </a:extLst>
+              </p:cNvPr>
+              <p:cNvSpPr/>
+              <p:nvPr/>
+            </p:nvSpPr>
+            <p:spPr>
+              <a:xfrm>
+                <a:off x="4941376" y="3971594"/>
+                <a:ext cx="1511473" cy="512403"/>
+              </a:xfrm>
+              <a:prstGeom prst="rect">
+                <a:avLst/>
+              </a:prstGeom>
+              <a:solidFill>
+                <a:schemeClr val="bg1"/>
+              </a:solidFill>
+              <a:ln w="12700">
+                <a:solidFill>
+                  <a:srgbClr val="5A6B86"/>
+                </a:solidFill>
+                <a:prstDash val="dash"/>
+              </a:ln>
+            </p:spPr>
+            <p:style>
+              <a:lnRef idx="2">
+                <a:schemeClr val="accent1">
+                  <a:shade val="50000"/>
+                </a:schemeClr>
+              </a:lnRef>
+              <a:fillRef idx="1">
+                <a:schemeClr val="accent1"/>
+              </a:fillRef>
+              <a:effectRef idx="0">
+                <a:schemeClr val="accent1"/>
+              </a:effectRef>
+              <a:fontRef idx="minor">
+                <a:schemeClr val="lt1"/>
+              </a:fontRef>
+            </p:style>
+            <p:txBody>
+              <a:bodyPr tIns="36000"/>
+              <a:lstStyle/>
+              <a:p>
+                <a:pPr eaLnBrk="1" fontAlgn="auto" hangingPunct="1">
+                  <a:spcBef>
+                    <a:spcPts val="0"/>
+                  </a:spcBef>
+                  <a:spcAft>
+                    <a:spcPts val="0"/>
+                  </a:spcAft>
+                  <a:defRPr/>
+                </a:pPr>
+                <a:endParaRPr lang="en-US" sz="2000" i="1" dirty="0">
+                  <a:solidFill>
+                    <a:schemeClr val="bg2">
+                      <a:lumMod val="40000"/>
+                      <a:lumOff val="60000"/>
+                    </a:schemeClr>
+                  </a:solidFill>
+                  <a:effectLst>
+                    <a:glow>
+                      <a:schemeClr val="bg1"/>
+                    </a:glow>
+                  </a:effectLst>
+                </a:endParaRPr>
+              </a:p>
+            </p:txBody>
+          </p:sp>
+          <p:sp>
+            <p:nvSpPr>
+              <p:cNvPr id="26" name="TextBox 25">
+                <a:extLst>
+                  <a:ext uri="{FF2B5EF4-FFF2-40B4-BE49-F238E27FC236}">
+                    <a16:creationId xmlns:a16="http://schemas.microsoft.com/office/drawing/2014/main" id="{AD924A2B-C466-1F7E-FB1C-F64D4A6A76FF}"/>
+                  </a:ext>
+                </a:extLst>
+              </p:cNvPr>
+              <p:cNvSpPr txBox="1"/>
+              <p:nvPr/>
+            </p:nvSpPr>
+            <p:spPr>
+              <a:xfrm>
+                <a:off x="4941377" y="4041641"/>
+                <a:ext cx="1356748" cy="379591"/>
+              </a:xfrm>
+              <a:prstGeom prst="rect">
+                <a:avLst/>
+              </a:prstGeom>
+              <a:noFill/>
+            </p:spPr>
+            <p:txBody>
+              <a:bodyPr wrap="square">
+                <a:spAutoFit/>
+              </a:bodyPr>
+              <a:lstStyle/>
+              <a:p>
+                <a:r>
+                  <a:rPr lang="en-GB" sz="2800" baseline="-11000" dirty="0">
+                    <a:solidFill>
+                      <a:schemeClr val="bg2">
+                        <a:lumMod val="40000"/>
+                        <a:lumOff val="60000"/>
+                      </a:schemeClr>
+                    </a:solidFill>
+                    <a:effectLst>
+                      <a:glow>
+                        <a:schemeClr val="bg1"/>
+                      </a:glow>
+                    </a:effectLst>
+                  </a:rPr>
+                  <a:t>🔆</a:t>
+                </a:r>
+                <a:r>
+                  <a:rPr lang="en-GB" dirty="0"/>
+                  <a:t> NFC QR</a:t>
+                </a:r>
+              </a:p>
+            </p:txBody>
+          </p:sp>
+        </p:grpSp>
+      </p:grpSp>
+      <p:cxnSp>
+        <p:nvCxnSpPr>
+          <p:cNvPr id="70" name="Straight Arrow Connector 12">
+            <a:extLst>
+              <a:ext uri="{FF2B5EF4-FFF2-40B4-BE49-F238E27FC236}">
+                <a16:creationId xmlns:a16="http://schemas.microsoft.com/office/drawing/2014/main" id="{A19E259B-F85B-B7B4-9761-8238969AC637}"/>
+              </a:ext>
+            </a:extLst>
+          </p:cNvPr>
+          <p:cNvCxnSpPr>
+            <a:cxnSpLocks/>
+            <a:stCxn id="53" idx="3"/>
+            <a:endCxn id="26" idx="1"/>
+          </p:cNvCxnSpPr>
+          <p:nvPr/>
+        </p:nvCxnSpPr>
+        <p:spPr>
+          <a:xfrm flipV="1">
+            <a:off x="5487771" y="1558325"/>
+            <a:ext cx="3420000" cy="0"/>
+          </a:xfrm>
+          <a:prstGeom prst="straightConnector1">
+            <a:avLst/>
+          </a:prstGeom>
+          <a:ln>
+            <a:solidFill>
+              <a:schemeClr val="tx1"/>
+            </a:solidFill>
+            <a:tailEnd type="triangle" w="lg" len="lg"/>
+          </a:ln>
+        </p:spPr>
+        <p:style>
+          <a:lnRef idx="3">
+            <a:schemeClr val="accent2"/>
+          </a:lnRef>
+          <a:fillRef idx="0">
+            <a:schemeClr val="accent2"/>
+          </a:fillRef>
+          <a:effectRef idx="2">
+            <a:schemeClr val="accent2"/>
+          </a:effectRef>
+          <a:fontRef idx="minor">
+            <a:schemeClr val="tx1"/>
+          </a:fontRef>
+        </p:style>
+      </p:cxnSp>
+      <p:cxnSp>
+        <p:nvCxnSpPr>
+          <p:cNvPr id="73" name="Straight Arrow Connector 12">
+            <a:extLst>
+              <a:ext uri="{FF2B5EF4-FFF2-40B4-BE49-F238E27FC236}">
+                <a16:creationId xmlns:a16="http://schemas.microsoft.com/office/drawing/2014/main" id="{8463211E-BC02-D7E1-EB06-9FEBCFD946E5}"/>
+              </a:ext>
+            </a:extLst>
+          </p:cNvPr>
+          <p:cNvCxnSpPr>
+            <a:cxnSpLocks/>
+            <a:stCxn id="51" idx="3"/>
+            <a:endCxn id="28" idx="1"/>
+          </p:cNvCxnSpPr>
+          <p:nvPr/>
+        </p:nvCxnSpPr>
+        <p:spPr>
+          <a:xfrm flipV="1">
+            <a:off x="5495458" y="2195580"/>
+            <a:ext cx="3409200" cy="0"/>
+          </a:xfrm>
+          <a:prstGeom prst="straightConnector1">
+            <a:avLst/>
+          </a:prstGeom>
+          <a:ln>
+            <a:solidFill>
+              <a:schemeClr val="tx1"/>
+            </a:solidFill>
+            <a:tailEnd type="triangle" w="lg" len="lg"/>
+          </a:ln>
+        </p:spPr>
+        <p:style>
+          <a:lnRef idx="3">
+            <a:schemeClr val="accent2"/>
+          </a:lnRef>
+          <a:fillRef idx="0">
+            <a:schemeClr val="accent2"/>
+          </a:fillRef>
+          <a:effectRef idx="2">
+            <a:schemeClr val="accent2"/>
+          </a:effectRef>
+          <a:fontRef idx="minor">
+            <a:schemeClr val="tx1"/>
+          </a:fontRef>
+        </p:style>
+      </p:cxnSp>
+      <p:cxnSp>
+        <p:nvCxnSpPr>
+          <p:cNvPr id="133" name="Straight Arrow Connector 12">
+            <a:extLst>
+              <a:ext uri="{FF2B5EF4-FFF2-40B4-BE49-F238E27FC236}">
+                <a16:creationId xmlns:a16="http://schemas.microsoft.com/office/drawing/2014/main" id="{61E878AA-E5C9-B38F-79F7-EC3C3CFFC3CA}"/>
+              </a:ext>
+            </a:extLst>
+          </p:cNvPr>
+          <p:cNvCxnSpPr>
+            <a:cxnSpLocks/>
+            <a:stCxn id="66" idx="2"/>
+            <a:endCxn id="28" idx="3"/>
+          </p:cNvCxnSpPr>
+          <p:nvPr/>
+        </p:nvCxnSpPr>
+        <p:spPr>
+          <a:xfrm rot="5400000">
+            <a:off x="10446071" y="1356010"/>
+            <a:ext cx="810951" cy="868188"/>
+          </a:xfrm>
+          <a:prstGeom prst="bentConnector2">
+            <a:avLst/>
+          </a:prstGeom>
+          <a:ln>
+            <a:solidFill>
+              <a:schemeClr val="tx1"/>
+            </a:solidFill>
+            <a:tailEnd type="triangle" w="lg" len="lg"/>
+          </a:ln>
+        </p:spPr>
+        <p:style>
+          <a:lnRef idx="3">
+            <a:schemeClr val="accent2"/>
+          </a:lnRef>
+          <a:fillRef idx="0">
+            <a:schemeClr val="accent2"/>
+          </a:fillRef>
+          <a:effectRef idx="2">
+            <a:schemeClr val="accent2"/>
+          </a:effectRef>
+          <a:fontRef idx="minor">
+            <a:schemeClr val="tx1"/>
+          </a:fontRef>
+        </p:style>
+      </p:cxnSp>
+      <p:sp>
+        <p:nvSpPr>
+          <p:cNvPr id="14" name="TextBox 13">
+            <a:extLst>
+              <a:ext uri="{FF2B5EF4-FFF2-40B4-BE49-F238E27FC236}">
+                <a16:creationId xmlns:a16="http://schemas.microsoft.com/office/drawing/2014/main" id="{3A0F6672-3CDD-DBD0-9A1B-E331698FA6F7}"/>
+              </a:ext>
+            </a:extLst>
+          </p:cNvPr>
+          <p:cNvSpPr txBox="1"/>
+          <p:nvPr/>
+        </p:nvSpPr>
+        <p:spPr>
+          <a:xfrm>
+            <a:off x="7688235" y="1923296"/>
+            <a:ext cx="956116" cy="1446550"/>
+          </a:xfrm>
+          <a:prstGeom prst="rect">
+            <a:avLst/>
+          </a:prstGeom>
+          <a:noFill/>
+        </p:spPr>
+        <p:txBody>
+          <a:bodyPr wrap="square">
+            <a:spAutoFit/>
+          </a:bodyPr>
+          <a:lstStyle/>
+          <a:p>
+            <a:r>
+              <a:rPr lang="en-US" sz="8800" baseline="-11000" dirty="0">
+                <a:solidFill>
+                  <a:schemeClr val="bg2">
+                    <a:lumMod val="40000"/>
+                    <a:lumOff val="60000"/>
+                  </a:schemeClr>
+                </a:solidFill>
+                <a:effectLst>
+                  <a:glow>
+                    <a:schemeClr val="bg1"/>
+                  </a:glow>
+                </a:effectLst>
+              </a:rPr>
+              <a:t>☕</a:t>
+            </a:r>
+            <a:endParaRPr lang="en-PT" sz="8800"/>
+          </a:p>
+        </p:txBody>
+      </p:sp>
+    </p:spTree>
+    <p:extLst>
+      <p:ext uri="{BB962C8B-B14F-4D97-AF65-F5344CB8AC3E}">
+        <p14:creationId xmlns:p14="http://schemas.microsoft.com/office/powerpoint/2010/main" val="2273342415"/>
+      </p:ext>
+    </p:extLst>
+  </p:cSld>
+  <p:clrMapOvr>
+    <a:masterClrMapping/>
+  </p:clrMapOvr>
+  <p:transition>
+    <p:fade/>
+  </p:transition>
+</p:sld>
+</file>
+
+<file path=ppt/slides/slide6.xml><?xml version="1.0" encoding="utf-8"?>
+<p:sld xmlns:a="http://schemas.openxmlformats.org/drawingml/2006/main" xmlns:r="http://schemas.openxmlformats.org/officeDocument/2006/relationships" xmlns:p="http://schemas.openxmlformats.org/presentationml/2006/main">
+  <p:cSld>
+    <p:spTree>
+      <p:nvGrpSpPr>
+        <p:cNvPr id="1" name="">
+          <a:extLst>
+            <a:ext uri="{FF2B5EF4-FFF2-40B4-BE49-F238E27FC236}">
+              <a16:creationId xmlns:a16="http://schemas.microsoft.com/office/drawing/2014/main" id="{58CD5548-3694-C038-97A8-01C7CED6F323}"/>
+            </a:ext>
+          </a:extLst>
+        </p:cNvPr>
+        <p:cNvGrpSpPr/>
+        <p:nvPr/>
+      </p:nvGrpSpPr>
+      <p:grpSpPr>
+        <a:xfrm>
+          <a:off x="0" y="0"/>
+          <a:ext cx="0" cy="0"/>
+          <a:chOff x="0" y="0"/>
+          <a:chExt cx="0" cy="0"/>
+        </a:xfrm>
+      </p:grpSpPr>
+      <p:grpSp>
+        <p:nvGrpSpPr>
+          <p:cNvPr id="44" name="Group 43">
+            <a:extLst>
+              <a:ext uri="{FF2B5EF4-FFF2-40B4-BE49-F238E27FC236}">
                 <a16:creationId xmlns:a16="http://schemas.microsoft.com/office/drawing/2014/main" id="{3BED4478-F5D2-5954-527C-EDF35F579B28}"/>
               </a:ext>
             </a:extLst>
@@ -11361,7 +15955,7 @@
         </p:nvGrpSpPr>
         <p:grpSpPr>
           <a:xfrm>
-            <a:off x="3599748" y="1241141"/>
+            <a:off x="3118478" y="1241141"/>
             <a:ext cx="1988691" cy="1383576"/>
             <a:chOff x="4959152" y="4727414"/>
             <a:chExt cx="1988691" cy="1383576"/>
@@ -11956,6 +16550,22 @@
                 <a:defRPr/>
               </a:pPr>
               <a:r>
+                <a:rPr lang="en-GB" sz="3200" baseline="-11000" dirty="0">
+                  <a:solidFill>
+                    <a:schemeClr val="bg2">
+                      <a:lumMod val="40000"/>
+                      <a:lumOff val="60000"/>
+                    </a:schemeClr>
+                  </a:solidFill>
+                  <a:effectLst>
+                    <a:glow>
+                      <a:schemeClr val="bg1"/>
+                    </a:glow>
+                  </a:effectLst>
+                </a:rPr>
+                <a:t>👥</a:t>
+              </a:r>
+              <a:r>
                 <a:rPr lang="en-GB" sz="2800" baseline="-11000" dirty="0">
                   <a:solidFill>
                     <a:schemeClr val="bg2">
@@ -11969,7 +16579,7 @@
                     </a:glow>
                   </a:effectLst>
                 </a:rPr>
-                <a:t>🍏 </a:t>
+                <a:t> </a:t>
               </a:r>
               <a:r>
                 <a:rPr lang="en-US" sz="2000" i="1" dirty="0">
@@ -11985,7 +16595,7 @@
                     </a:glow>
                   </a:effectLst>
                 </a:rPr>
-                <a:t>brand bound</a:t>
+                <a:t>domain</a:t>
               </a:r>
             </a:p>
           </p:txBody>
@@ -12048,7 +16658,7 @@
                 <a:defRPr/>
               </a:pPr>
               <a:r>
-                <a:rPr lang="en-GB" sz="4400" baseline="-9000" dirty="0">
+                <a:rPr lang="en-GB" sz="3200" baseline="-9000" dirty="0">
                   <a:solidFill>
                     <a:schemeClr val="bg2">
                       <a:lumMod val="40000"/>
@@ -12061,7 +16671,7 @@
                     </a:glow>
                   </a:effectLst>
                 </a:rPr>
-                <a:t>🪄</a:t>
+                <a:t>🛜</a:t>
               </a:r>
               <a:r>
                 <a:rPr lang="en-GB" sz="2400" dirty="0">
@@ -12071,7 +16681,7 @@
                   <a:latin typeface="+mj-lt"/>
                   <a:cs typeface="Arial" panose="020B0604020202020204" pitchFamily="34" charset="0"/>
                 </a:rPr>
-                <a:t> Wand</a:t>
+                <a:t> Wi-Fier</a:t>
               </a:r>
             </a:p>
           </p:txBody>
@@ -12091,8 +16701,8 @@
         </p:nvSpPr>
         <p:spPr>
           <a:xfrm>
-            <a:off x="7485124" y="211042"/>
-            <a:ext cx="4519307" cy="3247266"/>
+            <a:off x="8577333" y="211042"/>
+            <a:ext cx="3462268" cy="2752633"/>
           </a:xfrm>
           <a:prstGeom prst="rect">
             <a:avLst/>
@@ -12166,7 +16776,7 @@
         </p:nvSpPr>
         <p:spPr>
           <a:xfrm>
-            <a:off x="7493590" y="240110"/>
+            <a:off x="8680133" y="283654"/>
             <a:ext cx="2242841" cy="400110"/>
           </a:xfrm>
           <a:prstGeom prst="rect">
@@ -12399,7 +17009,7 @@
                   </a:glow>
                 </a:effectLst>
               </a:rPr>
-              <a:t> home</a:t>
+              <a:t> on-premises</a:t>
             </a:r>
           </a:p>
         </p:txBody>
@@ -12418,7 +17028,7 @@
         </p:nvGrpSpPr>
         <p:grpSpPr>
           <a:xfrm>
-            <a:off x="10726797" y="672473"/>
+            <a:off x="10726797" y="345900"/>
             <a:ext cx="1164577" cy="735598"/>
             <a:chOff x="8013515" y="2736815"/>
             <a:chExt cx="1164577" cy="735598"/>
@@ -12535,18 +17145,11 @@
                     </a:glow>
                   </a:effectLst>
                 </a:rPr>
-                <a:t>🛜</a:t>
+                <a:t>🛜 </a:t>
               </a:r>
               <a:r>
                 <a:rPr lang="en-GB" noProof="1"/>
-                <a:t> home </a:t>
-              </a:r>
-              <a:br>
-                <a:rPr lang="en-GB" noProof="1"/>
-              </a:br>
-              <a:r>
-                <a:rPr lang="en-GB" noProof="1"/>
-                <a:t>Wi-Fi</a:t>
+                <a:t>Wi-Fi router</a:t>
               </a:r>
             </a:p>
           </p:txBody>
@@ -12713,7 +17316,7 @@
                 <a:defRPr/>
               </a:pPr>
               <a:r>
-                <a:rPr lang="en-US" sz="2800" baseline="-11000">
+                <a:rPr lang="en-US" sz="2800" baseline="-11000" dirty="0">
                   <a:solidFill>
                     <a:schemeClr val="bg2">
                       <a:lumMod val="40000"/>
@@ -12729,7 +17332,7 @@
                 <a:t>🧑‍🦰 </a:t>
               </a:r>
               <a:r>
-                <a:rPr lang="en-US" sz="2000" i="1">
+                <a:rPr lang="en-US" sz="2000" i="1" dirty="0">
                   <a:solidFill>
                     <a:schemeClr val="bg2">
                       <a:lumMod val="40000"/>
@@ -12742,7 +17345,7 @@
                     </a:glow>
                   </a:effectLst>
                 </a:rPr>
-                <a:t>user bound</a:t>
+                <a:t>user agent</a:t>
               </a:r>
             </a:p>
           </p:txBody>
@@ -12766,8 +17369,8 @@
         </p:nvCxnSpPr>
         <p:spPr>
           <a:xfrm rot="16200000" flipV="1">
-            <a:off x="3266707" y="-86247"/>
-            <a:ext cx="339481" cy="2315295"/>
+            <a:off x="3026072" y="154388"/>
+            <a:ext cx="339481" cy="1834025"/>
           </a:xfrm>
           <a:prstGeom prst="bentConnector2">
             <a:avLst/>
@@ -12812,8 +17415,8 @@
         </p:nvCxnSpPr>
         <p:spPr>
           <a:xfrm rot="5400000">
-            <a:off x="3308515" y="1539434"/>
-            <a:ext cx="267056" cy="2304103"/>
+            <a:off x="3067880" y="1780069"/>
+            <a:ext cx="267056" cy="1822833"/>
           </a:xfrm>
           <a:prstGeom prst="bentConnector2">
             <a:avLst/>
@@ -13150,7 +17753,7 @@
                     </a:glow>
                   </a:effectLst>
                 </a:rPr>
-                <a:t>- translate locator </a:t>
+                <a:t>translate locator </a:t>
               </a:r>
               <a:r>
                 <a:rPr lang="en-GB" baseline="-11000" dirty="0">
@@ -13197,7 +17800,7 @@
                     </a:glow>
                   </a:effectLst>
                 </a:rPr>
-                <a:t>- get direct wi-fi config</a:t>
+                <a:t>and get BLE config</a:t>
               </a:r>
             </a:p>
           </p:txBody>
@@ -13217,10 +17820,10 @@
         </p:nvGrpSpPr>
         <p:grpSpPr>
           <a:xfrm>
-            <a:off x="2412402" y="2963675"/>
-            <a:ext cx="3319530" cy="707886"/>
-            <a:chOff x="2343832" y="2201084"/>
-            <a:chExt cx="3319530" cy="707886"/>
+            <a:off x="2412402" y="2941903"/>
+            <a:ext cx="2873824" cy="707886"/>
+            <a:chOff x="2343832" y="2179312"/>
+            <a:chExt cx="2873824" cy="707886"/>
           </a:xfrm>
         </p:grpSpPr>
         <p:sp>
@@ -13296,8 +17899,8 @@
           </p:nvSpPr>
           <p:spPr>
             <a:xfrm>
-              <a:off x="2713889" y="2201084"/>
-              <a:ext cx="2949473" cy="707886"/>
+              <a:off x="2735662" y="2179312"/>
+              <a:ext cx="2481994" cy="707886"/>
             </a:xfrm>
             <a:prstGeom prst="rect">
               <a:avLst/>
@@ -13513,38 +18116,7 @@
                     </a:glow>
                   </a:effectLst>
                 </a:rPr>
-                <a:t>get home wi-fi </a:t>
-              </a:r>
-              <a:br>
-                <a:rPr lang="en-US" sz="2000" i="1" dirty="0">
-                  <a:solidFill>
-                    <a:schemeClr val="bg2">
-                      <a:lumMod val="40000"/>
-                      <a:lumOff val="60000"/>
-                    </a:schemeClr>
-                  </a:solidFill>
-                  <a:effectLst>
-                    <a:glow>
-                      <a:schemeClr val="bg1"/>
-                    </a:glow>
-                  </a:effectLst>
-                </a:rPr>
-              </a:br>
-              <a:r>
-                <a:rPr lang="en-US" sz="2000" i="1" dirty="0">
-                  <a:solidFill>
-                    <a:schemeClr val="bg2">
-                      <a:lumMod val="40000"/>
-                      <a:lumOff val="60000"/>
-                    </a:schemeClr>
-                  </a:solidFill>
-                  <a:effectLst>
-                    <a:glow>
-                      <a:schemeClr val="bg1"/>
-                    </a:glow>
-                  </a:effectLst>
-                </a:rPr>
-                <a:t>password</a:t>
+                <a:t>share on-premises Wi-Fi credentials</a:t>
               </a:r>
             </a:p>
           </p:txBody>
@@ -13564,10 +18136,10 @@
         </p:nvGrpSpPr>
         <p:grpSpPr>
           <a:xfrm>
-            <a:off x="5721573" y="767420"/>
-            <a:ext cx="1391603" cy="765442"/>
-            <a:chOff x="2343832" y="2223776"/>
-            <a:chExt cx="1391603" cy="765442"/>
+            <a:off x="5264453" y="1055021"/>
+            <a:ext cx="2006749" cy="400110"/>
+            <a:chOff x="2343832" y="2128929"/>
+            <a:chExt cx="2006749" cy="400110"/>
           </a:xfrm>
         </p:grpSpPr>
         <p:sp>
@@ -13584,7 +18156,7 @@
           </p:nvSpPr>
           <p:spPr>
             <a:xfrm>
-              <a:off x="2343832" y="2223776"/>
+              <a:off x="2343832" y="2147574"/>
               <a:ext cx="360000" cy="360000"/>
             </a:xfrm>
             <a:prstGeom prst="roundRect">
@@ -13643,8 +18215,8 @@
           </p:nvSpPr>
           <p:spPr>
             <a:xfrm>
-              <a:off x="2711484" y="2281332"/>
-              <a:ext cx="1023951" cy="707886"/>
+              <a:off x="2711484" y="2128929"/>
+              <a:ext cx="1639097" cy="400110"/>
             </a:xfrm>
             <a:prstGeom prst="rect">
               <a:avLst/>
@@ -13860,38 +18432,7 @@
                     </a:glow>
                   </a:effectLst>
                 </a:rPr>
-                <a:t>tap or</a:t>
-              </a:r>
-              <a:br>
-                <a:rPr lang="en-US" sz="2000" i="1" dirty="0">
-                  <a:solidFill>
-                    <a:schemeClr val="bg2">
-                      <a:lumMod val="40000"/>
-                      <a:lumOff val="60000"/>
-                    </a:schemeClr>
-                  </a:solidFill>
-                  <a:effectLst>
-                    <a:glow>
-                      <a:schemeClr val="bg1"/>
-                    </a:glow>
-                  </a:effectLst>
-                </a:rPr>
-              </a:br>
-              <a:r>
-                <a:rPr lang="en-US" sz="2000" i="1" dirty="0">
-                  <a:solidFill>
-                    <a:schemeClr val="bg2">
-                      <a:lumMod val="40000"/>
-                      <a:lumOff val="60000"/>
-                    </a:schemeClr>
-                  </a:solidFill>
-                  <a:effectLst>
-                    <a:glow>
-                      <a:schemeClr val="bg1"/>
-                    </a:glow>
-                  </a:effectLst>
-                </a:rPr>
-                <a:t>scan</a:t>
+                <a:t>tap or scan</a:t>
               </a:r>
             </a:p>
           </p:txBody>
@@ -13911,10 +18452,10 @@
         </p:nvGrpSpPr>
         <p:grpSpPr>
           <a:xfrm>
-            <a:off x="5225162" y="2321297"/>
-            <a:ext cx="2081741" cy="1323439"/>
-            <a:chOff x="1853248" y="2159482"/>
-            <a:chExt cx="2081741" cy="1323439"/>
+            <a:off x="5268706" y="2266867"/>
+            <a:ext cx="3651107" cy="707886"/>
+            <a:chOff x="1896792" y="2105052"/>
+            <a:chExt cx="3651107" cy="707886"/>
           </a:xfrm>
         </p:grpSpPr>
         <p:sp>
@@ -13931,7 +18472,7 @@
           </p:nvSpPr>
           <p:spPr>
             <a:xfrm>
-              <a:off x="1853248" y="2502803"/>
+              <a:off x="1896792" y="2198001"/>
               <a:ext cx="360000" cy="360000"/>
             </a:xfrm>
             <a:prstGeom prst="roundRect">
@@ -13990,8 +18531,8 @@
           </p:nvSpPr>
           <p:spPr>
             <a:xfrm>
-              <a:off x="2266125" y="2159482"/>
-              <a:ext cx="1668864" cy="1323439"/>
+              <a:off x="2266124" y="2105052"/>
+              <a:ext cx="3281775" cy="707886"/>
             </a:xfrm>
             <a:prstGeom prst="rect">
               <a:avLst/>
@@ -14207,7 +18748,7 @@
                     </a:glow>
                   </a:effectLst>
                 </a:rPr>
-                <a:t>- connect,</a:t>
+                <a:t>connect via BLE and </a:t>
               </a:r>
               <a:br>
                 <a:rPr lang="en-US" sz="2000" i="1" dirty="0">
@@ -14238,69 +18779,7 @@
                     </a:glow>
                   </a:effectLst>
                 </a:rPr>
-                <a:t>- share</a:t>
-              </a:r>
-              <a:br>
-                <a:rPr lang="en-US" sz="2000" i="1" dirty="0">
-                  <a:solidFill>
-                    <a:schemeClr val="bg2">
-                      <a:lumMod val="40000"/>
-                      <a:lumOff val="60000"/>
-                    </a:schemeClr>
-                  </a:solidFill>
-                  <a:effectLst>
-                    <a:glow>
-                      <a:schemeClr val="bg1"/>
-                    </a:glow>
-                  </a:effectLst>
-                </a:rPr>
-              </a:br>
-              <a:r>
-                <a:rPr lang="en-US" sz="2000" i="1" dirty="0">
-                  <a:solidFill>
-                    <a:schemeClr val="bg2">
-                      <a:lumMod val="40000"/>
-                      <a:lumOff val="60000"/>
-                    </a:schemeClr>
-                  </a:solidFill>
-                  <a:effectLst>
-                    <a:glow>
-                      <a:schemeClr val="bg1"/>
-                    </a:glow>
-                  </a:effectLst>
-                </a:rPr>
-                <a:t>  password,</a:t>
-              </a:r>
-              <a:br>
-                <a:rPr lang="en-US" sz="2000" i="1" dirty="0">
-                  <a:solidFill>
-                    <a:schemeClr val="bg2">
-                      <a:lumMod val="40000"/>
-                      <a:lumOff val="60000"/>
-                    </a:schemeClr>
-                  </a:solidFill>
-                  <a:effectLst>
-                    <a:glow>
-                      <a:schemeClr val="bg1"/>
-                    </a:glow>
-                  </a:effectLst>
-                </a:rPr>
-              </a:br>
-              <a:r>
-                <a:rPr lang="en-US" sz="2000" i="1" dirty="0">
-                  <a:solidFill>
-                    <a:schemeClr val="bg2">
-                      <a:lumMod val="40000"/>
-                      <a:lumOff val="60000"/>
-                    </a:schemeClr>
-                  </a:solidFill>
-                  <a:effectLst>
-                    <a:glow>
-                      <a:schemeClr val="bg1"/>
-                    </a:glow>
-                  </a:effectLst>
-                </a:rPr>
-                <a:t>- disconnect</a:t>
+                <a:t>send Wi-Fi credentials</a:t>
               </a:r>
             </a:p>
           </p:txBody>
@@ -14320,10 +18799,10 @@
         </p:nvGrpSpPr>
         <p:grpSpPr>
           <a:xfrm>
-            <a:off x="10771993" y="2054147"/>
-            <a:ext cx="1187061" cy="1374277"/>
-            <a:chOff x="2295480" y="2200330"/>
-            <a:chExt cx="1187061" cy="1374277"/>
+            <a:off x="10212109" y="1858205"/>
+            <a:ext cx="1746945" cy="1066500"/>
+            <a:chOff x="1735596" y="2200330"/>
+            <a:chExt cx="1746945" cy="1066500"/>
           </a:xfrm>
         </p:grpSpPr>
         <p:sp>
@@ -14399,8 +18878,8 @@
           </p:nvSpPr>
           <p:spPr>
             <a:xfrm>
-              <a:off x="2295480" y="2558944"/>
-              <a:ext cx="1187061" cy="1015663"/>
+              <a:off x="1735596" y="2558944"/>
+              <a:ext cx="1746945" cy="707886"/>
             </a:xfrm>
             <a:prstGeom prst="rect">
               <a:avLst/>
@@ -14647,38 +19126,7 @@
                     </a:glow>
                   </a:effectLst>
                 </a:rPr>
-                <a:t>to home</a:t>
-              </a:r>
-              <a:br>
-                <a:rPr lang="en-US" sz="2000" i="1" dirty="0">
-                  <a:solidFill>
-                    <a:schemeClr val="bg2">
-                      <a:lumMod val="40000"/>
-                      <a:lumOff val="60000"/>
-                    </a:schemeClr>
-                  </a:solidFill>
-                  <a:effectLst>
-                    <a:glow>
-                      <a:schemeClr val="bg1"/>
-                    </a:glow>
-                  </a:effectLst>
-                </a:rPr>
-              </a:br>
-              <a:r>
-                <a:rPr lang="en-US" sz="2000" i="1" dirty="0">
-                  <a:solidFill>
-                    <a:schemeClr val="bg2">
-                      <a:lumMod val="40000"/>
-                      <a:lumOff val="60000"/>
-                    </a:schemeClr>
-                  </a:solidFill>
-                  <a:effectLst>
-                    <a:glow>
-                      <a:schemeClr val="bg1"/>
-                    </a:glow>
-                  </a:effectLst>
-                </a:rPr>
-                <a:t>wi-fi</a:t>
+                <a:t>to router</a:t>
               </a:r>
             </a:p>
           </p:txBody>
@@ -14699,7 +19147,7 @@
         <p:spPr>
           <a:xfrm>
             <a:off x="218143" y="6278524"/>
-            <a:ext cx="1280800" cy="523220"/>
+            <a:ext cx="2173672" cy="523220"/>
           </a:xfrm>
           <a:prstGeom prst="rect">
             <a:avLst/>
@@ -14719,17 +19167,84 @@
                   <a:srgbClr val="FFFF00"/>
                 </a:solidFill>
               </a:rPr>
-              <a:t>WI-FIER</a:t>
+              <a:t>WI-FIER #2/2</a:t>
             </a:r>
+          </a:p>
+        </p:txBody>
+      </p:sp>
+      <p:sp>
+        <p:nvSpPr>
+          <p:cNvPr id="3" name="Rectangle 2">
+            <a:extLst>
+              <a:ext uri="{FF2B5EF4-FFF2-40B4-BE49-F238E27FC236}">
+                <a16:creationId xmlns:a16="http://schemas.microsoft.com/office/drawing/2014/main" id="{82241049-C218-C6E9-C48B-FBF8A747CB6F}"/>
+              </a:ext>
+            </a:extLst>
+          </p:cNvPr>
+          <p:cNvSpPr/>
+          <p:nvPr/>
+        </p:nvSpPr>
+        <p:spPr>
+          <a:xfrm>
+            <a:off x="8788567" y="1143000"/>
+            <a:ext cx="1724308" cy="1481717"/>
+          </a:xfrm>
+          <a:prstGeom prst="rect">
+            <a:avLst/>
+          </a:prstGeom>
+          <a:solidFill>
+            <a:schemeClr val="bg1">
+              <a:lumMod val="85000"/>
+              <a:lumOff val="15000"/>
+            </a:schemeClr>
+          </a:solidFill>
+          <a:ln w="12700">
+            <a:noFill/>
+            <a:prstDash val="dash"/>
+          </a:ln>
+        </p:spPr>
+        <p:style>
+          <a:lnRef idx="2">
+            <a:schemeClr val="accent1">
+              <a:shade val="50000"/>
+            </a:schemeClr>
+          </a:lnRef>
+          <a:fillRef idx="1">
+            <a:schemeClr val="accent1"/>
+          </a:fillRef>
+          <a:effectRef idx="0">
+            <a:schemeClr val="accent1"/>
+          </a:effectRef>
+          <a:fontRef idx="minor">
+            <a:schemeClr val="lt1"/>
+          </a:fontRef>
+        </p:style>
+        <p:txBody>
+          <a:bodyPr tIns="36000"/>
+          <a:lstStyle/>
+          <a:p>
+            <a:endParaRPr lang="en-GB" sz="2000" dirty="0">
+              <a:solidFill>
+                <a:schemeClr val="bg2">
+                  <a:lumMod val="40000"/>
+                  <a:lumOff val="60000"/>
+                </a:schemeClr>
+              </a:solidFill>
+              <a:effectLst>
+                <a:glow>
+                  <a:schemeClr val="bg1"/>
+                </a:glow>
+              </a:effectLst>
+            </a:endParaRPr>
           </a:p>
         </p:txBody>
       </p:sp>
       <p:grpSp>
         <p:nvGrpSpPr>
-          <p:cNvPr id="16" name="Group 15">
+          <p:cNvPr id="27" name="Group 26">
             <a:extLst>
               <a:ext uri="{FF2B5EF4-FFF2-40B4-BE49-F238E27FC236}">
-                <a16:creationId xmlns:a16="http://schemas.microsoft.com/office/drawing/2014/main" id="{6BD22D72-E075-0210-B285-FB7D40645807}"/>
+                <a16:creationId xmlns:a16="http://schemas.microsoft.com/office/drawing/2014/main" id="{FB7F0F89-D9A8-77F2-25D8-65C557A4527F}"/>
               </a:ext>
             </a:extLst>
           </p:cNvPr>
@@ -14738,18 +19253,18 @@
         </p:nvGrpSpPr>
         <p:grpSpPr>
           <a:xfrm>
-            <a:off x="8788567" y="782062"/>
-            <a:ext cx="1724308" cy="2464199"/>
-            <a:chOff x="10886985" y="415955"/>
-            <a:chExt cx="1724308" cy="2464199"/>
+            <a:off x="8905978" y="1950264"/>
+            <a:ext cx="1511474" cy="512403"/>
+            <a:chOff x="4941376" y="3971594"/>
+            <a:chExt cx="1511474" cy="512403"/>
           </a:xfrm>
         </p:grpSpPr>
         <p:sp>
           <p:nvSpPr>
-            <p:cNvPr id="3" name="Rectangle 2">
+            <p:cNvPr id="28" name="Rectangle 27">
               <a:extLst>
                 <a:ext uri="{FF2B5EF4-FFF2-40B4-BE49-F238E27FC236}">
-                  <a16:creationId xmlns:a16="http://schemas.microsoft.com/office/drawing/2014/main" id="{82241049-C218-C6E9-C48B-FBF8A747CB6F}"/>
+                  <a16:creationId xmlns:a16="http://schemas.microsoft.com/office/drawing/2014/main" id="{EBB0125E-02B4-E2CA-294D-916DE1496E85}"/>
                 </a:ext>
               </a:extLst>
             </p:cNvPr>
@@ -14758,20 +19273,19 @@
           </p:nvSpPr>
           <p:spPr>
             <a:xfrm>
-              <a:off x="10886985" y="415955"/>
-              <a:ext cx="1724308" cy="2464199"/>
+              <a:off x="4941376" y="3971594"/>
+              <a:ext cx="1511474" cy="512403"/>
             </a:xfrm>
             <a:prstGeom prst="rect">
               <a:avLst/>
             </a:prstGeom>
             <a:solidFill>
-              <a:schemeClr val="bg1">
-                <a:lumMod val="85000"/>
-                <a:lumOff val="15000"/>
-              </a:schemeClr>
+              <a:schemeClr val="bg1"/>
             </a:solidFill>
             <a:ln w="12700">
-              <a:noFill/>
+              <a:solidFill>
+                <a:srgbClr val="5A6B86"/>
+              </a:solidFill>
               <a:prstDash val="dash"/>
             </a:ln>
           </p:spPr>
@@ -14795,7 +19309,16 @@
             <a:bodyPr tIns="36000"/>
             <a:lstStyle/>
             <a:p>
-              <a:endParaRPr lang="en-GB" sz="2000" dirty="0">
+              <a:pPr eaLnBrk="1" fontAlgn="auto" hangingPunct="1">
+                <a:spcBef>
+                  <a:spcPts val="0"/>
+                </a:spcBef>
+                <a:spcAft>
+                  <a:spcPts val="0"/>
+                </a:spcAft>
+                <a:defRPr/>
+              </a:pPr>
+              <a:endParaRPr lang="en-US" sz="2000" i="1" dirty="0">
                 <a:solidFill>
                   <a:schemeClr val="bg2">
                     <a:lumMod val="40000"/>
@@ -14813,225 +19336,34 @@
         </p:sp>
         <p:sp>
           <p:nvSpPr>
-            <p:cNvPr id="4" name="Content Placeholder 2">
+            <p:cNvPr id="29" name="TextBox 28">
               <a:extLst>
                 <a:ext uri="{FF2B5EF4-FFF2-40B4-BE49-F238E27FC236}">
-                  <a16:creationId xmlns:a16="http://schemas.microsoft.com/office/drawing/2014/main" id="{1D73E217-2075-FEEA-9948-79CE352E0341}"/>
+                  <a16:creationId xmlns:a16="http://schemas.microsoft.com/office/drawing/2014/main" id="{4E046D23-474C-FC55-7E1A-87EFF489C471}"/>
                 </a:ext>
               </a:extLst>
             </p:cNvPr>
-            <p:cNvSpPr txBox="1">
-              <a:spLocks/>
-            </p:cNvSpPr>
+            <p:cNvSpPr txBox="1"/>
             <p:nvPr/>
           </p:nvSpPr>
           <p:spPr>
             <a:xfrm>
-              <a:off x="11094642" y="474110"/>
-              <a:ext cx="1304664" cy="400110"/>
+              <a:off x="4995167" y="4050606"/>
+              <a:ext cx="1302958" cy="379591"/>
             </a:xfrm>
             <a:prstGeom prst="rect">
               <a:avLst/>
             </a:prstGeom>
+            <a:noFill/>
           </p:spPr>
           <p:txBody>
             <a:bodyPr wrap="square">
               <a:spAutoFit/>
             </a:bodyPr>
-            <a:lstStyle>
-              <a:lvl1pPr marL="228600" indent="-228600" algn="l" defTabSz="914400" rtl="0" eaLnBrk="1" latinLnBrk="0" hangingPunct="1">
-                <a:lnSpc>
-                  <a:spcPct val="90000"/>
-                </a:lnSpc>
-                <a:spcBef>
-                  <a:spcPts val="0"/>
-                </a:spcBef>
-                <a:spcAft>
-                  <a:spcPts val="1200"/>
-                </a:spcAft>
-                <a:buSzPct val="90000"/>
-                <a:buFont typeface="Amazon Ember" panose="020B0603020204020204" pitchFamily="34" charset="0"/>
-                <a:buChar char="•"/>
-                <a:defRPr sz="2800" kern="1200">
-                  <a:solidFill>
-                    <a:schemeClr val="tx1"/>
-                  </a:solidFill>
-                  <a:latin typeface="+mn-lt"/>
-                  <a:ea typeface="+mn-ea"/>
-                  <a:cs typeface="+mn-cs"/>
-                </a:defRPr>
-              </a:lvl1pPr>
-              <a:lvl2pPr marL="457200" indent="-228600" algn="l" defTabSz="914400" rtl="0" eaLnBrk="1" latinLnBrk="0" hangingPunct="1">
-                <a:lnSpc>
-                  <a:spcPct val="90000"/>
-                </a:lnSpc>
-                <a:spcBef>
-                  <a:spcPts val="0"/>
-                </a:spcBef>
-                <a:spcAft>
-                  <a:spcPts val="1200"/>
-                </a:spcAft>
-                <a:buSzPct val="90000"/>
-                <a:buFont typeface="Wingdings" panose="05000000000000000000" pitchFamily="2" charset="2"/>
-                <a:buChar char="§"/>
-                <a:defRPr sz="2400" kern="1200">
-                  <a:solidFill>
-                    <a:schemeClr val="tx1"/>
-                  </a:solidFill>
-                  <a:latin typeface="+mn-lt"/>
-                  <a:ea typeface="+mn-ea"/>
-                  <a:cs typeface="+mn-cs"/>
-                </a:defRPr>
-              </a:lvl2pPr>
-              <a:lvl3pPr marL="685800" indent="-228600" algn="l" defTabSz="914400" rtl="0" eaLnBrk="1" latinLnBrk="0" hangingPunct="1">
-                <a:lnSpc>
-                  <a:spcPct val="90000"/>
-                </a:lnSpc>
-                <a:spcBef>
-                  <a:spcPts val="0"/>
-                </a:spcBef>
-                <a:spcAft>
-                  <a:spcPts val="1200"/>
-                </a:spcAft>
-                <a:buSzPct val="90000"/>
-                <a:buFont typeface="Amazon Ember" panose="020B0603020204020204" pitchFamily="34" charset="0"/>
-                <a:buChar char="–"/>
-                <a:defRPr sz="2000" kern="1200">
-                  <a:solidFill>
-                    <a:schemeClr val="tx1"/>
-                  </a:solidFill>
-                  <a:latin typeface="+mn-lt"/>
-                  <a:ea typeface="+mn-ea"/>
-                  <a:cs typeface="+mn-cs"/>
-                </a:defRPr>
-              </a:lvl3pPr>
-              <a:lvl4pPr marL="914400" indent="-228600" algn="l" defTabSz="914400" rtl="0" eaLnBrk="1" latinLnBrk="0" hangingPunct="1">
-                <a:lnSpc>
-                  <a:spcPct val="90000"/>
-                </a:lnSpc>
-                <a:spcBef>
-                  <a:spcPts val="0"/>
-                </a:spcBef>
-                <a:spcAft>
-                  <a:spcPts val="1200"/>
-                </a:spcAft>
-                <a:buFont typeface="Amazon Ember" panose="020B0603020204020204" pitchFamily="34" charset="0"/>
-                <a:buChar char="•"/>
-                <a:defRPr sz="1800" kern="1200">
-                  <a:solidFill>
-                    <a:schemeClr val="tx1"/>
-                  </a:solidFill>
-                  <a:latin typeface="+mn-lt"/>
-                  <a:ea typeface="+mn-ea"/>
-                  <a:cs typeface="+mn-cs"/>
-                </a:defRPr>
-              </a:lvl4pPr>
-              <a:lvl5pPr marL="1143000" indent="-228600" algn="l" defTabSz="914400" rtl="0" eaLnBrk="1" latinLnBrk="0" hangingPunct="1">
-                <a:lnSpc>
-                  <a:spcPct val="90000"/>
-                </a:lnSpc>
-                <a:spcBef>
-                  <a:spcPts val="0"/>
-                </a:spcBef>
-                <a:spcAft>
-                  <a:spcPts val="1200"/>
-                </a:spcAft>
-                <a:buFont typeface="Amazon Ember" panose="020B0603020204020204" pitchFamily="34" charset="0"/>
-                <a:buChar char="•"/>
-                <a:defRPr sz="1800" kern="1200">
-                  <a:solidFill>
-                    <a:schemeClr val="tx1"/>
-                  </a:solidFill>
-                  <a:latin typeface="+mn-lt"/>
-                  <a:ea typeface="+mn-ea"/>
-                  <a:cs typeface="+mn-cs"/>
-                </a:defRPr>
-              </a:lvl5pPr>
-              <a:lvl6pPr marL="2514600" indent="-228600" algn="l" defTabSz="914400" rtl="0" eaLnBrk="1" latinLnBrk="0" hangingPunct="1">
-                <a:lnSpc>
-                  <a:spcPct val="90000"/>
-                </a:lnSpc>
-                <a:spcBef>
-                  <a:spcPts val="500"/>
-                </a:spcBef>
-                <a:buFont typeface="Amazon Ember" panose="020B0603020204020204" pitchFamily="34" charset="0"/>
-                <a:buChar char="•"/>
-                <a:defRPr sz="1800" kern="1200">
-                  <a:solidFill>
-                    <a:schemeClr val="tx1"/>
-                  </a:solidFill>
-                  <a:latin typeface="+mn-lt"/>
-                  <a:ea typeface="+mn-ea"/>
-                  <a:cs typeface="+mn-cs"/>
-                </a:defRPr>
-              </a:lvl6pPr>
-              <a:lvl7pPr marL="2971800" indent="-228600" algn="l" defTabSz="914400" rtl="0" eaLnBrk="1" latinLnBrk="0" hangingPunct="1">
-                <a:lnSpc>
-                  <a:spcPct val="90000"/>
-                </a:lnSpc>
-                <a:spcBef>
-                  <a:spcPts val="500"/>
-                </a:spcBef>
-                <a:buFont typeface="Amazon Ember" panose="020B0603020204020204" pitchFamily="34" charset="0"/>
-                <a:buChar char="•"/>
-                <a:defRPr sz="1800" kern="1200">
-                  <a:solidFill>
-                    <a:schemeClr val="tx1"/>
-                  </a:solidFill>
-                  <a:latin typeface="+mn-lt"/>
-                  <a:ea typeface="+mn-ea"/>
-                  <a:cs typeface="+mn-cs"/>
-                </a:defRPr>
-              </a:lvl7pPr>
-              <a:lvl8pPr marL="3429000" indent="-228600" algn="l" defTabSz="914400" rtl="0" eaLnBrk="1" latinLnBrk="0" hangingPunct="1">
-                <a:lnSpc>
-                  <a:spcPct val="90000"/>
-                </a:lnSpc>
-                <a:spcBef>
-                  <a:spcPts val="500"/>
-                </a:spcBef>
-                <a:buFont typeface="Amazon Ember" panose="020B0603020204020204" pitchFamily="34" charset="0"/>
-                <a:buChar char="•"/>
-                <a:defRPr sz="1800" kern="1200">
-                  <a:solidFill>
-                    <a:schemeClr val="tx1"/>
-                  </a:solidFill>
-                  <a:latin typeface="+mn-lt"/>
-                  <a:ea typeface="+mn-ea"/>
-                  <a:cs typeface="+mn-cs"/>
-                </a:defRPr>
-              </a:lvl8pPr>
-              <a:lvl9pPr marL="3886200" indent="-228600" algn="l" defTabSz="914400" rtl="0" eaLnBrk="1" latinLnBrk="0" hangingPunct="1">
-                <a:lnSpc>
-                  <a:spcPct val="90000"/>
-                </a:lnSpc>
-                <a:spcBef>
-                  <a:spcPts val="500"/>
-                </a:spcBef>
-                <a:buFont typeface="Amazon Ember" panose="020B0603020204020204" pitchFamily="34" charset="0"/>
-                <a:buChar char="•"/>
-                <a:defRPr sz="1800" kern="1200">
-                  <a:solidFill>
-                    <a:schemeClr val="tx1"/>
-                  </a:solidFill>
-                  <a:latin typeface="+mn-lt"/>
-                  <a:ea typeface="+mn-ea"/>
-                  <a:cs typeface="+mn-cs"/>
-                </a:defRPr>
-              </a:lvl9pPr>
-            </a:lstStyle>
+            <a:lstStyle/>
             <a:p>
-              <a:pPr marL="0" indent="0" algn="ctr">
-                <a:lnSpc>
-                  <a:spcPct val="100000"/>
-                </a:lnSpc>
-                <a:spcAft>
-                  <a:spcPts val="600"/>
-                </a:spcAft>
-                <a:buNone/>
-              </a:pPr>
               <a:r>
-                <a:rPr lang="en-US" baseline="-11000" dirty="0">
+                <a:rPr lang="en-GB" sz="2800" baseline="-11000" noProof="1">
                   <a:solidFill>
                     <a:schemeClr val="bg2">
                       <a:lumMod val="40000"/>
@@ -15044,10 +19376,141 @@
                     </a:glow>
                   </a:effectLst>
                 </a:rPr>
-                <a:t>🤖 </a:t>
+                <a:t>🛜</a:t>
               </a:r>
               <a:r>
-                <a:rPr lang="en-US" sz="2000" i="1" dirty="0">
+                <a:rPr lang="en-GB" noProof="1"/>
+                <a:t> Wi-Fier</a:t>
+              </a:r>
+            </a:p>
+          </p:txBody>
+        </p:sp>
+      </p:grpSp>
+      <p:grpSp>
+        <p:nvGrpSpPr>
+          <p:cNvPr id="23" name="Group 22">
+            <a:extLst>
+              <a:ext uri="{FF2B5EF4-FFF2-40B4-BE49-F238E27FC236}">
+                <a16:creationId xmlns:a16="http://schemas.microsoft.com/office/drawing/2014/main" id="{6DA4C053-39F9-640D-4C90-5C141063259E}"/>
+              </a:ext>
+            </a:extLst>
+          </p:cNvPr>
+          <p:cNvGrpSpPr/>
+          <p:nvPr/>
+        </p:nvGrpSpPr>
+        <p:grpSpPr>
+          <a:xfrm>
+            <a:off x="8905978" y="1342026"/>
+            <a:ext cx="1511473" cy="512403"/>
+            <a:chOff x="4941376" y="3971594"/>
+            <a:chExt cx="1511473" cy="512403"/>
+          </a:xfrm>
+        </p:grpSpPr>
+        <p:sp>
+          <p:nvSpPr>
+            <p:cNvPr id="24" name="Rectangle 23">
+              <a:extLst>
+                <a:ext uri="{FF2B5EF4-FFF2-40B4-BE49-F238E27FC236}">
+                  <a16:creationId xmlns:a16="http://schemas.microsoft.com/office/drawing/2014/main" id="{0C7B4382-9388-5AD5-96B1-B3AD52A473E9}"/>
+                </a:ext>
+              </a:extLst>
+            </p:cNvPr>
+            <p:cNvSpPr/>
+            <p:nvPr/>
+          </p:nvSpPr>
+          <p:spPr>
+            <a:xfrm>
+              <a:off x="4941376" y="3971594"/>
+              <a:ext cx="1511473" cy="512403"/>
+            </a:xfrm>
+            <a:prstGeom prst="rect">
+              <a:avLst/>
+            </a:prstGeom>
+            <a:solidFill>
+              <a:schemeClr val="bg1"/>
+            </a:solidFill>
+            <a:ln w="12700">
+              <a:solidFill>
+                <a:srgbClr val="5A6B86"/>
+              </a:solidFill>
+              <a:prstDash val="dash"/>
+            </a:ln>
+          </p:spPr>
+          <p:style>
+            <a:lnRef idx="2">
+              <a:schemeClr val="accent1">
+                <a:shade val="50000"/>
+              </a:schemeClr>
+            </a:lnRef>
+            <a:fillRef idx="1">
+              <a:schemeClr val="accent1"/>
+            </a:fillRef>
+            <a:effectRef idx="0">
+              <a:schemeClr val="accent1"/>
+            </a:effectRef>
+            <a:fontRef idx="minor">
+              <a:schemeClr val="lt1"/>
+            </a:fontRef>
+          </p:style>
+          <p:txBody>
+            <a:bodyPr tIns="36000"/>
+            <a:lstStyle/>
+            <a:p>
+              <a:pPr eaLnBrk="1" fontAlgn="auto" hangingPunct="1">
+                <a:spcBef>
+                  <a:spcPts val="0"/>
+                </a:spcBef>
+                <a:spcAft>
+                  <a:spcPts val="0"/>
+                </a:spcAft>
+                <a:defRPr/>
+              </a:pPr>
+              <a:endParaRPr lang="en-US" sz="2000" i="1" dirty="0">
+                <a:solidFill>
+                  <a:schemeClr val="bg2">
+                    <a:lumMod val="40000"/>
+                    <a:lumOff val="60000"/>
+                  </a:schemeClr>
+                </a:solidFill>
+                <a:effectLst>
+                  <a:glow>
+                    <a:schemeClr val="bg1"/>
+                  </a:glow>
+                </a:effectLst>
+              </a:endParaRPr>
+            </a:p>
+          </p:txBody>
+        </p:sp>
+        <p:sp>
+          <p:nvSpPr>
+            <p:cNvPr id="26" name="TextBox 25">
+              <a:extLst>
+                <a:ext uri="{FF2B5EF4-FFF2-40B4-BE49-F238E27FC236}">
+                  <a16:creationId xmlns:a16="http://schemas.microsoft.com/office/drawing/2014/main" id="{609FD7AF-859B-02FB-A1AA-447BC82FE11B}"/>
+                </a:ext>
+              </a:extLst>
+            </p:cNvPr>
+            <p:cNvSpPr txBox="1"/>
+            <p:nvPr/>
+          </p:nvSpPr>
+          <p:spPr>
+            <a:xfrm>
+              <a:off x="4941377" y="4041641"/>
+              <a:ext cx="1356748" cy="379591"/>
+            </a:xfrm>
+            <a:prstGeom prst="rect">
+              <a:avLst/>
+            </a:prstGeom>
+            <a:noFill/>
+          </p:spPr>
+          <p:txBody>
+            <a:bodyPr wrap="square">
+              <a:spAutoFit/>
+            </a:bodyPr>
+            <a:lstStyle/>
+            <a:p>
+              <a:r>
+                <a:rPr lang="en-GB" sz="2800" baseline="-11000" dirty="0">
                   <a:solidFill>
                     <a:schemeClr val="bg2">
                       <a:lumMod val="40000"/>
@@ -15060,452 +19523,15 @@
                     </a:glow>
                   </a:effectLst>
                 </a:rPr>
-                <a:t>robot</a:t>
+                <a:t>🔆</a:t>
+              </a:r>
+              <a:r>
+                <a:rPr lang="en-GB" dirty="0"/>
+                <a:t> NFC QR</a:t>
               </a:r>
             </a:p>
           </p:txBody>
         </p:sp>
-        <p:grpSp>
-          <p:nvGrpSpPr>
-            <p:cNvPr id="5" name="Group 4">
-              <a:extLst>
-                <a:ext uri="{FF2B5EF4-FFF2-40B4-BE49-F238E27FC236}">
-                  <a16:creationId xmlns:a16="http://schemas.microsoft.com/office/drawing/2014/main" id="{0ABF1BE0-1B68-2D6D-B53B-BC442F6E6BCA}"/>
-                </a:ext>
-              </a:extLst>
-            </p:cNvPr>
-            <p:cNvGrpSpPr/>
-            <p:nvPr/>
-          </p:nvGrpSpPr>
-          <p:grpSpPr>
-            <a:xfrm>
-              <a:off x="10990412" y="2220135"/>
-              <a:ext cx="1525458" cy="556576"/>
-              <a:chOff x="4941377" y="3971594"/>
-              <a:chExt cx="1525458" cy="556576"/>
-            </a:xfrm>
-          </p:grpSpPr>
-          <p:sp>
-            <p:nvSpPr>
-              <p:cNvPr id="6" name="Rectangle 5">
-                <a:extLst>
-                  <a:ext uri="{FF2B5EF4-FFF2-40B4-BE49-F238E27FC236}">
-                    <a16:creationId xmlns:a16="http://schemas.microsoft.com/office/drawing/2014/main" id="{219496B0-433C-8B93-47D6-23EFFDC04990}"/>
-                  </a:ext>
-                </a:extLst>
-              </p:cNvPr>
-              <p:cNvSpPr/>
-              <p:nvPr/>
-            </p:nvSpPr>
-            <p:spPr>
-              <a:xfrm>
-                <a:off x="4941377" y="3971594"/>
-                <a:ext cx="1525458" cy="556576"/>
-              </a:xfrm>
-              <a:prstGeom prst="rect">
-                <a:avLst/>
-              </a:prstGeom>
-              <a:solidFill>
-                <a:schemeClr val="bg1"/>
-              </a:solidFill>
-              <a:ln w="12700">
-                <a:solidFill>
-                  <a:srgbClr val="5A6B86"/>
-                </a:solidFill>
-                <a:prstDash val="dash"/>
-              </a:ln>
-            </p:spPr>
-            <p:style>
-              <a:lnRef idx="2">
-                <a:schemeClr val="accent1">
-                  <a:shade val="50000"/>
-                </a:schemeClr>
-              </a:lnRef>
-              <a:fillRef idx="1">
-                <a:schemeClr val="accent1"/>
-              </a:fillRef>
-              <a:effectRef idx="0">
-                <a:schemeClr val="accent1"/>
-              </a:effectRef>
-              <a:fontRef idx="minor">
-                <a:schemeClr val="lt1"/>
-              </a:fontRef>
-            </p:style>
-            <p:txBody>
-              <a:bodyPr tIns="36000"/>
-              <a:lstStyle/>
-              <a:p>
-                <a:pPr eaLnBrk="1" fontAlgn="auto" hangingPunct="1">
-                  <a:spcBef>
-                    <a:spcPts val="0"/>
-                  </a:spcBef>
-                  <a:spcAft>
-                    <a:spcPts val="0"/>
-                  </a:spcAft>
-                  <a:defRPr/>
-                </a:pPr>
-                <a:endParaRPr lang="en-US" sz="2000" i="1" dirty="0">
-                  <a:solidFill>
-                    <a:schemeClr val="bg2">
-                      <a:lumMod val="40000"/>
-                      <a:lumOff val="60000"/>
-                    </a:schemeClr>
-                  </a:solidFill>
-                  <a:effectLst>
-                    <a:glow>
-                      <a:schemeClr val="bg1"/>
-                    </a:glow>
-                  </a:effectLst>
-                </a:endParaRPr>
-              </a:p>
-            </p:txBody>
-          </p:sp>
-          <p:sp>
-            <p:nvSpPr>
-              <p:cNvPr id="7" name="TextBox 6">
-                <a:extLst>
-                  <a:ext uri="{FF2B5EF4-FFF2-40B4-BE49-F238E27FC236}">
-                    <a16:creationId xmlns:a16="http://schemas.microsoft.com/office/drawing/2014/main" id="{268D9392-8FC1-78E8-766D-90B997A171F8}"/>
-                  </a:ext>
-                </a:extLst>
-              </p:cNvPr>
-              <p:cNvSpPr txBox="1"/>
-              <p:nvPr/>
-            </p:nvSpPr>
-            <p:spPr>
-              <a:xfrm>
-                <a:off x="4941377" y="4041641"/>
-                <a:ext cx="1463629" cy="420628"/>
-              </a:xfrm>
-              <a:prstGeom prst="rect">
-                <a:avLst/>
-              </a:prstGeom>
-              <a:noFill/>
-            </p:spPr>
-            <p:txBody>
-              <a:bodyPr wrap="square" rIns="0">
-                <a:spAutoFit/>
-              </a:bodyPr>
-              <a:lstStyle/>
-              <a:p>
-                <a:r>
-                  <a:rPr lang="en-GB" sz="3200" baseline="-11000" dirty="0">
-                    <a:solidFill>
-                      <a:schemeClr val="bg2">
-                        <a:lumMod val="40000"/>
-                        <a:lumOff val="60000"/>
-                      </a:schemeClr>
-                    </a:solidFill>
-                    <a:effectLst>
-                      <a:glow>
-                        <a:schemeClr val="bg1"/>
-                      </a:glow>
-                    </a:effectLst>
-                  </a:rPr>
-                  <a:t>📡</a:t>
-                </a:r>
-                <a:r>
-                  <a:rPr lang="en-GB" sz="2000" dirty="0"/>
-                  <a:t> Antenna</a:t>
-                </a:r>
-              </a:p>
-            </p:txBody>
-          </p:sp>
-        </p:grpSp>
-        <p:grpSp>
-          <p:nvGrpSpPr>
-            <p:cNvPr id="27" name="Group 26">
-              <a:extLst>
-                <a:ext uri="{FF2B5EF4-FFF2-40B4-BE49-F238E27FC236}">
-                  <a16:creationId xmlns:a16="http://schemas.microsoft.com/office/drawing/2014/main" id="{FB7F0F89-D9A8-77F2-25D8-65C557A4527F}"/>
-                </a:ext>
-              </a:extLst>
-            </p:cNvPr>
-            <p:cNvGrpSpPr/>
-            <p:nvPr/>
-          </p:nvGrpSpPr>
-          <p:grpSpPr>
-            <a:xfrm>
-              <a:off x="11004396" y="1573271"/>
-              <a:ext cx="1511474" cy="512403"/>
-              <a:chOff x="4941376" y="3971594"/>
-              <a:chExt cx="1511474" cy="512403"/>
-            </a:xfrm>
-          </p:grpSpPr>
-          <p:sp>
-            <p:nvSpPr>
-              <p:cNvPr id="28" name="Rectangle 27">
-                <a:extLst>
-                  <a:ext uri="{FF2B5EF4-FFF2-40B4-BE49-F238E27FC236}">
-                    <a16:creationId xmlns:a16="http://schemas.microsoft.com/office/drawing/2014/main" id="{EBB0125E-02B4-E2CA-294D-916DE1496E85}"/>
-                  </a:ext>
-                </a:extLst>
-              </p:cNvPr>
-              <p:cNvSpPr/>
-              <p:nvPr/>
-            </p:nvSpPr>
-            <p:spPr>
-              <a:xfrm>
-                <a:off x="4941376" y="3971594"/>
-                <a:ext cx="1511474" cy="512403"/>
-              </a:xfrm>
-              <a:prstGeom prst="rect">
-                <a:avLst/>
-              </a:prstGeom>
-              <a:solidFill>
-                <a:schemeClr val="bg1"/>
-              </a:solidFill>
-              <a:ln w="12700">
-                <a:solidFill>
-                  <a:srgbClr val="5A6B86"/>
-                </a:solidFill>
-                <a:prstDash val="dash"/>
-              </a:ln>
-            </p:spPr>
-            <p:style>
-              <a:lnRef idx="2">
-                <a:schemeClr val="accent1">
-                  <a:shade val="50000"/>
-                </a:schemeClr>
-              </a:lnRef>
-              <a:fillRef idx="1">
-                <a:schemeClr val="accent1"/>
-              </a:fillRef>
-              <a:effectRef idx="0">
-                <a:schemeClr val="accent1"/>
-              </a:effectRef>
-              <a:fontRef idx="minor">
-                <a:schemeClr val="lt1"/>
-              </a:fontRef>
-            </p:style>
-            <p:txBody>
-              <a:bodyPr tIns="36000"/>
-              <a:lstStyle/>
-              <a:p>
-                <a:pPr eaLnBrk="1" fontAlgn="auto" hangingPunct="1">
-                  <a:spcBef>
-                    <a:spcPts val="0"/>
-                  </a:spcBef>
-                  <a:spcAft>
-                    <a:spcPts val="0"/>
-                  </a:spcAft>
-                  <a:defRPr/>
-                </a:pPr>
-                <a:endParaRPr lang="en-US" sz="2000" i="1" dirty="0">
-                  <a:solidFill>
-                    <a:schemeClr val="bg2">
-                      <a:lumMod val="40000"/>
-                      <a:lumOff val="60000"/>
-                    </a:schemeClr>
-                  </a:solidFill>
-                  <a:effectLst>
-                    <a:glow>
-                      <a:schemeClr val="bg1"/>
-                    </a:glow>
-                  </a:effectLst>
-                </a:endParaRPr>
-              </a:p>
-            </p:txBody>
-          </p:sp>
-          <p:sp>
-            <p:nvSpPr>
-              <p:cNvPr id="29" name="TextBox 28">
-                <a:extLst>
-                  <a:ext uri="{FF2B5EF4-FFF2-40B4-BE49-F238E27FC236}">
-                    <a16:creationId xmlns:a16="http://schemas.microsoft.com/office/drawing/2014/main" id="{4E046D23-474C-FC55-7E1A-87EFF489C471}"/>
-                  </a:ext>
-                </a:extLst>
-              </p:cNvPr>
-              <p:cNvSpPr txBox="1"/>
-              <p:nvPr/>
-            </p:nvSpPr>
-            <p:spPr>
-              <a:xfrm>
-                <a:off x="4995167" y="4050606"/>
-                <a:ext cx="1302958" cy="379591"/>
-              </a:xfrm>
-              <a:prstGeom prst="rect">
-                <a:avLst/>
-              </a:prstGeom>
-              <a:noFill/>
-            </p:spPr>
-            <p:txBody>
-              <a:bodyPr wrap="square">
-                <a:spAutoFit/>
-              </a:bodyPr>
-              <a:lstStyle/>
-              <a:p>
-                <a:r>
-                  <a:rPr lang="en-GB" sz="2800" baseline="-11000" noProof="1">
-                    <a:solidFill>
-                      <a:schemeClr val="bg2">
-                        <a:lumMod val="40000"/>
-                        <a:lumOff val="60000"/>
-                      </a:schemeClr>
-                    </a:solidFill>
-                    <a:effectLst>
-                      <a:glow>
-                        <a:schemeClr val="bg1"/>
-                      </a:glow>
-                    </a:effectLst>
-                  </a:rPr>
-                  <a:t>🛜</a:t>
-                </a:r>
-                <a:r>
-                  <a:rPr lang="en-GB" noProof="1"/>
-                  <a:t> Wi-Fier</a:t>
-                </a:r>
-              </a:p>
-            </p:txBody>
-          </p:sp>
-        </p:grpSp>
-        <p:grpSp>
-          <p:nvGrpSpPr>
-            <p:cNvPr id="23" name="Group 22">
-              <a:extLst>
-                <a:ext uri="{FF2B5EF4-FFF2-40B4-BE49-F238E27FC236}">
-                  <a16:creationId xmlns:a16="http://schemas.microsoft.com/office/drawing/2014/main" id="{6DA4C053-39F9-640D-4C90-5C141063259E}"/>
-                </a:ext>
-              </a:extLst>
-            </p:cNvPr>
-            <p:cNvGrpSpPr/>
-            <p:nvPr/>
-          </p:nvGrpSpPr>
-          <p:grpSpPr>
-            <a:xfrm>
-              <a:off x="11004396" y="932375"/>
-              <a:ext cx="1511473" cy="512403"/>
-              <a:chOff x="4941376" y="3971594"/>
-              <a:chExt cx="1511473" cy="512403"/>
-            </a:xfrm>
-          </p:grpSpPr>
-          <p:sp>
-            <p:nvSpPr>
-              <p:cNvPr id="24" name="Rectangle 23">
-                <a:extLst>
-                  <a:ext uri="{FF2B5EF4-FFF2-40B4-BE49-F238E27FC236}">
-                    <a16:creationId xmlns:a16="http://schemas.microsoft.com/office/drawing/2014/main" id="{0C7B4382-9388-5AD5-96B1-B3AD52A473E9}"/>
-                  </a:ext>
-                </a:extLst>
-              </p:cNvPr>
-              <p:cNvSpPr/>
-              <p:nvPr/>
-            </p:nvSpPr>
-            <p:spPr>
-              <a:xfrm>
-                <a:off x="4941376" y="3971594"/>
-                <a:ext cx="1511473" cy="512403"/>
-              </a:xfrm>
-              <a:prstGeom prst="rect">
-                <a:avLst/>
-              </a:prstGeom>
-              <a:solidFill>
-                <a:schemeClr val="bg1"/>
-              </a:solidFill>
-              <a:ln w="12700">
-                <a:solidFill>
-                  <a:srgbClr val="5A6B86"/>
-                </a:solidFill>
-                <a:prstDash val="dash"/>
-              </a:ln>
-            </p:spPr>
-            <p:style>
-              <a:lnRef idx="2">
-                <a:schemeClr val="accent1">
-                  <a:shade val="50000"/>
-                </a:schemeClr>
-              </a:lnRef>
-              <a:fillRef idx="1">
-                <a:schemeClr val="accent1"/>
-              </a:fillRef>
-              <a:effectRef idx="0">
-                <a:schemeClr val="accent1"/>
-              </a:effectRef>
-              <a:fontRef idx="minor">
-                <a:schemeClr val="lt1"/>
-              </a:fontRef>
-            </p:style>
-            <p:txBody>
-              <a:bodyPr tIns="36000"/>
-              <a:lstStyle/>
-              <a:p>
-                <a:pPr eaLnBrk="1" fontAlgn="auto" hangingPunct="1">
-                  <a:spcBef>
-                    <a:spcPts val="0"/>
-                  </a:spcBef>
-                  <a:spcAft>
-                    <a:spcPts val="0"/>
-                  </a:spcAft>
-                  <a:defRPr/>
-                </a:pPr>
-                <a:endParaRPr lang="en-US" sz="2000" i="1" dirty="0">
-                  <a:solidFill>
-                    <a:schemeClr val="bg2">
-                      <a:lumMod val="40000"/>
-                      <a:lumOff val="60000"/>
-                    </a:schemeClr>
-                  </a:solidFill>
-                  <a:effectLst>
-                    <a:glow>
-                      <a:schemeClr val="bg1"/>
-                    </a:glow>
-                  </a:effectLst>
-                </a:endParaRPr>
-              </a:p>
-            </p:txBody>
-          </p:sp>
-          <p:sp>
-            <p:nvSpPr>
-              <p:cNvPr id="26" name="TextBox 25">
-                <a:extLst>
-                  <a:ext uri="{FF2B5EF4-FFF2-40B4-BE49-F238E27FC236}">
-                    <a16:creationId xmlns:a16="http://schemas.microsoft.com/office/drawing/2014/main" id="{609FD7AF-859B-02FB-A1AA-447BC82FE11B}"/>
-                  </a:ext>
-                </a:extLst>
-              </p:cNvPr>
-              <p:cNvSpPr txBox="1"/>
-              <p:nvPr/>
-            </p:nvSpPr>
-            <p:spPr>
-              <a:xfrm>
-                <a:off x="4941377" y="4041641"/>
-                <a:ext cx="1356748" cy="379591"/>
-              </a:xfrm>
-              <a:prstGeom prst="rect">
-                <a:avLst/>
-              </a:prstGeom>
-              <a:noFill/>
-            </p:spPr>
-            <p:txBody>
-              <a:bodyPr wrap="square">
-                <a:spAutoFit/>
-              </a:bodyPr>
-              <a:lstStyle/>
-              <a:p>
-                <a:r>
-                  <a:rPr lang="en-GB" sz="2800" baseline="-11000" dirty="0">
-                    <a:solidFill>
-                      <a:schemeClr val="bg2">
-                        <a:lumMod val="40000"/>
-                        <a:lumOff val="60000"/>
-                      </a:schemeClr>
-                    </a:solidFill>
-                    <a:effectLst>
-                      <a:glow>
-                        <a:schemeClr val="bg1"/>
-                      </a:glow>
-                    </a:effectLst>
-                  </a:rPr>
-                  <a:t>🔆</a:t>
-                </a:r>
-                <a:r>
-                  <a:rPr lang="en-GB" dirty="0"/>
-                  <a:t> NFC QR</a:t>
-                </a:r>
-              </a:p>
-            </p:txBody>
-          </p:sp>
-        </p:grpSp>
       </p:grpSp>
       <p:cxnSp>
         <p:nvCxnSpPr>
@@ -15525,8 +19551,8 @@
         </p:nvCxnSpPr>
         <p:spPr>
           <a:xfrm flipV="1">
-            <a:off x="5487771" y="1558325"/>
-            <a:ext cx="3420000" cy="0"/>
+            <a:off x="5006501" y="1601869"/>
+            <a:ext cx="3898800" cy="0"/>
           </a:xfrm>
           <a:prstGeom prst="straightConnector1">
             <a:avLst/>
@@ -15571,8 +19597,8 @@
         </p:nvCxnSpPr>
         <p:spPr>
           <a:xfrm flipV="1">
-            <a:off x="5495458" y="2195580"/>
-            <a:ext cx="3409200" cy="0"/>
+            <a:off x="5014188" y="2206466"/>
+            <a:ext cx="3891790" cy="12303"/>
           </a:xfrm>
           <a:prstGeom prst="straightConnector1">
             <a:avLst/>
@@ -15610,15 +19636,15 @@
           </p:cNvPr>
           <p:cNvCxnSpPr>
             <a:cxnSpLocks/>
-            <a:stCxn id="66" idx="2"/>
-            <a:endCxn id="28" idx="3"/>
+            <a:stCxn id="28" idx="3"/>
+            <a:endCxn id="66" idx="2"/>
           </p:cNvCxnSpPr>
           <p:nvPr/>
         </p:nvCxnSpPr>
         <p:spPr>
-          <a:xfrm rot="5400000">
-            <a:off x="10446071" y="1356010"/>
-            <a:ext cx="810951" cy="868188"/>
+          <a:xfrm flipV="1">
+            <a:off x="10417452" y="1058056"/>
+            <a:ext cx="868188" cy="1148410"/>
           </a:xfrm>
           <a:prstGeom prst="bentConnector2">
             <a:avLst/>
@@ -15647,10 +19673,10 @@
       </p:cxnSp>
       <p:sp>
         <p:nvSpPr>
-          <p:cNvPr id="14" name="TextBox 13">
+          <p:cNvPr id="13" name="TextBox 12">
             <a:extLst>
               <a:ext uri="{FF2B5EF4-FFF2-40B4-BE49-F238E27FC236}">
-                <a16:creationId xmlns:a16="http://schemas.microsoft.com/office/drawing/2014/main" id="{25BDC839-3177-BA4F-E8F0-E738648AADD2}"/>
+                <a16:creationId xmlns:a16="http://schemas.microsoft.com/office/drawing/2014/main" id="{709CA85C-FFA4-AB7D-8BC9-5ADAC2D03478}"/>
               </a:ext>
             </a:extLst>
           </p:cNvPr>
@@ -15659,8 +19685,8 @@
         </p:nvSpPr>
         <p:spPr>
           <a:xfrm>
-            <a:off x="7688235" y="1923296"/>
-            <a:ext cx="956116" cy="1446550"/>
+            <a:off x="3299398" y="2112657"/>
+            <a:ext cx="304571" cy="369332"/>
           </a:xfrm>
           <a:prstGeom prst="rect">
             <a:avLst/>
@@ -15668,28 +19694,16 @@
           <a:noFill/>
         </p:spPr>
         <p:txBody>
-          <a:bodyPr wrap="square">
+          <a:bodyPr wrap="none" lIns="0" rIns="0" rtlCol="0">
             <a:spAutoFit/>
           </a:bodyPr>
           <a:lstStyle/>
           <a:p>
+            <a:pPr algn="l"/>
             <a:r>
-              <a:rPr lang="en-US" sz="8800" baseline="-11000" dirty="0">
-                <a:solidFill>
-                  <a:schemeClr val="bg2">
-                    <a:lumMod val="40000"/>
-                    <a:lumOff val="60000"/>
-                  </a:schemeClr>
-                </a:solidFill>
-                <a:effectLst>
-                  <a:glow>
-                    <a:schemeClr val="bg1"/>
-                  </a:glow>
-                </a:effectLst>
-              </a:rPr>
-              <a:t>☕</a:t>
+              <a:rPr lang="en-PT" dirty="0"/>
+              <a:t>     </a:t>
             </a:r>
-            <a:endParaRPr lang="en-PT" sz="8800" dirty="0"/>
           </a:p>
         </p:txBody>
       </p:sp>
@@ -15709,7 +19723,7 @@
 </p:sld>
 </file>
 
-<file path=ppt/slides/slide6.xml><?xml version="1.0" encoding="utf-8"?>
+<file path=ppt/slides/slide7.xml><?xml version="1.0" encoding="utf-8"?>
 <p:sld xmlns:a="http://schemas.openxmlformats.org/drawingml/2006/main" xmlns:r="http://schemas.openxmlformats.org/officeDocument/2006/relationships" xmlns:p="http://schemas.openxmlformats.org/presentationml/2006/main">
   <p:cSld>
     <p:spTree>
@@ -22589,7 +26603,7 @@
 </p:sld>
 </file>
 
-<file path=ppt/slides/slide7.xml><?xml version="1.0" encoding="utf-8"?>
+<file path=ppt/slides/slide8.xml><?xml version="1.0" encoding="utf-8"?>
 <p:sld xmlns:a="http://schemas.openxmlformats.org/drawingml/2006/main" xmlns:r="http://schemas.openxmlformats.org/officeDocument/2006/relationships" xmlns:p="http://schemas.openxmlformats.org/presentationml/2006/main">
   <p:cSld>
     <p:spTree>

--- a/4 ⚙️ Solution/60 🧰 Edge/61 🔌 Pluggables/.📎 Assets/🔌 .pptx
+++ b/4 ⚙️ Solution/60 🧰 Edge/61 🔌 Pluggables/.📎 Assets/🔌 .pptx
@@ -5,10 +5,10 @@
     <p:sldMasterId id="2147483648" r:id="rId1"/>
   </p:sldMasterIdLst>
   <p:notesMasterIdLst>
-    <p:notesMasterId r:id="rId10"/>
+    <p:notesMasterId r:id="rId11"/>
   </p:notesMasterIdLst>
   <p:handoutMasterIdLst>
-    <p:handoutMasterId r:id="rId11"/>
+    <p:handoutMasterId r:id="rId12"/>
   </p:handoutMasterIdLst>
   <p:sldIdLst>
     <p:sldId id="1836" r:id="rId2"/>
@@ -17,32 +17,33 @@
     <p:sldId id="1816" r:id="rId5"/>
     <p:sldId id="1839" r:id="rId6"/>
     <p:sldId id="1703" r:id="rId7"/>
-    <p:sldId id="1837" r:id="rId8"/>
-    <p:sldId id="1838" r:id="rId9"/>
+    <p:sldId id="1840" r:id="rId8"/>
+    <p:sldId id="1837" r:id="rId9"/>
+    <p:sldId id="1838" r:id="rId10"/>
   </p:sldIdLst>
   <p:sldSz cx="12192000" cy="6858000"/>
   <p:notesSz cx="6858000" cy="9144000"/>
   <p:embeddedFontLst>
     <p:embeddedFont>
       <p:font typeface="Amazon Ember" panose="020B0603020204020204" pitchFamily="34" charset="0"/>
-      <p:regular r:id="rId12"/>
-      <p:bold r:id="rId13"/>
-      <p:italic r:id="rId14"/>
-      <p:boldItalic r:id="rId15"/>
+      <p:regular r:id="rId13"/>
+      <p:bold r:id="rId14"/>
+      <p:italic r:id="rId15"/>
+      <p:boldItalic r:id="rId16"/>
     </p:embeddedFont>
     <p:embeddedFont>
       <p:font typeface="Amazon Ember Display" panose="020F0603020204020204" pitchFamily="34" charset="0"/>
-      <p:regular r:id="rId16"/>
-      <p:bold r:id="rId17"/>
-      <p:italic r:id="rId18"/>
-      <p:boldItalic r:id="rId19"/>
+      <p:regular r:id="rId17"/>
+      <p:bold r:id="rId18"/>
+      <p:italic r:id="rId19"/>
+      <p:boldItalic r:id="rId20"/>
     </p:embeddedFont>
     <p:embeddedFont>
       <p:font typeface="Segoe UI" panose="020B0502040204020203" pitchFamily="34" charset="0"/>
-      <p:regular r:id="rId20"/>
-      <p:bold r:id="rId21"/>
-      <p:italic r:id="rId22"/>
-      <p:boldItalic r:id="rId23"/>
+      <p:regular r:id="rId21"/>
+      <p:bold r:id="rId22"/>
+      <p:italic r:id="rId23"/>
+      <p:boldItalic r:id="rId24"/>
     </p:embeddedFont>
   </p:embeddedFontLst>
   <p:defaultTextStyle>
@@ -151,6 +152,7 @@
             <p14:sldId id="1816"/>
             <p14:sldId id="1839"/>
             <p14:sldId id="1703"/>
+            <p14:sldId id="1840"/>
             <p14:sldId id="1837"/>
             <p14:sldId id="1838"/>
           </p14:sldIdLst>
@@ -725,7 +727,7 @@
           <a:p>
             <a:fld id="{542F96DF-134D-4F6A-BFA6-E032E504EEEB}" type="datetime8">
               <a:rPr lang="en-US" smtClean="0"/>
-              <a:t>9/10/25 3:04 PM</a:t>
+              <a:t>9/12/25 5:29 AM</a:t>
             </a:fld>
             <a:endParaRPr lang="en-US" dirty="0"/>
           </a:p>
@@ -932,7 +934,7 @@
           <a:p>
             <a:fld id="{542F96DF-134D-4F6A-BFA6-E032E504EEEB}" type="datetime8">
               <a:rPr lang="en-US" smtClean="0"/>
-              <a:t>9/10/25 11:43 AM</a:t>
+              <a:t>9/12/25 5:30 AM</a:t>
             </a:fld>
             <a:endParaRPr lang="en-US" dirty="0"/>
           </a:p>
@@ -972,6 +974,213 @@
     <p:extLst>
       <p:ext uri="{BB962C8B-B14F-4D97-AF65-F5344CB8AC3E}">
         <p14:creationId xmlns:p14="http://schemas.microsoft.com/office/powerpoint/2010/main" val="833814722"/>
+      </p:ext>
+    </p:extLst>
+  </p:cSld>
+  <p:clrMapOvr>
+    <a:masterClrMapping/>
+  </p:clrMapOvr>
+</p:notes>
+</file>
+
+<file path=ppt/notesSlides/notesSlide3.xml><?xml version="1.0" encoding="utf-8"?>
+<p:notes xmlns:a="http://schemas.openxmlformats.org/drawingml/2006/main" xmlns:r="http://schemas.openxmlformats.org/officeDocument/2006/relationships" xmlns:p="http://schemas.openxmlformats.org/presentationml/2006/main">
+  <p:cSld>
+    <p:spTree>
+      <p:nvGrpSpPr>
+        <p:cNvPr id="1" name="">
+          <a:extLst>
+            <a:ext uri="{FF2B5EF4-FFF2-40B4-BE49-F238E27FC236}">
+              <a16:creationId xmlns:a16="http://schemas.microsoft.com/office/drawing/2014/main" id="{E3466906-6E8E-2F29-874B-EEA656BFE698}"/>
+            </a:ext>
+          </a:extLst>
+        </p:cNvPr>
+        <p:cNvGrpSpPr/>
+        <p:nvPr/>
+      </p:nvGrpSpPr>
+      <p:grpSpPr>
+        <a:xfrm>
+          <a:off x="0" y="0"/>
+          <a:ext cx="0" cy="0"/>
+          <a:chOff x="0" y="0"/>
+          <a:chExt cx="0" cy="0"/>
+        </a:xfrm>
+      </p:grpSpPr>
+      <p:sp>
+        <p:nvSpPr>
+          <p:cNvPr id="2" name="Slide Image Placeholder 1">
+            <a:extLst>
+              <a:ext uri="{FF2B5EF4-FFF2-40B4-BE49-F238E27FC236}">
+                <a16:creationId xmlns:a16="http://schemas.microsoft.com/office/drawing/2014/main" id="{BC83D588-6682-E030-58CA-E232925FD79F}"/>
+              </a:ext>
+            </a:extLst>
+          </p:cNvPr>
+          <p:cNvSpPr>
+            <a:spLocks noGrp="1" noRot="1" noChangeAspect="1"/>
+          </p:cNvSpPr>
+          <p:nvPr>
+            <p:ph type="sldImg"/>
+          </p:nvPr>
+        </p:nvSpPr>
+        <p:spPr>
+          <a:xfrm>
+            <a:off x="438150" y="457200"/>
+            <a:ext cx="5981700" cy="3363913"/>
+          </a:xfrm>
+        </p:spPr>
+      </p:sp>
+      <p:sp>
+        <p:nvSpPr>
+          <p:cNvPr id="3" name="Notes Placeholder 2">
+            <a:extLst>
+              <a:ext uri="{FF2B5EF4-FFF2-40B4-BE49-F238E27FC236}">
+                <a16:creationId xmlns:a16="http://schemas.microsoft.com/office/drawing/2014/main" id="{DFA1C8AE-F9C9-7CAF-1FD0-5B57C3E396E8}"/>
+              </a:ext>
+            </a:extLst>
+          </p:cNvPr>
+          <p:cNvSpPr>
+            <a:spLocks noGrp="1"/>
+          </p:cNvSpPr>
+          <p:nvPr>
+            <p:ph type="body" idx="1"/>
+          </p:nvPr>
+        </p:nvSpPr>
+        <p:spPr/>
+        <p:txBody>
+          <a:bodyPr/>
+          <a:lstStyle/>
+          <a:p>
+            <a:endParaRPr lang="en-US" dirty="0"/>
+          </a:p>
+        </p:txBody>
+      </p:sp>
+      <p:sp>
+        <p:nvSpPr>
+          <p:cNvPr id="4" name="Header Placeholder 3">
+            <a:extLst>
+              <a:ext uri="{FF2B5EF4-FFF2-40B4-BE49-F238E27FC236}">
+                <a16:creationId xmlns:a16="http://schemas.microsoft.com/office/drawing/2014/main" id="{2AB8C562-49DF-12E4-5633-7263C46A4EA0}"/>
+              </a:ext>
+            </a:extLst>
+          </p:cNvPr>
+          <p:cNvSpPr>
+            <a:spLocks noGrp="1"/>
+          </p:cNvSpPr>
+          <p:nvPr>
+            <p:ph type="hdr" sz="quarter" idx="10"/>
+          </p:nvPr>
+        </p:nvSpPr>
+        <p:spPr/>
+        <p:txBody>
+          <a:bodyPr/>
+          <a:lstStyle/>
+          <a:p>
+            <a:endParaRPr lang="en-US" dirty="0"/>
+          </a:p>
+        </p:txBody>
+      </p:sp>
+      <p:sp>
+        <p:nvSpPr>
+          <p:cNvPr id="5" name="Footer Placeholder 4">
+            <a:extLst>
+              <a:ext uri="{FF2B5EF4-FFF2-40B4-BE49-F238E27FC236}">
+                <a16:creationId xmlns:a16="http://schemas.microsoft.com/office/drawing/2014/main" id="{82F470AD-02B1-6CF3-6D93-4B5CC6E34DA2}"/>
+              </a:ext>
+            </a:extLst>
+          </p:cNvPr>
+          <p:cNvSpPr>
+            <a:spLocks noGrp="1"/>
+          </p:cNvSpPr>
+          <p:nvPr>
+            <p:ph type="ftr" sz="quarter" idx="11"/>
+          </p:nvPr>
+        </p:nvSpPr>
+        <p:spPr/>
+        <p:txBody>
+          <a:bodyPr/>
+          <a:lstStyle/>
+          <a:p>
+            <a:pPr defTabSz="914099" eaLnBrk="0" hangingPunct="0"/>
+            <a:endParaRPr lang="en-US" sz="400" dirty="0">
+              <a:gradFill>
+                <a:gsLst>
+                  <a:gs pos="0">
+                    <a:prstClr val="black"/>
+                  </a:gs>
+                  <a:gs pos="100000">
+                    <a:prstClr val="black"/>
+                  </a:gs>
+                </a:gsLst>
+                <a:lin ang="5400000" scaled="0"/>
+              </a:gradFill>
+              <a:ea typeface="Segoe UI" pitchFamily="34" charset="0"/>
+            </a:endParaRPr>
+          </a:p>
+        </p:txBody>
+      </p:sp>
+      <p:sp>
+        <p:nvSpPr>
+          <p:cNvPr id="6" name="Date Placeholder 5">
+            <a:extLst>
+              <a:ext uri="{FF2B5EF4-FFF2-40B4-BE49-F238E27FC236}">
+                <a16:creationId xmlns:a16="http://schemas.microsoft.com/office/drawing/2014/main" id="{EE16CA45-EF44-BDDB-E1DF-B5805E5B0488}"/>
+              </a:ext>
+            </a:extLst>
+          </p:cNvPr>
+          <p:cNvSpPr>
+            <a:spLocks noGrp="1"/>
+          </p:cNvSpPr>
+          <p:nvPr>
+            <p:ph type="dt" idx="12"/>
+          </p:nvPr>
+        </p:nvSpPr>
+        <p:spPr/>
+        <p:txBody>
+          <a:bodyPr/>
+          <a:lstStyle/>
+          <a:p>
+            <a:fld id="{542F96DF-134D-4F6A-BFA6-E032E504EEEB}" type="datetime8">
+              <a:rPr lang="en-US" smtClean="0"/>
+              <a:t>9/12/25 6:18 AM</a:t>
+            </a:fld>
+            <a:endParaRPr lang="en-US" dirty="0"/>
+          </a:p>
+        </p:txBody>
+      </p:sp>
+      <p:sp>
+        <p:nvSpPr>
+          <p:cNvPr id="7" name="Slide Number Placeholder 6">
+            <a:extLst>
+              <a:ext uri="{FF2B5EF4-FFF2-40B4-BE49-F238E27FC236}">
+                <a16:creationId xmlns:a16="http://schemas.microsoft.com/office/drawing/2014/main" id="{B315CCCE-AE96-FF80-FAE8-1E24EBC0351C}"/>
+              </a:ext>
+            </a:extLst>
+          </p:cNvPr>
+          <p:cNvSpPr>
+            <a:spLocks noGrp="1"/>
+          </p:cNvSpPr>
+          <p:nvPr>
+            <p:ph type="sldNum" sz="quarter" idx="13"/>
+          </p:nvPr>
+        </p:nvSpPr>
+        <p:spPr/>
+        <p:txBody>
+          <a:bodyPr/>
+          <a:lstStyle/>
+          <a:p>
+            <a:fld id="{B4008EB6-D09E-4580-8CD6-DDB14511944F}" type="slidenum">
+              <a:rPr lang="en-US" smtClean="0"/>
+              <a:pPr/>
+              <a:t>7</a:t>
+            </a:fld>
+            <a:endParaRPr lang="en-US" dirty="0"/>
+          </a:p>
+        </p:txBody>
+      </p:sp>
+    </p:spTree>
+    <p:extLst>
+      <p:ext uri="{BB962C8B-B14F-4D97-AF65-F5344CB8AC3E}">
+        <p14:creationId xmlns:p14="http://schemas.microsoft.com/office/powerpoint/2010/main" val="4181630719"/>
       </p:ext>
     </p:extLst>
   </p:cSld>
@@ -14928,7 +15137,7 @@
                   <a:srgbClr val="FFFF00"/>
                 </a:solidFill>
               </a:rPr>
-              <a:t>WI-FIER #1/2</a:t>
+              <a:t>WI-FIER #1/3</a:t>
             </a:r>
           </a:p>
         </p:txBody>
@@ -16550,22 +16759,6 @@
                 <a:defRPr/>
               </a:pPr>
               <a:r>
-                <a:rPr lang="en-GB" sz="3200" baseline="-11000" dirty="0">
-                  <a:solidFill>
-                    <a:schemeClr val="bg2">
-                      <a:lumMod val="40000"/>
-                      <a:lumOff val="60000"/>
-                    </a:schemeClr>
-                  </a:solidFill>
-                  <a:effectLst>
-                    <a:glow>
-                      <a:schemeClr val="bg1"/>
-                    </a:glow>
-                  </a:effectLst>
-                </a:rPr>
-                <a:t>👥</a:t>
-              </a:r>
-              <a:r>
                 <a:rPr lang="en-GB" sz="2800" baseline="-11000" dirty="0">
                   <a:solidFill>
                     <a:schemeClr val="bg2">
@@ -16579,7 +16772,7 @@
                     </a:glow>
                   </a:effectLst>
                 </a:rPr>
-                <a:t> </a:t>
+                <a:t>🍏 </a:t>
               </a:r>
               <a:r>
                 <a:rPr lang="en-US" sz="2000" i="1" dirty="0">
@@ -16595,7 +16788,7 @@
                     </a:glow>
                   </a:effectLst>
                 </a:rPr>
-                <a:t>domain</a:t>
+                <a:t>brand</a:t>
               </a:r>
             </a:p>
           </p:txBody>
@@ -16658,7 +16851,7 @@
                 <a:defRPr/>
               </a:pPr>
               <a:r>
-                <a:rPr lang="en-GB" sz="3200" baseline="-9000" dirty="0">
+                <a:rPr lang="en-GB" sz="4400" baseline="-9000" dirty="0">
                   <a:solidFill>
                     <a:schemeClr val="bg2">
                       <a:lumMod val="40000"/>
@@ -16671,7 +16864,7 @@
                     </a:glow>
                   </a:effectLst>
                 </a:rPr>
-                <a:t>🛜</a:t>
+                <a:t>🪄</a:t>
               </a:r>
               <a:r>
                 <a:rPr lang="en-GB" sz="2400" dirty="0">
@@ -16681,8 +16874,24 @@
                   <a:latin typeface="+mj-lt"/>
                   <a:cs typeface="Arial" panose="020B0604020202020204" pitchFamily="34" charset="0"/>
                 </a:rPr>
-                <a:t> Wi-Fier</a:t>
+                <a:t> </a:t>
               </a:r>
+              <a:r>
+                <a:rPr lang="en-GB" sz="2400" dirty="0">
+                  <a:solidFill>
+                    <a:sysClr val="windowText" lastClr="000000"/>
+                  </a:solidFill>
+                  <a:cs typeface="Arial" panose="020B0604020202020204" pitchFamily="34" charset="0"/>
+                </a:rPr>
+                <a:t>Wand</a:t>
+              </a:r>
+              <a:endParaRPr lang="en-GB" sz="2400" dirty="0">
+                <a:solidFill>
+                  <a:sysClr val="windowText" lastClr="000000"/>
+                </a:solidFill>
+                <a:latin typeface="+mj-lt"/>
+                <a:cs typeface="Arial" panose="020B0604020202020204" pitchFamily="34" charset="0"/>
+              </a:endParaRPr>
             </a:p>
           </p:txBody>
         </p:sp>
@@ -19167,7 +19376,7 @@
                   <a:srgbClr val="FFFF00"/>
                 </a:solidFill>
               </a:rPr>
-              <a:t>WI-FIER #2/2</a:t>
+              <a:t>WI-FIER #2/3</a:t>
             </a:r>
           </a:p>
         </p:txBody>
@@ -19724,6 +19933,4537 @@
 </file>
 
 <file path=ppt/slides/slide7.xml><?xml version="1.0" encoding="utf-8"?>
+<p:sld xmlns:a="http://schemas.openxmlformats.org/drawingml/2006/main" xmlns:r="http://schemas.openxmlformats.org/officeDocument/2006/relationships" xmlns:p="http://schemas.openxmlformats.org/presentationml/2006/main">
+  <p:cSld>
+    <p:spTree>
+      <p:nvGrpSpPr>
+        <p:cNvPr id="1" name="">
+          <a:extLst>
+            <a:ext uri="{FF2B5EF4-FFF2-40B4-BE49-F238E27FC236}">
+              <a16:creationId xmlns:a16="http://schemas.microsoft.com/office/drawing/2014/main" id="{31DAE154-4B5C-7347-5763-F700BF78AB34}"/>
+            </a:ext>
+          </a:extLst>
+        </p:cNvPr>
+        <p:cNvGrpSpPr/>
+        <p:nvPr/>
+      </p:nvGrpSpPr>
+      <p:grpSpPr>
+        <a:xfrm>
+          <a:off x="0" y="0"/>
+          <a:ext cx="0" cy="0"/>
+          <a:chOff x="0" y="0"/>
+          <a:chExt cx="0" cy="0"/>
+        </a:xfrm>
+      </p:grpSpPr>
+      <p:grpSp>
+        <p:nvGrpSpPr>
+          <p:cNvPr id="44" name="Group 43">
+            <a:extLst>
+              <a:ext uri="{FF2B5EF4-FFF2-40B4-BE49-F238E27FC236}">
+                <a16:creationId xmlns:a16="http://schemas.microsoft.com/office/drawing/2014/main" id="{3C87970D-093E-239A-1B20-D28A8A4B849E}"/>
+              </a:ext>
+            </a:extLst>
+          </p:cNvPr>
+          <p:cNvGrpSpPr/>
+          <p:nvPr/>
+        </p:nvGrpSpPr>
+        <p:grpSpPr>
+          <a:xfrm>
+            <a:off x="3118478" y="1241141"/>
+            <a:ext cx="1988691" cy="1383576"/>
+            <a:chOff x="4959152" y="4727414"/>
+            <a:chExt cx="1988691" cy="1383576"/>
+          </a:xfrm>
+        </p:grpSpPr>
+        <p:grpSp>
+          <p:nvGrpSpPr>
+            <p:cNvPr id="45" name="Group 44">
+              <a:extLst>
+                <a:ext uri="{FF2B5EF4-FFF2-40B4-BE49-F238E27FC236}">
+                  <a16:creationId xmlns:a16="http://schemas.microsoft.com/office/drawing/2014/main" id="{126565E3-B244-4355-4BFA-38401C1BEA5D}"/>
+                </a:ext>
+              </a:extLst>
+            </p:cNvPr>
+            <p:cNvGrpSpPr/>
+            <p:nvPr/>
+          </p:nvGrpSpPr>
+          <p:grpSpPr>
+            <a:xfrm>
+              <a:off x="4959152" y="4727414"/>
+              <a:ext cx="1988691" cy="1316816"/>
+              <a:chOff x="4768207" y="3215212"/>
+              <a:chExt cx="1988691" cy="1316816"/>
+            </a:xfrm>
+          </p:grpSpPr>
+          <p:grpSp>
+            <p:nvGrpSpPr>
+              <p:cNvPr id="49" name="Group 48">
+                <a:extLst>
+                  <a:ext uri="{FF2B5EF4-FFF2-40B4-BE49-F238E27FC236}">
+                    <a16:creationId xmlns:a16="http://schemas.microsoft.com/office/drawing/2014/main" id="{6E4DFA43-0687-C55C-ECC7-4A8D44E99B10}"/>
+                  </a:ext>
+                </a:extLst>
+              </p:cNvPr>
+              <p:cNvGrpSpPr/>
+              <p:nvPr/>
+            </p:nvGrpSpPr>
+            <p:grpSpPr>
+              <a:xfrm>
+                <a:off x="4768207" y="3215212"/>
+                <a:ext cx="1988691" cy="1316816"/>
+                <a:chOff x="6139542" y="58284"/>
+                <a:chExt cx="1988691" cy="1316816"/>
+              </a:xfrm>
+            </p:grpSpPr>
+            <p:sp>
+              <p:nvSpPr>
+                <p:cNvPr id="53" name="Rectangle 52">
+                  <a:extLst>
+                    <a:ext uri="{FF2B5EF4-FFF2-40B4-BE49-F238E27FC236}">
+                      <a16:creationId xmlns:a16="http://schemas.microsoft.com/office/drawing/2014/main" id="{2C4681B8-FB24-4D5B-3817-3C00511F94E8}"/>
+                    </a:ext>
+                  </a:extLst>
+                </p:cNvPr>
+                <p:cNvSpPr/>
+                <p:nvPr/>
+              </p:nvSpPr>
+              <p:spPr>
+                <a:xfrm>
+                  <a:off x="6236556" y="149580"/>
+                  <a:ext cx="1791009" cy="562183"/>
+                </a:xfrm>
+                <a:prstGeom prst="rect">
+                  <a:avLst/>
+                </a:prstGeom>
+                <a:solidFill>
+                  <a:schemeClr val="tx1">
+                    <a:lumMod val="95000"/>
+                  </a:schemeClr>
+                </a:solidFill>
+                <a:ln w="28575">
+                  <a:solidFill>
+                    <a:schemeClr val="tx1">
+                      <a:lumMod val="50000"/>
+                    </a:schemeClr>
+                  </a:solidFill>
+                  <a:prstDash val="solid"/>
+                </a:ln>
+              </p:spPr>
+              <p:style>
+                <a:lnRef idx="2">
+                  <a:schemeClr val="accent1">
+                    <a:shade val="50000"/>
+                  </a:schemeClr>
+                </a:lnRef>
+                <a:fillRef idx="1">
+                  <a:schemeClr val="accent1"/>
+                </a:fillRef>
+                <a:effectRef idx="0">
+                  <a:schemeClr val="accent1"/>
+                </a:effectRef>
+                <a:fontRef idx="minor">
+                  <a:schemeClr val="lt1"/>
+                </a:fontRef>
+              </p:style>
+              <p:txBody>
+                <a:bodyPr lIns="144000" tIns="144000" rIns="144000" bIns="144000" anchor="ctr"/>
+                <a:lstStyle/>
+                <a:p>
+                  <a:r>
+                    <a:rPr lang="en-GB" sz="3200" baseline="-9000" dirty="0">
+                      <a:solidFill>
+                        <a:schemeClr val="bg2">
+                          <a:lumMod val="40000"/>
+                          <a:lumOff val="60000"/>
+                        </a:schemeClr>
+                      </a:solidFill>
+                      <a:effectLst>
+                        <a:glow>
+                          <a:schemeClr val="bg1"/>
+                        </a:glow>
+                      </a:effectLst>
+                    </a:rPr>
+                    <a:t>🧑‍🦰</a:t>
+                  </a:r>
+                  <a:r>
+                    <a:rPr lang="en-GB" sz="2400" dirty="0">
+                      <a:solidFill>
+                        <a:sysClr val="windowText" lastClr="000000"/>
+                      </a:solidFill>
+                      <a:latin typeface="+mj-lt"/>
+                      <a:cs typeface="Arial" panose="020B0604020202020204" pitchFamily="34" charset="0"/>
+                    </a:rPr>
+                    <a:t> Wallet</a:t>
+                  </a:r>
+                </a:p>
+              </p:txBody>
+            </p:sp>
+            <p:sp>
+              <p:nvSpPr>
+                <p:cNvPr id="54" name="Rectangle 53">
+                  <a:extLst>
+                    <a:ext uri="{FF2B5EF4-FFF2-40B4-BE49-F238E27FC236}">
+                      <a16:creationId xmlns:a16="http://schemas.microsoft.com/office/drawing/2014/main" id="{7954C263-DF53-9BFE-76CF-0BD1EC6BD272}"/>
+                    </a:ext>
+                  </a:extLst>
+                </p:cNvPr>
+                <p:cNvSpPr/>
+                <p:nvPr/>
+              </p:nvSpPr>
+              <p:spPr>
+                <a:xfrm>
+                  <a:off x="6139542" y="58284"/>
+                  <a:ext cx="1988691" cy="1316816"/>
+                </a:xfrm>
+                <a:prstGeom prst="rect">
+                  <a:avLst/>
+                </a:prstGeom>
+                <a:noFill/>
+                <a:ln w="12700">
+                  <a:solidFill>
+                    <a:srgbClr val="5A6B86"/>
+                  </a:solidFill>
+                  <a:prstDash val="dash"/>
+                </a:ln>
+              </p:spPr>
+              <p:style>
+                <a:lnRef idx="2">
+                  <a:schemeClr val="accent1">
+                    <a:shade val="50000"/>
+                  </a:schemeClr>
+                </a:lnRef>
+                <a:fillRef idx="1">
+                  <a:schemeClr val="accent1"/>
+                </a:fillRef>
+                <a:effectRef idx="0">
+                  <a:schemeClr val="accent1"/>
+                </a:effectRef>
+                <a:fontRef idx="minor">
+                  <a:schemeClr val="lt1"/>
+                </a:fontRef>
+              </p:style>
+              <p:txBody>
+                <a:bodyPr tIns="36000"/>
+                <a:lstStyle/>
+                <a:p>
+                  <a:pPr eaLnBrk="1" fontAlgn="auto" hangingPunct="1">
+                    <a:spcBef>
+                      <a:spcPts val="0"/>
+                    </a:spcBef>
+                    <a:spcAft>
+                      <a:spcPts val="0"/>
+                    </a:spcAft>
+                    <a:defRPr/>
+                  </a:pPr>
+                  <a:endParaRPr lang="en-US" sz="2000" i="1" dirty="0">
+                    <a:solidFill>
+                      <a:schemeClr val="bg2">
+                        <a:lumMod val="40000"/>
+                        <a:lumOff val="60000"/>
+                      </a:schemeClr>
+                    </a:solidFill>
+                    <a:effectLst>
+                      <a:glow>
+                        <a:schemeClr val="bg1"/>
+                      </a:glow>
+                    </a:effectLst>
+                  </a:endParaRPr>
+                </a:p>
+              </p:txBody>
+            </p:sp>
+          </p:grpSp>
+          <p:sp>
+            <p:nvSpPr>
+              <p:cNvPr id="50" name="Rectangle 49">
+                <a:extLst>
+                  <a:ext uri="{FF2B5EF4-FFF2-40B4-BE49-F238E27FC236}">
+                    <a16:creationId xmlns:a16="http://schemas.microsoft.com/office/drawing/2014/main" id="{85D3FCA9-8B79-210F-8FE5-203130EFAC87}"/>
+                  </a:ext>
+                </a:extLst>
+              </p:cNvPr>
+              <p:cNvSpPr/>
+              <p:nvPr/>
+            </p:nvSpPr>
+            <p:spPr>
+              <a:xfrm>
+                <a:off x="5501604" y="3951814"/>
+                <a:ext cx="530040" cy="482053"/>
+              </a:xfrm>
+              <a:prstGeom prst="rect">
+                <a:avLst/>
+              </a:prstGeom>
+              <a:solidFill>
+                <a:schemeClr val="tx1">
+                  <a:lumMod val="95000"/>
+                </a:schemeClr>
+              </a:solidFill>
+              <a:ln w="28575">
+                <a:solidFill>
+                  <a:schemeClr val="tx1">
+                    <a:lumMod val="50000"/>
+                  </a:schemeClr>
+                </a:solidFill>
+                <a:prstDash val="solid"/>
+              </a:ln>
+            </p:spPr>
+            <p:style>
+              <a:lnRef idx="2">
+                <a:schemeClr val="accent1">
+                  <a:shade val="50000"/>
+                </a:schemeClr>
+              </a:lnRef>
+              <a:fillRef idx="1">
+                <a:schemeClr val="accent1"/>
+              </a:fillRef>
+              <a:effectRef idx="0">
+                <a:schemeClr val="accent1"/>
+              </a:effectRef>
+              <a:fontRef idx="minor">
+                <a:schemeClr val="lt1"/>
+              </a:fontRef>
+            </p:style>
+            <p:txBody>
+              <a:bodyPr lIns="144000" tIns="144000" rIns="144000" bIns="144000" anchor="ctr"/>
+              <a:lstStyle/>
+              <a:p>
+                <a:pPr>
+                  <a:lnSpc>
+                    <a:spcPts val="1500"/>
+                  </a:lnSpc>
+                  <a:defRPr/>
+                </a:pPr>
+                <a:r>
+                  <a:rPr lang="en-GB" sz="3200" baseline="-9000" dirty="0">
+                    <a:solidFill>
+                      <a:schemeClr val="bg2">
+                        <a:lumMod val="40000"/>
+                        <a:lumOff val="60000"/>
+                      </a:schemeClr>
+                    </a:solidFill>
+                    <a:effectLst>
+                      <a:glow>
+                        <a:schemeClr val="bg1"/>
+                      </a:glow>
+                    </a:effectLst>
+                  </a:rPr>
+                  <a:t> 📣</a:t>
+                </a:r>
+                <a:endParaRPr lang="en-GB" sz="2400" dirty="0">
+                  <a:solidFill>
+                    <a:sysClr val="windowText" lastClr="000000"/>
+                  </a:solidFill>
+                  <a:latin typeface="+mj-lt"/>
+                  <a:cs typeface="Arial" panose="020B0604020202020204" pitchFamily="34" charset="0"/>
+                </a:endParaRPr>
+              </a:p>
+            </p:txBody>
+          </p:sp>
+          <p:sp>
+            <p:nvSpPr>
+              <p:cNvPr id="51" name="Rectangle 50">
+                <a:extLst>
+                  <a:ext uri="{FF2B5EF4-FFF2-40B4-BE49-F238E27FC236}">
+                    <a16:creationId xmlns:a16="http://schemas.microsoft.com/office/drawing/2014/main" id="{84A93590-F8A0-E653-E297-4933756A17E3}"/>
+                  </a:ext>
+                </a:extLst>
+              </p:cNvPr>
+              <p:cNvSpPr/>
+              <p:nvPr/>
+            </p:nvSpPr>
+            <p:spPr>
+              <a:xfrm>
+                <a:off x="6133877" y="3951813"/>
+                <a:ext cx="530040" cy="482053"/>
+              </a:xfrm>
+              <a:prstGeom prst="rect">
+                <a:avLst/>
+              </a:prstGeom>
+              <a:solidFill>
+                <a:schemeClr val="tx1">
+                  <a:lumMod val="95000"/>
+                </a:schemeClr>
+              </a:solidFill>
+              <a:ln w="28575">
+                <a:solidFill>
+                  <a:schemeClr val="tx1">
+                    <a:lumMod val="50000"/>
+                  </a:schemeClr>
+                </a:solidFill>
+                <a:prstDash val="solid"/>
+              </a:ln>
+            </p:spPr>
+            <p:style>
+              <a:lnRef idx="2">
+                <a:schemeClr val="accent1">
+                  <a:shade val="50000"/>
+                </a:schemeClr>
+              </a:lnRef>
+              <a:fillRef idx="1">
+                <a:schemeClr val="accent1"/>
+              </a:fillRef>
+              <a:effectRef idx="0">
+                <a:schemeClr val="accent1"/>
+              </a:effectRef>
+              <a:fontRef idx="minor">
+                <a:schemeClr val="lt1"/>
+              </a:fontRef>
+            </p:style>
+            <p:txBody>
+              <a:bodyPr lIns="144000" tIns="144000" rIns="144000" bIns="144000" anchor="ctr"/>
+              <a:lstStyle/>
+              <a:p>
+                <a:pPr>
+                  <a:lnSpc>
+                    <a:spcPts val="1500"/>
+                  </a:lnSpc>
+                  <a:defRPr/>
+                </a:pPr>
+                <a:r>
+                  <a:rPr lang="en-GB" sz="3200" baseline="-9000" dirty="0">
+                    <a:solidFill>
+                      <a:schemeClr val="bg2">
+                        <a:lumMod val="40000"/>
+                        <a:lumOff val="60000"/>
+                      </a:schemeClr>
+                    </a:solidFill>
+                    <a:effectLst>
+                      <a:glow>
+                        <a:schemeClr val="bg1"/>
+                      </a:glow>
+                    </a:effectLst>
+                  </a:rPr>
+                  <a:t> </a:t>
+                </a:r>
+                <a:r>
+                  <a:rPr lang="en-GB" sz="3200" baseline="-10000" dirty="0"/>
+                  <a:t>📱</a:t>
+                </a:r>
+                <a:endParaRPr lang="en-GB" sz="2400" dirty="0">
+                  <a:solidFill>
+                    <a:sysClr val="windowText" lastClr="000000"/>
+                  </a:solidFill>
+                  <a:latin typeface="+mj-lt"/>
+                  <a:cs typeface="Arial" panose="020B0604020202020204" pitchFamily="34" charset="0"/>
+                </a:endParaRPr>
+              </a:p>
+            </p:txBody>
+          </p:sp>
+          <p:sp>
+            <p:nvSpPr>
+              <p:cNvPr id="52" name="Rectangle 51">
+                <a:extLst>
+                  <a:ext uri="{FF2B5EF4-FFF2-40B4-BE49-F238E27FC236}">
+                    <a16:creationId xmlns:a16="http://schemas.microsoft.com/office/drawing/2014/main" id="{1AFD9619-AA0B-2467-FB55-9BFCD230CFAF}"/>
+                  </a:ext>
+                </a:extLst>
+              </p:cNvPr>
+              <p:cNvSpPr/>
+              <p:nvPr/>
+            </p:nvSpPr>
+            <p:spPr>
+              <a:xfrm>
+                <a:off x="4861649" y="3951814"/>
+                <a:ext cx="530040" cy="482053"/>
+              </a:xfrm>
+              <a:prstGeom prst="rect">
+                <a:avLst/>
+              </a:prstGeom>
+              <a:solidFill>
+                <a:schemeClr val="tx1">
+                  <a:lumMod val="95000"/>
+                </a:schemeClr>
+              </a:solidFill>
+              <a:ln w="28575">
+                <a:solidFill>
+                  <a:schemeClr val="tx1">
+                    <a:lumMod val="50000"/>
+                  </a:schemeClr>
+                </a:solidFill>
+                <a:prstDash val="solid"/>
+              </a:ln>
+            </p:spPr>
+            <p:style>
+              <a:lnRef idx="2">
+                <a:schemeClr val="accent1">
+                  <a:shade val="50000"/>
+                </a:schemeClr>
+              </a:lnRef>
+              <a:fillRef idx="1">
+                <a:schemeClr val="accent1"/>
+              </a:fillRef>
+              <a:effectRef idx="0">
+                <a:schemeClr val="accent1"/>
+              </a:effectRef>
+              <a:fontRef idx="minor">
+                <a:schemeClr val="lt1"/>
+              </a:fontRef>
+            </p:style>
+            <p:txBody>
+              <a:bodyPr lIns="144000" tIns="144000" rIns="144000" bIns="144000" anchor="ctr"/>
+              <a:lstStyle/>
+              <a:p>
+                <a:pPr>
+                  <a:lnSpc>
+                    <a:spcPts val="1500"/>
+                  </a:lnSpc>
+                  <a:defRPr/>
+                </a:pPr>
+                <a:r>
+                  <a:rPr lang="en-GB" sz="3200" baseline="-9000" dirty="0">
+                    <a:solidFill>
+                      <a:schemeClr val="bg2">
+                        <a:lumMod val="40000"/>
+                        <a:lumOff val="60000"/>
+                      </a:schemeClr>
+                    </a:solidFill>
+                    <a:effectLst>
+                      <a:glow>
+                        <a:schemeClr val="bg1"/>
+                      </a:glow>
+                    </a:effectLst>
+                  </a:rPr>
+                  <a:t>  </a:t>
+                </a:r>
+                <a:endParaRPr lang="en-GB" sz="2400" dirty="0">
+                  <a:solidFill>
+                    <a:sysClr val="windowText" lastClr="000000"/>
+                  </a:solidFill>
+                  <a:latin typeface="+mj-lt"/>
+                  <a:cs typeface="Arial" panose="020B0604020202020204" pitchFamily="34" charset="0"/>
+                </a:endParaRPr>
+              </a:p>
+            </p:txBody>
+          </p:sp>
+        </p:grpSp>
+        <p:sp>
+          <p:nvSpPr>
+            <p:cNvPr id="46" name="TextBox 45">
+              <a:extLst>
+                <a:ext uri="{FF2B5EF4-FFF2-40B4-BE49-F238E27FC236}">
+                  <a16:creationId xmlns:a16="http://schemas.microsoft.com/office/drawing/2014/main" id="{A75647DB-E644-A761-6E90-F122E8EF99A4}"/>
+                </a:ext>
+              </a:extLst>
+            </p:cNvPr>
+            <p:cNvSpPr txBox="1"/>
+            <p:nvPr/>
+          </p:nvSpPr>
+          <p:spPr>
+            <a:xfrm>
+              <a:off x="5016883" y="5341549"/>
+              <a:ext cx="502683" cy="769441"/>
+            </a:xfrm>
+            <a:prstGeom prst="rect">
+              <a:avLst/>
+            </a:prstGeom>
+            <a:noFill/>
+          </p:spPr>
+          <p:txBody>
+            <a:bodyPr wrap="square">
+              <a:spAutoFit/>
+            </a:bodyPr>
+            <a:lstStyle/>
+            <a:p>
+              <a:r>
+                <a:rPr lang="en-GB" sz="4400" baseline="-9000" dirty="0">
+                  <a:solidFill>
+                    <a:schemeClr val="bg2">
+                      <a:lumMod val="40000"/>
+                      <a:lumOff val="60000"/>
+                    </a:schemeClr>
+                  </a:solidFill>
+                  <a:effectLst>
+                    <a:glow>
+                      <a:schemeClr val="bg1"/>
+                    </a:glow>
+                  </a:effectLst>
+                </a:rPr>
+                <a:t>🤵</a:t>
+              </a:r>
+              <a:endParaRPr lang="en-US" sz="4400" dirty="0"/>
+            </a:p>
+          </p:txBody>
+        </p:sp>
+      </p:grpSp>
+      <p:grpSp>
+        <p:nvGrpSpPr>
+          <p:cNvPr id="55" name="Group 54">
+            <a:extLst>
+              <a:ext uri="{FF2B5EF4-FFF2-40B4-BE49-F238E27FC236}">
+                <a16:creationId xmlns:a16="http://schemas.microsoft.com/office/drawing/2014/main" id="{309F433F-EF80-15A1-51CA-58B2797D959A}"/>
+              </a:ext>
+            </a:extLst>
+          </p:cNvPr>
+          <p:cNvGrpSpPr/>
+          <p:nvPr/>
+        </p:nvGrpSpPr>
+        <p:grpSpPr>
+          <a:xfrm>
+            <a:off x="262760" y="2529209"/>
+            <a:ext cx="1961697" cy="1038741"/>
+            <a:chOff x="6221987" y="5100898"/>
+            <a:chExt cx="3822790" cy="1038741"/>
+          </a:xfrm>
+        </p:grpSpPr>
+        <p:sp>
+          <p:nvSpPr>
+            <p:cNvPr id="56" name="Rectangle 55">
+              <a:extLst>
+                <a:ext uri="{FF2B5EF4-FFF2-40B4-BE49-F238E27FC236}">
+                  <a16:creationId xmlns:a16="http://schemas.microsoft.com/office/drawing/2014/main" id="{38F87F0C-608E-7531-CDF9-35F4D9A3817E}"/>
+                </a:ext>
+              </a:extLst>
+            </p:cNvPr>
+            <p:cNvSpPr/>
+            <p:nvPr/>
+          </p:nvSpPr>
+          <p:spPr>
+            <a:xfrm>
+              <a:off x="6221987" y="5100898"/>
+              <a:ext cx="3822790" cy="1038741"/>
+            </a:xfrm>
+            <a:prstGeom prst="rect">
+              <a:avLst/>
+            </a:prstGeom>
+            <a:solidFill>
+              <a:schemeClr val="bg1"/>
+            </a:solidFill>
+            <a:ln w="12700">
+              <a:solidFill>
+                <a:srgbClr val="5A6B86"/>
+              </a:solidFill>
+              <a:prstDash val="dash"/>
+            </a:ln>
+          </p:spPr>
+          <p:style>
+            <a:lnRef idx="2">
+              <a:schemeClr val="accent1">
+                <a:shade val="50000"/>
+              </a:schemeClr>
+            </a:lnRef>
+            <a:fillRef idx="1">
+              <a:schemeClr val="accent1"/>
+            </a:fillRef>
+            <a:effectRef idx="0">
+              <a:schemeClr val="accent1"/>
+            </a:effectRef>
+            <a:fontRef idx="minor">
+              <a:schemeClr val="lt1"/>
+            </a:fontRef>
+          </p:style>
+          <p:txBody>
+            <a:bodyPr tIns="36000"/>
+            <a:lstStyle/>
+            <a:p>
+              <a:pPr eaLnBrk="1" fontAlgn="auto" hangingPunct="1">
+                <a:spcBef>
+                  <a:spcPts val="0"/>
+                </a:spcBef>
+                <a:spcAft>
+                  <a:spcPts val="0"/>
+                </a:spcAft>
+                <a:defRPr/>
+              </a:pPr>
+              <a:r>
+                <a:rPr lang="en-GB" sz="2800" baseline="-11000" dirty="0">
+                  <a:solidFill>
+                    <a:schemeClr val="bg2">
+                      <a:lumMod val="40000"/>
+                      <a:lumOff val="60000"/>
+                    </a:schemeClr>
+                  </a:solidFill>
+                  <a:effectLst>
+                    <a:glow>
+                      <a:schemeClr val="bg1"/>
+                    </a:glow>
+                  </a:effectLst>
+                </a:rPr>
+                <a:t>🍏 </a:t>
+              </a:r>
+              <a:r>
+                <a:rPr lang="en-US" sz="2000" i="1" dirty="0">
+                  <a:solidFill>
+                    <a:schemeClr val="bg2">
+                      <a:lumMod val="40000"/>
+                      <a:lumOff val="60000"/>
+                    </a:schemeClr>
+                  </a:solidFill>
+                  <a:effectLst>
+                    <a:glow>
+                      <a:schemeClr val="bg1"/>
+                    </a:glow>
+                  </a:effectLst>
+                </a:rPr>
+                <a:t>brand</a:t>
+              </a:r>
+            </a:p>
+          </p:txBody>
+        </p:sp>
+        <p:sp>
+          <p:nvSpPr>
+            <p:cNvPr id="57" name="Rectangle 56">
+              <a:extLst>
+                <a:ext uri="{FF2B5EF4-FFF2-40B4-BE49-F238E27FC236}">
+                  <a16:creationId xmlns:a16="http://schemas.microsoft.com/office/drawing/2014/main" id="{CF7ABD94-8C46-F7F5-1D85-1E4FBA38F694}"/>
+                </a:ext>
+              </a:extLst>
+            </p:cNvPr>
+            <p:cNvSpPr/>
+            <p:nvPr/>
+          </p:nvSpPr>
+          <p:spPr>
+            <a:xfrm>
+              <a:off x="6385391" y="5490228"/>
+              <a:ext cx="3506209" cy="562183"/>
+            </a:xfrm>
+            <a:prstGeom prst="rect">
+              <a:avLst/>
+            </a:prstGeom>
+            <a:solidFill>
+              <a:schemeClr val="tx1">
+                <a:lumMod val="95000"/>
+              </a:schemeClr>
+            </a:solidFill>
+            <a:ln w="28575">
+              <a:solidFill>
+                <a:schemeClr val="tx1">
+                  <a:lumMod val="50000"/>
+                </a:schemeClr>
+              </a:solidFill>
+              <a:prstDash val="solid"/>
+            </a:ln>
+          </p:spPr>
+          <p:style>
+            <a:lnRef idx="2">
+              <a:schemeClr val="accent1">
+                <a:shade val="50000"/>
+              </a:schemeClr>
+            </a:lnRef>
+            <a:fillRef idx="1">
+              <a:schemeClr val="accent1"/>
+            </a:fillRef>
+            <a:effectRef idx="0">
+              <a:schemeClr val="accent1"/>
+            </a:effectRef>
+            <a:fontRef idx="minor">
+              <a:schemeClr val="lt1"/>
+            </a:fontRef>
+          </p:style>
+          <p:txBody>
+            <a:bodyPr lIns="144000" tIns="144000" rIns="144000" bIns="144000" anchor="ctr"/>
+            <a:lstStyle/>
+            <a:p>
+              <a:pPr>
+                <a:defRPr/>
+              </a:pPr>
+              <a:r>
+                <a:rPr lang="en-GB" sz="4400" baseline="-9000" dirty="0">
+                  <a:solidFill>
+                    <a:schemeClr val="bg2">
+                      <a:lumMod val="40000"/>
+                      <a:lumOff val="60000"/>
+                    </a:schemeClr>
+                  </a:solidFill>
+                  <a:effectLst>
+                    <a:glow>
+                      <a:schemeClr val="bg1"/>
+                    </a:glow>
+                  </a:effectLst>
+                </a:rPr>
+                <a:t>🪄</a:t>
+              </a:r>
+              <a:r>
+                <a:rPr lang="en-GB" sz="2400" dirty="0">
+                  <a:solidFill>
+                    <a:sysClr val="windowText" lastClr="000000"/>
+                  </a:solidFill>
+                  <a:latin typeface="+mj-lt"/>
+                  <a:cs typeface="Arial" panose="020B0604020202020204" pitchFamily="34" charset="0"/>
+                </a:rPr>
+                <a:t> </a:t>
+              </a:r>
+              <a:r>
+                <a:rPr lang="en-GB" sz="2400" dirty="0">
+                  <a:solidFill>
+                    <a:sysClr val="windowText" lastClr="000000"/>
+                  </a:solidFill>
+                  <a:cs typeface="Arial" panose="020B0604020202020204" pitchFamily="34" charset="0"/>
+                </a:rPr>
+                <a:t>Wand</a:t>
+              </a:r>
+              <a:endParaRPr lang="en-GB" sz="2400" dirty="0">
+                <a:solidFill>
+                  <a:sysClr val="windowText" lastClr="000000"/>
+                </a:solidFill>
+                <a:latin typeface="+mj-lt"/>
+                <a:cs typeface="Arial" panose="020B0604020202020204" pitchFamily="34" charset="0"/>
+              </a:endParaRPr>
+            </a:p>
+          </p:txBody>
+        </p:sp>
+      </p:grpSp>
+      <p:sp>
+        <p:nvSpPr>
+          <p:cNvPr id="62" name="Rectangle 61">
+            <a:extLst>
+              <a:ext uri="{FF2B5EF4-FFF2-40B4-BE49-F238E27FC236}">
+                <a16:creationId xmlns:a16="http://schemas.microsoft.com/office/drawing/2014/main" id="{5B13C7AA-B303-B3E9-2EC0-23D486FACBD1}"/>
+              </a:ext>
+            </a:extLst>
+          </p:cNvPr>
+          <p:cNvSpPr/>
+          <p:nvPr/>
+        </p:nvSpPr>
+        <p:spPr>
+          <a:xfrm>
+            <a:off x="8577333" y="211042"/>
+            <a:ext cx="3462268" cy="2752633"/>
+          </a:xfrm>
+          <a:prstGeom prst="rect">
+            <a:avLst/>
+          </a:prstGeom>
+          <a:noFill/>
+          <a:ln w="12700">
+            <a:solidFill>
+              <a:srgbClr val="5A6B86"/>
+            </a:solidFill>
+            <a:prstDash val="dash"/>
+          </a:ln>
+        </p:spPr>
+        <p:style>
+          <a:lnRef idx="2">
+            <a:schemeClr val="accent1">
+              <a:shade val="50000"/>
+            </a:schemeClr>
+          </a:lnRef>
+          <a:fillRef idx="1">
+            <a:schemeClr val="accent1"/>
+          </a:fillRef>
+          <a:effectRef idx="0">
+            <a:schemeClr val="accent1"/>
+          </a:effectRef>
+          <a:fontRef idx="minor">
+            <a:schemeClr val="lt1"/>
+          </a:fontRef>
+        </p:style>
+        <p:txBody>
+          <a:bodyPr tIns="36000"/>
+          <a:lstStyle/>
+          <a:p>
+            <a:pPr eaLnBrk="1" fontAlgn="auto" hangingPunct="1">
+              <a:spcBef>
+                <a:spcPts val="0"/>
+              </a:spcBef>
+              <a:spcAft>
+                <a:spcPts val="0"/>
+              </a:spcAft>
+              <a:defRPr/>
+            </a:pPr>
+            <a:endParaRPr lang="en-US" sz="2000" i="1" dirty="0">
+              <a:solidFill>
+                <a:schemeClr val="bg2">
+                  <a:lumMod val="40000"/>
+                  <a:lumOff val="60000"/>
+                </a:schemeClr>
+              </a:solidFill>
+              <a:effectLst>
+                <a:glow>
+                  <a:schemeClr val="bg1"/>
+                </a:glow>
+              </a:effectLst>
+            </a:endParaRPr>
+          </a:p>
+        </p:txBody>
+      </p:sp>
+      <p:sp>
+        <p:nvSpPr>
+          <p:cNvPr id="63" name="Content Placeholder 2">
+            <a:extLst>
+              <a:ext uri="{FF2B5EF4-FFF2-40B4-BE49-F238E27FC236}">
+                <a16:creationId xmlns:a16="http://schemas.microsoft.com/office/drawing/2014/main" id="{BAE20EFD-4192-EF19-7F10-32D9D06D48D8}"/>
+              </a:ext>
+            </a:extLst>
+          </p:cNvPr>
+          <p:cNvSpPr txBox="1">
+            <a:spLocks/>
+          </p:cNvSpPr>
+          <p:nvPr/>
+        </p:nvSpPr>
+        <p:spPr>
+          <a:xfrm>
+            <a:off x="8680133" y="283654"/>
+            <a:ext cx="2242841" cy="400110"/>
+          </a:xfrm>
+          <a:prstGeom prst="rect">
+            <a:avLst/>
+          </a:prstGeom>
+        </p:spPr>
+        <p:txBody>
+          <a:bodyPr wrap="square">
+            <a:spAutoFit/>
+          </a:bodyPr>
+          <a:lstStyle>
+            <a:lvl1pPr marL="228600" indent="-228600" algn="l" defTabSz="914400" rtl="0" eaLnBrk="1" latinLnBrk="0" hangingPunct="1">
+              <a:lnSpc>
+                <a:spcPct val="90000"/>
+              </a:lnSpc>
+              <a:spcBef>
+                <a:spcPts val="0"/>
+              </a:spcBef>
+              <a:spcAft>
+                <a:spcPts val="1200"/>
+              </a:spcAft>
+              <a:buSzPct val="90000"/>
+              <a:buFont typeface="Amazon Ember" panose="020B0603020204020204" pitchFamily="34" charset="0"/>
+              <a:buChar char="•"/>
+              <a:defRPr sz="2800" kern="1200">
+                <a:solidFill>
+                  <a:schemeClr val="tx1"/>
+                </a:solidFill>
+                <a:latin typeface="+mn-lt"/>
+                <a:ea typeface="+mn-ea"/>
+                <a:cs typeface="+mn-cs"/>
+              </a:defRPr>
+            </a:lvl1pPr>
+            <a:lvl2pPr marL="457200" indent="-228600" algn="l" defTabSz="914400" rtl="0" eaLnBrk="1" latinLnBrk="0" hangingPunct="1">
+              <a:lnSpc>
+                <a:spcPct val="90000"/>
+              </a:lnSpc>
+              <a:spcBef>
+                <a:spcPts val="0"/>
+              </a:spcBef>
+              <a:spcAft>
+                <a:spcPts val="1200"/>
+              </a:spcAft>
+              <a:buSzPct val="90000"/>
+              <a:buFont typeface="Wingdings" panose="05000000000000000000" pitchFamily="2" charset="2"/>
+              <a:buChar char="§"/>
+              <a:defRPr sz="2400" kern="1200">
+                <a:solidFill>
+                  <a:schemeClr val="tx1"/>
+                </a:solidFill>
+                <a:latin typeface="+mn-lt"/>
+                <a:ea typeface="+mn-ea"/>
+                <a:cs typeface="+mn-cs"/>
+              </a:defRPr>
+            </a:lvl2pPr>
+            <a:lvl3pPr marL="685800" indent="-228600" algn="l" defTabSz="914400" rtl="0" eaLnBrk="1" latinLnBrk="0" hangingPunct="1">
+              <a:lnSpc>
+                <a:spcPct val="90000"/>
+              </a:lnSpc>
+              <a:spcBef>
+                <a:spcPts val="0"/>
+              </a:spcBef>
+              <a:spcAft>
+                <a:spcPts val="1200"/>
+              </a:spcAft>
+              <a:buSzPct val="90000"/>
+              <a:buFont typeface="Amazon Ember" panose="020B0603020204020204" pitchFamily="34" charset="0"/>
+              <a:buChar char="–"/>
+              <a:defRPr sz="2000" kern="1200">
+                <a:solidFill>
+                  <a:schemeClr val="tx1"/>
+                </a:solidFill>
+                <a:latin typeface="+mn-lt"/>
+                <a:ea typeface="+mn-ea"/>
+                <a:cs typeface="+mn-cs"/>
+              </a:defRPr>
+            </a:lvl3pPr>
+            <a:lvl4pPr marL="914400" indent="-228600" algn="l" defTabSz="914400" rtl="0" eaLnBrk="1" latinLnBrk="0" hangingPunct="1">
+              <a:lnSpc>
+                <a:spcPct val="90000"/>
+              </a:lnSpc>
+              <a:spcBef>
+                <a:spcPts val="0"/>
+              </a:spcBef>
+              <a:spcAft>
+                <a:spcPts val="1200"/>
+              </a:spcAft>
+              <a:buFont typeface="Amazon Ember" panose="020B0603020204020204" pitchFamily="34" charset="0"/>
+              <a:buChar char="•"/>
+              <a:defRPr sz="1800" kern="1200">
+                <a:solidFill>
+                  <a:schemeClr val="tx1"/>
+                </a:solidFill>
+                <a:latin typeface="+mn-lt"/>
+                <a:ea typeface="+mn-ea"/>
+                <a:cs typeface="+mn-cs"/>
+              </a:defRPr>
+            </a:lvl4pPr>
+            <a:lvl5pPr marL="1143000" indent="-228600" algn="l" defTabSz="914400" rtl="0" eaLnBrk="1" latinLnBrk="0" hangingPunct="1">
+              <a:lnSpc>
+                <a:spcPct val="90000"/>
+              </a:lnSpc>
+              <a:spcBef>
+                <a:spcPts val="0"/>
+              </a:spcBef>
+              <a:spcAft>
+                <a:spcPts val="1200"/>
+              </a:spcAft>
+              <a:buFont typeface="Amazon Ember" panose="020B0603020204020204" pitchFamily="34" charset="0"/>
+              <a:buChar char="•"/>
+              <a:defRPr sz="1800" kern="1200">
+                <a:solidFill>
+                  <a:schemeClr val="tx1"/>
+                </a:solidFill>
+                <a:latin typeface="+mn-lt"/>
+                <a:ea typeface="+mn-ea"/>
+                <a:cs typeface="+mn-cs"/>
+              </a:defRPr>
+            </a:lvl5pPr>
+            <a:lvl6pPr marL="2514600" indent="-228600" algn="l" defTabSz="914400" rtl="0" eaLnBrk="1" latinLnBrk="0" hangingPunct="1">
+              <a:lnSpc>
+                <a:spcPct val="90000"/>
+              </a:lnSpc>
+              <a:spcBef>
+                <a:spcPts val="500"/>
+              </a:spcBef>
+              <a:buFont typeface="Amazon Ember" panose="020B0603020204020204" pitchFamily="34" charset="0"/>
+              <a:buChar char="•"/>
+              <a:defRPr sz="1800" kern="1200">
+                <a:solidFill>
+                  <a:schemeClr val="tx1"/>
+                </a:solidFill>
+                <a:latin typeface="+mn-lt"/>
+                <a:ea typeface="+mn-ea"/>
+                <a:cs typeface="+mn-cs"/>
+              </a:defRPr>
+            </a:lvl6pPr>
+            <a:lvl7pPr marL="2971800" indent="-228600" algn="l" defTabSz="914400" rtl="0" eaLnBrk="1" latinLnBrk="0" hangingPunct="1">
+              <a:lnSpc>
+                <a:spcPct val="90000"/>
+              </a:lnSpc>
+              <a:spcBef>
+                <a:spcPts val="500"/>
+              </a:spcBef>
+              <a:buFont typeface="Amazon Ember" panose="020B0603020204020204" pitchFamily="34" charset="0"/>
+              <a:buChar char="•"/>
+              <a:defRPr sz="1800" kern="1200">
+                <a:solidFill>
+                  <a:schemeClr val="tx1"/>
+                </a:solidFill>
+                <a:latin typeface="+mn-lt"/>
+                <a:ea typeface="+mn-ea"/>
+                <a:cs typeface="+mn-cs"/>
+              </a:defRPr>
+            </a:lvl7pPr>
+            <a:lvl8pPr marL="3429000" indent="-228600" algn="l" defTabSz="914400" rtl="0" eaLnBrk="1" latinLnBrk="0" hangingPunct="1">
+              <a:lnSpc>
+                <a:spcPct val="90000"/>
+              </a:lnSpc>
+              <a:spcBef>
+                <a:spcPts val="500"/>
+              </a:spcBef>
+              <a:buFont typeface="Amazon Ember" panose="020B0603020204020204" pitchFamily="34" charset="0"/>
+              <a:buChar char="•"/>
+              <a:defRPr sz="1800" kern="1200">
+                <a:solidFill>
+                  <a:schemeClr val="tx1"/>
+                </a:solidFill>
+                <a:latin typeface="+mn-lt"/>
+                <a:ea typeface="+mn-ea"/>
+                <a:cs typeface="+mn-cs"/>
+              </a:defRPr>
+            </a:lvl8pPr>
+            <a:lvl9pPr marL="3886200" indent="-228600" algn="l" defTabSz="914400" rtl="0" eaLnBrk="1" latinLnBrk="0" hangingPunct="1">
+              <a:lnSpc>
+                <a:spcPct val="90000"/>
+              </a:lnSpc>
+              <a:spcBef>
+                <a:spcPts val="500"/>
+              </a:spcBef>
+              <a:buFont typeface="Amazon Ember" panose="020B0603020204020204" pitchFamily="34" charset="0"/>
+              <a:buChar char="•"/>
+              <a:defRPr sz="1800" kern="1200">
+                <a:solidFill>
+                  <a:schemeClr val="tx1"/>
+                </a:solidFill>
+                <a:latin typeface="+mn-lt"/>
+                <a:ea typeface="+mn-ea"/>
+                <a:cs typeface="+mn-cs"/>
+              </a:defRPr>
+            </a:lvl9pPr>
+          </a:lstStyle>
+          <a:p>
+            <a:pPr marL="0" indent="0">
+              <a:lnSpc>
+                <a:spcPct val="100000"/>
+              </a:lnSpc>
+              <a:spcAft>
+                <a:spcPts val="600"/>
+              </a:spcAft>
+              <a:buNone/>
+            </a:pPr>
+            <a:r>
+              <a:rPr lang="en-US" baseline="-11000" dirty="0">
+                <a:solidFill>
+                  <a:schemeClr val="bg2">
+                    <a:lumMod val="40000"/>
+                    <a:lumOff val="60000"/>
+                  </a:schemeClr>
+                </a:solidFill>
+                <a:effectLst>
+                  <a:glow>
+                    <a:schemeClr val="bg1"/>
+                  </a:glow>
+                </a:effectLst>
+              </a:rPr>
+              <a:t>🏠</a:t>
+            </a:r>
+            <a:r>
+              <a:rPr lang="en-US" sz="2000" i="1" dirty="0">
+                <a:solidFill>
+                  <a:schemeClr val="bg2">
+                    <a:lumMod val="40000"/>
+                    <a:lumOff val="60000"/>
+                  </a:schemeClr>
+                </a:solidFill>
+                <a:effectLst>
+                  <a:glow>
+                    <a:schemeClr val="bg1"/>
+                  </a:glow>
+                </a:effectLst>
+              </a:rPr>
+              <a:t> on-premises</a:t>
+            </a:r>
+          </a:p>
+        </p:txBody>
+      </p:sp>
+      <p:grpSp>
+        <p:nvGrpSpPr>
+          <p:cNvPr id="12" name="Group 11">
+            <a:extLst>
+              <a:ext uri="{FF2B5EF4-FFF2-40B4-BE49-F238E27FC236}">
+                <a16:creationId xmlns:a16="http://schemas.microsoft.com/office/drawing/2014/main" id="{E95E3CBB-1EE8-9AA1-0EF1-A194615BC501}"/>
+              </a:ext>
+            </a:extLst>
+          </p:cNvPr>
+          <p:cNvGrpSpPr/>
+          <p:nvPr/>
+        </p:nvGrpSpPr>
+        <p:grpSpPr>
+          <a:xfrm>
+            <a:off x="10726797" y="345900"/>
+            <a:ext cx="1164577" cy="735598"/>
+            <a:chOff x="8013515" y="2736815"/>
+            <a:chExt cx="1164577" cy="735598"/>
+          </a:xfrm>
+        </p:grpSpPr>
+        <p:sp>
+          <p:nvSpPr>
+            <p:cNvPr id="65" name="Rectangle 64">
+              <a:extLst>
+                <a:ext uri="{FF2B5EF4-FFF2-40B4-BE49-F238E27FC236}">
+                  <a16:creationId xmlns:a16="http://schemas.microsoft.com/office/drawing/2014/main" id="{5F067EEC-7032-C70A-B6B4-446C569FB0F6}"/>
+                </a:ext>
+              </a:extLst>
+            </p:cNvPr>
+            <p:cNvSpPr/>
+            <p:nvPr/>
+          </p:nvSpPr>
+          <p:spPr>
+            <a:xfrm>
+              <a:off x="8048951" y="2736815"/>
+              <a:ext cx="1129141" cy="735598"/>
+            </a:xfrm>
+            <a:prstGeom prst="rect">
+              <a:avLst/>
+            </a:prstGeom>
+            <a:solidFill>
+              <a:schemeClr val="bg1">
+                <a:lumMod val="85000"/>
+                <a:lumOff val="15000"/>
+              </a:schemeClr>
+            </a:solidFill>
+            <a:ln w="12700">
+              <a:noFill/>
+              <a:prstDash val="dash"/>
+            </a:ln>
+          </p:spPr>
+          <p:style>
+            <a:lnRef idx="2">
+              <a:schemeClr val="accent1">
+                <a:shade val="50000"/>
+              </a:schemeClr>
+            </a:lnRef>
+            <a:fillRef idx="1">
+              <a:schemeClr val="accent1"/>
+            </a:fillRef>
+            <a:effectRef idx="0">
+              <a:schemeClr val="accent1"/>
+            </a:effectRef>
+            <a:fontRef idx="minor">
+              <a:schemeClr val="lt1"/>
+            </a:fontRef>
+          </p:style>
+          <p:txBody>
+            <a:bodyPr tIns="36000"/>
+            <a:lstStyle/>
+            <a:p>
+              <a:pPr algn="r"/>
+              <a:endParaRPr lang="en-US" sz="2000" dirty="0">
+                <a:solidFill>
+                  <a:schemeClr val="bg2">
+                    <a:lumMod val="40000"/>
+                    <a:lumOff val="60000"/>
+                  </a:schemeClr>
+                </a:solidFill>
+                <a:effectLst>
+                  <a:glow>
+                    <a:schemeClr val="bg1"/>
+                  </a:glow>
+                </a:effectLst>
+              </a:endParaRPr>
+            </a:p>
+          </p:txBody>
+        </p:sp>
+        <p:sp>
+          <p:nvSpPr>
+            <p:cNvPr id="66" name="TextBox 65">
+              <a:extLst>
+                <a:ext uri="{FF2B5EF4-FFF2-40B4-BE49-F238E27FC236}">
+                  <a16:creationId xmlns:a16="http://schemas.microsoft.com/office/drawing/2014/main" id="{37ED620D-B7BC-2144-56E9-D60407C4FD26}"/>
+                </a:ext>
+              </a:extLst>
+            </p:cNvPr>
+            <p:cNvSpPr txBox="1"/>
+            <p:nvPr/>
+          </p:nvSpPr>
+          <p:spPr>
+            <a:xfrm>
+              <a:off x="8013515" y="2792381"/>
+              <a:ext cx="1117685" cy="656590"/>
+            </a:xfrm>
+            <a:prstGeom prst="rect">
+              <a:avLst/>
+            </a:prstGeom>
+            <a:noFill/>
+          </p:spPr>
+          <p:txBody>
+            <a:bodyPr wrap="square">
+              <a:spAutoFit/>
+            </a:bodyPr>
+            <a:lstStyle/>
+            <a:p>
+              <a:pPr algn="r"/>
+              <a:r>
+                <a:rPr lang="en-GB" sz="2800" baseline="-11000" noProof="1">
+                  <a:solidFill>
+                    <a:schemeClr val="bg2">
+                      <a:lumMod val="40000"/>
+                      <a:lumOff val="60000"/>
+                    </a:schemeClr>
+                  </a:solidFill>
+                  <a:effectLst>
+                    <a:glow>
+                      <a:schemeClr val="bg1"/>
+                    </a:glow>
+                  </a:effectLst>
+                </a:rPr>
+                <a:t>🛜 </a:t>
+              </a:r>
+              <a:r>
+                <a:rPr lang="en-GB" noProof="1"/>
+                <a:t>Wi-Fi router</a:t>
+              </a:r>
+            </a:p>
+          </p:txBody>
+        </p:sp>
+      </p:grpSp>
+      <p:grpSp>
+        <p:nvGrpSpPr>
+          <p:cNvPr id="79" name="Group 78">
+            <a:extLst>
+              <a:ext uri="{FF2B5EF4-FFF2-40B4-BE49-F238E27FC236}">
+                <a16:creationId xmlns:a16="http://schemas.microsoft.com/office/drawing/2014/main" id="{00410D03-BE5F-D1F9-8647-0E54AC357B1C}"/>
+              </a:ext>
+            </a:extLst>
+          </p:cNvPr>
+          <p:cNvGrpSpPr/>
+          <p:nvPr/>
+        </p:nvGrpSpPr>
+        <p:grpSpPr>
+          <a:xfrm>
+            <a:off x="248433" y="217186"/>
+            <a:ext cx="1972893" cy="1038741"/>
+            <a:chOff x="7507403" y="1006813"/>
+            <a:chExt cx="640029" cy="1038741"/>
+          </a:xfrm>
+        </p:grpSpPr>
+        <p:sp>
+          <p:nvSpPr>
+            <p:cNvPr id="81" name="Rectangle 80">
+              <a:extLst>
+                <a:ext uri="{FF2B5EF4-FFF2-40B4-BE49-F238E27FC236}">
+                  <a16:creationId xmlns:a16="http://schemas.microsoft.com/office/drawing/2014/main" id="{B8C69290-DE83-DDD5-36AD-C20E7778E9DA}"/>
+                </a:ext>
+              </a:extLst>
+            </p:cNvPr>
+            <p:cNvSpPr/>
+            <p:nvPr/>
+          </p:nvSpPr>
+          <p:spPr>
+            <a:xfrm>
+              <a:off x="7538137" y="1386857"/>
+              <a:ext cx="580163" cy="562183"/>
+            </a:xfrm>
+            <a:prstGeom prst="rect">
+              <a:avLst/>
+            </a:prstGeom>
+            <a:solidFill>
+              <a:schemeClr val="tx1">
+                <a:lumMod val="95000"/>
+              </a:schemeClr>
+            </a:solidFill>
+            <a:ln w="28575">
+              <a:solidFill>
+                <a:schemeClr val="tx1">
+                  <a:lumMod val="50000"/>
+                </a:schemeClr>
+              </a:solidFill>
+              <a:prstDash val="solid"/>
+            </a:ln>
+          </p:spPr>
+          <p:style>
+            <a:lnRef idx="2">
+              <a:schemeClr val="accent1">
+                <a:shade val="50000"/>
+              </a:schemeClr>
+            </a:lnRef>
+            <a:fillRef idx="1">
+              <a:schemeClr val="accent1"/>
+            </a:fillRef>
+            <a:effectRef idx="0">
+              <a:schemeClr val="accent1"/>
+            </a:effectRef>
+            <a:fontRef idx="minor">
+              <a:schemeClr val="lt1"/>
+            </a:fontRef>
+          </p:style>
+          <p:txBody>
+            <a:bodyPr lIns="144000" tIns="144000" rIns="36000" bIns="144000" anchor="ctr"/>
+            <a:lstStyle/>
+            <a:p>
+              <a:r>
+                <a:rPr lang="en-GB" sz="3200" baseline="-9000" dirty="0">
+                  <a:solidFill>
+                    <a:schemeClr val="bg2">
+                      <a:lumMod val="40000"/>
+                      <a:lumOff val="60000"/>
+                    </a:schemeClr>
+                  </a:solidFill>
+                  <a:effectLst>
+                    <a:glow>
+                      <a:schemeClr val="bg1"/>
+                    </a:glow>
+                  </a:effectLst>
+                </a:rPr>
+                <a:t>🧢 </a:t>
+              </a:r>
+              <a:r>
+                <a:rPr lang="en-GB" sz="2400" dirty="0">
+                  <a:solidFill>
+                    <a:sysClr val="windowText" lastClr="000000"/>
+                  </a:solidFill>
+                  <a:latin typeface="+mj-lt"/>
+                  <a:cs typeface="Arial" panose="020B0604020202020204" pitchFamily="34" charset="0"/>
+                </a:rPr>
+                <a:t>Persona</a:t>
+              </a:r>
+            </a:p>
+          </p:txBody>
+        </p:sp>
+        <p:sp>
+          <p:nvSpPr>
+            <p:cNvPr id="82" name="Rectangle 81">
+              <a:extLst>
+                <a:ext uri="{FF2B5EF4-FFF2-40B4-BE49-F238E27FC236}">
+                  <a16:creationId xmlns:a16="http://schemas.microsoft.com/office/drawing/2014/main" id="{24CBB742-854C-37F4-C9EE-90BA3C404C5E}"/>
+                </a:ext>
+              </a:extLst>
+            </p:cNvPr>
+            <p:cNvSpPr/>
+            <p:nvPr/>
+          </p:nvSpPr>
+          <p:spPr>
+            <a:xfrm>
+              <a:off x="7507403" y="1006813"/>
+              <a:ext cx="640029" cy="1038741"/>
+            </a:xfrm>
+            <a:prstGeom prst="rect">
+              <a:avLst/>
+            </a:prstGeom>
+            <a:noFill/>
+            <a:ln w="12700">
+              <a:solidFill>
+                <a:srgbClr val="5A6B86"/>
+              </a:solidFill>
+              <a:prstDash val="dash"/>
+            </a:ln>
+          </p:spPr>
+          <p:style>
+            <a:lnRef idx="2">
+              <a:schemeClr val="accent1">
+                <a:shade val="50000"/>
+              </a:schemeClr>
+            </a:lnRef>
+            <a:fillRef idx="1">
+              <a:schemeClr val="accent1"/>
+            </a:fillRef>
+            <a:effectRef idx="0">
+              <a:schemeClr val="accent1"/>
+            </a:effectRef>
+            <a:fontRef idx="minor">
+              <a:schemeClr val="lt1"/>
+            </a:fontRef>
+          </p:style>
+          <p:txBody>
+            <a:bodyPr tIns="36000"/>
+            <a:lstStyle/>
+            <a:p>
+              <a:pPr eaLnBrk="1" fontAlgn="auto" hangingPunct="1">
+                <a:spcBef>
+                  <a:spcPts val="0"/>
+                </a:spcBef>
+                <a:spcAft>
+                  <a:spcPts val="0"/>
+                </a:spcAft>
+                <a:defRPr/>
+              </a:pPr>
+              <a:r>
+                <a:rPr lang="en-US" sz="2800" baseline="-11000" dirty="0">
+                  <a:solidFill>
+                    <a:schemeClr val="bg2">
+                      <a:lumMod val="40000"/>
+                      <a:lumOff val="60000"/>
+                    </a:schemeClr>
+                  </a:solidFill>
+                  <a:effectLst>
+                    <a:glow>
+                      <a:schemeClr val="bg1"/>
+                    </a:glow>
+                  </a:effectLst>
+                </a:rPr>
+                <a:t>🧑‍🦰 </a:t>
+              </a:r>
+              <a:r>
+                <a:rPr lang="en-US" sz="2000" i="1" dirty="0">
+                  <a:solidFill>
+                    <a:schemeClr val="bg2">
+                      <a:lumMod val="40000"/>
+                      <a:lumOff val="60000"/>
+                    </a:schemeClr>
+                  </a:solidFill>
+                  <a:effectLst>
+                    <a:glow>
+                      <a:schemeClr val="bg1"/>
+                    </a:glow>
+                  </a:effectLst>
+                </a:rPr>
+                <a:t>user agent</a:t>
+              </a:r>
+            </a:p>
+          </p:txBody>
+        </p:sp>
+      </p:grpSp>
+      <p:cxnSp>
+        <p:nvCxnSpPr>
+          <p:cNvPr id="84" name="Straight Arrow Connector 12">
+            <a:extLst>
+              <a:ext uri="{FF2B5EF4-FFF2-40B4-BE49-F238E27FC236}">
+                <a16:creationId xmlns:a16="http://schemas.microsoft.com/office/drawing/2014/main" id="{7C176FEC-5D3B-2781-1BE3-55118BC758BF}"/>
+              </a:ext>
+            </a:extLst>
+          </p:cNvPr>
+          <p:cNvCxnSpPr>
+            <a:cxnSpLocks/>
+            <a:stCxn id="54" idx="2"/>
+            <a:endCxn id="56" idx="3"/>
+          </p:cNvCxnSpPr>
+          <p:nvPr/>
+        </p:nvCxnSpPr>
+        <p:spPr>
+          <a:xfrm rot="5400000">
+            <a:off x="2923330" y="1859085"/>
+            <a:ext cx="490623" cy="1888367"/>
+          </a:xfrm>
+          <a:prstGeom prst="bentConnector2">
+            <a:avLst/>
+          </a:prstGeom>
+          <a:ln>
+            <a:solidFill>
+              <a:schemeClr val="tx1"/>
+            </a:solidFill>
+            <a:tailEnd type="triangle" w="lg" len="lg"/>
+          </a:ln>
+        </p:spPr>
+        <p:style>
+          <a:lnRef idx="3">
+            <a:schemeClr val="accent2"/>
+          </a:lnRef>
+          <a:fillRef idx="0">
+            <a:schemeClr val="accent2"/>
+          </a:fillRef>
+          <a:effectRef idx="2">
+            <a:schemeClr val="accent2"/>
+          </a:effectRef>
+          <a:fontRef idx="minor">
+            <a:schemeClr val="tx1"/>
+          </a:fontRef>
+        </p:style>
+      </p:cxnSp>
+      <p:cxnSp>
+        <p:nvCxnSpPr>
+          <p:cNvPr id="87" name="Straight Arrow Connector 12">
+            <a:extLst>
+              <a:ext uri="{FF2B5EF4-FFF2-40B4-BE49-F238E27FC236}">
+                <a16:creationId xmlns:a16="http://schemas.microsoft.com/office/drawing/2014/main" id="{04D5E285-7B9E-BBC7-F2E6-D08B5C1BEA6B}"/>
+              </a:ext>
+            </a:extLst>
+          </p:cNvPr>
+          <p:cNvCxnSpPr>
+            <a:cxnSpLocks/>
+            <a:stCxn id="54" idx="0"/>
+            <a:endCxn id="82" idx="3"/>
+          </p:cNvCxnSpPr>
+          <p:nvPr/>
+        </p:nvCxnSpPr>
+        <p:spPr>
+          <a:xfrm rot="16200000" flipV="1">
+            <a:off x="2914783" y="43100"/>
+            <a:ext cx="504584" cy="1891498"/>
+          </a:xfrm>
+          <a:prstGeom prst="bentConnector2">
+            <a:avLst/>
+          </a:prstGeom>
+          <a:ln>
+            <a:solidFill>
+              <a:schemeClr val="tx1"/>
+            </a:solidFill>
+            <a:tailEnd type="triangle" w="lg" len="lg"/>
+          </a:ln>
+        </p:spPr>
+        <p:style>
+          <a:lnRef idx="3">
+            <a:schemeClr val="accent2"/>
+          </a:lnRef>
+          <a:fillRef idx="0">
+            <a:schemeClr val="accent2"/>
+          </a:fillRef>
+          <a:effectRef idx="2">
+            <a:schemeClr val="accent2"/>
+          </a:effectRef>
+          <a:fontRef idx="minor">
+            <a:schemeClr val="tx1"/>
+          </a:fontRef>
+        </p:style>
+      </p:cxnSp>
+      <p:grpSp>
+        <p:nvGrpSpPr>
+          <p:cNvPr id="105" name="Group 104">
+            <a:extLst>
+              <a:ext uri="{FF2B5EF4-FFF2-40B4-BE49-F238E27FC236}">
+                <a16:creationId xmlns:a16="http://schemas.microsoft.com/office/drawing/2014/main" id="{B502F590-7350-B496-86A2-2A39DD16F11D}"/>
+              </a:ext>
+            </a:extLst>
+          </p:cNvPr>
+          <p:cNvGrpSpPr/>
+          <p:nvPr/>
+        </p:nvGrpSpPr>
+        <p:grpSpPr>
+          <a:xfrm>
+            <a:off x="2429185" y="3021549"/>
+            <a:ext cx="3332466" cy="830997"/>
+            <a:chOff x="2343832" y="2012768"/>
+            <a:chExt cx="3332466" cy="830997"/>
+          </a:xfrm>
+        </p:grpSpPr>
+        <p:sp>
+          <p:nvSpPr>
+            <p:cNvPr id="106" name="Rounded Rectangle 105">
+              <a:extLst>
+                <a:ext uri="{FF2B5EF4-FFF2-40B4-BE49-F238E27FC236}">
+                  <a16:creationId xmlns:a16="http://schemas.microsoft.com/office/drawing/2014/main" id="{D11EDE70-EF87-4AE3-EDA9-0CA1013097F1}"/>
+                </a:ext>
+              </a:extLst>
+            </p:cNvPr>
+            <p:cNvSpPr/>
+            <p:nvPr/>
+          </p:nvSpPr>
+          <p:spPr>
+            <a:xfrm>
+              <a:off x="2343832" y="2223776"/>
+              <a:ext cx="360000" cy="360000"/>
+            </a:xfrm>
+            <a:prstGeom prst="roundRect">
+              <a:avLst/>
+            </a:prstGeom>
+            <a:solidFill>
+              <a:schemeClr val="accent5"/>
+            </a:solidFill>
+            <a:ln>
+              <a:noFill/>
+            </a:ln>
+          </p:spPr>
+          <p:style>
+            <a:lnRef idx="0">
+              <a:scrgbClr r="0" g="0" b="0"/>
+            </a:lnRef>
+            <a:fillRef idx="0">
+              <a:scrgbClr r="0" g="0" b="0"/>
+            </a:fillRef>
+            <a:effectRef idx="0">
+              <a:scrgbClr r="0" g="0" b="0"/>
+            </a:effectRef>
+            <a:fontRef idx="minor">
+              <a:schemeClr val="lt1"/>
+            </a:fontRef>
+          </p:style>
+          <p:txBody>
+            <a:bodyPr lIns="45720" tIns="45720" rIns="45720" rtlCol="0" anchor="ctr"/>
+            <a:lstStyle/>
+            <a:p>
+              <a:pPr algn="ctr"/>
+              <a:r>
+                <a:rPr lang="en-GB" b="1" dirty="0">
+                  <a:solidFill>
+                    <a:schemeClr val="tx1"/>
+                  </a:solidFill>
+                </a:rPr>
+                <a:t>2</a:t>
+              </a:r>
+            </a:p>
+          </p:txBody>
+        </p:sp>
+        <p:sp>
+          <p:nvSpPr>
+            <p:cNvPr id="107" name="Content Placeholder 2">
+              <a:extLst>
+                <a:ext uri="{FF2B5EF4-FFF2-40B4-BE49-F238E27FC236}">
+                  <a16:creationId xmlns:a16="http://schemas.microsoft.com/office/drawing/2014/main" id="{92734715-E624-6CAF-3E70-9A0D66E4F19C}"/>
+                </a:ext>
+              </a:extLst>
+            </p:cNvPr>
+            <p:cNvSpPr txBox="1">
+              <a:spLocks/>
+            </p:cNvSpPr>
+            <p:nvPr/>
+          </p:nvSpPr>
+          <p:spPr>
+            <a:xfrm>
+              <a:off x="2726825" y="2012768"/>
+              <a:ext cx="2949473" cy="830997"/>
+            </a:xfrm>
+            <a:prstGeom prst="rect">
+              <a:avLst/>
+            </a:prstGeom>
+          </p:spPr>
+          <p:txBody>
+            <a:bodyPr wrap="square">
+              <a:spAutoFit/>
+            </a:bodyPr>
+            <a:lstStyle>
+              <a:lvl1pPr marL="228600" indent="-228600" algn="l" defTabSz="914400" rtl="0" eaLnBrk="1" latinLnBrk="0" hangingPunct="1">
+                <a:lnSpc>
+                  <a:spcPct val="90000"/>
+                </a:lnSpc>
+                <a:spcBef>
+                  <a:spcPts val="0"/>
+                </a:spcBef>
+                <a:spcAft>
+                  <a:spcPts val="1200"/>
+                </a:spcAft>
+                <a:buSzPct val="90000"/>
+                <a:buFont typeface="Amazon Ember" panose="020B0603020204020204" pitchFamily="34" charset="0"/>
+                <a:buChar char="•"/>
+                <a:defRPr sz="2800" kern="1200">
+                  <a:solidFill>
+                    <a:schemeClr val="tx1"/>
+                  </a:solidFill>
+                  <a:latin typeface="+mn-lt"/>
+                  <a:ea typeface="+mn-ea"/>
+                  <a:cs typeface="+mn-cs"/>
+                </a:defRPr>
+              </a:lvl1pPr>
+              <a:lvl2pPr marL="457200" indent="-228600" algn="l" defTabSz="914400" rtl="0" eaLnBrk="1" latinLnBrk="0" hangingPunct="1">
+                <a:lnSpc>
+                  <a:spcPct val="90000"/>
+                </a:lnSpc>
+                <a:spcBef>
+                  <a:spcPts val="0"/>
+                </a:spcBef>
+                <a:spcAft>
+                  <a:spcPts val="1200"/>
+                </a:spcAft>
+                <a:buSzPct val="90000"/>
+                <a:buFont typeface="Wingdings" panose="05000000000000000000" pitchFamily="2" charset="2"/>
+                <a:buChar char="§"/>
+                <a:defRPr sz="2400" kern="1200">
+                  <a:solidFill>
+                    <a:schemeClr val="tx1"/>
+                  </a:solidFill>
+                  <a:latin typeface="+mn-lt"/>
+                  <a:ea typeface="+mn-ea"/>
+                  <a:cs typeface="+mn-cs"/>
+                </a:defRPr>
+              </a:lvl2pPr>
+              <a:lvl3pPr marL="685800" indent="-228600" algn="l" defTabSz="914400" rtl="0" eaLnBrk="1" latinLnBrk="0" hangingPunct="1">
+                <a:lnSpc>
+                  <a:spcPct val="90000"/>
+                </a:lnSpc>
+                <a:spcBef>
+                  <a:spcPts val="0"/>
+                </a:spcBef>
+                <a:spcAft>
+                  <a:spcPts val="1200"/>
+                </a:spcAft>
+                <a:buSzPct val="90000"/>
+                <a:buFont typeface="Amazon Ember" panose="020B0603020204020204" pitchFamily="34" charset="0"/>
+                <a:buChar char="–"/>
+                <a:defRPr sz="2000" kern="1200">
+                  <a:solidFill>
+                    <a:schemeClr val="tx1"/>
+                  </a:solidFill>
+                  <a:latin typeface="+mn-lt"/>
+                  <a:ea typeface="+mn-ea"/>
+                  <a:cs typeface="+mn-cs"/>
+                </a:defRPr>
+              </a:lvl3pPr>
+              <a:lvl4pPr marL="914400" indent="-228600" algn="l" defTabSz="914400" rtl="0" eaLnBrk="1" latinLnBrk="0" hangingPunct="1">
+                <a:lnSpc>
+                  <a:spcPct val="90000"/>
+                </a:lnSpc>
+                <a:spcBef>
+                  <a:spcPts val="0"/>
+                </a:spcBef>
+                <a:spcAft>
+                  <a:spcPts val="1200"/>
+                </a:spcAft>
+                <a:buFont typeface="Amazon Ember" panose="020B0603020204020204" pitchFamily="34" charset="0"/>
+                <a:buChar char="•"/>
+                <a:defRPr sz="1800" kern="1200">
+                  <a:solidFill>
+                    <a:schemeClr val="tx1"/>
+                  </a:solidFill>
+                  <a:latin typeface="+mn-lt"/>
+                  <a:ea typeface="+mn-ea"/>
+                  <a:cs typeface="+mn-cs"/>
+                </a:defRPr>
+              </a:lvl4pPr>
+              <a:lvl5pPr marL="1143000" indent="-228600" algn="l" defTabSz="914400" rtl="0" eaLnBrk="1" latinLnBrk="0" hangingPunct="1">
+                <a:lnSpc>
+                  <a:spcPct val="90000"/>
+                </a:lnSpc>
+                <a:spcBef>
+                  <a:spcPts val="0"/>
+                </a:spcBef>
+                <a:spcAft>
+                  <a:spcPts val="1200"/>
+                </a:spcAft>
+                <a:buFont typeface="Amazon Ember" panose="020B0603020204020204" pitchFamily="34" charset="0"/>
+                <a:buChar char="•"/>
+                <a:defRPr sz="1800" kern="1200">
+                  <a:solidFill>
+                    <a:schemeClr val="tx1"/>
+                  </a:solidFill>
+                  <a:latin typeface="+mn-lt"/>
+                  <a:ea typeface="+mn-ea"/>
+                  <a:cs typeface="+mn-cs"/>
+                </a:defRPr>
+              </a:lvl5pPr>
+              <a:lvl6pPr marL="2514600" indent="-228600" algn="l" defTabSz="914400" rtl="0" eaLnBrk="1" latinLnBrk="0" hangingPunct="1">
+                <a:lnSpc>
+                  <a:spcPct val="90000"/>
+                </a:lnSpc>
+                <a:spcBef>
+                  <a:spcPts val="500"/>
+                </a:spcBef>
+                <a:buFont typeface="Amazon Ember" panose="020B0603020204020204" pitchFamily="34" charset="0"/>
+                <a:buChar char="•"/>
+                <a:defRPr sz="1800" kern="1200">
+                  <a:solidFill>
+                    <a:schemeClr val="tx1"/>
+                  </a:solidFill>
+                  <a:latin typeface="+mn-lt"/>
+                  <a:ea typeface="+mn-ea"/>
+                  <a:cs typeface="+mn-cs"/>
+                </a:defRPr>
+              </a:lvl6pPr>
+              <a:lvl7pPr marL="2971800" indent="-228600" algn="l" defTabSz="914400" rtl="0" eaLnBrk="1" latinLnBrk="0" hangingPunct="1">
+                <a:lnSpc>
+                  <a:spcPct val="90000"/>
+                </a:lnSpc>
+                <a:spcBef>
+                  <a:spcPts val="500"/>
+                </a:spcBef>
+                <a:buFont typeface="Amazon Ember" panose="020B0603020204020204" pitchFamily="34" charset="0"/>
+                <a:buChar char="•"/>
+                <a:defRPr sz="1800" kern="1200">
+                  <a:solidFill>
+                    <a:schemeClr val="tx1"/>
+                  </a:solidFill>
+                  <a:latin typeface="+mn-lt"/>
+                  <a:ea typeface="+mn-ea"/>
+                  <a:cs typeface="+mn-cs"/>
+                </a:defRPr>
+              </a:lvl7pPr>
+              <a:lvl8pPr marL="3429000" indent="-228600" algn="l" defTabSz="914400" rtl="0" eaLnBrk="1" latinLnBrk="0" hangingPunct="1">
+                <a:lnSpc>
+                  <a:spcPct val="90000"/>
+                </a:lnSpc>
+                <a:spcBef>
+                  <a:spcPts val="500"/>
+                </a:spcBef>
+                <a:buFont typeface="Amazon Ember" panose="020B0603020204020204" pitchFamily="34" charset="0"/>
+                <a:buChar char="•"/>
+                <a:defRPr sz="1800" kern="1200">
+                  <a:solidFill>
+                    <a:schemeClr val="tx1"/>
+                  </a:solidFill>
+                  <a:latin typeface="+mn-lt"/>
+                  <a:ea typeface="+mn-ea"/>
+                  <a:cs typeface="+mn-cs"/>
+                </a:defRPr>
+              </a:lvl8pPr>
+              <a:lvl9pPr marL="3886200" indent="-228600" algn="l" defTabSz="914400" rtl="0" eaLnBrk="1" latinLnBrk="0" hangingPunct="1">
+                <a:lnSpc>
+                  <a:spcPct val="90000"/>
+                </a:lnSpc>
+                <a:spcBef>
+                  <a:spcPts val="500"/>
+                </a:spcBef>
+                <a:buFont typeface="Amazon Ember" panose="020B0603020204020204" pitchFamily="34" charset="0"/>
+                <a:buChar char="•"/>
+                <a:defRPr sz="1800" kern="1200">
+                  <a:solidFill>
+                    <a:schemeClr val="tx1"/>
+                  </a:solidFill>
+                  <a:latin typeface="+mn-lt"/>
+                  <a:ea typeface="+mn-ea"/>
+                  <a:cs typeface="+mn-cs"/>
+                </a:defRPr>
+              </a:lvl9pPr>
+            </a:lstStyle>
+            <a:p>
+              <a:pPr marL="0" indent="0">
+                <a:lnSpc>
+                  <a:spcPct val="100000"/>
+                </a:lnSpc>
+                <a:spcAft>
+                  <a:spcPts val="600"/>
+                </a:spcAft>
+                <a:buNone/>
+              </a:pPr>
+              <a:r>
+                <a:rPr lang="en-US" sz="2000" i="1" dirty="0">
+                  <a:solidFill>
+                    <a:schemeClr val="bg2">
+                      <a:lumMod val="40000"/>
+                      <a:lumOff val="60000"/>
+                    </a:schemeClr>
+                  </a:solidFill>
+                  <a:effectLst>
+                    <a:glow>
+                      <a:schemeClr val="bg1"/>
+                    </a:glow>
+                  </a:effectLst>
+                </a:rPr>
+                <a:t>translate locator </a:t>
+              </a:r>
+              <a:r>
+                <a:rPr lang="en-GB" baseline="-11000" dirty="0">
+                  <a:solidFill>
+                    <a:schemeClr val="bg2">
+                      <a:lumMod val="40000"/>
+                      <a:lumOff val="60000"/>
+                    </a:schemeClr>
+                  </a:solidFill>
+                  <a:effectLst>
+                    <a:glow>
+                      <a:schemeClr val="bg1"/>
+                    </a:glow>
+                  </a:effectLst>
+                </a:rPr>
+                <a:t>🔆</a:t>
+              </a:r>
+              <a:br>
+                <a:rPr lang="en-US" sz="2000" i="1" dirty="0">
+                  <a:solidFill>
+                    <a:schemeClr val="bg2">
+                      <a:lumMod val="40000"/>
+                      <a:lumOff val="60000"/>
+                    </a:schemeClr>
+                  </a:solidFill>
+                  <a:effectLst>
+                    <a:glow>
+                      <a:schemeClr val="bg1"/>
+                    </a:glow>
+                  </a:effectLst>
+                </a:rPr>
+              </a:br>
+              <a:r>
+                <a:rPr lang="en-US" sz="2000" i="1" dirty="0">
+                  <a:solidFill>
+                    <a:schemeClr val="bg2">
+                      <a:lumMod val="40000"/>
+                      <a:lumOff val="60000"/>
+                    </a:schemeClr>
+                  </a:solidFill>
+                  <a:effectLst>
+                    <a:glow>
+                      <a:schemeClr val="bg1"/>
+                    </a:glow>
+                  </a:effectLst>
+                </a:rPr>
+                <a:t>and get BLE config</a:t>
+              </a:r>
+            </a:p>
+          </p:txBody>
+        </p:sp>
+      </p:grpSp>
+      <p:grpSp>
+        <p:nvGrpSpPr>
+          <p:cNvPr id="108" name="Group 107">
+            <a:extLst>
+              <a:ext uri="{FF2B5EF4-FFF2-40B4-BE49-F238E27FC236}">
+                <a16:creationId xmlns:a16="http://schemas.microsoft.com/office/drawing/2014/main" id="{D2A96BF3-433D-F639-696C-D708458AB12B}"/>
+              </a:ext>
+            </a:extLst>
+          </p:cNvPr>
+          <p:cNvGrpSpPr/>
+          <p:nvPr/>
+        </p:nvGrpSpPr>
+        <p:grpSpPr>
+          <a:xfrm>
+            <a:off x="3760412" y="165367"/>
+            <a:ext cx="2873824" cy="707886"/>
+            <a:chOff x="2343832" y="2179312"/>
+            <a:chExt cx="2873824" cy="707886"/>
+          </a:xfrm>
+        </p:grpSpPr>
+        <p:sp>
+          <p:nvSpPr>
+            <p:cNvPr id="109" name="Rounded Rectangle 108">
+              <a:extLst>
+                <a:ext uri="{FF2B5EF4-FFF2-40B4-BE49-F238E27FC236}">
+                  <a16:creationId xmlns:a16="http://schemas.microsoft.com/office/drawing/2014/main" id="{3CDC0CA1-F09F-890D-14A8-BD92AF5CF0E2}"/>
+                </a:ext>
+              </a:extLst>
+            </p:cNvPr>
+            <p:cNvSpPr/>
+            <p:nvPr/>
+          </p:nvSpPr>
+          <p:spPr>
+            <a:xfrm>
+              <a:off x="2343832" y="2223776"/>
+              <a:ext cx="360000" cy="360000"/>
+            </a:xfrm>
+            <a:prstGeom prst="roundRect">
+              <a:avLst/>
+            </a:prstGeom>
+            <a:solidFill>
+              <a:schemeClr val="accent5"/>
+            </a:solidFill>
+            <a:ln>
+              <a:noFill/>
+            </a:ln>
+          </p:spPr>
+          <p:style>
+            <a:lnRef idx="0">
+              <a:scrgbClr r="0" g="0" b="0"/>
+            </a:lnRef>
+            <a:fillRef idx="0">
+              <a:scrgbClr r="0" g="0" b="0"/>
+            </a:fillRef>
+            <a:effectRef idx="0">
+              <a:scrgbClr r="0" g="0" b="0"/>
+            </a:effectRef>
+            <a:fontRef idx="minor">
+              <a:schemeClr val="lt1"/>
+            </a:fontRef>
+          </p:style>
+          <p:txBody>
+            <a:bodyPr lIns="45720" tIns="45720" rIns="45720" rtlCol="0" anchor="ctr"/>
+            <a:lstStyle/>
+            <a:p>
+              <a:pPr algn="ctr"/>
+              <a:r>
+                <a:rPr lang="en-GB" b="1" dirty="0">
+                  <a:solidFill>
+                    <a:schemeClr val="tx1"/>
+                  </a:solidFill>
+                </a:rPr>
+                <a:t>3</a:t>
+              </a:r>
+            </a:p>
+          </p:txBody>
+        </p:sp>
+        <p:sp>
+          <p:nvSpPr>
+            <p:cNvPr id="110" name="Content Placeholder 2">
+              <a:extLst>
+                <a:ext uri="{FF2B5EF4-FFF2-40B4-BE49-F238E27FC236}">
+                  <a16:creationId xmlns:a16="http://schemas.microsoft.com/office/drawing/2014/main" id="{F17F6482-C3C3-D9F3-B2AE-AF831FFD85CB}"/>
+                </a:ext>
+              </a:extLst>
+            </p:cNvPr>
+            <p:cNvSpPr txBox="1">
+              <a:spLocks/>
+            </p:cNvSpPr>
+            <p:nvPr/>
+          </p:nvSpPr>
+          <p:spPr>
+            <a:xfrm>
+              <a:off x="2735662" y="2179312"/>
+              <a:ext cx="2481994" cy="707886"/>
+            </a:xfrm>
+            <a:prstGeom prst="rect">
+              <a:avLst/>
+            </a:prstGeom>
+          </p:spPr>
+          <p:txBody>
+            <a:bodyPr wrap="square">
+              <a:spAutoFit/>
+            </a:bodyPr>
+            <a:lstStyle>
+              <a:lvl1pPr marL="228600" indent="-228600" algn="l" defTabSz="914400" rtl="0" eaLnBrk="1" latinLnBrk="0" hangingPunct="1">
+                <a:lnSpc>
+                  <a:spcPct val="90000"/>
+                </a:lnSpc>
+                <a:spcBef>
+                  <a:spcPts val="0"/>
+                </a:spcBef>
+                <a:spcAft>
+                  <a:spcPts val="1200"/>
+                </a:spcAft>
+                <a:buSzPct val="90000"/>
+                <a:buFont typeface="Amazon Ember" panose="020B0603020204020204" pitchFamily="34" charset="0"/>
+                <a:buChar char="•"/>
+                <a:defRPr sz="2800" kern="1200">
+                  <a:solidFill>
+                    <a:schemeClr val="tx1"/>
+                  </a:solidFill>
+                  <a:latin typeface="+mn-lt"/>
+                  <a:ea typeface="+mn-ea"/>
+                  <a:cs typeface="+mn-cs"/>
+                </a:defRPr>
+              </a:lvl1pPr>
+              <a:lvl2pPr marL="457200" indent="-228600" algn="l" defTabSz="914400" rtl="0" eaLnBrk="1" latinLnBrk="0" hangingPunct="1">
+                <a:lnSpc>
+                  <a:spcPct val="90000"/>
+                </a:lnSpc>
+                <a:spcBef>
+                  <a:spcPts val="0"/>
+                </a:spcBef>
+                <a:spcAft>
+                  <a:spcPts val="1200"/>
+                </a:spcAft>
+                <a:buSzPct val="90000"/>
+                <a:buFont typeface="Wingdings" panose="05000000000000000000" pitchFamily="2" charset="2"/>
+                <a:buChar char="§"/>
+                <a:defRPr sz="2400" kern="1200">
+                  <a:solidFill>
+                    <a:schemeClr val="tx1"/>
+                  </a:solidFill>
+                  <a:latin typeface="+mn-lt"/>
+                  <a:ea typeface="+mn-ea"/>
+                  <a:cs typeface="+mn-cs"/>
+                </a:defRPr>
+              </a:lvl2pPr>
+              <a:lvl3pPr marL="685800" indent="-228600" algn="l" defTabSz="914400" rtl="0" eaLnBrk="1" latinLnBrk="0" hangingPunct="1">
+                <a:lnSpc>
+                  <a:spcPct val="90000"/>
+                </a:lnSpc>
+                <a:spcBef>
+                  <a:spcPts val="0"/>
+                </a:spcBef>
+                <a:spcAft>
+                  <a:spcPts val="1200"/>
+                </a:spcAft>
+                <a:buSzPct val="90000"/>
+                <a:buFont typeface="Amazon Ember" panose="020B0603020204020204" pitchFamily="34" charset="0"/>
+                <a:buChar char="–"/>
+                <a:defRPr sz="2000" kern="1200">
+                  <a:solidFill>
+                    <a:schemeClr val="tx1"/>
+                  </a:solidFill>
+                  <a:latin typeface="+mn-lt"/>
+                  <a:ea typeface="+mn-ea"/>
+                  <a:cs typeface="+mn-cs"/>
+                </a:defRPr>
+              </a:lvl3pPr>
+              <a:lvl4pPr marL="914400" indent="-228600" algn="l" defTabSz="914400" rtl="0" eaLnBrk="1" latinLnBrk="0" hangingPunct="1">
+                <a:lnSpc>
+                  <a:spcPct val="90000"/>
+                </a:lnSpc>
+                <a:spcBef>
+                  <a:spcPts val="0"/>
+                </a:spcBef>
+                <a:spcAft>
+                  <a:spcPts val="1200"/>
+                </a:spcAft>
+                <a:buFont typeface="Amazon Ember" panose="020B0603020204020204" pitchFamily="34" charset="0"/>
+                <a:buChar char="•"/>
+                <a:defRPr sz="1800" kern="1200">
+                  <a:solidFill>
+                    <a:schemeClr val="tx1"/>
+                  </a:solidFill>
+                  <a:latin typeface="+mn-lt"/>
+                  <a:ea typeface="+mn-ea"/>
+                  <a:cs typeface="+mn-cs"/>
+                </a:defRPr>
+              </a:lvl4pPr>
+              <a:lvl5pPr marL="1143000" indent="-228600" algn="l" defTabSz="914400" rtl="0" eaLnBrk="1" latinLnBrk="0" hangingPunct="1">
+                <a:lnSpc>
+                  <a:spcPct val="90000"/>
+                </a:lnSpc>
+                <a:spcBef>
+                  <a:spcPts val="0"/>
+                </a:spcBef>
+                <a:spcAft>
+                  <a:spcPts val="1200"/>
+                </a:spcAft>
+                <a:buFont typeface="Amazon Ember" panose="020B0603020204020204" pitchFamily="34" charset="0"/>
+                <a:buChar char="•"/>
+                <a:defRPr sz="1800" kern="1200">
+                  <a:solidFill>
+                    <a:schemeClr val="tx1"/>
+                  </a:solidFill>
+                  <a:latin typeface="+mn-lt"/>
+                  <a:ea typeface="+mn-ea"/>
+                  <a:cs typeface="+mn-cs"/>
+                </a:defRPr>
+              </a:lvl5pPr>
+              <a:lvl6pPr marL="2514600" indent="-228600" algn="l" defTabSz="914400" rtl="0" eaLnBrk="1" latinLnBrk="0" hangingPunct="1">
+                <a:lnSpc>
+                  <a:spcPct val="90000"/>
+                </a:lnSpc>
+                <a:spcBef>
+                  <a:spcPts val="500"/>
+                </a:spcBef>
+                <a:buFont typeface="Amazon Ember" panose="020B0603020204020204" pitchFamily="34" charset="0"/>
+                <a:buChar char="•"/>
+                <a:defRPr sz="1800" kern="1200">
+                  <a:solidFill>
+                    <a:schemeClr val="tx1"/>
+                  </a:solidFill>
+                  <a:latin typeface="+mn-lt"/>
+                  <a:ea typeface="+mn-ea"/>
+                  <a:cs typeface="+mn-cs"/>
+                </a:defRPr>
+              </a:lvl6pPr>
+              <a:lvl7pPr marL="2971800" indent="-228600" algn="l" defTabSz="914400" rtl="0" eaLnBrk="1" latinLnBrk="0" hangingPunct="1">
+                <a:lnSpc>
+                  <a:spcPct val="90000"/>
+                </a:lnSpc>
+                <a:spcBef>
+                  <a:spcPts val="500"/>
+                </a:spcBef>
+                <a:buFont typeface="Amazon Ember" panose="020B0603020204020204" pitchFamily="34" charset="0"/>
+                <a:buChar char="•"/>
+                <a:defRPr sz="1800" kern="1200">
+                  <a:solidFill>
+                    <a:schemeClr val="tx1"/>
+                  </a:solidFill>
+                  <a:latin typeface="+mn-lt"/>
+                  <a:ea typeface="+mn-ea"/>
+                  <a:cs typeface="+mn-cs"/>
+                </a:defRPr>
+              </a:lvl7pPr>
+              <a:lvl8pPr marL="3429000" indent="-228600" algn="l" defTabSz="914400" rtl="0" eaLnBrk="1" latinLnBrk="0" hangingPunct="1">
+                <a:lnSpc>
+                  <a:spcPct val="90000"/>
+                </a:lnSpc>
+                <a:spcBef>
+                  <a:spcPts val="500"/>
+                </a:spcBef>
+                <a:buFont typeface="Amazon Ember" panose="020B0603020204020204" pitchFamily="34" charset="0"/>
+                <a:buChar char="•"/>
+                <a:defRPr sz="1800" kern="1200">
+                  <a:solidFill>
+                    <a:schemeClr val="tx1"/>
+                  </a:solidFill>
+                  <a:latin typeface="+mn-lt"/>
+                  <a:ea typeface="+mn-ea"/>
+                  <a:cs typeface="+mn-cs"/>
+                </a:defRPr>
+              </a:lvl8pPr>
+              <a:lvl9pPr marL="3886200" indent="-228600" algn="l" defTabSz="914400" rtl="0" eaLnBrk="1" latinLnBrk="0" hangingPunct="1">
+                <a:lnSpc>
+                  <a:spcPct val="90000"/>
+                </a:lnSpc>
+                <a:spcBef>
+                  <a:spcPts val="500"/>
+                </a:spcBef>
+                <a:buFont typeface="Amazon Ember" panose="020B0603020204020204" pitchFamily="34" charset="0"/>
+                <a:buChar char="•"/>
+                <a:defRPr sz="1800" kern="1200">
+                  <a:solidFill>
+                    <a:schemeClr val="tx1"/>
+                  </a:solidFill>
+                  <a:latin typeface="+mn-lt"/>
+                  <a:ea typeface="+mn-ea"/>
+                  <a:cs typeface="+mn-cs"/>
+                </a:defRPr>
+              </a:lvl9pPr>
+            </a:lstStyle>
+            <a:p>
+              <a:pPr marL="0" indent="0">
+                <a:lnSpc>
+                  <a:spcPct val="100000"/>
+                </a:lnSpc>
+                <a:spcAft>
+                  <a:spcPts val="600"/>
+                </a:spcAft>
+                <a:buNone/>
+              </a:pPr>
+              <a:r>
+                <a:rPr lang="en-US" sz="2000" i="1" dirty="0">
+                  <a:solidFill>
+                    <a:schemeClr val="bg2">
+                      <a:lumMod val="40000"/>
+                      <a:lumOff val="60000"/>
+                    </a:schemeClr>
+                  </a:solidFill>
+                  <a:effectLst>
+                    <a:glow>
+                      <a:schemeClr val="bg1"/>
+                    </a:glow>
+                  </a:effectLst>
+                </a:rPr>
+                <a:t>share Wi-Fi credentials</a:t>
+              </a:r>
+            </a:p>
+          </p:txBody>
+        </p:sp>
+      </p:grpSp>
+      <p:grpSp>
+        <p:nvGrpSpPr>
+          <p:cNvPr id="111" name="Group 110">
+            <a:extLst>
+              <a:ext uri="{FF2B5EF4-FFF2-40B4-BE49-F238E27FC236}">
+                <a16:creationId xmlns:a16="http://schemas.microsoft.com/office/drawing/2014/main" id="{4CBEC9B2-D4C9-4597-6150-F0F529E6392F}"/>
+              </a:ext>
+            </a:extLst>
+          </p:cNvPr>
+          <p:cNvGrpSpPr/>
+          <p:nvPr/>
+        </p:nvGrpSpPr>
+        <p:grpSpPr>
+          <a:xfrm>
+            <a:off x="5264453" y="1055021"/>
+            <a:ext cx="2006749" cy="400110"/>
+            <a:chOff x="2343832" y="2128929"/>
+            <a:chExt cx="2006749" cy="400110"/>
+          </a:xfrm>
+        </p:grpSpPr>
+        <p:sp>
+          <p:nvSpPr>
+            <p:cNvPr id="112" name="Rounded Rectangle 111">
+              <a:extLst>
+                <a:ext uri="{FF2B5EF4-FFF2-40B4-BE49-F238E27FC236}">
+                  <a16:creationId xmlns:a16="http://schemas.microsoft.com/office/drawing/2014/main" id="{6D0DF725-A64D-F083-EDB2-A7F05F748BA6}"/>
+                </a:ext>
+              </a:extLst>
+            </p:cNvPr>
+            <p:cNvSpPr/>
+            <p:nvPr/>
+          </p:nvSpPr>
+          <p:spPr>
+            <a:xfrm>
+              <a:off x="2343832" y="2147574"/>
+              <a:ext cx="360000" cy="360000"/>
+            </a:xfrm>
+            <a:prstGeom prst="roundRect">
+              <a:avLst/>
+            </a:prstGeom>
+            <a:solidFill>
+              <a:schemeClr val="accent5"/>
+            </a:solidFill>
+            <a:ln>
+              <a:noFill/>
+            </a:ln>
+          </p:spPr>
+          <p:style>
+            <a:lnRef idx="0">
+              <a:scrgbClr r="0" g="0" b="0"/>
+            </a:lnRef>
+            <a:fillRef idx="0">
+              <a:scrgbClr r="0" g="0" b="0"/>
+            </a:fillRef>
+            <a:effectRef idx="0">
+              <a:scrgbClr r="0" g="0" b="0"/>
+            </a:effectRef>
+            <a:fontRef idx="minor">
+              <a:schemeClr val="lt1"/>
+            </a:fontRef>
+          </p:style>
+          <p:txBody>
+            <a:bodyPr lIns="45720" tIns="45720" rIns="45720" rtlCol="0" anchor="ctr"/>
+            <a:lstStyle/>
+            <a:p>
+              <a:pPr algn="ctr"/>
+              <a:r>
+                <a:rPr lang="en-GB" b="1" dirty="0">
+                  <a:solidFill>
+                    <a:schemeClr val="tx1"/>
+                  </a:solidFill>
+                </a:rPr>
+                <a:t>1</a:t>
+              </a:r>
+            </a:p>
+          </p:txBody>
+        </p:sp>
+        <p:sp>
+          <p:nvSpPr>
+            <p:cNvPr id="113" name="Content Placeholder 2">
+              <a:extLst>
+                <a:ext uri="{FF2B5EF4-FFF2-40B4-BE49-F238E27FC236}">
+                  <a16:creationId xmlns:a16="http://schemas.microsoft.com/office/drawing/2014/main" id="{7965305A-74A6-AE40-9B24-848A1DE08C80}"/>
+                </a:ext>
+              </a:extLst>
+            </p:cNvPr>
+            <p:cNvSpPr txBox="1">
+              <a:spLocks/>
+            </p:cNvSpPr>
+            <p:nvPr/>
+          </p:nvSpPr>
+          <p:spPr>
+            <a:xfrm>
+              <a:off x="2711484" y="2128929"/>
+              <a:ext cx="1639097" cy="400110"/>
+            </a:xfrm>
+            <a:prstGeom prst="rect">
+              <a:avLst/>
+            </a:prstGeom>
+          </p:spPr>
+          <p:txBody>
+            <a:bodyPr wrap="square">
+              <a:spAutoFit/>
+            </a:bodyPr>
+            <a:lstStyle>
+              <a:lvl1pPr marL="228600" indent="-228600" algn="l" defTabSz="914400" rtl="0" eaLnBrk="1" latinLnBrk="0" hangingPunct="1">
+                <a:lnSpc>
+                  <a:spcPct val="90000"/>
+                </a:lnSpc>
+                <a:spcBef>
+                  <a:spcPts val="0"/>
+                </a:spcBef>
+                <a:spcAft>
+                  <a:spcPts val="1200"/>
+                </a:spcAft>
+                <a:buSzPct val="90000"/>
+                <a:buFont typeface="Amazon Ember" panose="020B0603020204020204" pitchFamily="34" charset="0"/>
+                <a:buChar char="•"/>
+                <a:defRPr sz="2800" kern="1200">
+                  <a:solidFill>
+                    <a:schemeClr val="tx1"/>
+                  </a:solidFill>
+                  <a:latin typeface="+mn-lt"/>
+                  <a:ea typeface="+mn-ea"/>
+                  <a:cs typeface="+mn-cs"/>
+                </a:defRPr>
+              </a:lvl1pPr>
+              <a:lvl2pPr marL="457200" indent="-228600" algn="l" defTabSz="914400" rtl="0" eaLnBrk="1" latinLnBrk="0" hangingPunct="1">
+                <a:lnSpc>
+                  <a:spcPct val="90000"/>
+                </a:lnSpc>
+                <a:spcBef>
+                  <a:spcPts val="0"/>
+                </a:spcBef>
+                <a:spcAft>
+                  <a:spcPts val="1200"/>
+                </a:spcAft>
+                <a:buSzPct val="90000"/>
+                <a:buFont typeface="Wingdings" panose="05000000000000000000" pitchFamily="2" charset="2"/>
+                <a:buChar char="§"/>
+                <a:defRPr sz="2400" kern="1200">
+                  <a:solidFill>
+                    <a:schemeClr val="tx1"/>
+                  </a:solidFill>
+                  <a:latin typeface="+mn-lt"/>
+                  <a:ea typeface="+mn-ea"/>
+                  <a:cs typeface="+mn-cs"/>
+                </a:defRPr>
+              </a:lvl2pPr>
+              <a:lvl3pPr marL="685800" indent="-228600" algn="l" defTabSz="914400" rtl="0" eaLnBrk="1" latinLnBrk="0" hangingPunct="1">
+                <a:lnSpc>
+                  <a:spcPct val="90000"/>
+                </a:lnSpc>
+                <a:spcBef>
+                  <a:spcPts val="0"/>
+                </a:spcBef>
+                <a:spcAft>
+                  <a:spcPts val="1200"/>
+                </a:spcAft>
+                <a:buSzPct val="90000"/>
+                <a:buFont typeface="Amazon Ember" panose="020B0603020204020204" pitchFamily="34" charset="0"/>
+                <a:buChar char="–"/>
+                <a:defRPr sz="2000" kern="1200">
+                  <a:solidFill>
+                    <a:schemeClr val="tx1"/>
+                  </a:solidFill>
+                  <a:latin typeface="+mn-lt"/>
+                  <a:ea typeface="+mn-ea"/>
+                  <a:cs typeface="+mn-cs"/>
+                </a:defRPr>
+              </a:lvl3pPr>
+              <a:lvl4pPr marL="914400" indent="-228600" algn="l" defTabSz="914400" rtl="0" eaLnBrk="1" latinLnBrk="0" hangingPunct="1">
+                <a:lnSpc>
+                  <a:spcPct val="90000"/>
+                </a:lnSpc>
+                <a:spcBef>
+                  <a:spcPts val="0"/>
+                </a:spcBef>
+                <a:spcAft>
+                  <a:spcPts val="1200"/>
+                </a:spcAft>
+                <a:buFont typeface="Amazon Ember" panose="020B0603020204020204" pitchFamily="34" charset="0"/>
+                <a:buChar char="•"/>
+                <a:defRPr sz="1800" kern="1200">
+                  <a:solidFill>
+                    <a:schemeClr val="tx1"/>
+                  </a:solidFill>
+                  <a:latin typeface="+mn-lt"/>
+                  <a:ea typeface="+mn-ea"/>
+                  <a:cs typeface="+mn-cs"/>
+                </a:defRPr>
+              </a:lvl4pPr>
+              <a:lvl5pPr marL="1143000" indent="-228600" algn="l" defTabSz="914400" rtl="0" eaLnBrk="1" latinLnBrk="0" hangingPunct="1">
+                <a:lnSpc>
+                  <a:spcPct val="90000"/>
+                </a:lnSpc>
+                <a:spcBef>
+                  <a:spcPts val="0"/>
+                </a:spcBef>
+                <a:spcAft>
+                  <a:spcPts val="1200"/>
+                </a:spcAft>
+                <a:buFont typeface="Amazon Ember" panose="020B0603020204020204" pitchFamily="34" charset="0"/>
+                <a:buChar char="•"/>
+                <a:defRPr sz="1800" kern="1200">
+                  <a:solidFill>
+                    <a:schemeClr val="tx1"/>
+                  </a:solidFill>
+                  <a:latin typeface="+mn-lt"/>
+                  <a:ea typeface="+mn-ea"/>
+                  <a:cs typeface="+mn-cs"/>
+                </a:defRPr>
+              </a:lvl5pPr>
+              <a:lvl6pPr marL="2514600" indent="-228600" algn="l" defTabSz="914400" rtl="0" eaLnBrk="1" latinLnBrk="0" hangingPunct="1">
+                <a:lnSpc>
+                  <a:spcPct val="90000"/>
+                </a:lnSpc>
+                <a:spcBef>
+                  <a:spcPts val="500"/>
+                </a:spcBef>
+                <a:buFont typeface="Amazon Ember" panose="020B0603020204020204" pitchFamily="34" charset="0"/>
+                <a:buChar char="•"/>
+                <a:defRPr sz="1800" kern="1200">
+                  <a:solidFill>
+                    <a:schemeClr val="tx1"/>
+                  </a:solidFill>
+                  <a:latin typeface="+mn-lt"/>
+                  <a:ea typeface="+mn-ea"/>
+                  <a:cs typeface="+mn-cs"/>
+                </a:defRPr>
+              </a:lvl6pPr>
+              <a:lvl7pPr marL="2971800" indent="-228600" algn="l" defTabSz="914400" rtl="0" eaLnBrk="1" latinLnBrk="0" hangingPunct="1">
+                <a:lnSpc>
+                  <a:spcPct val="90000"/>
+                </a:lnSpc>
+                <a:spcBef>
+                  <a:spcPts val="500"/>
+                </a:spcBef>
+                <a:buFont typeface="Amazon Ember" panose="020B0603020204020204" pitchFamily="34" charset="0"/>
+                <a:buChar char="•"/>
+                <a:defRPr sz="1800" kern="1200">
+                  <a:solidFill>
+                    <a:schemeClr val="tx1"/>
+                  </a:solidFill>
+                  <a:latin typeface="+mn-lt"/>
+                  <a:ea typeface="+mn-ea"/>
+                  <a:cs typeface="+mn-cs"/>
+                </a:defRPr>
+              </a:lvl7pPr>
+              <a:lvl8pPr marL="3429000" indent="-228600" algn="l" defTabSz="914400" rtl="0" eaLnBrk="1" latinLnBrk="0" hangingPunct="1">
+                <a:lnSpc>
+                  <a:spcPct val="90000"/>
+                </a:lnSpc>
+                <a:spcBef>
+                  <a:spcPts val="500"/>
+                </a:spcBef>
+                <a:buFont typeface="Amazon Ember" panose="020B0603020204020204" pitchFamily="34" charset="0"/>
+                <a:buChar char="•"/>
+                <a:defRPr sz="1800" kern="1200">
+                  <a:solidFill>
+                    <a:schemeClr val="tx1"/>
+                  </a:solidFill>
+                  <a:latin typeface="+mn-lt"/>
+                  <a:ea typeface="+mn-ea"/>
+                  <a:cs typeface="+mn-cs"/>
+                </a:defRPr>
+              </a:lvl8pPr>
+              <a:lvl9pPr marL="3886200" indent="-228600" algn="l" defTabSz="914400" rtl="0" eaLnBrk="1" latinLnBrk="0" hangingPunct="1">
+                <a:lnSpc>
+                  <a:spcPct val="90000"/>
+                </a:lnSpc>
+                <a:spcBef>
+                  <a:spcPts val="500"/>
+                </a:spcBef>
+                <a:buFont typeface="Amazon Ember" panose="020B0603020204020204" pitchFamily="34" charset="0"/>
+                <a:buChar char="•"/>
+                <a:defRPr sz="1800" kern="1200">
+                  <a:solidFill>
+                    <a:schemeClr val="tx1"/>
+                  </a:solidFill>
+                  <a:latin typeface="+mn-lt"/>
+                  <a:ea typeface="+mn-ea"/>
+                  <a:cs typeface="+mn-cs"/>
+                </a:defRPr>
+              </a:lvl9pPr>
+            </a:lstStyle>
+            <a:p>
+              <a:pPr marL="0" indent="0">
+                <a:lnSpc>
+                  <a:spcPct val="100000"/>
+                </a:lnSpc>
+                <a:spcAft>
+                  <a:spcPts val="600"/>
+                </a:spcAft>
+                <a:buNone/>
+              </a:pPr>
+              <a:r>
+                <a:rPr lang="en-US" sz="2000" i="1" dirty="0">
+                  <a:solidFill>
+                    <a:schemeClr val="bg2">
+                      <a:lumMod val="40000"/>
+                      <a:lumOff val="60000"/>
+                    </a:schemeClr>
+                  </a:solidFill>
+                  <a:effectLst>
+                    <a:glow>
+                      <a:schemeClr val="bg1"/>
+                    </a:glow>
+                  </a:effectLst>
+                </a:rPr>
+                <a:t>tap or scan</a:t>
+              </a:r>
+            </a:p>
+          </p:txBody>
+        </p:sp>
+      </p:grpSp>
+      <p:grpSp>
+        <p:nvGrpSpPr>
+          <p:cNvPr id="114" name="Group 113">
+            <a:extLst>
+              <a:ext uri="{FF2B5EF4-FFF2-40B4-BE49-F238E27FC236}">
+                <a16:creationId xmlns:a16="http://schemas.microsoft.com/office/drawing/2014/main" id="{B45B9134-B1D5-7815-200C-8CB39F1006F6}"/>
+              </a:ext>
+            </a:extLst>
+          </p:cNvPr>
+          <p:cNvGrpSpPr/>
+          <p:nvPr/>
+        </p:nvGrpSpPr>
+        <p:grpSpPr>
+          <a:xfrm>
+            <a:off x="5268706" y="2266867"/>
+            <a:ext cx="3651107" cy="707886"/>
+            <a:chOff x="1896792" y="2105052"/>
+            <a:chExt cx="3651107" cy="707886"/>
+          </a:xfrm>
+        </p:grpSpPr>
+        <p:sp>
+          <p:nvSpPr>
+            <p:cNvPr id="115" name="Rounded Rectangle 114">
+              <a:extLst>
+                <a:ext uri="{FF2B5EF4-FFF2-40B4-BE49-F238E27FC236}">
+                  <a16:creationId xmlns:a16="http://schemas.microsoft.com/office/drawing/2014/main" id="{7DAA013B-A945-FEE4-8881-CF45FF8B1C4A}"/>
+                </a:ext>
+              </a:extLst>
+            </p:cNvPr>
+            <p:cNvSpPr/>
+            <p:nvPr/>
+          </p:nvSpPr>
+          <p:spPr>
+            <a:xfrm>
+              <a:off x="1896792" y="2198001"/>
+              <a:ext cx="360000" cy="360000"/>
+            </a:xfrm>
+            <a:prstGeom prst="roundRect">
+              <a:avLst/>
+            </a:prstGeom>
+            <a:solidFill>
+              <a:schemeClr val="accent5"/>
+            </a:solidFill>
+            <a:ln>
+              <a:noFill/>
+            </a:ln>
+          </p:spPr>
+          <p:style>
+            <a:lnRef idx="0">
+              <a:scrgbClr r="0" g="0" b="0"/>
+            </a:lnRef>
+            <a:fillRef idx="0">
+              <a:scrgbClr r="0" g="0" b="0"/>
+            </a:fillRef>
+            <a:effectRef idx="0">
+              <a:scrgbClr r="0" g="0" b="0"/>
+            </a:effectRef>
+            <a:fontRef idx="minor">
+              <a:schemeClr val="lt1"/>
+            </a:fontRef>
+          </p:style>
+          <p:txBody>
+            <a:bodyPr lIns="45720" tIns="45720" rIns="45720" rtlCol="0" anchor="ctr"/>
+            <a:lstStyle/>
+            <a:p>
+              <a:pPr algn="ctr"/>
+              <a:r>
+                <a:rPr lang="en-GB" b="1" dirty="0">
+                  <a:solidFill>
+                    <a:schemeClr val="tx1"/>
+                  </a:solidFill>
+                </a:rPr>
+                <a:t>4</a:t>
+              </a:r>
+            </a:p>
+          </p:txBody>
+        </p:sp>
+        <p:sp>
+          <p:nvSpPr>
+            <p:cNvPr id="116" name="Content Placeholder 2">
+              <a:extLst>
+                <a:ext uri="{FF2B5EF4-FFF2-40B4-BE49-F238E27FC236}">
+                  <a16:creationId xmlns:a16="http://schemas.microsoft.com/office/drawing/2014/main" id="{625363AA-4EC3-8E1D-3623-7B70FB401B95}"/>
+                </a:ext>
+              </a:extLst>
+            </p:cNvPr>
+            <p:cNvSpPr txBox="1">
+              <a:spLocks/>
+            </p:cNvSpPr>
+            <p:nvPr/>
+          </p:nvSpPr>
+          <p:spPr>
+            <a:xfrm>
+              <a:off x="2266124" y="2105052"/>
+              <a:ext cx="3281775" cy="707886"/>
+            </a:xfrm>
+            <a:prstGeom prst="rect">
+              <a:avLst/>
+            </a:prstGeom>
+          </p:spPr>
+          <p:txBody>
+            <a:bodyPr wrap="square">
+              <a:spAutoFit/>
+            </a:bodyPr>
+            <a:lstStyle>
+              <a:lvl1pPr marL="228600" indent="-228600" algn="l" defTabSz="914400" rtl="0" eaLnBrk="1" latinLnBrk="0" hangingPunct="1">
+                <a:lnSpc>
+                  <a:spcPct val="90000"/>
+                </a:lnSpc>
+                <a:spcBef>
+                  <a:spcPts val="0"/>
+                </a:spcBef>
+                <a:spcAft>
+                  <a:spcPts val="1200"/>
+                </a:spcAft>
+                <a:buSzPct val="90000"/>
+                <a:buFont typeface="Amazon Ember" panose="020B0603020204020204" pitchFamily="34" charset="0"/>
+                <a:buChar char="•"/>
+                <a:defRPr sz="2800" kern="1200">
+                  <a:solidFill>
+                    <a:schemeClr val="tx1"/>
+                  </a:solidFill>
+                  <a:latin typeface="+mn-lt"/>
+                  <a:ea typeface="+mn-ea"/>
+                  <a:cs typeface="+mn-cs"/>
+                </a:defRPr>
+              </a:lvl1pPr>
+              <a:lvl2pPr marL="457200" indent="-228600" algn="l" defTabSz="914400" rtl="0" eaLnBrk="1" latinLnBrk="0" hangingPunct="1">
+                <a:lnSpc>
+                  <a:spcPct val="90000"/>
+                </a:lnSpc>
+                <a:spcBef>
+                  <a:spcPts val="0"/>
+                </a:spcBef>
+                <a:spcAft>
+                  <a:spcPts val="1200"/>
+                </a:spcAft>
+                <a:buSzPct val="90000"/>
+                <a:buFont typeface="Wingdings" panose="05000000000000000000" pitchFamily="2" charset="2"/>
+                <a:buChar char="§"/>
+                <a:defRPr sz="2400" kern="1200">
+                  <a:solidFill>
+                    <a:schemeClr val="tx1"/>
+                  </a:solidFill>
+                  <a:latin typeface="+mn-lt"/>
+                  <a:ea typeface="+mn-ea"/>
+                  <a:cs typeface="+mn-cs"/>
+                </a:defRPr>
+              </a:lvl2pPr>
+              <a:lvl3pPr marL="685800" indent="-228600" algn="l" defTabSz="914400" rtl="0" eaLnBrk="1" latinLnBrk="0" hangingPunct="1">
+                <a:lnSpc>
+                  <a:spcPct val="90000"/>
+                </a:lnSpc>
+                <a:spcBef>
+                  <a:spcPts val="0"/>
+                </a:spcBef>
+                <a:spcAft>
+                  <a:spcPts val="1200"/>
+                </a:spcAft>
+                <a:buSzPct val="90000"/>
+                <a:buFont typeface="Amazon Ember" panose="020B0603020204020204" pitchFamily="34" charset="0"/>
+                <a:buChar char="–"/>
+                <a:defRPr sz="2000" kern="1200">
+                  <a:solidFill>
+                    <a:schemeClr val="tx1"/>
+                  </a:solidFill>
+                  <a:latin typeface="+mn-lt"/>
+                  <a:ea typeface="+mn-ea"/>
+                  <a:cs typeface="+mn-cs"/>
+                </a:defRPr>
+              </a:lvl3pPr>
+              <a:lvl4pPr marL="914400" indent="-228600" algn="l" defTabSz="914400" rtl="0" eaLnBrk="1" latinLnBrk="0" hangingPunct="1">
+                <a:lnSpc>
+                  <a:spcPct val="90000"/>
+                </a:lnSpc>
+                <a:spcBef>
+                  <a:spcPts val="0"/>
+                </a:spcBef>
+                <a:spcAft>
+                  <a:spcPts val="1200"/>
+                </a:spcAft>
+                <a:buFont typeface="Amazon Ember" panose="020B0603020204020204" pitchFamily="34" charset="0"/>
+                <a:buChar char="•"/>
+                <a:defRPr sz="1800" kern="1200">
+                  <a:solidFill>
+                    <a:schemeClr val="tx1"/>
+                  </a:solidFill>
+                  <a:latin typeface="+mn-lt"/>
+                  <a:ea typeface="+mn-ea"/>
+                  <a:cs typeface="+mn-cs"/>
+                </a:defRPr>
+              </a:lvl4pPr>
+              <a:lvl5pPr marL="1143000" indent="-228600" algn="l" defTabSz="914400" rtl="0" eaLnBrk="1" latinLnBrk="0" hangingPunct="1">
+                <a:lnSpc>
+                  <a:spcPct val="90000"/>
+                </a:lnSpc>
+                <a:spcBef>
+                  <a:spcPts val="0"/>
+                </a:spcBef>
+                <a:spcAft>
+                  <a:spcPts val="1200"/>
+                </a:spcAft>
+                <a:buFont typeface="Amazon Ember" panose="020B0603020204020204" pitchFamily="34" charset="0"/>
+                <a:buChar char="•"/>
+                <a:defRPr sz="1800" kern="1200">
+                  <a:solidFill>
+                    <a:schemeClr val="tx1"/>
+                  </a:solidFill>
+                  <a:latin typeface="+mn-lt"/>
+                  <a:ea typeface="+mn-ea"/>
+                  <a:cs typeface="+mn-cs"/>
+                </a:defRPr>
+              </a:lvl5pPr>
+              <a:lvl6pPr marL="2514600" indent="-228600" algn="l" defTabSz="914400" rtl="0" eaLnBrk="1" latinLnBrk="0" hangingPunct="1">
+                <a:lnSpc>
+                  <a:spcPct val="90000"/>
+                </a:lnSpc>
+                <a:spcBef>
+                  <a:spcPts val="500"/>
+                </a:spcBef>
+                <a:buFont typeface="Amazon Ember" panose="020B0603020204020204" pitchFamily="34" charset="0"/>
+                <a:buChar char="•"/>
+                <a:defRPr sz="1800" kern="1200">
+                  <a:solidFill>
+                    <a:schemeClr val="tx1"/>
+                  </a:solidFill>
+                  <a:latin typeface="+mn-lt"/>
+                  <a:ea typeface="+mn-ea"/>
+                  <a:cs typeface="+mn-cs"/>
+                </a:defRPr>
+              </a:lvl6pPr>
+              <a:lvl7pPr marL="2971800" indent="-228600" algn="l" defTabSz="914400" rtl="0" eaLnBrk="1" latinLnBrk="0" hangingPunct="1">
+                <a:lnSpc>
+                  <a:spcPct val="90000"/>
+                </a:lnSpc>
+                <a:spcBef>
+                  <a:spcPts val="500"/>
+                </a:spcBef>
+                <a:buFont typeface="Amazon Ember" panose="020B0603020204020204" pitchFamily="34" charset="0"/>
+                <a:buChar char="•"/>
+                <a:defRPr sz="1800" kern="1200">
+                  <a:solidFill>
+                    <a:schemeClr val="tx1"/>
+                  </a:solidFill>
+                  <a:latin typeface="+mn-lt"/>
+                  <a:ea typeface="+mn-ea"/>
+                  <a:cs typeface="+mn-cs"/>
+                </a:defRPr>
+              </a:lvl7pPr>
+              <a:lvl8pPr marL="3429000" indent="-228600" algn="l" defTabSz="914400" rtl="0" eaLnBrk="1" latinLnBrk="0" hangingPunct="1">
+                <a:lnSpc>
+                  <a:spcPct val="90000"/>
+                </a:lnSpc>
+                <a:spcBef>
+                  <a:spcPts val="500"/>
+                </a:spcBef>
+                <a:buFont typeface="Amazon Ember" panose="020B0603020204020204" pitchFamily="34" charset="0"/>
+                <a:buChar char="•"/>
+                <a:defRPr sz="1800" kern="1200">
+                  <a:solidFill>
+                    <a:schemeClr val="tx1"/>
+                  </a:solidFill>
+                  <a:latin typeface="+mn-lt"/>
+                  <a:ea typeface="+mn-ea"/>
+                  <a:cs typeface="+mn-cs"/>
+                </a:defRPr>
+              </a:lvl8pPr>
+              <a:lvl9pPr marL="3886200" indent="-228600" algn="l" defTabSz="914400" rtl="0" eaLnBrk="1" latinLnBrk="0" hangingPunct="1">
+                <a:lnSpc>
+                  <a:spcPct val="90000"/>
+                </a:lnSpc>
+                <a:spcBef>
+                  <a:spcPts val="500"/>
+                </a:spcBef>
+                <a:buFont typeface="Amazon Ember" panose="020B0603020204020204" pitchFamily="34" charset="0"/>
+                <a:buChar char="•"/>
+                <a:defRPr sz="1800" kern="1200">
+                  <a:solidFill>
+                    <a:schemeClr val="tx1"/>
+                  </a:solidFill>
+                  <a:latin typeface="+mn-lt"/>
+                  <a:ea typeface="+mn-ea"/>
+                  <a:cs typeface="+mn-cs"/>
+                </a:defRPr>
+              </a:lvl9pPr>
+            </a:lstStyle>
+            <a:p>
+              <a:pPr marL="0" indent="0">
+                <a:lnSpc>
+                  <a:spcPct val="100000"/>
+                </a:lnSpc>
+                <a:spcAft>
+                  <a:spcPts val="600"/>
+                </a:spcAft>
+                <a:buNone/>
+              </a:pPr>
+              <a:r>
+                <a:rPr lang="en-US" sz="2000" i="1" dirty="0">
+                  <a:solidFill>
+                    <a:schemeClr val="bg2">
+                      <a:lumMod val="40000"/>
+                      <a:lumOff val="60000"/>
+                    </a:schemeClr>
+                  </a:solidFill>
+                  <a:effectLst>
+                    <a:glow>
+                      <a:schemeClr val="bg1"/>
+                    </a:glow>
+                  </a:effectLst>
+                </a:rPr>
+                <a:t>connect via BLE and </a:t>
+              </a:r>
+              <a:br>
+                <a:rPr lang="en-US" sz="2000" i="1" dirty="0">
+                  <a:solidFill>
+                    <a:schemeClr val="bg2">
+                      <a:lumMod val="40000"/>
+                      <a:lumOff val="60000"/>
+                    </a:schemeClr>
+                  </a:solidFill>
+                  <a:effectLst>
+                    <a:glow>
+                      <a:schemeClr val="bg1"/>
+                    </a:glow>
+                  </a:effectLst>
+                </a:rPr>
+              </a:br>
+              <a:r>
+                <a:rPr lang="en-US" sz="2000" i="1" dirty="0">
+                  <a:solidFill>
+                    <a:schemeClr val="bg2">
+                      <a:lumMod val="40000"/>
+                      <a:lumOff val="60000"/>
+                    </a:schemeClr>
+                  </a:solidFill>
+                  <a:effectLst>
+                    <a:glow>
+                      <a:schemeClr val="bg1"/>
+                    </a:glow>
+                  </a:effectLst>
+                </a:rPr>
+                <a:t>send Wi-Fi credentials</a:t>
+              </a:r>
+            </a:p>
+          </p:txBody>
+        </p:sp>
+      </p:grpSp>
+      <p:grpSp>
+        <p:nvGrpSpPr>
+          <p:cNvPr id="117" name="Group 116">
+            <a:extLst>
+              <a:ext uri="{FF2B5EF4-FFF2-40B4-BE49-F238E27FC236}">
+                <a16:creationId xmlns:a16="http://schemas.microsoft.com/office/drawing/2014/main" id="{B5122FD7-848C-9EF0-00A2-41796A13D67A}"/>
+              </a:ext>
+            </a:extLst>
+          </p:cNvPr>
+          <p:cNvGrpSpPr/>
+          <p:nvPr/>
+        </p:nvGrpSpPr>
+        <p:grpSpPr>
+          <a:xfrm>
+            <a:off x="10212109" y="1858205"/>
+            <a:ext cx="1746945" cy="1066500"/>
+            <a:chOff x="1735596" y="2200330"/>
+            <a:chExt cx="1746945" cy="1066500"/>
+          </a:xfrm>
+        </p:grpSpPr>
+        <p:sp>
+          <p:nvSpPr>
+            <p:cNvPr id="118" name="Rounded Rectangle 117">
+              <a:extLst>
+                <a:ext uri="{FF2B5EF4-FFF2-40B4-BE49-F238E27FC236}">
+                  <a16:creationId xmlns:a16="http://schemas.microsoft.com/office/drawing/2014/main" id="{91B5928F-7E70-3262-819C-BB343F90B7E8}"/>
+                </a:ext>
+              </a:extLst>
+            </p:cNvPr>
+            <p:cNvSpPr/>
+            <p:nvPr/>
+          </p:nvSpPr>
+          <p:spPr>
+            <a:xfrm>
+              <a:off x="3012043" y="2200330"/>
+              <a:ext cx="360000" cy="360000"/>
+            </a:xfrm>
+            <a:prstGeom prst="roundRect">
+              <a:avLst/>
+            </a:prstGeom>
+            <a:solidFill>
+              <a:schemeClr val="accent5"/>
+            </a:solidFill>
+            <a:ln>
+              <a:noFill/>
+            </a:ln>
+          </p:spPr>
+          <p:style>
+            <a:lnRef idx="0">
+              <a:scrgbClr r="0" g="0" b="0"/>
+            </a:lnRef>
+            <a:fillRef idx="0">
+              <a:scrgbClr r="0" g="0" b="0"/>
+            </a:fillRef>
+            <a:effectRef idx="0">
+              <a:scrgbClr r="0" g="0" b="0"/>
+            </a:effectRef>
+            <a:fontRef idx="minor">
+              <a:schemeClr val="lt1"/>
+            </a:fontRef>
+          </p:style>
+          <p:txBody>
+            <a:bodyPr lIns="45720" tIns="45720" rIns="45720" rtlCol="0" anchor="ctr"/>
+            <a:lstStyle/>
+            <a:p>
+              <a:pPr algn="ctr"/>
+              <a:r>
+                <a:rPr lang="en-GB" b="1" dirty="0">
+                  <a:solidFill>
+                    <a:schemeClr val="tx1"/>
+                  </a:solidFill>
+                </a:rPr>
+                <a:t>5</a:t>
+              </a:r>
+            </a:p>
+          </p:txBody>
+        </p:sp>
+        <p:sp>
+          <p:nvSpPr>
+            <p:cNvPr id="119" name="Content Placeholder 2">
+              <a:extLst>
+                <a:ext uri="{FF2B5EF4-FFF2-40B4-BE49-F238E27FC236}">
+                  <a16:creationId xmlns:a16="http://schemas.microsoft.com/office/drawing/2014/main" id="{831E99E3-5AD9-7B90-15CF-0064100AF6C9}"/>
+                </a:ext>
+              </a:extLst>
+            </p:cNvPr>
+            <p:cNvSpPr txBox="1">
+              <a:spLocks/>
+            </p:cNvSpPr>
+            <p:nvPr/>
+          </p:nvSpPr>
+          <p:spPr>
+            <a:xfrm>
+              <a:off x="1735596" y="2558944"/>
+              <a:ext cx="1746945" cy="707886"/>
+            </a:xfrm>
+            <a:prstGeom prst="rect">
+              <a:avLst/>
+            </a:prstGeom>
+          </p:spPr>
+          <p:txBody>
+            <a:bodyPr wrap="square">
+              <a:spAutoFit/>
+            </a:bodyPr>
+            <a:lstStyle>
+              <a:lvl1pPr marL="228600" indent="-228600" algn="l" defTabSz="914400" rtl="0" eaLnBrk="1" latinLnBrk="0" hangingPunct="1">
+                <a:lnSpc>
+                  <a:spcPct val="90000"/>
+                </a:lnSpc>
+                <a:spcBef>
+                  <a:spcPts val="0"/>
+                </a:spcBef>
+                <a:spcAft>
+                  <a:spcPts val="1200"/>
+                </a:spcAft>
+                <a:buSzPct val="90000"/>
+                <a:buFont typeface="Amazon Ember" panose="020B0603020204020204" pitchFamily="34" charset="0"/>
+                <a:buChar char="•"/>
+                <a:defRPr sz="2800" kern="1200">
+                  <a:solidFill>
+                    <a:schemeClr val="tx1"/>
+                  </a:solidFill>
+                  <a:latin typeface="+mn-lt"/>
+                  <a:ea typeface="+mn-ea"/>
+                  <a:cs typeface="+mn-cs"/>
+                </a:defRPr>
+              </a:lvl1pPr>
+              <a:lvl2pPr marL="457200" indent="-228600" algn="l" defTabSz="914400" rtl="0" eaLnBrk="1" latinLnBrk="0" hangingPunct="1">
+                <a:lnSpc>
+                  <a:spcPct val="90000"/>
+                </a:lnSpc>
+                <a:spcBef>
+                  <a:spcPts val="0"/>
+                </a:spcBef>
+                <a:spcAft>
+                  <a:spcPts val="1200"/>
+                </a:spcAft>
+                <a:buSzPct val="90000"/>
+                <a:buFont typeface="Wingdings" panose="05000000000000000000" pitchFamily="2" charset="2"/>
+                <a:buChar char="§"/>
+                <a:defRPr sz="2400" kern="1200">
+                  <a:solidFill>
+                    <a:schemeClr val="tx1"/>
+                  </a:solidFill>
+                  <a:latin typeface="+mn-lt"/>
+                  <a:ea typeface="+mn-ea"/>
+                  <a:cs typeface="+mn-cs"/>
+                </a:defRPr>
+              </a:lvl2pPr>
+              <a:lvl3pPr marL="685800" indent="-228600" algn="l" defTabSz="914400" rtl="0" eaLnBrk="1" latinLnBrk="0" hangingPunct="1">
+                <a:lnSpc>
+                  <a:spcPct val="90000"/>
+                </a:lnSpc>
+                <a:spcBef>
+                  <a:spcPts val="0"/>
+                </a:spcBef>
+                <a:spcAft>
+                  <a:spcPts val="1200"/>
+                </a:spcAft>
+                <a:buSzPct val="90000"/>
+                <a:buFont typeface="Amazon Ember" panose="020B0603020204020204" pitchFamily="34" charset="0"/>
+                <a:buChar char="–"/>
+                <a:defRPr sz="2000" kern="1200">
+                  <a:solidFill>
+                    <a:schemeClr val="tx1"/>
+                  </a:solidFill>
+                  <a:latin typeface="+mn-lt"/>
+                  <a:ea typeface="+mn-ea"/>
+                  <a:cs typeface="+mn-cs"/>
+                </a:defRPr>
+              </a:lvl3pPr>
+              <a:lvl4pPr marL="914400" indent="-228600" algn="l" defTabSz="914400" rtl="0" eaLnBrk="1" latinLnBrk="0" hangingPunct="1">
+                <a:lnSpc>
+                  <a:spcPct val="90000"/>
+                </a:lnSpc>
+                <a:spcBef>
+                  <a:spcPts val="0"/>
+                </a:spcBef>
+                <a:spcAft>
+                  <a:spcPts val="1200"/>
+                </a:spcAft>
+                <a:buFont typeface="Amazon Ember" panose="020B0603020204020204" pitchFamily="34" charset="0"/>
+                <a:buChar char="•"/>
+                <a:defRPr sz="1800" kern="1200">
+                  <a:solidFill>
+                    <a:schemeClr val="tx1"/>
+                  </a:solidFill>
+                  <a:latin typeface="+mn-lt"/>
+                  <a:ea typeface="+mn-ea"/>
+                  <a:cs typeface="+mn-cs"/>
+                </a:defRPr>
+              </a:lvl4pPr>
+              <a:lvl5pPr marL="1143000" indent="-228600" algn="l" defTabSz="914400" rtl="0" eaLnBrk="1" latinLnBrk="0" hangingPunct="1">
+                <a:lnSpc>
+                  <a:spcPct val="90000"/>
+                </a:lnSpc>
+                <a:spcBef>
+                  <a:spcPts val="0"/>
+                </a:spcBef>
+                <a:spcAft>
+                  <a:spcPts val="1200"/>
+                </a:spcAft>
+                <a:buFont typeface="Amazon Ember" panose="020B0603020204020204" pitchFamily="34" charset="0"/>
+                <a:buChar char="•"/>
+                <a:defRPr sz="1800" kern="1200">
+                  <a:solidFill>
+                    <a:schemeClr val="tx1"/>
+                  </a:solidFill>
+                  <a:latin typeface="+mn-lt"/>
+                  <a:ea typeface="+mn-ea"/>
+                  <a:cs typeface="+mn-cs"/>
+                </a:defRPr>
+              </a:lvl5pPr>
+              <a:lvl6pPr marL="2514600" indent="-228600" algn="l" defTabSz="914400" rtl="0" eaLnBrk="1" latinLnBrk="0" hangingPunct="1">
+                <a:lnSpc>
+                  <a:spcPct val="90000"/>
+                </a:lnSpc>
+                <a:spcBef>
+                  <a:spcPts val="500"/>
+                </a:spcBef>
+                <a:buFont typeface="Amazon Ember" panose="020B0603020204020204" pitchFamily="34" charset="0"/>
+                <a:buChar char="•"/>
+                <a:defRPr sz="1800" kern="1200">
+                  <a:solidFill>
+                    <a:schemeClr val="tx1"/>
+                  </a:solidFill>
+                  <a:latin typeface="+mn-lt"/>
+                  <a:ea typeface="+mn-ea"/>
+                  <a:cs typeface="+mn-cs"/>
+                </a:defRPr>
+              </a:lvl6pPr>
+              <a:lvl7pPr marL="2971800" indent="-228600" algn="l" defTabSz="914400" rtl="0" eaLnBrk="1" latinLnBrk="0" hangingPunct="1">
+                <a:lnSpc>
+                  <a:spcPct val="90000"/>
+                </a:lnSpc>
+                <a:spcBef>
+                  <a:spcPts val="500"/>
+                </a:spcBef>
+                <a:buFont typeface="Amazon Ember" panose="020B0603020204020204" pitchFamily="34" charset="0"/>
+                <a:buChar char="•"/>
+                <a:defRPr sz="1800" kern="1200">
+                  <a:solidFill>
+                    <a:schemeClr val="tx1"/>
+                  </a:solidFill>
+                  <a:latin typeface="+mn-lt"/>
+                  <a:ea typeface="+mn-ea"/>
+                  <a:cs typeface="+mn-cs"/>
+                </a:defRPr>
+              </a:lvl7pPr>
+              <a:lvl8pPr marL="3429000" indent="-228600" algn="l" defTabSz="914400" rtl="0" eaLnBrk="1" latinLnBrk="0" hangingPunct="1">
+                <a:lnSpc>
+                  <a:spcPct val="90000"/>
+                </a:lnSpc>
+                <a:spcBef>
+                  <a:spcPts val="500"/>
+                </a:spcBef>
+                <a:buFont typeface="Amazon Ember" panose="020B0603020204020204" pitchFamily="34" charset="0"/>
+                <a:buChar char="•"/>
+                <a:defRPr sz="1800" kern="1200">
+                  <a:solidFill>
+                    <a:schemeClr val="tx1"/>
+                  </a:solidFill>
+                  <a:latin typeface="+mn-lt"/>
+                  <a:ea typeface="+mn-ea"/>
+                  <a:cs typeface="+mn-cs"/>
+                </a:defRPr>
+              </a:lvl8pPr>
+              <a:lvl9pPr marL="3886200" indent="-228600" algn="l" defTabSz="914400" rtl="0" eaLnBrk="1" latinLnBrk="0" hangingPunct="1">
+                <a:lnSpc>
+                  <a:spcPct val="90000"/>
+                </a:lnSpc>
+                <a:spcBef>
+                  <a:spcPts val="500"/>
+                </a:spcBef>
+                <a:buFont typeface="Amazon Ember" panose="020B0603020204020204" pitchFamily="34" charset="0"/>
+                <a:buChar char="•"/>
+                <a:defRPr sz="1800" kern="1200">
+                  <a:solidFill>
+                    <a:schemeClr val="tx1"/>
+                  </a:solidFill>
+                  <a:latin typeface="+mn-lt"/>
+                  <a:ea typeface="+mn-ea"/>
+                  <a:cs typeface="+mn-cs"/>
+                </a:defRPr>
+              </a:lvl9pPr>
+            </a:lstStyle>
+            <a:p>
+              <a:pPr marL="0" indent="0" algn="r">
+                <a:lnSpc>
+                  <a:spcPct val="100000"/>
+                </a:lnSpc>
+                <a:spcAft>
+                  <a:spcPts val="600"/>
+                </a:spcAft>
+                <a:buNone/>
+              </a:pPr>
+              <a:r>
+                <a:rPr lang="en-US" sz="2000" i="1" dirty="0">
+                  <a:solidFill>
+                    <a:schemeClr val="bg2">
+                      <a:lumMod val="40000"/>
+                      <a:lumOff val="60000"/>
+                    </a:schemeClr>
+                  </a:solidFill>
+                  <a:effectLst>
+                    <a:glow>
+                      <a:schemeClr val="bg1"/>
+                    </a:glow>
+                  </a:effectLst>
+                </a:rPr>
+                <a:t>connect</a:t>
+              </a:r>
+              <a:br>
+                <a:rPr lang="en-US" sz="2000" i="1" dirty="0">
+                  <a:solidFill>
+                    <a:schemeClr val="bg2">
+                      <a:lumMod val="40000"/>
+                      <a:lumOff val="60000"/>
+                    </a:schemeClr>
+                  </a:solidFill>
+                  <a:effectLst>
+                    <a:glow>
+                      <a:schemeClr val="bg1"/>
+                    </a:glow>
+                  </a:effectLst>
+                </a:rPr>
+              </a:br>
+              <a:r>
+                <a:rPr lang="en-US" sz="2000" i="1" dirty="0">
+                  <a:solidFill>
+                    <a:schemeClr val="bg2">
+                      <a:lumMod val="40000"/>
+                      <a:lumOff val="60000"/>
+                    </a:schemeClr>
+                  </a:solidFill>
+                  <a:effectLst>
+                    <a:glow>
+                      <a:schemeClr val="bg1"/>
+                    </a:glow>
+                  </a:effectLst>
+                </a:rPr>
+                <a:t>to router</a:t>
+              </a:r>
+            </a:p>
+          </p:txBody>
+        </p:sp>
+      </p:grpSp>
+      <p:sp>
+        <p:nvSpPr>
+          <p:cNvPr id="2" name="TextBox 1">
+            <a:extLst>
+              <a:ext uri="{FF2B5EF4-FFF2-40B4-BE49-F238E27FC236}">
+                <a16:creationId xmlns:a16="http://schemas.microsoft.com/office/drawing/2014/main" id="{1416516D-D7A2-6F27-E5E3-C161D88125E4}"/>
+              </a:ext>
+            </a:extLst>
+          </p:cNvPr>
+          <p:cNvSpPr txBox="1"/>
+          <p:nvPr/>
+        </p:nvSpPr>
+        <p:spPr>
+          <a:xfrm>
+            <a:off x="218143" y="6278524"/>
+            <a:ext cx="2173672" cy="523220"/>
+          </a:xfrm>
+          <a:prstGeom prst="rect">
+            <a:avLst/>
+          </a:prstGeom>
+          <a:noFill/>
+        </p:spPr>
+        <p:txBody>
+          <a:bodyPr wrap="none" lIns="0" rIns="0" rtlCol="0">
+            <a:spAutoFit/>
+          </a:bodyPr>
+          <a:lstStyle/>
+          <a:p>
+            <a:pPr algn="l"/>
+            <a:r>
+              <a:rPr lang="en-GB" sz="2800" dirty="0">
+                <a:solidFill>
+                  <a:srgbClr val="FFFF00"/>
+                </a:solidFill>
+              </a:rPr>
+              <a:t>WI-FIER #3/3</a:t>
+            </a:r>
+          </a:p>
+        </p:txBody>
+      </p:sp>
+      <p:sp>
+        <p:nvSpPr>
+          <p:cNvPr id="3" name="Rectangle 2">
+            <a:extLst>
+              <a:ext uri="{FF2B5EF4-FFF2-40B4-BE49-F238E27FC236}">
+                <a16:creationId xmlns:a16="http://schemas.microsoft.com/office/drawing/2014/main" id="{6B965D70-9A7B-14C5-0F70-2543E3FD3A8A}"/>
+              </a:ext>
+            </a:extLst>
+          </p:cNvPr>
+          <p:cNvSpPr/>
+          <p:nvPr/>
+        </p:nvSpPr>
+        <p:spPr>
+          <a:xfrm>
+            <a:off x="8788567" y="1143000"/>
+            <a:ext cx="1724308" cy="1481717"/>
+          </a:xfrm>
+          <a:prstGeom prst="rect">
+            <a:avLst/>
+          </a:prstGeom>
+          <a:solidFill>
+            <a:schemeClr val="bg1">
+              <a:lumMod val="85000"/>
+              <a:lumOff val="15000"/>
+            </a:schemeClr>
+          </a:solidFill>
+          <a:ln w="12700">
+            <a:noFill/>
+            <a:prstDash val="dash"/>
+          </a:ln>
+        </p:spPr>
+        <p:style>
+          <a:lnRef idx="2">
+            <a:schemeClr val="accent1">
+              <a:shade val="50000"/>
+            </a:schemeClr>
+          </a:lnRef>
+          <a:fillRef idx="1">
+            <a:schemeClr val="accent1"/>
+          </a:fillRef>
+          <a:effectRef idx="0">
+            <a:schemeClr val="accent1"/>
+          </a:effectRef>
+          <a:fontRef idx="minor">
+            <a:schemeClr val="lt1"/>
+          </a:fontRef>
+        </p:style>
+        <p:txBody>
+          <a:bodyPr tIns="36000"/>
+          <a:lstStyle/>
+          <a:p>
+            <a:endParaRPr lang="en-GB" sz="2000" dirty="0">
+              <a:solidFill>
+                <a:schemeClr val="bg2">
+                  <a:lumMod val="40000"/>
+                  <a:lumOff val="60000"/>
+                </a:schemeClr>
+              </a:solidFill>
+              <a:effectLst>
+                <a:glow>
+                  <a:schemeClr val="bg1"/>
+                </a:glow>
+              </a:effectLst>
+            </a:endParaRPr>
+          </a:p>
+        </p:txBody>
+      </p:sp>
+      <p:grpSp>
+        <p:nvGrpSpPr>
+          <p:cNvPr id="27" name="Group 26">
+            <a:extLst>
+              <a:ext uri="{FF2B5EF4-FFF2-40B4-BE49-F238E27FC236}">
+                <a16:creationId xmlns:a16="http://schemas.microsoft.com/office/drawing/2014/main" id="{73A69C03-1F25-3838-80FA-8F91DDD00BF9}"/>
+              </a:ext>
+            </a:extLst>
+          </p:cNvPr>
+          <p:cNvGrpSpPr/>
+          <p:nvPr/>
+        </p:nvGrpSpPr>
+        <p:grpSpPr>
+          <a:xfrm>
+            <a:off x="8905978" y="1950264"/>
+            <a:ext cx="1511474" cy="512403"/>
+            <a:chOff x="4941376" y="3971594"/>
+            <a:chExt cx="1511474" cy="512403"/>
+          </a:xfrm>
+        </p:grpSpPr>
+        <p:sp>
+          <p:nvSpPr>
+            <p:cNvPr id="28" name="Rectangle 27">
+              <a:extLst>
+                <a:ext uri="{FF2B5EF4-FFF2-40B4-BE49-F238E27FC236}">
+                  <a16:creationId xmlns:a16="http://schemas.microsoft.com/office/drawing/2014/main" id="{45BE6593-4B07-6CA0-4E9A-BB4653A74EC7}"/>
+                </a:ext>
+              </a:extLst>
+            </p:cNvPr>
+            <p:cNvSpPr/>
+            <p:nvPr/>
+          </p:nvSpPr>
+          <p:spPr>
+            <a:xfrm>
+              <a:off x="4941376" y="3971594"/>
+              <a:ext cx="1511474" cy="512403"/>
+            </a:xfrm>
+            <a:prstGeom prst="rect">
+              <a:avLst/>
+            </a:prstGeom>
+            <a:solidFill>
+              <a:schemeClr val="bg1"/>
+            </a:solidFill>
+            <a:ln w="12700">
+              <a:solidFill>
+                <a:srgbClr val="5A6B86"/>
+              </a:solidFill>
+              <a:prstDash val="dash"/>
+            </a:ln>
+          </p:spPr>
+          <p:style>
+            <a:lnRef idx="2">
+              <a:schemeClr val="accent1">
+                <a:shade val="50000"/>
+              </a:schemeClr>
+            </a:lnRef>
+            <a:fillRef idx="1">
+              <a:schemeClr val="accent1"/>
+            </a:fillRef>
+            <a:effectRef idx="0">
+              <a:schemeClr val="accent1"/>
+            </a:effectRef>
+            <a:fontRef idx="minor">
+              <a:schemeClr val="lt1"/>
+            </a:fontRef>
+          </p:style>
+          <p:txBody>
+            <a:bodyPr tIns="36000"/>
+            <a:lstStyle/>
+            <a:p>
+              <a:pPr eaLnBrk="1" fontAlgn="auto" hangingPunct="1">
+                <a:spcBef>
+                  <a:spcPts val="0"/>
+                </a:spcBef>
+                <a:spcAft>
+                  <a:spcPts val="0"/>
+                </a:spcAft>
+                <a:defRPr/>
+              </a:pPr>
+              <a:endParaRPr lang="en-US" sz="2000" i="1" dirty="0">
+                <a:solidFill>
+                  <a:schemeClr val="bg2">
+                    <a:lumMod val="40000"/>
+                    <a:lumOff val="60000"/>
+                  </a:schemeClr>
+                </a:solidFill>
+                <a:effectLst>
+                  <a:glow>
+                    <a:schemeClr val="bg1"/>
+                  </a:glow>
+                </a:effectLst>
+              </a:endParaRPr>
+            </a:p>
+          </p:txBody>
+        </p:sp>
+        <p:sp>
+          <p:nvSpPr>
+            <p:cNvPr id="29" name="TextBox 28">
+              <a:extLst>
+                <a:ext uri="{FF2B5EF4-FFF2-40B4-BE49-F238E27FC236}">
+                  <a16:creationId xmlns:a16="http://schemas.microsoft.com/office/drawing/2014/main" id="{1E8B87DA-0857-7CE3-5C0B-817D1CE62442}"/>
+                </a:ext>
+              </a:extLst>
+            </p:cNvPr>
+            <p:cNvSpPr txBox="1"/>
+            <p:nvPr/>
+          </p:nvSpPr>
+          <p:spPr>
+            <a:xfrm>
+              <a:off x="4995167" y="4050606"/>
+              <a:ext cx="1302958" cy="379591"/>
+            </a:xfrm>
+            <a:prstGeom prst="rect">
+              <a:avLst/>
+            </a:prstGeom>
+            <a:noFill/>
+          </p:spPr>
+          <p:txBody>
+            <a:bodyPr wrap="square">
+              <a:spAutoFit/>
+            </a:bodyPr>
+            <a:lstStyle/>
+            <a:p>
+              <a:r>
+                <a:rPr lang="en-GB" sz="2800" baseline="-11000" noProof="1">
+                  <a:solidFill>
+                    <a:schemeClr val="bg2">
+                      <a:lumMod val="40000"/>
+                      <a:lumOff val="60000"/>
+                    </a:schemeClr>
+                  </a:solidFill>
+                  <a:effectLst>
+                    <a:glow>
+                      <a:schemeClr val="bg1"/>
+                    </a:glow>
+                  </a:effectLst>
+                </a:rPr>
+                <a:t>🛜</a:t>
+              </a:r>
+              <a:r>
+                <a:rPr lang="en-GB" noProof="1"/>
+                <a:t> Wi-Fier</a:t>
+              </a:r>
+            </a:p>
+          </p:txBody>
+        </p:sp>
+      </p:grpSp>
+      <p:grpSp>
+        <p:nvGrpSpPr>
+          <p:cNvPr id="23" name="Group 22">
+            <a:extLst>
+              <a:ext uri="{FF2B5EF4-FFF2-40B4-BE49-F238E27FC236}">
+                <a16:creationId xmlns:a16="http://schemas.microsoft.com/office/drawing/2014/main" id="{89C6FD1C-53FF-A67E-6774-41ECD681068A}"/>
+              </a:ext>
+            </a:extLst>
+          </p:cNvPr>
+          <p:cNvGrpSpPr/>
+          <p:nvPr/>
+        </p:nvGrpSpPr>
+        <p:grpSpPr>
+          <a:xfrm>
+            <a:off x="8905978" y="1342026"/>
+            <a:ext cx="1511473" cy="512403"/>
+            <a:chOff x="4941376" y="3971594"/>
+            <a:chExt cx="1511473" cy="512403"/>
+          </a:xfrm>
+        </p:grpSpPr>
+        <p:sp>
+          <p:nvSpPr>
+            <p:cNvPr id="24" name="Rectangle 23">
+              <a:extLst>
+                <a:ext uri="{FF2B5EF4-FFF2-40B4-BE49-F238E27FC236}">
+                  <a16:creationId xmlns:a16="http://schemas.microsoft.com/office/drawing/2014/main" id="{909D6FEC-7E4F-D140-79B5-8BB20AD5DFC2}"/>
+                </a:ext>
+              </a:extLst>
+            </p:cNvPr>
+            <p:cNvSpPr/>
+            <p:nvPr/>
+          </p:nvSpPr>
+          <p:spPr>
+            <a:xfrm>
+              <a:off x="4941376" y="3971594"/>
+              <a:ext cx="1511473" cy="512403"/>
+            </a:xfrm>
+            <a:prstGeom prst="rect">
+              <a:avLst/>
+            </a:prstGeom>
+            <a:solidFill>
+              <a:schemeClr val="bg1"/>
+            </a:solidFill>
+            <a:ln w="12700">
+              <a:solidFill>
+                <a:srgbClr val="5A6B86"/>
+              </a:solidFill>
+              <a:prstDash val="dash"/>
+            </a:ln>
+          </p:spPr>
+          <p:style>
+            <a:lnRef idx="2">
+              <a:schemeClr val="accent1">
+                <a:shade val="50000"/>
+              </a:schemeClr>
+            </a:lnRef>
+            <a:fillRef idx="1">
+              <a:schemeClr val="accent1"/>
+            </a:fillRef>
+            <a:effectRef idx="0">
+              <a:schemeClr val="accent1"/>
+            </a:effectRef>
+            <a:fontRef idx="minor">
+              <a:schemeClr val="lt1"/>
+            </a:fontRef>
+          </p:style>
+          <p:txBody>
+            <a:bodyPr tIns="36000"/>
+            <a:lstStyle/>
+            <a:p>
+              <a:pPr eaLnBrk="1" fontAlgn="auto" hangingPunct="1">
+                <a:spcBef>
+                  <a:spcPts val="0"/>
+                </a:spcBef>
+                <a:spcAft>
+                  <a:spcPts val="0"/>
+                </a:spcAft>
+                <a:defRPr/>
+              </a:pPr>
+              <a:endParaRPr lang="en-US" sz="2000" i="1" dirty="0">
+                <a:solidFill>
+                  <a:schemeClr val="bg2">
+                    <a:lumMod val="40000"/>
+                    <a:lumOff val="60000"/>
+                  </a:schemeClr>
+                </a:solidFill>
+                <a:effectLst>
+                  <a:glow>
+                    <a:schemeClr val="bg1"/>
+                  </a:glow>
+                </a:effectLst>
+              </a:endParaRPr>
+            </a:p>
+          </p:txBody>
+        </p:sp>
+        <p:sp>
+          <p:nvSpPr>
+            <p:cNvPr id="26" name="TextBox 25">
+              <a:extLst>
+                <a:ext uri="{FF2B5EF4-FFF2-40B4-BE49-F238E27FC236}">
+                  <a16:creationId xmlns:a16="http://schemas.microsoft.com/office/drawing/2014/main" id="{531AF5AB-F66E-EF2A-3CEE-460A15046212}"/>
+                </a:ext>
+              </a:extLst>
+            </p:cNvPr>
+            <p:cNvSpPr txBox="1"/>
+            <p:nvPr/>
+          </p:nvSpPr>
+          <p:spPr>
+            <a:xfrm>
+              <a:off x="4941377" y="4041641"/>
+              <a:ext cx="1356748" cy="379591"/>
+            </a:xfrm>
+            <a:prstGeom prst="rect">
+              <a:avLst/>
+            </a:prstGeom>
+            <a:noFill/>
+          </p:spPr>
+          <p:txBody>
+            <a:bodyPr wrap="square">
+              <a:spAutoFit/>
+            </a:bodyPr>
+            <a:lstStyle/>
+            <a:p>
+              <a:r>
+                <a:rPr lang="en-GB" sz="2800" baseline="-11000" dirty="0">
+                  <a:solidFill>
+                    <a:schemeClr val="bg2">
+                      <a:lumMod val="40000"/>
+                      <a:lumOff val="60000"/>
+                    </a:schemeClr>
+                  </a:solidFill>
+                  <a:effectLst>
+                    <a:glow>
+                      <a:schemeClr val="bg1"/>
+                    </a:glow>
+                  </a:effectLst>
+                </a:rPr>
+                <a:t>🔆</a:t>
+              </a:r>
+              <a:r>
+                <a:rPr lang="en-GB" dirty="0"/>
+                <a:t> NFC QR</a:t>
+              </a:r>
+            </a:p>
+          </p:txBody>
+        </p:sp>
+      </p:grpSp>
+      <p:cxnSp>
+        <p:nvCxnSpPr>
+          <p:cNvPr id="70" name="Straight Arrow Connector 12">
+            <a:extLst>
+              <a:ext uri="{FF2B5EF4-FFF2-40B4-BE49-F238E27FC236}">
+                <a16:creationId xmlns:a16="http://schemas.microsoft.com/office/drawing/2014/main" id="{110E05AB-FB9F-0AA7-9500-F48145A59246}"/>
+              </a:ext>
+            </a:extLst>
+          </p:cNvPr>
+          <p:cNvCxnSpPr>
+            <a:cxnSpLocks/>
+            <a:stCxn id="53" idx="3"/>
+            <a:endCxn id="26" idx="1"/>
+          </p:cNvCxnSpPr>
+          <p:nvPr/>
+        </p:nvCxnSpPr>
+        <p:spPr>
+          <a:xfrm flipV="1">
+            <a:off x="5006501" y="1601869"/>
+            <a:ext cx="3898800" cy="0"/>
+          </a:xfrm>
+          <a:prstGeom prst="straightConnector1">
+            <a:avLst/>
+          </a:prstGeom>
+          <a:ln>
+            <a:solidFill>
+              <a:schemeClr val="tx1"/>
+            </a:solidFill>
+            <a:tailEnd type="triangle" w="lg" len="lg"/>
+          </a:ln>
+        </p:spPr>
+        <p:style>
+          <a:lnRef idx="3">
+            <a:schemeClr val="accent2"/>
+          </a:lnRef>
+          <a:fillRef idx="0">
+            <a:schemeClr val="accent2"/>
+          </a:fillRef>
+          <a:effectRef idx="2">
+            <a:schemeClr val="accent2"/>
+          </a:effectRef>
+          <a:fontRef idx="minor">
+            <a:schemeClr val="tx1"/>
+          </a:fontRef>
+        </p:style>
+      </p:cxnSp>
+      <p:cxnSp>
+        <p:nvCxnSpPr>
+          <p:cNvPr id="73" name="Straight Arrow Connector 12">
+            <a:extLst>
+              <a:ext uri="{FF2B5EF4-FFF2-40B4-BE49-F238E27FC236}">
+                <a16:creationId xmlns:a16="http://schemas.microsoft.com/office/drawing/2014/main" id="{DE5E7884-97FF-419B-99A5-D0064140BD51}"/>
+              </a:ext>
+            </a:extLst>
+          </p:cNvPr>
+          <p:cNvCxnSpPr>
+            <a:cxnSpLocks/>
+            <a:stCxn id="51" idx="3"/>
+            <a:endCxn id="28" idx="1"/>
+          </p:cNvCxnSpPr>
+          <p:nvPr/>
+        </p:nvCxnSpPr>
+        <p:spPr>
+          <a:xfrm flipV="1">
+            <a:off x="5014188" y="2206466"/>
+            <a:ext cx="3891790" cy="12303"/>
+          </a:xfrm>
+          <a:prstGeom prst="straightConnector1">
+            <a:avLst/>
+          </a:prstGeom>
+          <a:ln>
+            <a:solidFill>
+              <a:schemeClr val="tx1"/>
+            </a:solidFill>
+            <a:tailEnd type="triangle" w="lg" len="lg"/>
+          </a:ln>
+        </p:spPr>
+        <p:style>
+          <a:lnRef idx="3">
+            <a:schemeClr val="accent2"/>
+          </a:lnRef>
+          <a:fillRef idx="0">
+            <a:schemeClr val="accent2"/>
+          </a:fillRef>
+          <a:effectRef idx="2">
+            <a:schemeClr val="accent2"/>
+          </a:effectRef>
+          <a:fontRef idx="minor">
+            <a:schemeClr val="tx1"/>
+          </a:fontRef>
+        </p:style>
+      </p:cxnSp>
+      <p:cxnSp>
+        <p:nvCxnSpPr>
+          <p:cNvPr id="133" name="Straight Arrow Connector 12">
+            <a:extLst>
+              <a:ext uri="{FF2B5EF4-FFF2-40B4-BE49-F238E27FC236}">
+                <a16:creationId xmlns:a16="http://schemas.microsoft.com/office/drawing/2014/main" id="{511410F8-EB42-19E4-4081-5CAE1E7DCEBF}"/>
+              </a:ext>
+            </a:extLst>
+          </p:cNvPr>
+          <p:cNvCxnSpPr>
+            <a:cxnSpLocks/>
+            <a:stCxn id="28" idx="3"/>
+            <a:endCxn id="66" idx="2"/>
+          </p:cNvCxnSpPr>
+          <p:nvPr/>
+        </p:nvCxnSpPr>
+        <p:spPr>
+          <a:xfrm flipV="1">
+            <a:off x="10417452" y="1058056"/>
+            <a:ext cx="868188" cy="1148410"/>
+          </a:xfrm>
+          <a:prstGeom prst="bentConnector2">
+            <a:avLst/>
+          </a:prstGeom>
+          <a:ln>
+            <a:solidFill>
+              <a:schemeClr val="tx1"/>
+            </a:solidFill>
+            <a:tailEnd type="triangle" w="lg" len="lg"/>
+          </a:ln>
+        </p:spPr>
+        <p:style>
+          <a:lnRef idx="3">
+            <a:schemeClr val="accent2"/>
+          </a:lnRef>
+          <a:fillRef idx="0">
+            <a:schemeClr val="accent2"/>
+          </a:fillRef>
+          <a:effectRef idx="2">
+            <a:schemeClr val="accent2"/>
+          </a:effectRef>
+          <a:fontRef idx="minor">
+            <a:schemeClr val="tx1"/>
+          </a:fontRef>
+        </p:style>
+      </p:cxnSp>
+      <p:sp>
+        <p:nvSpPr>
+          <p:cNvPr id="13" name="TextBox 12">
+            <a:extLst>
+              <a:ext uri="{FF2B5EF4-FFF2-40B4-BE49-F238E27FC236}">
+                <a16:creationId xmlns:a16="http://schemas.microsoft.com/office/drawing/2014/main" id="{0B40D316-0BE6-9D01-B6CD-5B3A80B73A26}"/>
+              </a:ext>
+            </a:extLst>
+          </p:cNvPr>
+          <p:cNvSpPr txBox="1"/>
+          <p:nvPr/>
+        </p:nvSpPr>
+        <p:spPr>
+          <a:xfrm>
+            <a:off x="3299398" y="2112657"/>
+            <a:ext cx="304571" cy="369332"/>
+          </a:xfrm>
+          <a:prstGeom prst="rect">
+            <a:avLst/>
+          </a:prstGeom>
+          <a:noFill/>
+        </p:spPr>
+        <p:txBody>
+          <a:bodyPr wrap="none" lIns="0" rIns="0" rtlCol="0">
+            <a:spAutoFit/>
+          </a:bodyPr>
+          <a:lstStyle/>
+          <a:p>
+            <a:pPr algn="l"/>
+            <a:r>
+              <a:rPr lang="en-PT" dirty="0"/>
+              <a:t>     </a:t>
+            </a:r>
+          </a:p>
+        </p:txBody>
+      </p:sp>
+      <p:cxnSp>
+        <p:nvCxnSpPr>
+          <p:cNvPr id="7" name="Straight Arrow Connector 12">
+            <a:extLst>
+              <a:ext uri="{FF2B5EF4-FFF2-40B4-BE49-F238E27FC236}">
+                <a16:creationId xmlns:a16="http://schemas.microsoft.com/office/drawing/2014/main" id="{4AB21F63-7BA6-76A8-CD0D-8BAECD76334D}"/>
+              </a:ext>
+            </a:extLst>
+          </p:cNvPr>
+          <p:cNvCxnSpPr>
+            <a:cxnSpLocks/>
+            <a:stCxn id="56" idx="2"/>
+            <a:endCxn id="28" idx="2"/>
+          </p:cNvCxnSpPr>
+          <p:nvPr/>
+        </p:nvCxnSpPr>
+        <p:spPr>
+          <a:xfrm rot="5400000" flipH="1" flipV="1">
+            <a:off x="4900020" y="-1193744"/>
+            <a:ext cx="1105283" cy="8418106"/>
+          </a:xfrm>
+          <a:prstGeom prst="bentConnector3">
+            <a:avLst>
+              <a:gd name="adj1" fmla="val -41096"/>
+            </a:avLst>
+          </a:prstGeom>
+          <a:ln>
+            <a:solidFill>
+              <a:schemeClr val="tx1"/>
+            </a:solidFill>
+            <a:tailEnd type="triangle" w="lg" len="lg"/>
+          </a:ln>
+        </p:spPr>
+        <p:style>
+          <a:lnRef idx="3">
+            <a:schemeClr val="accent2"/>
+          </a:lnRef>
+          <a:fillRef idx="0">
+            <a:schemeClr val="accent2"/>
+          </a:fillRef>
+          <a:effectRef idx="2">
+            <a:schemeClr val="accent2"/>
+          </a:effectRef>
+          <a:fontRef idx="minor">
+            <a:schemeClr val="tx1"/>
+          </a:fontRef>
+        </p:style>
+      </p:cxnSp>
+      <p:cxnSp>
+        <p:nvCxnSpPr>
+          <p:cNvPr id="14" name="Straight Arrow Connector 12">
+            <a:extLst>
+              <a:ext uri="{FF2B5EF4-FFF2-40B4-BE49-F238E27FC236}">
+                <a16:creationId xmlns:a16="http://schemas.microsoft.com/office/drawing/2014/main" id="{EBD98AC9-D547-ED8B-6792-82A6C3C57C10}"/>
+              </a:ext>
+            </a:extLst>
+          </p:cNvPr>
+          <p:cNvCxnSpPr>
+            <a:cxnSpLocks/>
+            <a:stCxn id="82" idx="2"/>
+            <a:endCxn id="56" idx="0"/>
+          </p:cNvCxnSpPr>
+          <p:nvPr/>
+        </p:nvCxnSpPr>
+        <p:spPr>
+          <a:xfrm>
+            <a:off x="1234880" y="1255927"/>
+            <a:ext cx="8729" cy="1273282"/>
+          </a:xfrm>
+          <a:prstGeom prst="straightConnector1">
+            <a:avLst/>
+          </a:prstGeom>
+          <a:ln>
+            <a:solidFill>
+              <a:schemeClr val="tx1"/>
+            </a:solidFill>
+            <a:tailEnd type="triangle" w="lg" len="lg"/>
+          </a:ln>
+        </p:spPr>
+        <p:style>
+          <a:lnRef idx="3">
+            <a:schemeClr val="accent2"/>
+          </a:lnRef>
+          <a:fillRef idx="0">
+            <a:schemeClr val="accent2"/>
+          </a:fillRef>
+          <a:effectRef idx="2">
+            <a:schemeClr val="accent2"/>
+          </a:effectRef>
+          <a:fontRef idx="minor">
+            <a:schemeClr val="tx1"/>
+          </a:fontRef>
+        </p:style>
+      </p:cxnSp>
+      <p:grpSp>
+        <p:nvGrpSpPr>
+          <p:cNvPr id="17" name="Group 16">
+            <a:extLst>
+              <a:ext uri="{FF2B5EF4-FFF2-40B4-BE49-F238E27FC236}">
+                <a16:creationId xmlns:a16="http://schemas.microsoft.com/office/drawing/2014/main" id="{74E6894C-D90F-7F7D-D544-97059504CA09}"/>
+              </a:ext>
+            </a:extLst>
+          </p:cNvPr>
+          <p:cNvGrpSpPr/>
+          <p:nvPr/>
+        </p:nvGrpSpPr>
+        <p:grpSpPr>
+          <a:xfrm>
+            <a:off x="1382695" y="1352553"/>
+            <a:ext cx="1604809" cy="707886"/>
+            <a:chOff x="2343832" y="2179312"/>
+            <a:chExt cx="1604809" cy="707886"/>
+          </a:xfrm>
+        </p:grpSpPr>
+        <p:sp>
+          <p:nvSpPr>
+            <p:cNvPr id="18" name="Rounded Rectangle 17">
+              <a:extLst>
+                <a:ext uri="{FF2B5EF4-FFF2-40B4-BE49-F238E27FC236}">
+                  <a16:creationId xmlns:a16="http://schemas.microsoft.com/office/drawing/2014/main" id="{0340D90A-9E98-3ACB-ECDD-EE2199F7EC63}"/>
+                </a:ext>
+              </a:extLst>
+            </p:cNvPr>
+            <p:cNvSpPr/>
+            <p:nvPr/>
+          </p:nvSpPr>
+          <p:spPr>
+            <a:xfrm>
+              <a:off x="2343832" y="2223776"/>
+              <a:ext cx="360000" cy="360000"/>
+            </a:xfrm>
+            <a:prstGeom prst="roundRect">
+              <a:avLst/>
+            </a:prstGeom>
+            <a:solidFill>
+              <a:schemeClr val="accent5"/>
+            </a:solidFill>
+            <a:ln>
+              <a:noFill/>
+            </a:ln>
+          </p:spPr>
+          <p:style>
+            <a:lnRef idx="0">
+              <a:scrgbClr r="0" g="0" b="0"/>
+            </a:lnRef>
+            <a:fillRef idx="0">
+              <a:scrgbClr r="0" g="0" b="0"/>
+            </a:fillRef>
+            <a:effectRef idx="0">
+              <a:scrgbClr r="0" g="0" b="0"/>
+            </a:effectRef>
+            <a:fontRef idx="minor">
+              <a:schemeClr val="lt1"/>
+            </a:fontRef>
+          </p:style>
+          <p:txBody>
+            <a:bodyPr lIns="45720" tIns="45720" rIns="45720" rtlCol="0" anchor="ctr"/>
+            <a:lstStyle/>
+            <a:p>
+              <a:pPr algn="ctr"/>
+              <a:r>
+                <a:rPr lang="en-GB" b="1" dirty="0">
+                  <a:solidFill>
+                    <a:schemeClr val="tx1"/>
+                  </a:solidFill>
+                </a:rPr>
+                <a:t>6</a:t>
+              </a:r>
+            </a:p>
+          </p:txBody>
+        </p:sp>
+        <p:sp>
+          <p:nvSpPr>
+            <p:cNvPr id="19" name="Content Placeholder 2">
+              <a:extLst>
+                <a:ext uri="{FF2B5EF4-FFF2-40B4-BE49-F238E27FC236}">
+                  <a16:creationId xmlns:a16="http://schemas.microsoft.com/office/drawing/2014/main" id="{024168FD-2618-D0D5-CEB1-D8BFA80D8515}"/>
+                </a:ext>
+              </a:extLst>
+            </p:cNvPr>
+            <p:cNvSpPr txBox="1">
+              <a:spLocks/>
+            </p:cNvSpPr>
+            <p:nvPr/>
+          </p:nvSpPr>
+          <p:spPr>
+            <a:xfrm>
+              <a:off x="2735662" y="2179312"/>
+              <a:ext cx="1212979" cy="707886"/>
+            </a:xfrm>
+            <a:prstGeom prst="rect">
+              <a:avLst/>
+            </a:prstGeom>
+          </p:spPr>
+          <p:txBody>
+            <a:bodyPr wrap="square">
+              <a:spAutoFit/>
+            </a:bodyPr>
+            <a:lstStyle>
+              <a:lvl1pPr marL="228600" indent="-228600" algn="l" defTabSz="914400" rtl="0" eaLnBrk="1" latinLnBrk="0" hangingPunct="1">
+                <a:lnSpc>
+                  <a:spcPct val="90000"/>
+                </a:lnSpc>
+                <a:spcBef>
+                  <a:spcPts val="0"/>
+                </a:spcBef>
+                <a:spcAft>
+                  <a:spcPts val="1200"/>
+                </a:spcAft>
+                <a:buSzPct val="90000"/>
+                <a:buFont typeface="Amazon Ember" panose="020B0603020204020204" pitchFamily="34" charset="0"/>
+                <a:buChar char="•"/>
+                <a:defRPr sz="2800" kern="1200">
+                  <a:solidFill>
+                    <a:schemeClr val="tx1"/>
+                  </a:solidFill>
+                  <a:latin typeface="+mn-lt"/>
+                  <a:ea typeface="+mn-ea"/>
+                  <a:cs typeface="+mn-cs"/>
+                </a:defRPr>
+              </a:lvl1pPr>
+              <a:lvl2pPr marL="457200" indent="-228600" algn="l" defTabSz="914400" rtl="0" eaLnBrk="1" latinLnBrk="0" hangingPunct="1">
+                <a:lnSpc>
+                  <a:spcPct val="90000"/>
+                </a:lnSpc>
+                <a:spcBef>
+                  <a:spcPts val="0"/>
+                </a:spcBef>
+                <a:spcAft>
+                  <a:spcPts val="1200"/>
+                </a:spcAft>
+                <a:buSzPct val="90000"/>
+                <a:buFont typeface="Wingdings" panose="05000000000000000000" pitchFamily="2" charset="2"/>
+                <a:buChar char="§"/>
+                <a:defRPr sz="2400" kern="1200">
+                  <a:solidFill>
+                    <a:schemeClr val="tx1"/>
+                  </a:solidFill>
+                  <a:latin typeface="+mn-lt"/>
+                  <a:ea typeface="+mn-ea"/>
+                  <a:cs typeface="+mn-cs"/>
+                </a:defRPr>
+              </a:lvl2pPr>
+              <a:lvl3pPr marL="685800" indent="-228600" algn="l" defTabSz="914400" rtl="0" eaLnBrk="1" latinLnBrk="0" hangingPunct="1">
+                <a:lnSpc>
+                  <a:spcPct val="90000"/>
+                </a:lnSpc>
+                <a:spcBef>
+                  <a:spcPts val="0"/>
+                </a:spcBef>
+                <a:spcAft>
+                  <a:spcPts val="1200"/>
+                </a:spcAft>
+                <a:buSzPct val="90000"/>
+                <a:buFont typeface="Amazon Ember" panose="020B0603020204020204" pitchFamily="34" charset="0"/>
+                <a:buChar char="–"/>
+                <a:defRPr sz="2000" kern="1200">
+                  <a:solidFill>
+                    <a:schemeClr val="tx1"/>
+                  </a:solidFill>
+                  <a:latin typeface="+mn-lt"/>
+                  <a:ea typeface="+mn-ea"/>
+                  <a:cs typeface="+mn-cs"/>
+                </a:defRPr>
+              </a:lvl3pPr>
+              <a:lvl4pPr marL="914400" indent="-228600" algn="l" defTabSz="914400" rtl="0" eaLnBrk="1" latinLnBrk="0" hangingPunct="1">
+                <a:lnSpc>
+                  <a:spcPct val="90000"/>
+                </a:lnSpc>
+                <a:spcBef>
+                  <a:spcPts val="0"/>
+                </a:spcBef>
+                <a:spcAft>
+                  <a:spcPts val="1200"/>
+                </a:spcAft>
+                <a:buFont typeface="Amazon Ember" panose="020B0603020204020204" pitchFamily="34" charset="0"/>
+                <a:buChar char="•"/>
+                <a:defRPr sz="1800" kern="1200">
+                  <a:solidFill>
+                    <a:schemeClr val="tx1"/>
+                  </a:solidFill>
+                  <a:latin typeface="+mn-lt"/>
+                  <a:ea typeface="+mn-ea"/>
+                  <a:cs typeface="+mn-cs"/>
+                </a:defRPr>
+              </a:lvl4pPr>
+              <a:lvl5pPr marL="1143000" indent="-228600" algn="l" defTabSz="914400" rtl="0" eaLnBrk="1" latinLnBrk="0" hangingPunct="1">
+                <a:lnSpc>
+                  <a:spcPct val="90000"/>
+                </a:lnSpc>
+                <a:spcBef>
+                  <a:spcPts val="0"/>
+                </a:spcBef>
+                <a:spcAft>
+                  <a:spcPts val="1200"/>
+                </a:spcAft>
+                <a:buFont typeface="Amazon Ember" panose="020B0603020204020204" pitchFamily="34" charset="0"/>
+                <a:buChar char="•"/>
+                <a:defRPr sz="1800" kern="1200">
+                  <a:solidFill>
+                    <a:schemeClr val="tx1"/>
+                  </a:solidFill>
+                  <a:latin typeface="+mn-lt"/>
+                  <a:ea typeface="+mn-ea"/>
+                  <a:cs typeface="+mn-cs"/>
+                </a:defRPr>
+              </a:lvl5pPr>
+              <a:lvl6pPr marL="2514600" indent="-228600" algn="l" defTabSz="914400" rtl="0" eaLnBrk="1" latinLnBrk="0" hangingPunct="1">
+                <a:lnSpc>
+                  <a:spcPct val="90000"/>
+                </a:lnSpc>
+                <a:spcBef>
+                  <a:spcPts val="500"/>
+                </a:spcBef>
+                <a:buFont typeface="Amazon Ember" panose="020B0603020204020204" pitchFamily="34" charset="0"/>
+                <a:buChar char="•"/>
+                <a:defRPr sz="1800" kern="1200">
+                  <a:solidFill>
+                    <a:schemeClr val="tx1"/>
+                  </a:solidFill>
+                  <a:latin typeface="+mn-lt"/>
+                  <a:ea typeface="+mn-ea"/>
+                  <a:cs typeface="+mn-cs"/>
+                </a:defRPr>
+              </a:lvl6pPr>
+              <a:lvl7pPr marL="2971800" indent="-228600" algn="l" defTabSz="914400" rtl="0" eaLnBrk="1" latinLnBrk="0" hangingPunct="1">
+                <a:lnSpc>
+                  <a:spcPct val="90000"/>
+                </a:lnSpc>
+                <a:spcBef>
+                  <a:spcPts val="500"/>
+                </a:spcBef>
+                <a:buFont typeface="Amazon Ember" panose="020B0603020204020204" pitchFamily="34" charset="0"/>
+                <a:buChar char="•"/>
+                <a:defRPr sz="1800" kern="1200">
+                  <a:solidFill>
+                    <a:schemeClr val="tx1"/>
+                  </a:solidFill>
+                  <a:latin typeface="+mn-lt"/>
+                  <a:ea typeface="+mn-ea"/>
+                  <a:cs typeface="+mn-cs"/>
+                </a:defRPr>
+              </a:lvl7pPr>
+              <a:lvl8pPr marL="3429000" indent="-228600" algn="l" defTabSz="914400" rtl="0" eaLnBrk="1" latinLnBrk="0" hangingPunct="1">
+                <a:lnSpc>
+                  <a:spcPct val="90000"/>
+                </a:lnSpc>
+                <a:spcBef>
+                  <a:spcPts val="500"/>
+                </a:spcBef>
+                <a:buFont typeface="Amazon Ember" panose="020B0603020204020204" pitchFamily="34" charset="0"/>
+                <a:buChar char="•"/>
+                <a:defRPr sz="1800" kern="1200">
+                  <a:solidFill>
+                    <a:schemeClr val="tx1"/>
+                  </a:solidFill>
+                  <a:latin typeface="+mn-lt"/>
+                  <a:ea typeface="+mn-ea"/>
+                  <a:cs typeface="+mn-cs"/>
+                </a:defRPr>
+              </a:lvl8pPr>
+              <a:lvl9pPr marL="3886200" indent="-228600" algn="l" defTabSz="914400" rtl="0" eaLnBrk="1" latinLnBrk="0" hangingPunct="1">
+                <a:lnSpc>
+                  <a:spcPct val="90000"/>
+                </a:lnSpc>
+                <a:spcBef>
+                  <a:spcPts val="500"/>
+                </a:spcBef>
+                <a:buFont typeface="Amazon Ember" panose="020B0603020204020204" pitchFamily="34" charset="0"/>
+                <a:buChar char="•"/>
+                <a:defRPr sz="1800" kern="1200">
+                  <a:solidFill>
+                    <a:schemeClr val="tx1"/>
+                  </a:solidFill>
+                  <a:latin typeface="+mn-lt"/>
+                  <a:ea typeface="+mn-ea"/>
+                  <a:cs typeface="+mn-cs"/>
+                </a:defRPr>
+              </a:lvl9pPr>
+            </a:lstStyle>
+            <a:p>
+              <a:pPr marL="0" indent="0">
+                <a:lnSpc>
+                  <a:spcPct val="100000"/>
+                </a:lnSpc>
+                <a:spcAft>
+                  <a:spcPts val="600"/>
+                </a:spcAft>
+                <a:buNone/>
+              </a:pPr>
+              <a:r>
+                <a:rPr lang="en-US" sz="2000" i="1" dirty="0">
+                  <a:solidFill>
+                    <a:schemeClr val="bg2">
+                      <a:lumMod val="40000"/>
+                      <a:lumOff val="60000"/>
+                    </a:schemeClr>
+                  </a:solidFill>
+                  <a:effectLst>
+                    <a:glow>
+                      <a:schemeClr val="bg1"/>
+                    </a:glow>
+                  </a:effectLst>
+                </a:rPr>
+                <a:t>publish updates</a:t>
+              </a:r>
+            </a:p>
+          </p:txBody>
+        </p:sp>
+      </p:grpSp>
+      <p:grpSp>
+        <p:nvGrpSpPr>
+          <p:cNvPr id="20" name="Group 19">
+            <a:extLst>
+              <a:ext uri="{FF2B5EF4-FFF2-40B4-BE49-F238E27FC236}">
+                <a16:creationId xmlns:a16="http://schemas.microsoft.com/office/drawing/2014/main" id="{2FB29C7E-40E7-7F42-D321-8668B19ACAAC}"/>
+              </a:ext>
+            </a:extLst>
+          </p:cNvPr>
+          <p:cNvGrpSpPr/>
+          <p:nvPr/>
+        </p:nvGrpSpPr>
+        <p:grpSpPr>
+          <a:xfrm>
+            <a:off x="1223004" y="4123739"/>
+            <a:ext cx="4872996" cy="400110"/>
+            <a:chOff x="2343832" y="2191187"/>
+            <a:chExt cx="4872996" cy="400110"/>
+          </a:xfrm>
+        </p:grpSpPr>
+        <p:sp>
+          <p:nvSpPr>
+            <p:cNvPr id="21" name="Rounded Rectangle 20">
+              <a:extLst>
+                <a:ext uri="{FF2B5EF4-FFF2-40B4-BE49-F238E27FC236}">
+                  <a16:creationId xmlns:a16="http://schemas.microsoft.com/office/drawing/2014/main" id="{8493E3A0-B88C-C0B0-2999-E86BB9E25E0A}"/>
+                </a:ext>
+              </a:extLst>
+            </p:cNvPr>
+            <p:cNvSpPr/>
+            <p:nvPr/>
+          </p:nvSpPr>
+          <p:spPr>
+            <a:xfrm>
+              <a:off x="2343832" y="2223776"/>
+              <a:ext cx="360000" cy="360000"/>
+            </a:xfrm>
+            <a:prstGeom prst="roundRect">
+              <a:avLst/>
+            </a:prstGeom>
+            <a:solidFill>
+              <a:schemeClr val="accent5"/>
+            </a:solidFill>
+            <a:ln>
+              <a:noFill/>
+            </a:ln>
+          </p:spPr>
+          <p:style>
+            <a:lnRef idx="0">
+              <a:scrgbClr r="0" g="0" b="0"/>
+            </a:lnRef>
+            <a:fillRef idx="0">
+              <a:scrgbClr r="0" g="0" b="0"/>
+            </a:fillRef>
+            <a:effectRef idx="0">
+              <a:scrgbClr r="0" g="0" b="0"/>
+            </a:effectRef>
+            <a:fontRef idx="minor">
+              <a:schemeClr val="lt1"/>
+            </a:fontRef>
+          </p:style>
+          <p:txBody>
+            <a:bodyPr lIns="45720" tIns="45720" rIns="45720" rtlCol="0" anchor="ctr"/>
+            <a:lstStyle/>
+            <a:p>
+              <a:pPr algn="ctr"/>
+              <a:r>
+                <a:rPr lang="en-GB" b="1" dirty="0">
+                  <a:solidFill>
+                    <a:schemeClr val="tx1"/>
+                  </a:solidFill>
+                </a:rPr>
+                <a:t>7</a:t>
+              </a:r>
+            </a:p>
+          </p:txBody>
+        </p:sp>
+        <p:sp>
+          <p:nvSpPr>
+            <p:cNvPr id="22" name="Content Placeholder 2">
+              <a:extLst>
+                <a:ext uri="{FF2B5EF4-FFF2-40B4-BE49-F238E27FC236}">
+                  <a16:creationId xmlns:a16="http://schemas.microsoft.com/office/drawing/2014/main" id="{F89A5814-A6A1-063A-B1AD-1EE5F81B3220}"/>
+                </a:ext>
+              </a:extLst>
+            </p:cNvPr>
+            <p:cNvSpPr txBox="1">
+              <a:spLocks/>
+            </p:cNvSpPr>
+            <p:nvPr/>
+          </p:nvSpPr>
+          <p:spPr>
+            <a:xfrm>
+              <a:off x="2735662" y="2191187"/>
+              <a:ext cx="4481166" cy="400110"/>
+            </a:xfrm>
+            <a:prstGeom prst="rect">
+              <a:avLst/>
+            </a:prstGeom>
+          </p:spPr>
+          <p:txBody>
+            <a:bodyPr wrap="square">
+              <a:spAutoFit/>
+            </a:bodyPr>
+            <a:lstStyle>
+              <a:lvl1pPr marL="228600" indent="-228600" algn="l" defTabSz="914400" rtl="0" eaLnBrk="1" latinLnBrk="0" hangingPunct="1">
+                <a:lnSpc>
+                  <a:spcPct val="90000"/>
+                </a:lnSpc>
+                <a:spcBef>
+                  <a:spcPts val="0"/>
+                </a:spcBef>
+                <a:spcAft>
+                  <a:spcPts val="1200"/>
+                </a:spcAft>
+                <a:buSzPct val="90000"/>
+                <a:buFont typeface="Amazon Ember" panose="020B0603020204020204" pitchFamily="34" charset="0"/>
+                <a:buChar char="•"/>
+                <a:defRPr sz="2800" kern="1200">
+                  <a:solidFill>
+                    <a:schemeClr val="tx1"/>
+                  </a:solidFill>
+                  <a:latin typeface="+mn-lt"/>
+                  <a:ea typeface="+mn-ea"/>
+                  <a:cs typeface="+mn-cs"/>
+                </a:defRPr>
+              </a:lvl1pPr>
+              <a:lvl2pPr marL="457200" indent="-228600" algn="l" defTabSz="914400" rtl="0" eaLnBrk="1" latinLnBrk="0" hangingPunct="1">
+                <a:lnSpc>
+                  <a:spcPct val="90000"/>
+                </a:lnSpc>
+                <a:spcBef>
+                  <a:spcPts val="0"/>
+                </a:spcBef>
+                <a:spcAft>
+                  <a:spcPts val="1200"/>
+                </a:spcAft>
+                <a:buSzPct val="90000"/>
+                <a:buFont typeface="Wingdings" panose="05000000000000000000" pitchFamily="2" charset="2"/>
+                <a:buChar char="§"/>
+                <a:defRPr sz="2400" kern="1200">
+                  <a:solidFill>
+                    <a:schemeClr val="tx1"/>
+                  </a:solidFill>
+                  <a:latin typeface="+mn-lt"/>
+                  <a:ea typeface="+mn-ea"/>
+                  <a:cs typeface="+mn-cs"/>
+                </a:defRPr>
+              </a:lvl2pPr>
+              <a:lvl3pPr marL="685800" indent="-228600" algn="l" defTabSz="914400" rtl="0" eaLnBrk="1" latinLnBrk="0" hangingPunct="1">
+                <a:lnSpc>
+                  <a:spcPct val="90000"/>
+                </a:lnSpc>
+                <a:spcBef>
+                  <a:spcPts val="0"/>
+                </a:spcBef>
+                <a:spcAft>
+                  <a:spcPts val="1200"/>
+                </a:spcAft>
+                <a:buSzPct val="90000"/>
+                <a:buFont typeface="Amazon Ember" panose="020B0603020204020204" pitchFamily="34" charset="0"/>
+                <a:buChar char="–"/>
+                <a:defRPr sz="2000" kern="1200">
+                  <a:solidFill>
+                    <a:schemeClr val="tx1"/>
+                  </a:solidFill>
+                  <a:latin typeface="+mn-lt"/>
+                  <a:ea typeface="+mn-ea"/>
+                  <a:cs typeface="+mn-cs"/>
+                </a:defRPr>
+              </a:lvl3pPr>
+              <a:lvl4pPr marL="914400" indent="-228600" algn="l" defTabSz="914400" rtl="0" eaLnBrk="1" latinLnBrk="0" hangingPunct="1">
+                <a:lnSpc>
+                  <a:spcPct val="90000"/>
+                </a:lnSpc>
+                <a:spcBef>
+                  <a:spcPts val="0"/>
+                </a:spcBef>
+                <a:spcAft>
+                  <a:spcPts val="1200"/>
+                </a:spcAft>
+                <a:buFont typeface="Amazon Ember" panose="020B0603020204020204" pitchFamily="34" charset="0"/>
+                <a:buChar char="•"/>
+                <a:defRPr sz="1800" kern="1200">
+                  <a:solidFill>
+                    <a:schemeClr val="tx1"/>
+                  </a:solidFill>
+                  <a:latin typeface="+mn-lt"/>
+                  <a:ea typeface="+mn-ea"/>
+                  <a:cs typeface="+mn-cs"/>
+                </a:defRPr>
+              </a:lvl4pPr>
+              <a:lvl5pPr marL="1143000" indent="-228600" algn="l" defTabSz="914400" rtl="0" eaLnBrk="1" latinLnBrk="0" hangingPunct="1">
+                <a:lnSpc>
+                  <a:spcPct val="90000"/>
+                </a:lnSpc>
+                <a:spcBef>
+                  <a:spcPts val="0"/>
+                </a:spcBef>
+                <a:spcAft>
+                  <a:spcPts val="1200"/>
+                </a:spcAft>
+                <a:buFont typeface="Amazon Ember" panose="020B0603020204020204" pitchFamily="34" charset="0"/>
+                <a:buChar char="•"/>
+                <a:defRPr sz="1800" kern="1200">
+                  <a:solidFill>
+                    <a:schemeClr val="tx1"/>
+                  </a:solidFill>
+                  <a:latin typeface="+mn-lt"/>
+                  <a:ea typeface="+mn-ea"/>
+                  <a:cs typeface="+mn-cs"/>
+                </a:defRPr>
+              </a:lvl5pPr>
+              <a:lvl6pPr marL="2514600" indent="-228600" algn="l" defTabSz="914400" rtl="0" eaLnBrk="1" latinLnBrk="0" hangingPunct="1">
+                <a:lnSpc>
+                  <a:spcPct val="90000"/>
+                </a:lnSpc>
+                <a:spcBef>
+                  <a:spcPts val="500"/>
+                </a:spcBef>
+                <a:buFont typeface="Amazon Ember" panose="020B0603020204020204" pitchFamily="34" charset="0"/>
+                <a:buChar char="•"/>
+                <a:defRPr sz="1800" kern="1200">
+                  <a:solidFill>
+                    <a:schemeClr val="tx1"/>
+                  </a:solidFill>
+                  <a:latin typeface="+mn-lt"/>
+                  <a:ea typeface="+mn-ea"/>
+                  <a:cs typeface="+mn-cs"/>
+                </a:defRPr>
+              </a:lvl6pPr>
+              <a:lvl7pPr marL="2971800" indent="-228600" algn="l" defTabSz="914400" rtl="0" eaLnBrk="1" latinLnBrk="0" hangingPunct="1">
+                <a:lnSpc>
+                  <a:spcPct val="90000"/>
+                </a:lnSpc>
+                <a:spcBef>
+                  <a:spcPts val="500"/>
+                </a:spcBef>
+                <a:buFont typeface="Amazon Ember" panose="020B0603020204020204" pitchFamily="34" charset="0"/>
+                <a:buChar char="•"/>
+                <a:defRPr sz="1800" kern="1200">
+                  <a:solidFill>
+                    <a:schemeClr val="tx1"/>
+                  </a:solidFill>
+                  <a:latin typeface="+mn-lt"/>
+                  <a:ea typeface="+mn-ea"/>
+                  <a:cs typeface="+mn-cs"/>
+                </a:defRPr>
+              </a:lvl7pPr>
+              <a:lvl8pPr marL="3429000" indent="-228600" algn="l" defTabSz="914400" rtl="0" eaLnBrk="1" latinLnBrk="0" hangingPunct="1">
+                <a:lnSpc>
+                  <a:spcPct val="90000"/>
+                </a:lnSpc>
+                <a:spcBef>
+                  <a:spcPts val="500"/>
+                </a:spcBef>
+                <a:buFont typeface="Amazon Ember" panose="020B0603020204020204" pitchFamily="34" charset="0"/>
+                <a:buChar char="•"/>
+                <a:defRPr sz="1800" kern="1200">
+                  <a:solidFill>
+                    <a:schemeClr val="tx1"/>
+                  </a:solidFill>
+                  <a:latin typeface="+mn-lt"/>
+                  <a:ea typeface="+mn-ea"/>
+                  <a:cs typeface="+mn-cs"/>
+                </a:defRPr>
+              </a:lvl8pPr>
+              <a:lvl9pPr marL="3886200" indent="-228600" algn="l" defTabSz="914400" rtl="0" eaLnBrk="1" latinLnBrk="0" hangingPunct="1">
+                <a:lnSpc>
+                  <a:spcPct val="90000"/>
+                </a:lnSpc>
+                <a:spcBef>
+                  <a:spcPts val="500"/>
+                </a:spcBef>
+                <a:buFont typeface="Amazon Ember" panose="020B0603020204020204" pitchFamily="34" charset="0"/>
+                <a:buChar char="•"/>
+                <a:defRPr sz="1800" kern="1200">
+                  <a:solidFill>
+                    <a:schemeClr val="tx1"/>
+                  </a:solidFill>
+                  <a:latin typeface="+mn-lt"/>
+                  <a:ea typeface="+mn-ea"/>
+                  <a:cs typeface="+mn-cs"/>
+                </a:defRPr>
+              </a:lvl9pPr>
+            </a:lstStyle>
+            <a:p>
+              <a:pPr marL="0" indent="0">
+                <a:lnSpc>
+                  <a:spcPct val="100000"/>
+                </a:lnSpc>
+                <a:spcAft>
+                  <a:spcPts val="600"/>
+                </a:spcAft>
+                <a:buNone/>
+              </a:pPr>
+              <a:r>
+                <a:rPr lang="en-US" sz="2000" i="1" dirty="0">
+                  <a:solidFill>
+                    <a:schemeClr val="bg2">
+                      <a:lumMod val="40000"/>
+                      <a:lumOff val="60000"/>
+                    </a:schemeClr>
+                  </a:solidFill>
+                  <a:effectLst>
+                    <a:glow>
+                      <a:schemeClr val="bg1"/>
+                    </a:glow>
+                  </a:effectLst>
+                </a:rPr>
+                <a:t>proactively rotate Wi-Fi  credentials</a:t>
+              </a:r>
+            </a:p>
+          </p:txBody>
+        </p:sp>
+      </p:grpSp>
+    </p:spTree>
+    <p:extLst>
+      <p:ext uri="{BB962C8B-B14F-4D97-AF65-F5344CB8AC3E}">
+        <p14:creationId xmlns:p14="http://schemas.microsoft.com/office/powerpoint/2010/main" val="432111555"/>
+      </p:ext>
+    </p:extLst>
+  </p:cSld>
+  <p:clrMapOvr>
+    <a:masterClrMapping/>
+  </p:clrMapOvr>
+  <p:transition>
+    <p:fade/>
+  </p:transition>
+</p:sld>
+</file>
+
+<file path=ppt/slides/slide8.xml><?xml version="1.0" encoding="utf-8"?>
 <p:sld xmlns:a="http://schemas.openxmlformats.org/drawingml/2006/main" xmlns:r="http://schemas.openxmlformats.org/officeDocument/2006/relationships" xmlns:p="http://schemas.openxmlformats.org/presentationml/2006/main">
   <p:cSld>
     <p:spTree>
@@ -26603,7 +31343,7 @@
 </p:sld>
 </file>
 
-<file path=ppt/slides/slide8.xml><?xml version="1.0" encoding="utf-8"?>
+<file path=ppt/slides/slide9.xml><?xml version="1.0" encoding="utf-8"?>
 <p:sld xmlns:a="http://schemas.openxmlformats.org/drawingml/2006/main" xmlns:r="http://schemas.openxmlformats.org/officeDocument/2006/relationships" xmlns:p="http://schemas.openxmlformats.org/presentationml/2006/main">
   <p:cSld>
     <p:spTree>
